--- a/Classifying natural numbers.pptx
+++ b/Classifying natural numbers.pptx
@@ -13,6 +13,12 @@
     <p:sldId id="259" r:id="rId8"/>
     <p:sldId id="260" r:id="rId9"/>
     <p:sldId id="261" r:id="rId10"/>
+    <p:sldId id="262" r:id="rId11"/>
+    <p:sldId id="263" r:id="rId12"/>
+    <p:sldId id="264" r:id="rId13"/>
+    <p:sldId id="265" r:id="rId14"/>
+    <p:sldId id="266" r:id="rId15"/>
+    <p:sldId id="267" r:id="rId16"/>
   </p:sldIdLst>
   <p:sldSz cx="12192000" cy="6858000"/>
   <p:notesSz cx="7559675" cy="10691812"/>
@@ -70,8 +76,8 @@
         </p:nvSpPr>
         <p:spPr>
           <a:xfrm>
-            <a:off x="3962520" y="1964160"/>
-            <a:ext cx="7197120" cy="2420640"/>
+            <a:off x="609480" y="273600"/>
+            <a:ext cx="10972440" cy="1144800"/>
           </a:xfrm>
           <a:prstGeom prst="rect">
             <a:avLst/>
@@ -80,10 +86,9 @@
         <p:txBody>
           <a:bodyPr lIns="0" rIns="0" tIns="0" bIns="0" anchor="ctr"/>
           <a:p>
-            <a:pPr algn="ctr"/>
-            <a:endParaRPr b="0" lang="en-GB" sz="4400" spc="-1" strike="noStrike">
-              <a:solidFill>
-                <a:srgbClr val="ffffff"/>
+            <a:endParaRPr b="0" lang="en-US" sz="1800" spc="-1" strike="noStrike">
+              <a:solidFill>
+                <a:srgbClr val="000000"/>
               </a:solidFill>
               <a:uFill>
                 <a:solidFill>
@@ -108,7 +113,7 @@
         <p:spPr>
           <a:xfrm>
             <a:off x="609480" y="1604520"/>
-            <a:ext cx="10972080" cy="1896840"/>
+            <a:ext cx="10972440" cy="1896840"/>
           </a:xfrm>
           <a:prstGeom prst="rect">
             <a:avLst/>
@@ -119,9 +124,9 @@
             <a:normAutofit/>
           </a:bodyPr>
           <a:p>
-            <a:endParaRPr b="0" lang="en-GB" sz="3200" spc="-1" strike="noStrike">
-              <a:solidFill>
-                <a:srgbClr val="ffffff"/>
+            <a:endParaRPr b="0" lang="en-US" sz="2800" spc="-1" strike="noStrike">
+              <a:solidFill>
+                <a:srgbClr val="000000"/>
               </a:solidFill>
               <a:uFill>
                 <a:solidFill>
@@ -146,7 +151,7 @@
         <p:spPr>
           <a:xfrm>
             <a:off x="609480" y="3682080"/>
-            <a:ext cx="10972080" cy="1896840"/>
+            <a:ext cx="10972440" cy="1896840"/>
           </a:xfrm>
           <a:prstGeom prst="rect">
             <a:avLst/>
@@ -157,9 +162,9 @@
             <a:normAutofit/>
           </a:bodyPr>
           <a:p>
-            <a:endParaRPr b="0" lang="en-GB" sz="3200" spc="-1" strike="noStrike">
-              <a:solidFill>
-                <a:srgbClr val="ffffff"/>
+            <a:endParaRPr b="0" lang="en-US" sz="2800" spc="-1" strike="noStrike">
+              <a:solidFill>
+                <a:srgbClr val="000000"/>
               </a:solidFill>
               <a:uFill>
                 <a:solidFill>
@@ -205,8 +210,8 @@
         </p:nvSpPr>
         <p:spPr>
           <a:xfrm>
-            <a:off x="3962520" y="1964160"/>
-            <a:ext cx="7197120" cy="2420640"/>
+            <a:off x="609480" y="273600"/>
+            <a:ext cx="10972440" cy="1144800"/>
           </a:xfrm>
           <a:prstGeom prst="rect">
             <a:avLst/>
@@ -215,10 +220,9 @@
         <p:txBody>
           <a:bodyPr lIns="0" rIns="0" tIns="0" bIns="0" anchor="ctr"/>
           <a:p>
-            <a:pPr algn="ctr"/>
-            <a:endParaRPr b="0" lang="en-GB" sz="4400" spc="-1" strike="noStrike">
-              <a:solidFill>
-                <a:srgbClr val="ffffff"/>
+            <a:endParaRPr b="0" lang="en-US" sz="1800" spc="-1" strike="noStrike">
+              <a:solidFill>
+                <a:srgbClr val="000000"/>
               </a:solidFill>
               <a:uFill>
                 <a:solidFill>
@@ -254,9 +258,9 @@
             <a:normAutofit/>
           </a:bodyPr>
           <a:p>
-            <a:endParaRPr b="0" lang="en-GB" sz="3200" spc="-1" strike="noStrike">
-              <a:solidFill>
-                <a:srgbClr val="ffffff"/>
+            <a:endParaRPr b="0" lang="en-US" sz="2800" spc="-1" strike="noStrike">
+              <a:solidFill>
+                <a:srgbClr val="000000"/>
               </a:solidFill>
               <a:uFill>
                 <a:solidFill>
@@ -292,9 +296,9 @@
             <a:normAutofit/>
           </a:bodyPr>
           <a:p>
-            <a:endParaRPr b="0" lang="en-GB" sz="3200" spc="-1" strike="noStrike">
-              <a:solidFill>
-                <a:srgbClr val="ffffff"/>
+            <a:endParaRPr b="0" lang="en-US" sz="2800" spc="-1" strike="noStrike">
+              <a:solidFill>
+                <a:srgbClr val="000000"/>
               </a:solidFill>
               <a:uFill>
                 <a:solidFill>
@@ -330,9 +334,9 @@
             <a:normAutofit/>
           </a:bodyPr>
           <a:p>
-            <a:endParaRPr b="0" lang="en-GB" sz="3200" spc="-1" strike="noStrike">
-              <a:solidFill>
-                <a:srgbClr val="ffffff"/>
+            <a:endParaRPr b="0" lang="en-US" sz="2800" spc="-1" strike="noStrike">
+              <a:solidFill>
+                <a:srgbClr val="000000"/>
               </a:solidFill>
               <a:uFill>
                 <a:solidFill>
@@ -368,9 +372,9 @@
             <a:normAutofit/>
           </a:bodyPr>
           <a:p>
-            <a:endParaRPr b="0" lang="en-GB" sz="3200" spc="-1" strike="noStrike">
-              <a:solidFill>
-                <a:srgbClr val="ffffff"/>
+            <a:endParaRPr b="0" lang="en-US" sz="2800" spc="-1" strike="noStrike">
+              <a:solidFill>
+                <a:srgbClr val="000000"/>
               </a:solidFill>
               <a:uFill>
                 <a:solidFill>
@@ -416,8 +420,8 @@
         </p:nvSpPr>
         <p:spPr>
           <a:xfrm>
-            <a:off x="3962520" y="1964160"/>
-            <a:ext cx="7197120" cy="2420640"/>
+            <a:off x="609480" y="273600"/>
+            <a:ext cx="10972440" cy="1144800"/>
           </a:xfrm>
           <a:prstGeom prst="rect">
             <a:avLst/>
@@ -426,10 +430,9 @@
         <p:txBody>
           <a:bodyPr lIns="0" rIns="0" tIns="0" bIns="0" anchor="ctr"/>
           <a:p>
-            <a:pPr algn="ctr"/>
-            <a:endParaRPr b="0" lang="en-GB" sz="4400" spc="-1" strike="noStrike">
-              <a:solidFill>
-                <a:srgbClr val="ffffff"/>
+            <a:endParaRPr b="0" lang="en-US" sz="1800" spc="-1" strike="noStrike">
+              <a:solidFill>
+                <a:srgbClr val="000000"/>
               </a:solidFill>
               <a:uFill>
                 <a:solidFill>
@@ -454,7 +457,7 @@
         <p:spPr>
           <a:xfrm>
             <a:off x="609480" y="1604520"/>
-            <a:ext cx="10972080" cy="3976920"/>
+            <a:ext cx="10972440" cy="3977280"/>
           </a:xfrm>
           <a:prstGeom prst="rect">
             <a:avLst/>
@@ -465,9 +468,9 @@
             <a:normAutofit/>
           </a:bodyPr>
           <a:p>
-            <a:endParaRPr b="0" lang="en-GB" sz="3200" spc="-1" strike="noStrike">
-              <a:solidFill>
-                <a:srgbClr val="ffffff"/>
+            <a:endParaRPr b="0" lang="en-US" sz="2800" spc="-1" strike="noStrike">
+              <a:solidFill>
+                <a:srgbClr val="000000"/>
               </a:solidFill>
               <a:uFill>
                 <a:solidFill>
@@ -492,7 +495,7 @@
         <p:spPr>
           <a:xfrm>
             <a:off x="609480" y="1604520"/>
-            <a:ext cx="10972080" cy="3976920"/>
+            <a:ext cx="10972440" cy="3977280"/>
           </a:xfrm>
           <a:prstGeom prst="rect">
             <a:avLst/>
@@ -503,9 +506,9 @@
             <a:normAutofit/>
           </a:bodyPr>
           <a:p>
-            <a:endParaRPr b="0" lang="en-GB" sz="3200" spc="-1" strike="noStrike">
-              <a:solidFill>
-                <a:srgbClr val="ffffff"/>
+            <a:endParaRPr b="0" lang="en-US" sz="2800" spc="-1" strike="noStrike">
+              <a:solidFill>
+                <a:srgbClr val="000000"/>
               </a:solidFill>
               <a:uFill>
                 <a:solidFill>
@@ -529,8 +532,8 @@
         </p:blipFill>
         <p:spPr>
           <a:xfrm>
-            <a:off x="3603240" y="1604160"/>
-            <a:ext cx="4984200" cy="3976920"/>
+            <a:off x="3602880" y="1604520"/>
+            <a:ext cx="4984920" cy="3977280"/>
           </a:xfrm>
           <a:prstGeom prst="rect">
             <a:avLst/>
@@ -552,8 +555,8 @@
         </p:blipFill>
         <p:spPr>
           <a:xfrm>
-            <a:off x="3603240" y="1604160"/>
-            <a:ext cx="4984200" cy="3976920"/>
+            <a:off x="3602880" y="1604520"/>
+            <a:ext cx="4984920" cy="3977280"/>
           </a:xfrm>
           <a:prstGeom prst="rect">
             <a:avLst/>
@@ -619,8 +622,8 @@
         </p:nvSpPr>
         <p:spPr>
           <a:xfrm>
-            <a:off x="3962520" y="1964160"/>
-            <a:ext cx="7197120" cy="2420640"/>
+            <a:off x="609480" y="273600"/>
+            <a:ext cx="10972440" cy="1144800"/>
           </a:xfrm>
           <a:prstGeom prst="rect">
             <a:avLst/>
@@ -629,10 +632,9 @@
         <p:txBody>
           <a:bodyPr lIns="0" rIns="0" tIns="0" bIns="0" anchor="ctr"/>
           <a:p>
-            <a:pPr algn="ctr"/>
-            <a:endParaRPr b="0" lang="en-GB" sz="4400" spc="-1" strike="noStrike">
-              <a:solidFill>
-                <a:srgbClr val="ffffff"/>
+            <a:endParaRPr b="0" lang="en-US" sz="1800" spc="-1" strike="noStrike">
+              <a:solidFill>
+                <a:srgbClr val="000000"/>
               </a:solidFill>
               <a:uFill>
                 <a:solidFill>
@@ -657,7 +659,7 @@
         <p:spPr>
           <a:xfrm>
             <a:off x="609480" y="1604520"/>
-            <a:ext cx="10972080" cy="3976920"/>
+            <a:ext cx="10972440" cy="3977280"/>
           </a:xfrm>
           <a:prstGeom prst="rect">
             <a:avLst/>
@@ -715,8 +717,8 @@
         </p:nvSpPr>
         <p:spPr>
           <a:xfrm>
-            <a:off x="3962520" y="1964160"/>
-            <a:ext cx="7197120" cy="2420640"/>
+            <a:off x="609480" y="273600"/>
+            <a:ext cx="10972440" cy="1144800"/>
           </a:xfrm>
           <a:prstGeom prst="rect">
             <a:avLst/>
@@ -725,10 +727,9 @@
         <p:txBody>
           <a:bodyPr lIns="0" rIns="0" tIns="0" bIns="0" anchor="ctr"/>
           <a:p>
-            <a:pPr algn="ctr"/>
-            <a:endParaRPr b="0" lang="en-GB" sz="4400" spc="-1" strike="noStrike">
-              <a:solidFill>
-                <a:srgbClr val="ffffff"/>
+            <a:endParaRPr b="0" lang="en-US" sz="1800" spc="-1" strike="noStrike">
+              <a:solidFill>
+                <a:srgbClr val="000000"/>
               </a:solidFill>
               <a:uFill>
                 <a:solidFill>
@@ -753,7 +754,7 @@
         <p:spPr>
           <a:xfrm>
             <a:off x="609480" y="1604520"/>
-            <a:ext cx="10972080" cy="3976920"/>
+            <a:ext cx="10972440" cy="3977280"/>
           </a:xfrm>
           <a:prstGeom prst="rect">
             <a:avLst/>
@@ -764,9 +765,9 @@
             <a:normAutofit/>
           </a:bodyPr>
           <a:p>
-            <a:endParaRPr b="0" lang="en-GB" sz="3200" spc="-1" strike="noStrike">
-              <a:solidFill>
-                <a:srgbClr val="ffffff"/>
+            <a:endParaRPr b="0" lang="en-US" sz="2800" spc="-1" strike="noStrike">
+              <a:solidFill>
+                <a:srgbClr val="000000"/>
               </a:solidFill>
               <a:uFill>
                 <a:solidFill>
@@ -812,8 +813,8 @@
         </p:nvSpPr>
         <p:spPr>
           <a:xfrm>
-            <a:off x="3962520" y="1964160"/>
-            <a:ext cx="7197120" cy="2420640"/>
+            <a:off x="609480" y="273600"/>
+            <a:ext cx="10972440" cy="1144800"/>
           </a:xfrm>
           <a:prstGeom prst="rect">
             <a:avLst/>
@@ -822,10 +823,9 @@
         <p:txBody>
           <a:bodyPr lIns="0" rIns="0" tIns="0" bIns="0" anchor="ctr"/>
           <a:p>
-            <a:pPr algn="ctr"/>
-            <a:endParaRPr b="0" lang="en-GB" sz="4400" spc="-1" strike="noStrike">
-              <a:solidFill>
-                <a:srgbClr val="ffffff"/>
+            <a:endParaRPr b="0" lang="en-US" sz="1800" spc="-1" strike="noStrike">
+              <a:solidFill>
+                <a:srgbClr val="000000"/>
               </a:solidFill>
               <a:uFill>
                 <a:solidFill>
@@ -850,7 +850,7 @@
         <p:spPr>
           <a:xfrm>
             <a:off x="609480" y="1604520"/>
-            <a:ext cx="5354280" cy="3976920"/>
+            <a:ext cx="5354280" cy="3977280"/>
           </a:xfrm>
           <a:prstGeom prst="rect">
             <a:avLst/>
@@ -861,9 +861,9 @@
             <a:normAutofit/>
           </a:bodyPr>
           <a:p>
-            <a:endParaRPr b="0" lang="en-GB" sz="3200" spc="-1" strike="noStrike">
-              <a:solidFill>
-                <a:srgbClr val="ffffff"/>
+            <a:endParaRPr b="0" lang="en-US" sz="2800" spc="-1" strike="noStrike">
+              <a:solidFill>
+                <a:srgbClr val="000000"/>
               </a:solidFill>
               <a:uFill>
                 <a:solidFill>
@@ -888,7 +888,7 @@
         <p:spPr>
           <a:xfrm>
             <a:off x="6231960" y="1604520"/>
-            <a:ext cx="5354280" cy="3976920"/>
+            <a:ext cx="5354280" cy="3977280"/>
           </a:xfrm>
           <a:prstGeom prst="rect">
             <a:avLst/>
@@ -899,9 +899,9 @@
             <a:normAutofit/>
           </a:bodyPr>
           <a:p>
-            <a:endParaRPr b="0" lang="en-GB" sz="3200" spc="-1" strike="noStrike">
-              <a:solidFill>
-                <a:srgbClr val="ffffff"/>
+            <a:endParaRPr b="0" lang="en-US" sz="2800" spc="-1" strike="noStrike">
+              <a:solidFill>
+                <a:srgbClr val="000000"/>
               </a:solidFill>
               <a:uFill>
                 <a:solidFill>
@@ -947,8 +947,8 @@
         </p:nvSpPr>
         <p:spPr>
           <a:xfrm>
-            <a:off x="3962520" y="1964160"/>
-            <a:ext cx="7197120" cy="2420640"/>
+            <a:off x="609480" y="273600"/>
+            <a:ext cx="10972440" cy="1144800"/>
           </a:xfrm>
           <a:prstGeom prst="rect">
             <a:avLst/>
@@ -957,10 +957,9 @@
         <p:txBody>
           <a:bodyPr lIns="0" rIns="0" tIns="0" bIns="0" anchor="ctr"/>
           <a:p>
-            <a:pPr algn="ctr"/>
-            <a:endParaRPr b="0" lang="en-GB" sz="4400" spc="-1" strike="noStrike">
-              <a:solidFill>
-                <a:srgbClr val="ffffff"/>
+            <a:endParaRPr b="0" lang="en-US" sz="1800" spc="-1" strike="noStrike">
+              <a:solidFill>
+                <a:srgbClr val="000000"/>
               </a:solidFill>
               <a:uFill>
                 <a:solidFill>
@@ -1006,8 +1005,8 @@
         </p:nvSpPr>
         <p:spPr>
           <a:xfrm>
-            <a:off x="3962520" y="1964160"/>
-            <a:ext cx="7197120" cy="11221920"/>
+            <a:off x="609480" y="273600"/>
+            <a:ext cx="10972440" cy="5307840"/>
           </a:xfrm>
           <a:prstGeom prst="rect">
             <a:avLst/>
@@ -1065,8 +1064,8 @@
         </p:nvSpPr>
         <p:spPr>
           <a:xfrm>
-            <a:off x="3962520" y="1964160"/>
-            <a:ext cx="7197120" cy="2420640"/>
+            <a:off x="609480" y="273600"/>
+            <a:ext cx="10972440" cy="1144800"/>
           </a:xfrm>
           <a:prstGeom prst="rect">
             <a:avLst/>
@@ -1075,10 +1074,9 @@
         <p:txBody>
           <a:bodyPr lIns="0" rIns="0" tIns="0" bIns="0" anchor="ctr"/>
           <a:p>
-            <a:pPr algn="ctr"/>
-            <a:endParaRPr b="0" lang="en-GB" sz="4400" spc="-1" strike="noStrike">
-              <a:solidFill>
-                <a:srgbClr val="ffffff"/>
+            <a:endParaRPr b="0" lang="en-US" sz="1800" spc="-1" strike="noStrike">
+              <a:solidFill>
+                <a:srgbClr val="000000"/>
               </a:solidFill>
               <a:uFill>
                 <a:solidFill>
@@ -1114,9 +1112,9 @@
             <a:normAutofit/>
           </a:bodyPr>
           <a:p>
-            <a:endParaRPr b="0" lang="en-GB" sz="3200" spc="-1" strike="noStrike">
-              <a:solidFill>
-                <a:srgbClr val="ffffff"/>
+            <a:endParaRPr b="0" lang="en-US" sz="2800" spc="-1" strike="noStrike">
+              <a:solidFill>
+                <a:srgbClr val="000000"/>
               </a:solidFill>
               <a:uFill>
                 <a:solidFill>
@@ -1152,9 +1150,9 @@
             <a:normAutofit/>
           </a:bodyPr>
           <a:p>
-            <a:endParaRPr b="0" lang="en-GB" sz="3200" spc="-1" strike="noStrike">
-              <a:solidFill>
-                <a:srgbClr val="ffffff"/>
+            <a:endParaRPr b="0" lang="en-US" sz="2800" spc="-1" strike="noStrike">
+              <a:solidFill>
+                <a:srgbClr val="000000"/>
               </a:solidFill>
               <a:uFill>
                 <a:solidFill>
@@ -1179,7 +1177,7 @@
         <p:spPr>
           <a:xfrm>
             <a:off x="6231960" y="1604520"/>
-            <a:ext cx="5354280" cy="3976920"/>
+            <a:ext cx="5354280" cy="3977280"/>
           </a:xfrm>
           <a:prstGeom prst="rect">
             <a:avLst/>
@@ -1190,9 +1188,9 @@
             <a:normAutofit/>
           </a:bodyPr>
           <a:p>
-            <a:endParaRPr b="0" lang="en-GB" sz="3200" spc="-1" strike="noStrike">
-              <a:solidFill>
-                <a:srgbClr val="ffffff"/>
+            <a:endParaRPr b="0" lang="en-US" sz="2800" spc="-1" strike="noStrike">
+              <a:solidFill>
+                <a:srgbClr val="000000"/>
               </a:solidFill>
               <a:uFill>
                 <a:solidFill>
@@ -1238,8 +1236,8 @@
         </p:nvSpPr>
         <p:spPr>
           <a:xfrm>
-            <a:off x="3962520" y="1964160"/>
-            <a:ext cx="7197120" cy="2420640"/>
+            <a:off x="609480" y="273600"/>
+            <a:ext cx="10972440" cy="1144800"/>
           </a:xfrm>
           <a:prstGeom prst="rect">
             <a:avLst/>
@@ -1248,10 +1246,9 @@
         <p:txBody>
           <a:bodyPr lIns="0" rIns="0" tIns="0" bIns="0" anchor="ctr"/>
           <a:p>
-            <a:pPr algn="ctr"/>
-            <a:endParaRPr b="0" lang="en-GB" sz="4400" spc="-1" strike="noStrike">
-              <a:solidFill>
-                <a:srgbClr val="ffffff"/>
+            <a:endParaRPr b="0" lang="en-US" sz="1800" spc="-1" strike="noStrike">
+              <a:solidFill>
+                <a:srgbClr val="000000"/>
               </a:solidFill>
               <a:uFill>
                 <a:solidFill>
@@ -1276,7 +1273,7 @@
         <p:spPr>
           <a:xfrm>
             <a:off x="609480" y="1604520"/>
-            <a:ext cx="10972080" cy="3976920"/>
+            <a:ext cx="10972440" cy="3977280"/>
           </a:xfrm>
           <a:prstGeom prst="rect">
             <a:avLst/>
@@ -1334,8 +1331,8 @@
         </p:nvSpPr>
         <p:spPr>
           <a:xfrm>
-            <a:off x="3962520" y="1964160"/>
-            <a:ext cx="7197120" cy="2420640"/>
+            <a:off x="609480" y="273600"/>
+            <a:ext cx="10972440" cy="1144800"/>
           </a:xfrm>
           <a:prstGeom prst="rect">
             <a:avLst/>
@@ -1344,10 +1341,9 @@
         <p:txBody>
           <a:bodyPr lIns="0" rIns="0" tIns="0" bIns="0" anchor="ctr"/>
           <a:p>
-            <a:pPr algn="ctr"/>
-            <a:endParaRPr b="0" lang="en-GB" sz="4400" spc="-1" strike="noStrike">
-              <a:solidFill>
-                <a:srgbClr val="ffffff"/>
+            <a:endParaRPr b="0" lang="en-US" sz="1800" spc="-1" strike="noStrike">
+              <a:solidFill>
+                <a:srgbClr val="000000"/>
               </a:solidFill>
               <a:uFill>
                 <a:solidFill>
@@ -1372,7 +1368,7 @@
         <p:spPr>
           <a:xfrm>
             <a:off x="609480" y="1604520"/>
-            <a:ext cx="5354280" cy="3976920"/>
+            <a:ext cx="5354280" cy="3977280"/>
           </a:xfrm>
           <a:prstGeom prst="rect">
             <a:avLst/>
@@ -1383,9 +1379,9 @@
             <a:normAutofit/>
           </a:bodyPr>
           <a:p>
-            <a:endParaRPr b="0" lang="en-GB" sz="3200" spc="-1" strike="noStrike">
-              <a:solidFill>
-                <a:srgbClr val="ffffff"/>
+            <a:endParaRPr b="0" lang="en-US" sz="2800" spc="-1" strike="noStrike">
+              <a:solidFill>
+                <a:srgbClr val="000000"/>
               </a:solidFill>
               <a:uFill>
                 <a:solidFill>
@@ -1421,9 +1417,9 @@
             <a:normAutofit/>
           </a:bodyPr>
           <a:p>
-            <a:endParaRPr b="0" lang="en-GB" sz="3200" spc="-1" strike="noStrike">
-              <a:solidFill>
-                <a:srgbClr val="ffffff"/>
+            <a:endParaRPr b="0" lang="en-US" sz="2800" spc="-1" strike="noStrike">
+              <a:solidFill>
+                <a:srgbClr val="000000"/>
               </a:solidFill>
               <a:uFill>
                 <a:solidFill>
@@ -1459,9 +1455,9 @@
             <a:normAutofit/>
           </a:bodyPr>
           <a:p>
-            <a:endParaRPr b="0" lang="en-GB" sz="3200" spc="-1" strike="noStrike">
-              <a:solidFill>
-                <a:srgbClr val="ffffff"/>
+            <a:endParaRPr b="0" lang="en-US" sz="2800" spc="-1" strike="noStrike">
+              <a:solidFill>
+                <a:srgbClr val="000000"/>
               </a:solidFill>
               <a:uFill>
                 <a:solidFill>
@@ -1507,8 +1503,8 @@
         </p:nvSpPr>
         <p:spPr>
           <a:xfrm>
-            <a:off x="3962520" y="1964160"/>
-            <a:ext cx="7197120" cy="2420640"/>
+            <a:off x="609480" y="273600"/>
+            <a:ext cx="10972440" cy="1144800"/>
           </a:xfrm>
           <a:prstGeom prst="rect">
             <a:avLst/>
@@ -1517,10 +1513,9 @@
         <p:txBody>
           <a:bodyPr lIns="0" rIns="0" tIns="0" bIns="0" anchor="ctr"/>
           <a:p>
-            <a:pPr algn="ctr"/>
-            <a:endParaRPr b="0" lang="en-GB" sz="4400" spc="-1" strike="noStrike">
-              <a:solidFill>
-                <a:srgbClr val="ffffff"/>
+            <a:endParaRPr b="0" lang="en-US" sz="1800" spc="-1" strike="noStrike">
+              <a:solidFill>
+                <a:srgbClr val="000000"/>
               </a:solidFill>
               <a:uFill>
                 <a:solidFill>
@@ -1556,9 +1551,9 @@
             <a:normAutofit/>
           </a:bodyPr>
           <a:p>
-            <a:endParaRPr b="0" lang="en-GB" sz="3200" spc="-1" strike="noStrike">
-              <a:solidFill>
-                <a:srgbClr val="ffffff"/>
+            <a:endParaRPr b="0" lang="en-US" sz="2800" spc="-1" strike="noStrike">
+              <a:solidFill>
+                <a:srgbClr val="000000"/>
               </a:solidFill>
               <a:uFill>
                 <a:solidFill>
@@ -1594,9 +1589,9 @@
             <a:normAutofit/>
           </a:bodyPr>
           <a:p>
-            <a:endParaRPr b="0" lang="en-GB" sz="3200" spc="-1" strike="noStrike">
-              <a:solidFill>
-                <a:srgbClr val="ffffff"/>
+            <a:endParaRPr b="0" lang="en-US" sz="2800" spc="-1" strike="noStrike">
+              <a:solidFill>
+                <a:srgbClr val="000000"/>
               </a:solidFill>
               <a:uFill>
                 <a:solidFill>
@@ -1621,7 +1616,7 @@
         <p:spPr>
           <a:xfrm>
             <a:off x="609480" y="3682080"/>
-            <a:ext cx="10972080" cy="1896840"/>
+            <a:ext cx="10972440" cy="1896840"/>
           </a:xfrm>
           <a:prstGeom prst="rect">
             <a:avLst/>
@@ -1632,9 +1627,9 @@
             <a:normAutofit/>
           </a:bodyPr>
           <a:p>
-            <a:endParaRPr b="0" lang="en-GB" sz="3200" spc="-1" strike="noStrike">
-              <a:solidFill>
-                <a:srgbClr val="ffffff"/>
+            <a:endParaRPr b="0" lang="en-US" sz="2800" spc="-1" strike="noStrike">
+              <a:solidFill>
+                <a:srgbClr val="000000"/>
               </a:solidFill>
               <a:uFill>
                 <a:solidFill>
@@ -1680,8 +1675,8 @@
         </p:nvSpPr>
         <p:spPr>
           <a:xfrm>
-            <a:off x="3962520" y="1964160"/>
-            <a:ext cx="7197120" cy="2420640"/>
+            <a:off x="609480" y="273600"/>
+            <a:ext cx="10972440" cy="1144800"/>
           </a:xfrm>
           <a:prstGeom prst="rect">
             <a:avLst/>
@@ -1690,10 +1685,9 @@
         <p:txBody>
           <a:bodyPr lIns="0" rIns="0" tIns="0" bIns="0" anchor="ctr"/>
           <a:p>
-            <a:pPr algn="ctr"/>
-            <a:endParaRPr b="0" lang="en-GB" sz="4400" spc="-1" strike="noStrike">
-              <a:solidFill>
-                <a:srgbClr val="ffffff"/>
+            <a:endParaRPr b="0" lang="en-US" sz="1800" spc="-1" strike="noStrike">
+              <a:solidFill>
+                <a:srgbClr val="000000"/>
               </a:solidFill>
               <a:uFill>
                 <a:solidFill>
@@ -1718,7 +1712,7 @@
         <p:spPr>
           <a:xfrm>
             <a:off x="609480" y="1604520"/>
-            <a:ext cx="10972080" cy="1896840"/>
+            <a:ext cx="10972440" cy="1896840"/>
           </a:xfrm>
           <a:prstGeom prst="rect">
             <a:avLst/>
@@ -1729,9 +1723,9 @@
             <a:normAutofit/>
           </a:bodyPr>
           <a:p>
-            <a:endParaRPr b="0" lang="en-GB" sz="3200" spc="-1" strike="noStrike">
-              <a:solidFill>
-                <a:srgbClr val="ffffff"/>
+            <a:endParaRPr b="0" lang="en-US" sz="2800" spc="-1" strike="noStrike">
+              <a:solidFill>
+                <a:srgbClr val="000000"/>
               </a:solidFill>
               <a:uFill>
                 <a:solidFill>
@@ -1756,7 +1750,7 @@
         <p:spPr>
           <a:xfrm>
             <a:off x="609480" y="3682080"/>
-            <a:ext cx="10972080" cy="1896840"/>
+            <a:ext cx="10972440" cy="1896840"/>
           </a:xfrm>
           <a:prstGeom prst="rect">
             <a:avLst/>
@@ -1767,9 +1761,9 @@
             <a:normAutofit/>
           </a:bodyPr>
           <a:p>
-            <a:endParaRPr b="0" lang="en-GB" sz="3200" spc="-1" strike="noStrike">
-              <a:solidFill>
-                <a:srgbClr val="ffffff"/>
+            <a:endParaRPr b="0" lang="en-US" sz="2800" spc="-1" strike="noStrike">
+              <a:solidFill>
+                <a:srgbClr val="000000"/>
               </a:solidFill>
               <a:uFill>
                 <a:solidFill>
@@ -1815,8 +1809,8 @@
         </p:nvSpPr>
         <p:spPr>
           <a:xfrm>
-            <a:off x="3962520" y="1964160"/>
-            <a:ext cx="7197120" cy="2420640"/>
+            <a:off x="609480" y="273600"/>
+            <a:ext cx="10972440" cy="1144800"/>
           </a:xfrm>
           <a:prstGeom prst="rect">
             <a:avLst/>
@@ -1825,10 +1819,9 @@
         <p:txBody>
           <a:bodyPr lIns="0" rIns="0" tIns="0" bIns="0" anchor="ctr"/>
           <a:p>
-            <a:pPr algn="ctr"/>
-            <a:endParaRPr b="0" lang="en-GB" sz="4400" spc="-1" strike="noStrike">
-              <a:solidFill>
-                <a:srgbClr val="ffffff"/>
+            <a:endParaRPr b="0" lang="en-US" sz="1800" spc="-1" strike="noStrike">
+              <a:solidFill>
+                <a:srgbClr val="000000"/>
               </a:solidFill>
               <a:uFill>
                 <a:solidFill>
@@ -1864,9 +1857,9 @@
             <a:normAutofit/>
           </a:bodyPr>
           <a:p>
-            <a:endParaRPr b="0" lang="en-GB" sz="3200" spc="-1" strike="noStrike">
-              <a:solidFill>
-                <a:srgbClr val="ffffff"/>
+            <a:endParaRPr b="0" lang="en-US" sz="2800" spc="-1" strike="noStrike">
+              <a:solidFill>
+                <a:srgbClr val="000000"/>
               </a:solidFill>
               <a:uFill>
                 <a:solidFill>
@@ -1902,9 +1895,9 @@
             <a:normAutofit/>
           </a:bodyPr>
           <a:p>
-            <a:endParaRPr b="0" lang="en-GB" sz="3200" spc="-1" strike="noStrike">
-              <a:solidFill>
-                <a:srgbClr val="ffffff"/>
+            <a:endParaRPr b="0" lang="en-US" sz="2800" spc="-1" strike="noStrike">
+              <a:solidFill>
+                <a:srgbClr val="000000"/>
               </a:solidFill>
               <a:uFill>
                 <a:solidFill>
@@ -1940,9 +1933,9 @@
             <a:normAutofit/>
           </a:bodyPr>
           <a:p>
-            <a:endParaRPr b="0" lang="en-GB" sz="3200" spc="-1" strike="noStrike">
-              <a:solidFill>
-                <a:srgbClr val="ffffff"/>
+            <a:endParaRPr b="0" lang="en-US" sz="2800" spc="-1" strike="noStrike">
+              <a:solidFill>
+                <a:srgbClr val="000000"/>
               </a:solidFill>
               <a:uFill>
                 <a:solidFill>
@@ -1978,9 +1971,9 @@
             <a:normAutofit/>
           </a:bodyPr>
           <a:p>
-            <a:endParaRPr b="0" lang="en-GB" sz="3200" spc="-1" strike="noStrike">
-              <a:solidFill>
-                <a:srgbClr val="ffffff"/>
+            <a:endParaRPr b="0" lang="en-US" sz="2800" spc="-1" strike="noStrike">
+              <a:solidFill>
+                <a:srgbClr val="000000"/>
               </a:solidFill>
               <a:uFill>
                 <a:solidFill>
@@ -2026,8 +2019,8 @@
         </p:nvSpPr>
         <p:spPr>
           <a:xfrm>
-            <a:off x="3962520" y="1964160"/>
-            <a:ext cx="7197120" cy="2420640"/>
+            <a:off x="609480" y="273600"/>
+            <a:ext cx="10972440" cy="1144800"/>
           </a:xfrm>
           <a:prstGeom prst="rect">
             <a:avLst/>
@@ -2036,10 +2029,9 @@
         <p:txBody>
           <a:bodyPr lIns="0" rIns="0" tIns="0" bIns="0" anchor="ctr"/>
           <a:p>
-            <a:pPr algn="ctr"/>
-            <a:endParaRPr b="0" lang="en-GB" sz="4400" spc="-1" strike="noStrike">
-              <a:solidFill>
-                <a:srgbClr val="ffffff"/>
+            <a:endParaRPr b="0" lang="en-US" sz="1800" spc="-1" strike="noStrike">
+              <a:solidFill>
+                <a:srgbClr val="000000"/>
               </a:solidFill>
               <a:uFill>
                 <a:solidFill>
@@ -2064,7 +2056,7 @@
         <p:spPr>
           <a:xfrm>
             <a:off x="609480" y="1604520"/>
-            <a:ext cx="10972080" cy="3976920"/>
+            <a:ext cx="10972440" cy="3977280"/>
           </a:xfrm>
           <a:prstGeom prst="rect">
             <a:avLst/>
@@ -2075,9 +2067,9 @@
             <a:normAutofit/>
           </a:bodyPr>
           <a:p>
-            <a:endParaRPr b="0" lang="en-GB" sz="3200" spc="-1" strike="noStrike">
-              <a:solidFill>
-                <a:srgbClr val="ffffff"/>
+            <a:endParaRPr b="0" lang="en-US" sz="2800" spc="-1" strike="noStrike">
+              <a:solidFill>
+                <a:srgbClr val="000000"/>
               </a:solidFill>
               <a:uFill>
                 <a:solidFill>
@@ -2102,7 +2094,7 @@
         <p:spPr>
           <a:xfrm>
             <a:off x="609480" y="1604520"/>
-            <a:ext cx="10972080" cy="3976920"/>
+            <a:ext cx="10972440" cy="3977280"/>
           </a:xfrm>
           <a:prstGeom prst="rect">
             <a:avLst/>
@@ -2113,9 +2105,9 @@
             <a:normAutofit/>
           </a:bodyPr>
           <a:p>
-            <a:endParaRPr b="0" lang="en-GB" sz="3200" spc="-1" strike="noStrike">
-              <a:solidFill>
-                <a:srgbClr val="ffffff"/>
+            <a:endParaRPr b="0" lang="en-US" sz="2800" spc="-1" strike="noStrike">
+              <a:solidFill>
+                <a:srgbClr val="000000"/>
               </a:solidFill>
               <a:uFill>
                 <a:solidFill>
@@ -2139,8 +2131,8 @@
         </p:blipFill>
         <p:spPr>
           <a:xfrm>
-            <a:off x="3603240" y="1604160"/>
-            <a:ext cx="4984200" cy="3976920"/>
+            <a:off x="3602880" y="1604520"/>
+            <a:ext cx="4984920" cy="3977280"/>
           </a:xfrm>
           <a:prstGeom prst="rect">
             <a:avLst/>
@@ -2162,8 +2154,8 @@
         </p:blipFill>
         <p:spPr>
           <a:xfrm>
-            <a:off x="3603240" y="1604160"/>
-            <a:ext cx="4984200" cy="3976920"/>
+            <a:off x="3602880" y="1604520"/>
+            <a:ext cx="4984920" cy="3977280"/>
           </a:xfrm>
           <a:prstGeom prst="rect">
             <a:avLst/>
@@ -2219,7 +2211,7 @@
       </p:grpSpPr>
       <p:sp>
         <p:nvSpPr>
-          <p:cNvPr id="80" name="PlaceHolder 1"/>
+          <p:cNvPr id="77" name="PlaceHolder 1"/>
           <p:cNvSpPr>
             <a:spLocks noGrp="1"/>
           </p:cNvSpPr>
@@ -2229,8 +2221,8 @@
         </p:nvSpPr>
         <p:spPr>
           <a:xfrm>
-            <a:off x="3962520" y="1964160"/>
-            <a:ext cx="7197120" cy="2420640"/>
+            <a:off x="609480" y="273600"/>
+            <a:ext cx="10972440" cy="1144800"/>
           </a:xfrm>
           <a:prstGeom prst="rect">
             <a:avLst/>
@@ -2239,24 +2231,23 @@
         <p:txBody>
           <a:bodyPr lIns="0" rIns="0" tIns="0" bIns="0" anchor="ctr"/>
           <a:p>
-            <a:pPr algn="ctr"/>
-            <a:endParaRPr b="0" lang="en-GB" sz="4400" spc="-1" strike="noStrike">
-              <a:solidFill>
-                <a:srgbClr val="ffffff"/>
-              </a:solidFill>
-              <a:uFill>
-                <a:solidFill>
-                  <a:srgbClr val="ffffff"/>
-                </a:solidFill>
-              </a:uFill>
-              <a:latin typeface="Arial"/>
-            </a:endParaRPr>
-          </a:p>
-        </p:txBody>
-      </p:sp>
-      <p:sp>
-        <p:nvSpPr>
-          <p:cNvPr id="81" name="PlaceHolder 2"/>
+            <a:endParaRPr b="0" lang="en-US" sz="1800" spc="-1" strike="noStrike">
+              <a:solidFill>
+                <a:srgbClr val="000000"/>
+              </a:solidFill>
+              <a:uFill>
+                <a:solidFill>
+                  <a:srgbClr val="ffffff"/>
+                </a:solidFill>
+              </a:uFill>
+              <a:latin typeface="Arial"/>
+            </a:endParaRPr>
+          </a:p>
+        </p:txBody>
+      </p:sp>
+      <p:sp>
+        <p:nvSpPr>
+          <p:cNvPr id="78" name="PlaceHolder 2"/>
           <p:cNvSpPr>
             <a:spLocks noGrp="1"/>
           </p:cNvSpPr>
@@ -2267,7 +2258,7 @@
         <p:spPr>
           <a:xfrm>
             <a:off x="609480" y="1604520"/>
-            <a:ext cx="10972080" cy="3976920"/>
+            <a:ext cx="10972440" cy="3977280"/>
           </a:xfrm>
           <a:prstGeom prst="rect">
             <a:avLst/>
@@ -2315,7 +2306,7 @@
       </p:grpSpPr>
       <p:sp>
         <p:nvSpPr>
-          <p:cNvPr id="82" name="PlaceHolder 1"/>
+          <p:cNvPr id="79" name="PlaceHolder 1"/>
           <p:cNvSpPr>
             <a:spLocks noGrp="1"/>
           </p:cNvSpPr>
@@ -2325,8 +2316,8 @@
         </p:nvSpPr>
         <p:spPr>
           <a:xfrm>
-            <a:off x="3962520" y="1964160"/>
-            <a:ext cx="7197120" cy="2420640"/>
+            <a:off x="609480" y="273600"/>
+            <a:ext cx="10972440" cy="1144800"/>
           </a:xfrm>
           <a:prstGeom prst="rect">
             <a:avLst/>
@@ -2335,24 +2326,23 @@
         <p:txBody>
           <a:bodyPr lIns="0" rIns="0" tIns="0" bIns="0" anchor="ctr"/>
           <a:p>
-            <a:pPr algn="ctr"/>
-            <a:endParaRPr b="0" lang="en-GB" sz="4400" spc="-1" strike="noStrike">
-              <a:solidFill>
-                <a:srgbClr val="ffffff"/>
-              </a:solidFill>
-              <a:uFill>
-                <a:solidFill>
-                  <a:srgbClr val="ffffff"/>
-                </a:solidFill>
-              </a:uFill>
-              <a:latin typeface="Arial"/>
-            </a:endParaRPr>
-          </a:p>
-        </p:txBody>
-      </p:sp>
-      <p:sp>
-        <p:nvSpPr>
-          <p:cNvPr id="83" name="PlaceHolder 2"/>
+            <a:endParaRPr b="0" lang="en-US" sz="1800" spc="-1" strike="noStrike">
+              <a:solidFill>
+                <a:srgbClr val="000000"/>
+              </a:solidFill>
+              <a:uFill>
+                <a:solidFill>
+                  <a:srgbClr val="ffffff"/>
+                </a:solidFill>
+              </a:uFill>
+              <a:latin typeface="Arial"/>
+            </a:endParaRPr>
+          </a:p>
+        </p:txBody>
+      </p:sp>
+      <p:sp>
+        <p:nvSpPr>
+          <p:cNvPr id="80" name="PlaceHolder 2"/>
           <p:cNvSpPr>
             <a:spLocks noGrp="1"/>
           </p:cNvSpPr>
@@ -2363,7 +2353,7 @@
         <p:spPr>
           <a:xfrm>
             <a:off x="609480" y="1604520"/>
-            <a:ext cx="10972080" cy="3976920"/>
+            <a:ext cx="10972440" cy="3977280"/>
           </a:xfrm>
           <a:prstGeom prst="rect">
             <a:avLst/>
@@ -2374,9 +2364,9 @@
             <a:normAutofit/>
           </a:bodyPr>
           <a:p>
-            <a:endParaRPr b="0" lang="en-GB" sz="3200" spc="-1" strike="noStrike">
-              <a:solidFill>
-                <a:srgbClr val="ffffff"/>
+            <a:endParaRPr b="0" lang="en-US" sz="2800" spc="-1" strike="noStrike">
+              <a:solidFill>
+                <a:srgbClr val="000000"/>
               </a:solidFill>
               <a:uFill>
                 <a:solidFill>
@@ -2412,7 +2402,7 @@
       </p:grpSpPr>
       <p:sp>
         <p:nvSpPr>
-          <p:cNvPr id="84" name="PlaceHolder 1"/>
+          <p:cNvPr id="81" name="PlaceHolder 1"/>
           <p:cNvSpPr>
             <a:spLocks noGrp="1"/>
           </p:cNvSpPr>
@@ -2422,8 +2412,8 @@
         </p:nvSpPr>
         <p:spPr>
           <a:xfrm>
-            <a:off x="3962520" y="1964160"/>
-            <a:ext cx="7197120" cy="2420640"/>
+            <a:off x="609480" y="273600"/>
+            <a:ext cx="10972440" cy="1144800"/>
           </a:xfrm>
           <a:prstGeom prst="rect">
             <a:avLst/>
@@ -2432,24 +2422,23 @@
         <p:txBody>
           <a:bodyPr lIns="0" rIns="0" tIns="0" bIns="0" anchor="ctr"/>
           <a:p>
-            <a:pPr algn="ctr"/>
-            <a:endParaRPr b="0" lang="en-GB" sz="4400" spc="-1" strike="noStrike">
-              <a:solidFill>
-                <a:srgbClr val="ffffff"/>
-              </a:solidFill>
-              <a:uFill>
-                <a:solidFill>
-                  <a:srgbClr val="ffffff"/>
-                </a:solidFill>
-              </a:uFill>
-              <a:latin typeface="Arial"/>
-            </a:endParaRPr>
-          </a:p>
-        </p:txBody>
-      </p:sp>
-      <p:sp>
-        <p:nvSpPr>
-          <p:cNvPr id="85" name="PlaceHolder 2"/>
+            <a:endParaRPr b="0" lang="en-US" sz="1800" spc="-1" strike="noStrike">
+              <a:solidFill>
+                <a:srgbClr val="000000"/>
+              </a:solidFill>
+              <a:uFill>
+                <a:solidFill>
+                  <a:srgbClr val="ffffff"/>
+                </a:solidFill>
+              </a:uFill>
+              <a:latin typeface="Arial"/>
+            </a:endParaRPr>
+          </a:p>
+        </p:txBody>
+      </p:sp>
+      <p:sp>
+        <p:nvSpPr>
+          <p:cNvPr id="82" name="PlaceHolder 2"/>
           <p:cNvSpPr>
             <a:spLocks noGrp="1"/>
           </p:cNvSpPr>
@@ -2460,7 +2449,7 @@
         <p:spPr>
           <a:xfrm>
             <a:off x="609480" y="1604520"/>
-            <a:ext cx="5354280" cy="3976920"/>
+            <a:ext cx="5354280" cy="3977280"/>
           </a:xfrm>
           <a:prstGeom prst="rect">
             <a:avLst/>
@@ -2471,23 +2460,23 @@
             <a:normAutofit/>
           </a:bodyPr>
           <a:p>
-            <a:endParaRPr b="0" lang="en-GB" sz="3200" spc="-1" strike="noStrike">
-              <a:solidFill>
-                <a:srgbClr val="ffffff"/>
-              </a:solidFill>
-              <a:uFill>
-                <a:solidFill>
-                  <a:srgbClr val="ffffff"/>
-                </a:solidFill>
-              </a:uFill>
-              <a:latin typeface="Arial"/>
-            </a:endParaRPr>
-          </a:p>
-        </p:txBody>
-      </p:sp>
-      <p:sp>
-        <p:nvSpPr>
-          <p:cNvPr id="86" name="PlaceHolder 3"/>
+            <a:endParaRPr b="0" lang="en-US" sz="2800" spc="-1" strike="noStrike">
+              <a:solidFill>
+                <a:srgbClr val="000000"/>
+              </a:solidFill>
+              <a:uFill>
+                <a:solidFill>
+                  <a:srgbClr val="ffffff"/>
+                </a:solidFill>
+              </a:uFill>
+              <a:latin typeface="Arial"/>
+            </a:endParaRPr>
+          </a:p>
+        </p:txBody>
+      </p:sp>
+      <p:sp>
+        <p:nvSpPr>
+          <p:cNvPr id="83" name="PlaceHolder 3"/>
           <p:cNvSpPr>
             <a:spLocks noGrp="1"/>
           </p:cNvSpPr>
@@ -2498,7 +2487,7 @@
         <p:spPr>
           <a:xfrm>
             <a:off x="6231960" y="1604520"/>
-            <a:ext cx="5354280" cy="3976920"/>
+            <a:ext cx="5354280" cy="3977280"/>
           </a:xfrm>
           <a:prstGeom prst="rect">
             <a:avLst/>
@@ -2509,9 +2498,9 @@
             <a:normAutofit/>
           </a:bodyPr>
           <a:p>
-            <a:endParaRPr b="0" lang="en-GB" sz="3200" spc="-1" strike="noStrike">
-              <a:solidFill>
-                <a:srgbClr val="ffffff"/>
+            <a:endParaRPr b="0" lang="en-US" sz="2800" spc="-1" strike="noStrike">
+              <a:solidFill>
+                <a:srgbClr val="000000"/>
               </a:solidFill>
               <a:uFill>
                 <a:solidFill>
@@ -2547,7 +2536,7 @@
       </p:grpSpPr>
       <p:sp>
         <p:nvSpPr>
-          <p:cNvPr id="87" name="PlaceHolder 1"/>
+          <p:cNvPr id="84" name="PlaceHolder 1"/>
           <p:cNvSpPr>
             <a:spLocks noGrp="1"/>
           </p:cNvSpPr>
@@ -2557,8 +2546,8 @@
         </p:nvSpPr>
         <p:spPr>
           <a:xfrm>
-            <a:off x="3962520" y="1964160"/>
-            <a:ext cx="7197120" cy="2420640"/>
+            <a:off x="609480" y="273600"/>
+            <a:ext cx="10972440" cy="1144800"/>
           </a:xfrm>
           <a:prstGeom prst="rect">
             <a:avLst/>
@@ -2567,10 +2556,9 @@
         <p:txBody>
           <a:bodyPr lIns="0" rIns="0" tIns="0" bIns="0" anchor="ctr"/>
           <a:p>
-            <a:pPr algn="ctr"/>
-            <a:endParaRPr b="0" lang="en-GB" sz="4400" spc="-1" strike="noStrike">
-              <a:solidFill>
-                <a:srgbClr val="ffffff"/>
+            <a:endParaRPr b="0" lang="en-US" sz="1800" spc="-1" strike="noStrike">
+              <a:solidFill>
+                <a:srgbClr val="000000"/>
               </a:solidFill>
               <a:uFill>
                 <a:solidFill>
@@ -2616,8 +2604,8 @@
         </p:nvSpPr>
         <p:spPr>
           <a:xfrm>
-            <a:off x="3962520" y="1964160"/>
-            <a:ext cx="7197120" cy="2420640"/>
+            <a:off x="609480" y="273600"/>
+            <a:ext cx="10972440" cy="1144800"/>
           </a:xfrm>
           <a:prstGeom prst="rect">
             <a:avLst/>
@@ -2626,10 +2614,9 @@
         <p:txBody>
           <a:bodyPr lIns="0" rIns="0" tIns="0" bIns="0" anchor="ctr"/>
           <a:p>
-            <a:pPr algn="ctr"/>
-            <a:endParaRPr b="0" lang="en-GB" sz="4400" spc="-1" strike="noStrike">
-              <a:solidFill>
-                <a:srgbClr val="ffffff"/>
+            <a:endParaRPr b="0" lang="en-US" sz="1800" spc="-1" strike="noStrike">
+              <a:solidFill>
+                <a:srgbClr val="000000"/>
               </a:solidFill>
               <a:uFill>
                 <a:solidFill>
@@ -2654,7 +2641,7 @@
         <p:spPr>
           <a:xfrm>
             <a:off x="609480" y="1604520"/>
-            <a:ext cx="10972080" cy="3976920"/>
+            <a:ext cx="10972440" cy="3977280"/>
           </a:xfrm>
           <a:prstGeom prst="rect">
             <a:avLst/>
@@ -2665,9 +2652,9 @@
             <a:normAutofit/>
           </a:bodyPr>
           <a:p>
-            <a:endParaRPr b="0" lang="en-GB" sz="3200" spc="-1" strike="noStrike">
-              <a:solidFill>
-                <a:srgbClr val="ffffff"/>
+            <a:endParaRPr b="0" lang="en-US" sz="2800" spc="-1" strike="noStrike">
+              <a:solidFill>
+                <a:srgbClr val="000000"/>
               </a:solidFill>
               <a:uFill>
                 <a:solidFill>
@@ -2703,7 +2690,7 @@
       </p:grpSpPr>
       <p:sp>
         <p:nvSpPr>
-          <p:cNvPr id="88" name="PlaceHolder 1"/>
+          <p:cNvPr id="85" name="PlaceHolder 1"/>
           <p:cNvSpPr>
             <a:spLocks noGrp="1"/>
           </p:cNvSpPr>
@@ -2713,8 +2700,8 @@
         </p:nvSpPr>
         <p:spPr>
           <a:xfrm>
-            <a:off x="3962520" y="1964160"/>
-            <a:ext cx="7197120" cy="11221920"/>
+            <a:off x="609480" y="273600"/>
+            <a:ext cx="10972440" cy="5307840"/>
           </a:xfrm>
           <a:prstGeom prst="rect">
             <a:avLst/>
@@ -2762,7 +2749,7 @@
       </p:grpSpPr>
       <p:sp>
         <p:nvSpPr>
-          <p:cNvPr id="89" name="PlaceHolder 1"/>
+          <p:cNvPr id="86" name="PlaceHolder 1"/>
           <p:cNvSpPr>
             <a:spLocks noGrp="1"/>
           </p:cNvSpPr>
@@ -2772,8 +2759,8 @@
         </p:nvSpPr>
         <p:spPr>
           <a:xfrm>
-            <a:off x="3962520" y="1964160"/>
-            <a:ext cx="7197120" cy="2420640"/>
+            <a:off x="609480" y="273600"/>
+            <a:ext cx="10972440" cy="1144800"/>
           </a:xfrm>
           <a:prstGeom prst="rect">
             <a:avLst/>
@@ -2782,24 +2769,23 @@
         <p:txBody>
           <a:bodyPr lIns="0" rIns="0" tIns="0" bIns="0" anchor="ctr"/>
           <a:p>
-            <a:pPr algn="ctr"/>
-            <a:endParaRPr b="0" lang="en-GB" sz="4400" spc="-1" strike="noStrike">
-              <a:solidFill>
-                <a:srgbClr val="ffffff"/>
-              </a:solidFill>
-              <a:uFill>
-                <a:solidFill>
-                  <a:srgbClr val="ffffff"/>
-                </a:solidFill>
-              </a:uFill>
-              <a:latin typeface="Arial"/>
-            </a:endParaRPr>
-          </a:p>
-        </p:txBody>
-      </p:sp>
-      <p:sp>
-        <p:nvSpPr>
-          <p:cNvPr id="90" name="PlaceHolder 2"/>
+            <a:endParaRPr b="0" lang="en-US" sz="1800" spc="-1" strike="noStrike">
+              <a:solidFill>
+                <a:srgbClr val="000000"/>
+              </a:solidFill>
+              <a:uFill>
+                <a:solidFill>
+                  <a:srgbClr val="ffffff"/>
+                </a:solidFill>
+              </a:uFill>
+              <a:latin typeface="Arial"/>
+            </a:endParaRPr>
+          </a:p>
+        </p:txBody>
+      </p:sp>
+      <p:sp>
+        <p:nvSpPr>
+          <p:cNvPr id="87" name="PlaceHolder 2"/>
           <p:cNvSpPr>
             <a:spLocks noGrp="1"/>
           </p:cNvSpPr>
@@ -2821,23 +2807,23 @@
             <a:normAutofit/>
           </a:bodyPr>
           <a:p>
-            <a:endParaRPr b="0" lang="en-GB" sz="3200" spc="-1" strike="noStrike">
-              <a:solidFill>
-                <a:srgbClr val="ffffff"/>
-              </a:solidFill>
-              <a:uFill>
-                <a:solidFill>
-                  <a:srgbClr val="ffffff"/>
-                </a:solidFill>
-              </a:uFill>
-              <a:latin typeface="Arial"/>
-            </a:endParaRPr>
-          </a:p>
-        </p:txBody>
-      </p:sp>
-      <p:sp>
-        <p:nvSpPr>
-          <p:cNvPr id="91" name="PlaceHolder 3"/>
+            <a:endParaRPr b="0" lang="en-US" sz="2800" spc="-1" strike="noStrike">
+              <a:solidFill>
+                <a:srgbClr val="000000"/>
+              </a:solidFill>
+              <a:uFill>
+                <a:solidFill>
+                  <a:srgbClr val="ffffff"/>
+                </a:solidFill>
+              </a:uFill>
+              <a:latin typeface="Arial"/>
+            </a:endParaRPr>
+          </a:p>
+        </p:txBody>
+      </p:sp>
+      <p:sp>
+        <p:nvSpPr>
+          <p:cNvPr id="88" name="PlaceHolder 3"/>
           <p:cNvSpPr>
             <a:spLocks noGrp="1"/>
           </p:cNvSpPr>
@@ -2859,23 +2845,23 @@
             <a:normAutofit/>
           </a:bodyPr>
           <a:p>
-            <a:endParaRPr b="0" lang="en-GB" sz="3200" spc="-1" strike="noStrike">
-              <a:solidFill>
-                <a:srgbClr val="ffffff"/>
-              </a:solidFill>
-              <a:uFill>
-                <a:solidFill>
-                  <a:srgbClr val="ffffff"/>
-                </a:solidFill>
-              </a:uFill>
-              <a:latin typeface="Arial"/>
-            </a:endParaRPr>
-          </a:p>
-        </p:txBody>
-      </p:sp>
-      <p:sp>
-        <p:nvSpPr>
-          <p:cNvPr id="92" name="PlaceHolder 4"/>
+            <a:endParaRPr b="0" lang="en-US" sz="2800" spc="-1" strike="noStrike">
+              <a:solidFill>
+                <a:srgbClr val="000000"/>
+              </a:solidFill>
+              <a:uFill>
+                <a:solidFill>
+                  <a:srgbClr val="ffffff"/>
+                </a:solidFill>
+              </a:uFill>
+              <a:latin typeface="Arial"/>
+            </a:endParaRPr>
+          </a:p>
+        </p:txBody>
+      </p:sp>
+      <p:sp>
+        <p:nvSpPr>
+          <p:cNvPr id="89" name="PlaceHolder 4"/>
           <p:cNvSpPr>
             <a:spLocks noGrp="1"/>
           </p:cNvSpPr>
@@ -2886,7 +2872,7 @@
         <p:spPr>
           <a:xfrm>
             <a:off x="6231960" y="1604520"/>
-            <a:ext cx="5354280" cy="3976920"/>
+            <a:ext cx="5354280" cy="3977280"/>
           </a:xfrm>
           <a:prstGeom prst="rect">
             <a:avLst/>
@@ -2897,9 +2883,9 @@
             <a:normAutofit/>
           </a:bodyPr>
           <a:p>
-            <a:endParaRPr b="0" lang="en-GB" sz="3200" spc="-1" strike="noStrike">
-              <a:solidFill>
-                <a:srgbClr val="ffffff"/>
+            <a:endParaRPr b="0" lang="en-US" sz="2800" spc="-1" strike="noStrike">
+              <a:solidFill>
+                <a:srgbClr val="000000"/>
               </a:solidFill>
               <a:uFill>
                 <a:solidFill>
@@ -2935,7 +2921,7 @@
       </p:grpSpPr>
       <p:sp>
         <p:nvSpPr>
-          <p:cNvPr id="93" name="PlaceHolder 1"/>
+          <p:cNvPr id="90" name="PlaceHolder 1"/>
           <p:cNvSpPr>
             <a:spLocks noGrp="1"/>
           </p:cNvSpPr>
@@ -2945,8 +2931,8 @@
         </p:nvSpPr>
         <p:spPr>
           <a:xfrm>
-            <a:off x="3962520" y="1964160"/>
-            <a:ext cx="7197120" cy="2420640"/>
+            <a:off x="609480" y="273600"/>
+            <a:ext cx="10972440" cy="1144800"/>
           </a:xfrm>
           <a:prstGeom prst="rect">
             <a:avLst/>
@@ -2955,24 +2941,23 @@
         <p:txBody>
           <a:bodyPr lIns="0" rIns="0" tIns="0" bIns="0" anchor="ctr"/>
           <a:p>
-            <a:pPr algn="ctr"/>
-            <a:endParaRPr b="0" lang="en-GB" sz="4400" spc="-1" strike="noStrike">
-              <a:solidFill>
-                <a:srgbClr val="ffffff"/>
-              </a:solidFill>
-              <a:uFill>
-                <a:solidFill>
-                  <a:srgbClr val="ffffff"/>
-                </a:solidFill>
-              </a:uFill>
-              <a:latin typeface="Arial"/>
-            </a:endParaRPr>
-          </a:p>
-        </p:txBody>
-      </p:sp>
-      <p:sp>
-        <p:nvSpPr>
-          <p:cNvPr id="94" name="PlaceHolder 2"/>
+            <a:endParaRPr b="0" lang="en-US" sz="1800" spc="-1" strike="noStrike">
+              <a:solidFill>
+                <a:srgbClr val="000000"/>
+              </a:solidFill>
+              <a:uFill>
+                <a:solidFill>
+                  <a:srgbClr val="ffffff"/>
+                </a:solidFill>
+              </a:uFill>
+              <a:latin typeface="Arial"/>
+            </a:endParaRPr>
+          </a:p>
+        </p:txBody>
+      </p:sp>
+      <p:sp>
+        <p:nvSpPr>
+          <p:cNvPr id="91" name="PlaceHolder 2"/>
           <p:cNvSpPr>
             <a:spLocks noGrp="1"/>
           </p:cNvSpPr>
@@ -2983,7 +2968,7 @@
         <p:spPr>
           <a:xfrm>
             <a:off x="609480" y="1604520"/>
-            <a:ext cx="5354280" cy="3976920"/>
+            <a:ext cx="5354280" cy="3977280"/>
           </a:xfrm>
           <a:prstGeom prst="rect">
             <a:avLst/>
@@ -2994,23 +2979,23 @@
             <a:normAutofit/>
           </a:bodyPr>
           <a:p>
-            <a:endParaRPr b="0" lang="en-GB" sz="3200" spc="-1" strike="noStrike">
-              <a:solidFill>
-                <a:srgbClr val="ffffff"/>
-              </a:solidFill>
-              <a:uFill>
-                <a:solidFill>
-                  <a:srgbClr val="ffffff"/>
-                </a:solidFill>
-              </a:uFill>
-              <a:latin typeface="Arial"/>
-            </a:endParaRPr>
-          </a:p>
-        </p:txBody>
-      </p:sp>
-      <p:sp>
-        <p:nvSpPr>
-          <p:cNvPr id="95" name="PlaceHolder 3"/>
+            <a:endParaRPr b="0" lang="en-US" sz="2800" spc="-1" strike="noStrike">
+              <a:solidFill>
+                <a:srgbClr val="000000"/>
+              </a:solidFill>
+              <a:uFill>
+                <a:solidFill>
+                  <a:srgbClr val="ffffff"/>
+                </a:solidFill>
+              </a:uFill>
+              <a:latin typeface="Arial"/>
+            </a:endParaRPr>
+          </a:p>
+        </p:txBody>
+      </p:sp>
+      <p:sp>
+        <p:nvSpPr>
+          <p:cNvPr id="92" name="PlaceHolder 3"/>
           <p:cNvSpPr>
             <a:spLocks noGrp="1"/>
           </p:cNvSpPr>
@@ -3032,23 +3017,23 @@
             <a:normAutofit/>
           </a:bodyPr>
           <a:p>
-            <a:endParaRPr b="0" lang="en-GB" sz="3200" spc="-1" strike="noStrike">
-              <a:solidFill>
-                <a:srgbClr val="ffffff"/>
-              </a:solidFill>
-              <a:uFill>
-                <a:solidFill>
-                  <a:srgbClr val="ffffff"/>
-                </a:solidFill>
-              </a:uFill>
-              <a:latin typeface="Arial"/>
-            </a:endParaRPr>
-          </a:p>
-        </p:txBody>
-      </p:sp>
-      <p:sp>
-        <p:nvSpPr>
-          <p:cNvPr id="96" name="PlaceHolder 4"/>
+            <a:endParaRPr b="0" lang="en-US" sz="2800" spc="-1" strike="noStrike">
+              <a:solidFill>
+                <a:srgbClr val="000000"/>
+              </a:solidFill>
+              <a:uFill>
+                <a:solidFill>
+                  <a:srgbClr val="ffffff"/>
+                </a:solidFill>
+              </a:uFill>
+              <a:latin typeface="Arial"/>
+            </a:endParaRPr>
+          </a:p>
+        </p:txBody>
+      </p:sp>
+      <p:sp>
+        <p:nvSpPr>
+          <p:cNvPr id="93" name="PlaceHolder 4"/>
           <p:cNvSpPr>
             <a:spLocks noGrp="1"/>
           </p:cNvSpPr>
@@ -3070,9 +3055,9 @@
             <a:normAutofit/>
           </a:bodyPr>
           <a:p>
-            <a:endParaRPr b="0" lang="en-GB" sz="3200" spc="-1" strike="noStrike">
-              <a:solidFill>
-                <a:srgbClr val="ffffff"/>
+            <a:endParaRPr b="0" lang="en-US" sz="2800" spc="-1" strike="noStrike">
+              <a:solidFill>
+                <a:srgbClr val="000000"/>
               </a:solidFill>
               <a:uFill>
                 <a:solidFill>
@@ -3108,7 +3093,7 @@
       </p:grpSpPr>
       <p:sp>
         <p:nvSpPr>
-          <p:cNvPr id="97" name="PlaceHolder 1"/>
+          <p:cNvPr id="94" name="PlaceHolder 1"/>
           <p:cNvSpPr>
             <a:spLocks noGrp="1"/>
           </p:cNvSpPr>
@@ -3118,8 +3103,8 @@
         </p:nvSpPr>
         <p:spPr>
           <a:xfrm>
-            <a:off x="3962520" y="1964160"/>
-            <a:ext cx="7197120" cy="2420640"/>
+            <a:off x="609480" y="273600"/>
+            <a:ext cx="10972440" cy="1144800"/>
           </a:xfrm>
           <a:prstGeom prst="rect">
             <a:avLst/>
@@ -3128,24 +3113,23 @@
         <p:txBody>
           <a:bodyPr lIns="0" rIns="0" tIns="0" bIns="0" anchor="ctr"/>
           <a:p>
-            <a:pPr algn="ctr"/>
-            <a:endParaRPr b="0" lang="en-GB" sz="4400" spc="-1" strike="noStrike">
-              <a:solidFill>
-                <a:srgbClr val="ffffff"/>
-              </a:solidFill>
-              <a:uFill>
-                <a:solidFill>
-                  <a:srgbClr val="ffffff"/>
-                </a:solidFill>
-              </a:uFill>
-              <a:latin typeface="Arial"/>
-            </a:endParaRPr>
-          </a:p>
-        </p:txBody>
-      </p:sp>
-      <p:sp>
-        <p:nvSpPr>
-          <p:cNvPr id="98" name="PlaceHolder 2"/>
+            <a:endParaRPr b="0" lang="en-US" sz="1800" spc="-1" strike="noStrike">
+              <a:solidFill>
+                <a:srgbClr val="000000"/>
+              </a:solidFill>
+              <a:uFill>
+                <a:solidFill>
+                  <a:srgbClr val="ffffff"/>
+                </a:solidFill>
+              </a:uFill>
+              <a:latin typeface="Arial"/>
+            </a:endParaRPr>
+          </a:p>
+        </p:txBody>
+      </p:sp>
+      <p:sp>
+        <p:nvSpPr>
+          <p:cNvPr id="95" name="PlaceHolder 2"/>
           <p:cNvSpPr>
             <a:spLocks noGrp="1"/>
           </p:cNvSpPr>
@@ -3167,23 +3151,23 @@
             <a:normAutofit/>
           </a:bodyPr>
           <a:p>
-            <a:endParaRPr b="0" lang="en-GB" sz="3200" spc="-1" strike="noStrike">
-              <a:solidFill>
-                <a:srgbClr val="ffffff"/>
-              </a:solidFill>
-              <a:uFill>
-                <a:solidFill>
-                  <a:srgbClr val="ffffff"/>
-                </a:solidFill>
-              </a:uFill>
-              <a:latin typeface="Arial"/>
-            </a:endParaRPr>
-          </a:p>
-        </p:txBody>
-      </p:sp>
-      <p:sp>
-        <p:nvSpPr>
-          <p:cNvPr id="99" name="PlaceHolder 3"/>
+            <a:endParaRPr b="0" lang="en-US" sz="2800" spc="-1" strike="noStrike">
+              <a:solidFill>
+                <a:srgbClr val="000000"/>
+              </a:solidFill>
+              <a:uFill>
+                <a:solidFill>
+                  <a:srgbClr val="ffffff"/>
+                </a:solidFill>
+              </a:uFill>
+              <a:latin typeface="Arial"/>
+            </a:endParaRPr>
+          </a:p>
+        </p:txBody>
+      </p:sp>
+      <p:sp>
+        <p:nvSpPr>
+          <p:cNvPr id="96" name="PlaceHolder 3"/>
           <p:cNvSpPr>
             <a:spLocks noGrp="1"/>
           </p:cNvSpPr>
@@ -3205,23 +3189,23 @@
             <a:normAutofit/>
           </a:bodyPr>
           <a:p>
-            <a:endParaRPr b="0" lang="en-GB" sz="3200" spc="-1" strike="noStrike">
-              <a:solidFill>
-                <a:srgbClr val="ffffff"/>
-              </a:solidFill>
-              <a:uFill>
-                <a:solidFill>
-                  <a:srgbClr val="ffffff"/>
-                </a:solidFill>
-              </a:uFill>
-              <a:latin typeface="Arial"/>
-            </a:endParaRPr>
-          </a:p>
-        </p:txBody>
-      </p:sp>
-      <p:sp>
-        <p:nvSpPr>
-          <p:cNvPr id="100" name="PlaceHolder 4"/>
+            <a:endParaRPr b="0" lang="en-US" sz="2800" spc="-1" strike="noStrike">
+              <a:solidFill>
+                <a:srgbClr val="000000"/>
+              </a:solidFill>
+              <a:uFill>
+                <a:solidFill>
+                  <a:srgbClr val="ffffff"/>
+                </a:solidFill>
+              </a:uFill>
+              <a:latin typeface="Arial"/>
+            </a:endParaRPr>
+          </a:p>
+        </p:txBody>
+      </p:sp>
+      <p:sp>
+        <p:nvSpPr>
+          <p:cNvPr id="97" name="PlaceHolder 4"/>
           <p:cNvSpPr>
             <a:spLocks noGrp="1"/>
           </p:cNvSpPr>
@@ -3232,7 +3216,7 @@
         <p:spPr>
           <a:xfrm>
             <a:off x="609480" y="3682080"/>
-            <a:ext cx="10972080" cy="1896840"/>
+            <a:ext cx="10972440" cy="1896840"/>
           </a:xfrm>
           <a:prstGeom prst="rect">
             <a:avLst/>
@@ -3243,9 +3227,9 @@
             <a:normAutofit/>
           </a:bodyPr>
           <a:p>
-            <a:endParaRPr b="0" lang="en-GB" sz="3200" spc="-1" strike="noStrike">
-              <a:solidFill>
-                <a:srgbClr val="ffffff"/>
+            <a:endParaRPr b="0" lang="en-US" sz="2800" spc="-1" strike="noStrike">
+              <a:solidFill>
+                <a:srgbClr val="000000"/>
               </a:solidFill>
               <a:uFill>
                 <a:solidFill>
@@ -3281,7 +3265,7 @@
       </p:grpSpPr>
       <p:sp>
         <p:nvSpPr>
-          <p:cNvPr id="101" name="PlaceHolder 1"/>
+          <p:cNvPr id="98" name="PlaceHolder 1"/>
           <p:cNvSpPr>
             <a:spLocks noGrp="1"/>
           </p:cNvSpPr>
@@ -3291,8 +3275,8 @@
         </p:nvSpPr>
         <p:spPr>
           <a:xfrm>
-            <a:off x="3962520" y="1964160"/>
-            <a:ext cx="7197120" cy="2420640"/>
+            <a:off x="609480" y="273600"/>
+            <a:ext cx="10972440" cy="1144800"/>
           </a:xfrm>
           <a:prstGeom prst="rect">
             <a:avLst/>
@@ -3301,24 +3285,23 @@
         <p:txBody>
           <a:bodyPr lIns="0" rIns="0" tIns="0" bIns="0" anchor="ctr"/>
           <a:p>
-            <a:pPr algn="ctr"/>
-            <a:endParaRPr b="0" lang="en-GB" sz="4400" spc="-1" strike="noStrike">
-              <a:solidFill>
-                <a:srgbClr val="ffffff"/>
-              </a:solidFill>
-              <a:uFill>
-                <a:solidFill>
-                  <a:srgbClr val="ffffff"/>
-                </a:solidFill>
-              </a:uFill>
-              <a:latin typeface="Arial"/>
-            </a:endParaRPr>
-          </a:p>
-        </p:txBody>
-      </p:sp>
-      <p:sp>
-        <p:nvSpPr>
-          <p:cNvPr id="102" name="PlaceHolder 2"/>
+            <a:endParaRPr b="0" lang="en-US" sz="1800" spc="-1" strike="noStrike">
+              <a:solidFill>
+                <a:srgbClr val="000000"/>
+              </a:solidFill>
+              <a:uFill>
+                <a:solidFill>
+                  <a:srgbClr val="ffffff"/>
+                </a:solidFill>
+              </a:uFill>
+              <a:latin typeface="Arial"/>
+            </a:endParaRPr>
+          </a:p>
+        </p:txBody>
+      </p:sp>
+      <p:sp>
+        <p:nvSpPr>
+          <p:cNvPr id="99" name="PlaceHolder 2"/>
           <p:cNvSpPr>
             <a:spLocks noGrp="1"/>
           </p:cNvSpPr>
@@ -3329,7 +3312,7 @@
         <p:spPr>
           <a:xfrm>
             <a:off x="609480" y="1604520"/>
-            <a:ext cx="10972080" cy="1896840"/>
+            <a:ext cx="10972440" cy="1896840"/>
           </a:xfrm>
           <a:prstGeom prst="rect">
             <a:avLst/>
@@ -3340,23 +3323,23 @@
             <a:normAutofit/>
           </a:bodyPr>
           <a:p>
-            <a:endParaRPr b="0" lang="en-GB" sz="3200" spc="-1" strike="noStrike">
-              <a:solidFill>
-                <a:srgbClr val="ffffff"/>
-              </a:solidFill>
-              <a:uFill>
-                <a:solidFill>
-                  <a:srgbClr val="ffffff"/>
-                </a:solidFill>
-              </a:uFill>
-              <a:latin typeface="Arial"/>
-            </a:endParaRPr>
-          </a:p>
-        </p:txBody>
-      </p:sp>
-      <p:sp>
-        <p:nvSpPr>
-          <p:cNvPr id="103" name="PlaceHolder 3"/>
+            <a:endParaRPr b="0" lang="en-US" sz="2800" spc="-1" strike="noStrike">
+              <a:solidFill>
+                <a:srgbClr val="000000"/>
+              </a:solidFill>
+              <a:uFill>
+                <a:solidFill>
+                  <a:srgbClr val="ffffff"/>
+                </a:solidFill>
+              </a:uFill>
+              <a:latin typeface="Arial"/>
+            </a:endParaRPr>
+          </a:p>
+        </p:txBody>
+      </p:sp>
+      <p:sp>
+        <p:nvSpPr>
+          <p:cNvPr id="100" name="PlaceHolder 3"/>
           <p:cNvSpPr>
             <a:spLocks noGrp="1"/>
           </p:cNvSpPr>
@@ -3367,7 +3350,7 @@
         <p:spPr>
           <a:xfrm>
             <a:off x="609480" y="3682080"/>
-            <a:ext cx="10972080" cy="1896840"/>
+            <a:ext cx="10972440" cy="1896840"/>
           </a:xfrm>
           <a:prstGeom prst="rect">
             <a:avLst/>
@@ -3378,9 +3361,9 @@
             <a:normAutofit/>
           </a:bodyPr>
           <a:p>
-            <a:endParaRPr b="0" lang="en-GB" sz="3200" spc="-1" strike="noStrike">
-              <a:solidFill>
-                <a:srgbClr val="ffffff"/>
+            <a:endParaRPr b="0" lang="en-US" sz="2800" spc="-1" strike="noStrike">
+              <a:solidFill>
+                <a:srgbClr val="000000"/>
               </a:solidFill>
               <a:uFill>
                 <a:solidFill>
@@ -3416,7 +3399,7 @@
       </p:grpSpPr>
       <p:sp>
         <p:nvSpPr>
-          <p:cNvPr id="104" name="PlaceHolder 1"/>
+          <p:cNvPr id="101" name="PlaceHolder 1"/>
           <p:cNvSpPr>
             <a:spLocks noGrp="1"/>
           </p:cNvSpPr>
@@ -3426,8 +3409,8 @@
         </p:nvSpPr>
         <p:spPr>
           <a:xfrm>
-            <a:off x="3962520" y="1964160"/>
-            <a:ext cx="7197120" cy="2420640"/>
+            <a:off x="609480" y="273600"/>
+            <a:ext cx="10972440" cy="1144800"/>
           </a:xfrm>
           <a:prstGeom prst="rect">
             <a:avLst/>
@@ -3436,24 +3419,23 @@
         <p:txBody>
           <a:bodyPr lIns="0" rIns="0" tIns="0" bIns="0" anchor="ctr"/>
           <a:p>
-            <a:pPr algn="ctr"/>
-            <a:endParaRPr b="0" lang="en-GB" sz="4400" spc="-1" strike="noStrike">
-              <a:solidFill>
-                <a:srgbClr val="ffffff"/>
-              </a:solidFill>
-              <a:uFill>
-                <a:solidFill>
-                  <a:srgbClr val="ffffff"/>
-                </a:solidFill>
-              </a:uFill>
-              <a:latin typeface="Arial"/>
-            </a:endParaRPr>
-          </a:p>
-        </p:txBody>
-      </p:sp>
-      <p:sp>
-        <p:nvSpPr>
-          <p:cNvPr id="105" name="PlaceHolder 2"/>
+            <a:endParaRPr b="0" lang="en-US" sz="1800" spc="-1" strike="noStrike">
+              <a:solidFill>
+                <a:srgbClr val="000000"/>
+              </a:solidFill>
+              <a:uFill>
+                <a:solidFill>
+                  <a:srgbClr val="ffffff"/>
+                </a:solidFill>
+              </a:uFill>
+              <a:latin typeface="Arial"/>
+            </a:endParaRPr>
+          </a:p>
+        </p:txBody>
+      </p:sp>
+      <p:sp>
+        <p:nvSpPr>
+          <p:cNvPr id="102" name="PlaceHolder 2"/>
           <p:cNvSpPr>
             <a:spLocks noGrp="1"/>
           </p:cNvSpPr>
@@ -3475,23 +3457,23 @@
             <a:normAutofit/>
           </a:bodyPr>
           <a:p>
-            <a:endParaRPr b="0" lang="en-GB" sz="3200" spc="-1" strike="noStrike">
-              <a:solidFill>
-                <a:srgbClr val="ffffff"/>
-              </a:solidFill>
-              <a:uFill>
-                <a:solidFill>
-                  <a:srgbClr val="ffffff"/>
-                </a:solidFill>
-              </a:uFill>
-              <a:latin typeface="Arial"/>
-            </a:endParaRPr>
-          </a:p>
-        </p:txBody>
-      </p:sp>
-      <p:sp>
-        <p:nvSpPr>
-          <p:cNvPr id="106" name="PlaceHolder 3"/>
+            <a:endParaRPr b="0" lang="en-US" sz="2800" spc="-1" strike="noStrike">
+              <a:solidFill>
+                <a:srgbClr val="000000"/>
+              </a:solidFill>
+              <a:uFill>
+                <a:solidFill>
+                  <a:srgbClr val="ffffff"/>
+                </a:solidFill>
+              </a:uFill>
+              <a:latin typeface="Arial"/>
+            </a:endParaRPr>
+          </a:p>
+        </p:txBody>
+      </p:sp>
+      <p:sp>
+        <p:nvSpPr>
+          <p:cNvPr id="103" name="PlaceHolder 3"/>
           <p:cNvSpPr>
             <a:spLocks noGrp="1"/>
           </p:cNvSpPr>
@@ -3513,23 +3495,23 @@
             <a:normAutofit/>
           </a:bodyPr>
           <a:p>
-            <a:endParaRPr b="0" lang="en-GB" sz="3200" spc="-1" strike="noStrike">
-              <a:solidFill>
-                <a:srgbClr val="ffffff"/>
-              </a:solidFill>
-              <a:uFill>
-                <a:solidFill>
-                  <a:srgbClr val="ffffff"/>
-                </a:solidFill>
-              </a:uFill>
-              <a:latin typeface="Arial"/>
-            </a:endParaRPr>
-          </a:p>
-        </p:txBody>
-      </p:sp>
-      <p:sp>
-        <p:nvSpPr>
-          <p:cNvPr id="107" name="PlaceHolder 4"/>
+            <a:endParaRPr b="0" lang="en-US" sz="2800" spc="-1" strike="noStrike">
+              <a:solidFill>
+                <a:srgbClr val="000000"/>
+              </a:solidFill>
+              <a:uFill>
+                <a:solidFill>
+                  <a:srgbClr val="ffffff"/>
+                </a:solidFill>
+              </a:uFill>
+              <a:latin typeface="Arial"/>
+            </a:endParaRPr>
+          </a:p>
+        </p:txBody>
+      </p:sp>
+      <p:sp>
+        <p:nvSpPr>
+          <p:cNvPr id="104" name="PlaceHolder 4"/>
           <p:cNvSpPr>
             <a:spLocks noGrp="1"/>
           </p:cNvSpPr>
@@ -3551,23 +3533,23 @@
             <a:normAutofit/>
           </a:bodyPr>
           <a:p>
-            <a:endParaRPr b="0" lang="en-GB" sz="3200" spc="-1" strike="noStrike">
-              <a:solidFill>
-                <a:srgbClr val="ffffff"/>
-              </a:solidFill>
-              <a:uFill>
-                <a:solidFill>
-                  <a:srgbClr val="ffffff"/>
-                </a:solidFill>
-              </a:uFill>
-              <a:latin typeface="Arial"/>
-            </a:endParaRPr>
-          </a:p>
-        </p:txBody>
-      </p:sp>
-      <p:sp>
-        <p:nvSpPr>
-          <p:cNvPr id="108" name="PlaceHolder 5"/>
+            <a:endParaRPr b="0" lang="en-US" sz="2800" spc="-1" strike="noStrike">
+              <a:solidFill>
+                <a:srgbClr val="000000"/>
+              </a:solidFill>
+              <a:uFill>
+                <a:solidFill>
+                  <a:srgbClr val="ffffff"/>
+                </a:solidFill>
+              </a:uFill>
+              <a:latin typeface="Arial"/>
+            </a:endParaRPr>
+          </a:p>
+        </p:txBody>
+      </p:sp>
+      <p:sp>
+        <p:nvSpPr>
+          <p:cNvPr id="105" name="PlaceHolder 5"/>
           <p:cNvSpPr>
             <a:spLocks noGrp="1"/>
           </p:cNvSpPr>
@@ -3589,9 +3571,9 @@
             <a:normAutofit/>
           </a:bodyPr>
           <a:p>
-            <a:endParaRPr b="0" lang="en-GB" sz="3200" spc="-1" strike="noStrike">
-              <a:solidFill>
-                <a:srgbClr val="ffffff"/>
+            <a:endParaRPr b="0" lang="en-US" sz="2800" spc="-1" strike="noStrike">
+              <a:solidFill>
+                <a:srgbClr val="000000"/>
               </a:solidFill>
               <a:uFill>
                 <a:solidFill>
@@ -3627,7 +3609,7 @@
       </p:grpSpPr>
       <p:sp>
         <p:nvSpPr>
-          <p:cNvPr id="109" name="PlaceHolder 1"/>
+          <p:cNvPr id="106" name="PlaceHolder 1"/>
           <p:cNvSpPr>
             <a:spLocks noGrp="1"/>
           </p:cNvSpPr>
@@ -3637,8 +3619,8 @@
         </p:nvSpPr>
         <p:spPr>
           <a:xfrm>
-            <a:off x="3962520" y="1964160"/>
-            <a:ext cx="7197120" cy="2420640"/>
+            <a:off x="609480" y="273600"/>
+            <a:ext cx="10972440" cy="1144800"/>
           </a:xfrm>
           <a:prstGeom prst="rect">
             <a:avLst/>
@@ -3647,24 +3629,23 @@
         <p:txBody>
           <a:bodyPr lIns="0" rIns="0" tIns="0" bIns="0" anchor="ctr"/>
           <a:p>
-            <a:pPr algn="ctr"/>
-            <a:endParaRPr b="0" lang="en-GB" sz="4400" spc="-1" strike="noStrike">
-              <a:solidFill>
-                <a:srgbClr val="ffffff"/>
-              </a:solidFill>
-              <a:uFill>
-                <a:solidFill>
-                  <a:srgbClr val="ffffff"/>
-                </a:solidFill>
-              </a:uFill>
-              <a:latin typeface="Arial"/>
-            </a:endParaRPr>
-          </a:p>
-        </p:txBody>
-      </p:sp>
-      <p:sp>
-        <p:nvSpPr>
-          <p:cNvPr id="110" name="PlaceHolder 2"/>
+            <a:endParaRPr b="0" lang="en-US" sz="1800" spc="-1" strike="noStrike">
+              <a:solidFill>
+                <a:srgbClr val="000000"/>
+              </a:solidFill>
+              <a:uFill>
+                <a:solidFill>
+                  <a:srgbClr val="ffffff"/>
+                </a:solidFill>
+              </a:uFill>
+              <a:latin typeface="Arial"/>
+            </a:endParaRPr>
+          </a:p>
+        </p:txBody>
+      </p:sp>
+      <p:sp>
+        <p:nvSpPr>
+          <p:cNvPr id="107" name="PlaceHolder 2"/>
           <p:cNvSpPr>
             <a:spLocks noGrp="1"/>
           </p:cNvSpPr>
@@ -3675,7 +3656,7 @@
         <p:spPr>
           <a:xfrm>
             <a:off x="609480" y="1604520"/>
-            <a:ext cx="10972080" cy="3976920"/>
+            <a:ext cx="10972440" cy="3977280"/>
           </a:xfrm>
           <a:prstGeom prst="rect">
             <a:avLst/>
@@ -3686,23 +3667,23 @@
             <a:normAutofit/>
           </a:bodyPr>
           <a:p>
-            <a:endParaRPr b="0" lang="en-GB" sz="3200" spc="-1" strike="noStrike">
-              <a:solidFill>
-                <a:srgbClr val="ffffff"/>
-              </a:solidFill>
-              <a:uFill>
-                <a:solidFill>
-                  <a:srgbClr val="ffffff"/>
-                </a:solidFill>
-              </a:uFill>
-              <a:latin typeface="Arial"/>
-            </a:endParaRPr>
-          </a:p>
-        </p:txBody>
-      </p:sp>
-      <p:sp>
-        <p:nvSpPr>
-          <p:cNvPr id="111" name="PlaceHolder 3"/>
+            <a:endParaRPr b="0" lang="en-US" sz="2800" spc="-1" strike="noStrike">
+              <a:solidFill>
+                <a:srgbClr val="000000"/>
+              </a:solidFill>
+              <a:uFill>
+                <a:solidFill>
+                  <a:srgbClr val="ffffff"/>
+                </a:solidFill>
+              </a:uFill>
+              <a:latin typeface="Arial"/>
+            </a:endParaRPr>
+          </a:p>
+        </p:txBody>
+      </p:sp>
+      <p:sp>
+        <p:nvSpPr>
+          <p:cNvPr id="108" name="PlaceHolder 3"/>
           <p:cNvSpPr>
             <a:spLocks noGrp="1"/>
           </p:cNvSpPr>
@@ -3713,7 +3694,7 @@
         <p:spPr>
           <a:xfrm>
             <a:off x="609480" y="1604520"/>
-            <a:ext cx="10972080" cy="3976920"/>
+            <a:ext cx="10972440" cy="3977280"/>
           </a:xfrm>
           <a:prstGeom prst="rect">
             <a:avLst/>
@@ -3724,9 +3705,9 @@
             <a:normAutofit/>
           </a:bodyPr>
           <a:p>
-            <a:endParaRPr b="0" lang="en-GB" sz="3200" spc="-1" strike="noStrike">
-              <a:solidFill>
-                <a:srgbClr val="ffffff"/>
+            <a:endParaRPr b="0" lang="en-US" sz="2800" spc="-1" strike="noStrike">
+              <a:solidFill>
+                <a:srgbClr val="000000"/>
               </a:solidFill>
               <a:uFill>
                 <a:solidFill>
@@ -3740,7 +3721,7 @@
       </p:sp>
       <p:pic>
         <p:nvPicPr>
-          <p:cNvPr id="112" name="" descr=""/>
+          <p:cNvPr id="109" name="" descr=""/>
           <p:cNvPicPr/>
           <p:nvPr/>
         </p:nvPicPr>
@@ -3750,8 +3731,8 @@
         </p:blipFill>
         <p:spPr>
           <a:xfrm>
-            <a:off x="3603240" y="1604160"/>
-            <a:ext cx="4984200" cy="3976920"/>
+            <a:off x="3602880" y="1604520"/>
+            <a:ext cx="4984920" cy="3977280"/>
           </a:xfrm>
           <a:prstGeom prst="rect">
             <a:avLst/>
@@ -3763,7 +3744,7 @@
       </p:pic>
       <p:pic>
         <p:nvPicPr>
-          <p:cNvPr id="113" name="" descr=""/>
+          <p:cNvPr id="110" name="" descr=""/>
           <p:cNvPicPr/>
           <p:nvPr/>
         </p:nvPicPr>
@@ -3773,8 +3754,8 @@
         </p:blipFill>
         <p:spPr>
           <a:xfrm>
-            <a:off x="3603240" y="1604160"/>
-            <a:ext cx="4984200" cy="3976920"/>
+            <a:off x="3602880" y="1604520"/>
+            <a:ext cx="4984920" cy="3977280"/>
           </a:xfrm>
           <a:prstGeom prst="rect">
             <a:avLst/>
@@ -3818,8 +3799,8 @@
         </p:nvSpPr>
         <p:spPr>
           <a:xfrm>
-            <a:off x="3962520" y="1964160"/>
-            <a:ext cx="7197120" cy="2420640"/>
+            <a:off x="609480" y="273600"/>
+            <a:ext cx="10972440" cy="1144800"/>
           </a:xfrm>
           <a:prstGeom prst="rect">
             <a:avLst/>
@@ -3828,10 +3809,9 @@
         <p:txBody>
           <a:bodyPr lIns="0" rIns="0" tIns="0" bIns="0" anchor="ctr"/>
           <a:p>
-            <a:pPr algn="ctr"/>
-            <a:endParaRPr b="0" lang="en-GB" sz="4400" spc="-1" strike="noStrike">
-              <a:solidFill>
-                <a:srgbClr val="ffffff"/>
+            <a:endParaRPr b="0" lang="en-US" sz="1800" spc="-1" strike="noStrike">
+              <a:solidFill>
+                <a:srgbClr val="000000"/>
               </a:solidFill>
               <a:uFill>
                 <a:solidFill>
@@ -3856,7 +3836,7 @@
         <p:spPr>
           <a:xfrm>
             <a:off x="609480" y="1604520"/>
-            <a:ext cx="5354280" cy="3976920"/>
+            <a:ext cx="5354280" cy="3977280"/>
           </a:xfrm>
           <a:prstGeom prst="rect">
             <a:avLst/>
@@ -3867,9 +3847,9 @@
             <a:normAutofit/>
           </a:bodyPr>
           <a:p>
-            <a:endParaRPr b="0" lang="en-GB" sz="3200" spc="-1" strike="noStrike">
-              <a:solidFill>
-                <a:srgbClr val="ffffff"/>
+            <a:endParaRPr b="0" lang="en-US" sz="2800" spc="-1" strike="noStrike">
+              <a:solidFill>
+                <a:srgbClr val="000000"/>
               </a:solidFill>
               <a:uFill>
                 <a:solidFill>
@@ -3894,7 +3874,7 @@
         <p:spPr>
           <a:xfrm>
             <a:off x="6231960" y="1604520"/>
-            <a:ext cx="5354280" cy="3976920"/>
+            <a:ext cx="5354280" cy="3977280"/>
           </a:xfrm>
           <a:prstGeom prst="rect">
             <a:avLst/>
@@ -3905,9 +3885,9 @@
             <a:normAutofit/>
           </a:bodyPr>
           <a:p>
-            <a:endParaRPr b="0" lang="en-GB" sz="3200" spc="-1" strike="noStrike">
-              <a:solidFill>
-                <a:srgbClr val="ffffff"/>
+            <a:endParaRPr b="0" lang="en-US" sz="2800" spc="-1" strike="noStrike">
+              <a:solidFill>
+                <a:srgbClr val="000000"/>
               </a:solidFill>
               <a:uFill>
                 <a:solidFill>
@@ -3953,8 +3933,8 @@
         </p:nvSpPr>
         <p:spPr>
           <a:xfrm>
-            <a:off x="3962520" y="1964160"/>
-            <a:ext cx="7197120" cy="2420640"/>
+            <a:off x="609480" y="273600"/>
+            <a:ext cx="10972440" cy="1144800"/>
           </a:xfrm>
           <a:prstGeom prst="rect">
             <a:avLst/>
@@ -3963,10 +3943,9 @@
         <p:txBody>
           <a:bodyPr lIns="0" rIns="0" tIns="0" bIns="0" anchor="ctr"/>
           <a:p>
-            <a:pPr algn="ctr"/>
-            <a:endParaRPr b="0" lang="en-GB" sz="4400" spc="-1" strike="noStrike">
-              <a:solidFill>
-                <a:srgbClr val="ffffff"/>
+            <a:endParaRPr b="0" lang="en-US" sz="1800" spc="-1" strike="noStrike">
+              <a:solidFill>
+                <a:srgbClr val="000000"/>
               </a:solidFill>
               <a:uFill>
                 <a:solidFill>
@@ -4012,8 +3991,8 @@
         </p:nvSpPr>
         <p:spPr>
           <a:xfrm>
-            <a:off x="3962520" y="1964160"/>
-            <a:ext cx="7197120" cy="11221920"/>
+            <a:off x="609480" y="273600"/>
+            <a:ext cx="10972440" cy="5307840"/>
           </a:xfrm>
           <a:prstGeom prst="rect">
             <a:avLst/>
@@ -4071,8 +4050,8 @@
         </p:nvSpPr>
         <p:spPr>
           <a:xfrm>
-            <a:off x="3962520" y="1964160"/>
-            <a:ext cx="7197120" cy="2420640"/>
+            <a:off x="609480" y="273600"/>
+            <a:ext cx="10972440" cy="1144800"/>
           </a:xfrm>
           <a:prstGeom prst="rect">
             <a:avLst/>
@@ -4081,10 +4060,9 @@
         <p:txBody>
           <a:bodyPr lIns="0" rIns="0" tIns="0" bIns="0" anchor="ctr"/>
           <a:p>
-            <a:pPr algn="ctr"/>
-            <a:endParaRPr b="0" lang="en-GB" sz="4400" spc="-1" strike="noStrike">
-              <a:solidFill>
-                <a:srgbClr val="ffffff"/>
+            <a:endParaRPr b="0" lang="en-US" sz="1800" spc="-1" strike="noStrike">
+              <a:solidFill>
+                <a:srgbClr val="000000"/>
               </a:solidFill>
               <a:uFill>
                 <a:solidFill>
@@ -4120,9 +4098,9 @@
             <a:normAutofit/>
           </a:bodyPr>
           <a:p>
-            <a:endParaRPr b="0" lang="en-GB" sz="3200" spc="-1" strike="noStrike">
-              <a:solidFill>
-                <a:srgbClr val="ffffff"/>
+            <a:endParaRPr b="0" lang="en-US" sz="2800" spc="-1" strike="noStrike">
+              <a:solidFill>
+                <a:srgbClr val="000000"/>
               </a:solidFill>
               <a:uFill>
                 <a:solidFill>
@@ -4158,9 +4136,9 @@
             <a:normAutofit/>
           </a:bodyPr>
           <a:p>
-            <a:endParaRPr b="0" lang="en-GB" sz="3200" spc="-1" strike="noStrike">
-              <a:solidFill>
-                <a:srgbClr val="ffffff"/>
+            <a:endParaRPr b="0" lang="en-US" sz="2800" spc="-1" strike="noStrike">
+              <a:solidFill>
+                <a:srgbClr val="000000"/>
               </a:solidFill>
               <a:uFill>
                 <a:solidFill>
@@ -4185,7 +4163,7 @@
         <p:spPr>
           <a:xfrm>
             <a:off x="6231960" y="1604520"/>
-            <a:ext cx="5354280" cy="3976920"/>
+            <a:ext cx="5354280" cy="3977280"/>
           </a:xfrm>
           <a:prstGeom prst="rect">
             <a:avLst/>
@@ -4196,9 +4174,9 @@
             <a:normAutofit/>
           </a:bodyPr>
           <a:p>
-            <a:endParaRPr b="0" lang="en-GB" sz="3200" spc="-1" strike="noStrike">
-              <a:solidFill>
-                <a:srgbClr val="ffffff"/>
+            <a:endParaRPr b="0" lang="en-US" sz="2800" spc="-1" strike="noStrike">
+              <a:solidFill>
+                <a:srgbClr val="000000"/>
               </a:solidFill>
               <a:uFill>
                 <a:solidFill>
@@ -4244,8 +4222,8 @@
         </p:nvSpPr>
         <p:spPr>
           <a:xfrm>
-            <a:off x="3962520" y="1964160"/>
-            <a:ext cx="7197120" cy="2420640"/>
+            <a:off x="609480" y="273600"/>
+            <a:ext cx="10972440" cy="1144800"/>
           </a:xfrm>
           <a:prstGeom prst="rect">
             <a:avLst/>
@@ -4254,10 +4232,9 @@
         <p:txBody>
           <a:bodyPr lIns="0" rIns="0" tIns="0" bIns="0" anchor="ctr"/>
           <a:p>
-            <a:pPr algn="ctr"/>
-            <a:endParaRPr b="0" lang="en-GB" sz="4400" spc="-1" strike="noStrike">
-              <a:solidFill>
-                <a:srgbClr val="ffffff"/>
+            <a:endParaRPr b="0" lang="en-US" sz="1800" spc="-1" strike="noStrike">
+              <a:solidFill>
+                <a:srgbClr val="000000"/>
               </a:solidFill>
               <a:uFill>
                 <a:solidFill>
@@ -4282,7 +4259,7 @@
         <p:spPr>
           <a:xfrm>
             <a:off x="609480" y="1604520"/>
-            <a:ext cx="5354280" cy="3976920"/>
+            <a:ext cx="5354280" cy="3977280"/>
           </a:xfrm>
           <a:prstGeom prst="rect">
             <a:avLst/>
@@ -4293,9 +4270,9 @@
             <a:normAutofit/>
           </a:bodyPr>
           <a:p>
-            <a:endParaRPr b="0" lang="en-GB" sz="3200" spc="-1" strike="noStrike">
-              <a:solidFill>
-                <a:srgbClr val="ffffff"/>
+            <a:endParaRPr b="0" lang="en-US" sz="2800" spc="-1" strike="noStrike">
+              <a:solidFill>
+                <a:srgbClr val="000000"/>
               </a:solidFill>
               <a:uFill>
                 <a:solidFill>
@@ -4331,9 +4308,9 @@
             <a:normAutofit/>
           </a:bodyPr>
           <a:p>
-            <a:endParaRPr b="0" lang="en-GB" sz="3200" spc="-1" strike="noStrike">
-              <a:solidFill>
-                <a:srgbClr val="ffffff"/>
+            <a:endParaRPr b="0" lang="en-US" sz="2800" spc="-1" strike="noStrike">
+              <a:solidFill>
+                <a:srgbClr val="000000"/>
               </a:solidFill>
               <a:uFill>
                 <a:solidFill>
@@ -4369,9 +4346,9 @@
             <a:normAutofit/>
           </a:bodyPr>
           <a:p>
-            <a:endParaRPr b="0" lang="en-GB" sz="3200" spc="-1" strike="noStrike">
-              <a:solidFill>
-                <a:srgbClr val="ffffff"/>
+            <a:endParaRPr b="0" lang="en-US" sz="2800" spc="-1" strike="noStrike">
+              <a:solidFill>
+                <a:srgbClr val="000000"/>
               </a:solidFill>
               <a:uFill>
                 <a:solidFill>
@@ -4417,8 +4394,8 @@
         </p:nvSpPr>
         <p:spPr>
           <a:xfrm>
-            <a:off x="3962520" y="1964160"/>
-            <a:ext cx="7197120" cy="2420640"/>
+            <a:off x="609480" y="273600"/>
+            <a:ext cx="10972440" cy="1144800"/>
           </a:xfrm>
           <a:prstGeom prst="rect">
             <a:avLst/>
@@ -4427,10 +4404,9 @@
         <p:txBody>
           <a:bodyPr lIns="0" rIns="0" tIns="0" bIns="0" anchor="ctr"/>
           <a:p>
-            <a:pPr algn="ctr"/>
-            <a:endParaRPr b="0" lang="en-GB" sz="4400" spc="-1" strike="noStrike">
-              <a:solidFill>
-                <a:srgbClr val="ffffff"/>
+            <a:endParaRPr b="0" lang="en-US" sz="1800" spc="-1" strike="noStrike">
+              <a:solidFill>
+                <a:srgbClr val="000000"/>
               </a:solidFill>
               <a:uFill>
                 <a:solidFill>
@@ -4466,9 +4442,9 @@
             <a:normAutofit/>
           </a:bodyPr>
           <a:p>
-            <a:endParaRPr b="0" lang="en-GB" sz="3200" spc="-1" strike="noStrike">
-              <a:solidFill>
-                <a:srgbClr val="ffffff"/>
+            <a:endParaRPr b="0" lang="en-US" sz="2800" spc="-1" strike="noStrike">
+              <a:solidFill>
+                <a:srgbClr val="000000"/>
               </a:solidFill>
               <a:uFill>
                 <a:solidFill>
@@ -4504,9 +4480,9 @@
             <a:normAutofit/>
           </a:bodyPr>
           <a:p>
-            <a:endParaRPr b="0" lang="en-GB" sz="3200" spc="-1" strike="noStrike">
-              <a:solidFill>
-                <a:srgbClr val="ffffff"/>
+            <a:endParaRPr b="0" lang="en-US" sz="2800" spc="-1" strike="noStrike">
+              <a:solidFill>
+                <a:srgbClr val="000000"/>
               </a:solidFill>
               <a:uFill>
                 <a:solidFill>
@@ -4531,7 +4507,7 @@
         <p:spPr>
           <a:xfrm>
             <a:off x="609480" y="3682080"/>
-            <a:ext cx="10972080" cy="1896840"/>
+            <a:ext cx="10972440" cy="1896840"/>
           </a:xfrm>
           <a:prstGeom prst="rect">
             <a:avLst/>
@@ -4542,9 +4518,9 @@
             <a:normAutofit/>
           </a:bodyPr>
           <a:p>
-            <a:endParaRPr b="0" lang="en-GB" sz="3200" spc="-1" strike="noStrike">
-              <a:solidFill>
-                <a:srgbClr val="ffffff"/>
+            <a:endParaRPr b="0" lang="en-US" sz="2800" spc="-1" strike="noStrike">
+              <a:solidFill>
+                <a:srgbClr val="000000"/>
               </a:solidFill>
               <a:uFill>
                 <a:solidFill>
@@ -4601,7 +4577,7 @@
         <p:spPr>
           <a:xfrm>
             <a:off x="0" y="0"/>
-            <a:ext cx="12188160" cy="6855480"/>
+            <a:ext cx="12187080" cy="6854400"/>
           </a:xfrm>
           <a:prstGeom prst="rect">
             <a:avLst/>
@@ -4623,8 +4599,8 @@
         </p:nvSpPr>
         <p:spPr>
           <a:xfrm>
-            <a:off x="3962520" y="1964160"/>
-            <a:ext cx="7197120" cy="2420640"/>
+            <a:off x="609480" y="273600"/>
+            <a:ext cx="10972440" cy="1144800"/>
           </a:xfrm>
           <a:prstGeom prst="rect">
             <a:avLst/>
@@ -4634,9 +4610,9 @@
           <a:bodyPr lIns="0" rIns="0" tIns="0" bIns="0" anchor="ctr"/>
           <a:p>
             <a:r>
-              <a:rPr b="0" lang="en-GB" sz="1800" spc="-1" strike="noStrike">
-                <a:solidFill>
-                  <a:srgbClr val="ffffff"/>
+              <a:rPr b="0" lang="en-US" sz="1800" spc="-1" strike="noStrike">
+                <a:solidFill>
+                  <a:srgbClr val="000000"/>
                 </a:solidFill>
                 <a:uFill>
                   <a:solidFill>
@@ -4647,9 +4623,9 @@
               </a:rPr>
               <a:t>Click to edit the title text format</a:t>
             </a:r>
-            <a:endParaRPr b="0" lang="en-GB" sz="1800" spc="-1" strike="noStrike">
-              <a:solidFill>
-                <a:srgbClr val="ffffff"/>
+            <a:endParaRPr b="0" lang="en-US" sz="1800" spc="-1" strike="noStrike">
+              <a:solidFill>
+                <a:srgbClr val="000000"/>
               </a:solidFill>
               <a:uFill>
                 <a:solidFill>
@@ -4697,9 +4673,9 @@
               <a:buChar char=""/>
             </a:pPr>
             <a:r>
-              <a:rPr b="0" lang="en-GB" sz="3200" spc="-1" strike="noStrike">
-                <a:solidFill>
-                  <a:srgbClr val="ffffff"/>
+              <a:rPr b="0" lang="en-US" sz="2800" spc="-1" strike="noStrike">
+                <a:solidFill>
+                  <a:srgbClr val="000000"/>
                 </a:solidFill>
                 <a:uFill>
                   <a:solidFill>
@@ -4710,9 +4686,9 @@
               </a:rPr>
               <a:t>Click to edit the outline text format</a:t>
             </a:r>
-            <a:endParaRPr b="0" lang="en-GB" sz="3200" spc="-1" strike="noStrike">
-              <a:solidFill>
-                <a:srgbClr val="ffffff"/>
+            <a:endParaRPr b="0" lang="en-US" sz="2800" spc="-1" strike="noStrike">
+              <a:solidFill>
+                <a:srgbClr val="000000"/>
               </a:solidFill>
               <a:uFill>
                 <a:solidFill>
@@ -4735,9 +4711,9 @@
               <a:buChar char=""/>
             </a:pPr>
             <a:r>
-              <a:rPr b="0" lang="en-GB" sz="2800" spc="-1" strike="noStrike">
-                <a:solidFill>
-                  <a:srgbClr val="ffffff"/>
+              <a:rPr b="0" lang="en-US" sz="2000" spc="-1" strike="noStrike">
+                <a:solidFill>
+                  <a:srgbClr val="000000"/>
                 </a:solidFill>
                 <a:uFill>
                   <a:solidFill>
@@ -4748,9 +4724,9 @@
               </a:rPr>
               <a:t>Second Outline Level</a:t>
             </a:r>
-            <a:endParaRPr b="0" lang="en-GB" sz="2800" spc="-1" strike="noStrike">
-              <a:solidFill>
-                <a:srgbClr val="ffffff"/>
+            <a:endParaRPr b="0" lang="en-US" sz="2000" spc="-1" strike="noStrike">
+              <a:solidFill>
+                <a:srgbClr val="000000"/>
               </a:solidFill>
               <a:uFill>
                 <a:solidFill>
@@ -4773,9 +4749,9 @@
               <a:buChar char=""/>
             </a:pPr>
             <a:r>
-              <a:rPr b="0" lang="en-GB" sz="2400" spc="-1" strike="noStrike">
-                <a:solidFill>
-                  <a:srgbClr val="ffffff"/>
+              <a:rPr b="0" lang="en-US" sz="1800" spc="-1" strike="noStrike">
+                <a:solidFill>
+                  <a:srgbClr val="000000"/>
                 </a:solidFill>
                 <a:uFill>
                   <a:solidFill>
@@ -4786,9 +4762,9 @@
               </a:rPr>
               <a:t>Third Outline Level</a:t>
             </a:r>
-            <a:endParaRPr b="0" lang="en-GB" sz="2400" spc="-1" strike="noStrike">
-              <a:solidFill>
-                <a:srgbClr val="ffffff"/>
+            <a:endParaRPr b="0" lang="en-US" sz="1800" spc="-1" strike="noStrike">
+              <a:solidFill>
+                <a:srgbClr val="000000"/>
               </a:solidFill>
               <a:uFill>
                 <a:solidFill>
@@ -4811,9 +4787,9 @@
               <a:buChar char=""/>
             </a:pPr>
             <a:r>
-              <a:rPr b="0" lang="en-GB" sz="2000" spc="-1" strike="noStrike">
-                <a:solidFill>
-                  <a:srgbClr val="ffffff"/>
+              <a:rPr b="0" lang="en-US" sz="1800" spc="-1" strike="noStrike">
+                <a:solidFill>
+                  <a:srgbClr val="000000"/>
                 </a:solidFill>
                 <a:uFill>
                   <a:solidFill>
@@ -4824,9 +4800,9 @@
               </a:rPr>
               <a:t>Fourth Outline Level</a:t>
             </a:r>
-            <a:endParaRPr b="0" lang="en-GB" sz="2000" spc="-1" strike="noStrike">
-              <a:solidFill>
-                <a:srgbClr val="ffffff"/>
+            <a:endParaRPr b="0" lang="en-US" sz="1800" spc="-1" strike="noStrike">
+              <a:solidFill>
+                <a:srgbClr val="000000"/>
               </a:solidFill>
               <a:uFill>
                 <a:solidFill>
@@ -4849,9 +4825,9 @@
               <a:buChar char=""/>
             </a:pPr>
             <a:r>
-              <a:rPr b="0" lang="en-GB" sz="2000" spc="-1" strike="noStrike">
-                <a:solidFill>
-                  <a:srgbClr val="ffffff"/>
+              <a:rPr b="0" lang="en-US" sz="2000" spc="-1" strike="noStrike">
+                <a:solidFill>
+                  <a:srgbClr val="000000"/>
                 </a:solidFill>
                 <a:uFill>
                   <a:solidFill>
@@ -4862,9 +4838,9 @@
               </a:rPr>
               <a:t>Fifth Outline Level</a:t>
             </a:r>
-            <a:endParaRPr b="0" lang="en-GB" sz="2000" spc="-1" strike="noStrike">
-              <a:solidFill>
-                <a:srgbClr val="ffffff"/>
+            <a:endParaRPr b="0" lang="en-US" sz="2000" spc="-1" strike="noStrike">
+              <a:solidFill>
+                <a:srgbClr val="000000"/>
               </a:solidFill>
               <a:uFill>
                 <a:solidFill>
@@ -4887,9 +4863,9 @@
               <a:buChar char=""/>
             </a:pPr>
             <a:r>
-              <a:rPr b="0" lang="en-GB" sz="2000" spc="-1" strike="noStrike">
-                <a:solidFill>
-                  <a:srgbClr val="ffffff"/>
+              <a:rPr b="0" lang="en-US" sz="2000" spc="-1" strike="noStrike">
+                <a:solidFill>
+                  <a:srgbClr val="000000"/>
                 </a:solidFill>
                 <a:uFill>
                   <a:solidFill>
@@ -4900,9 +4876,9 @@
               </a:rPr>
               <a:t>Sixth Outline Level</a:t>
             </a:r>
-            <a:endParaRPr b="0" lang="en-GB" sz="2000" spc="-1" strike="noStrike">
-              <a:solidFill>
-                <a:srgbClr val="ffffff"/>
+            <a:endParaRPr b="0" lang="en-US" sz="2000" spc="-1" strike="noStrike">
+              <a:solidFill>
+                <a:srgbClr val="000000"/>
               </a:solidFill>
               <a:uFill>
                 <a:solidFill>
@@ -4925,9 +4901,9 @@
               <a:buChar char=""/>
             </a:pPr>
             <a:r>
-              <a:rPr b="0" lang="en-GB" sz="2000" spc="-1" strike="noStrike">
-                <a:solidFill>
-                  <a:srgbClr val="ffffff"/>
+              <a:rPr b="0" lang="en-US" sz="2000" spc="-1" strike="noStrike">
+                <a:solidFill>
+                  <a:srgbClr val="000000"/>
                 </a:solidFill>
                 <a:uFill>
                   <a:solidFill>
@@ -4938,9 +4914,9 @@
               </a:rPr>
               <a:t>Seventh Outline Level</a:t>
             </a:r>
-            <a:endParaRPr b="0" lang="en-GB" sz="2000" spc="-1" strike="noStrike">
-              <a:solidFill>
-                <a:srgbClr val="ffffff"/>
+            <a:endParaRPr b="0" lang="en-US" sz="2000" spc="-1" strike="noStrike">
+              <a:solidFill>
+                <a:srgbClr val="000000"/>
               </a:solidFill>
               <a:uFill>
                 <a:solidFill>
@@ -5012,7 +4988,7 @@
         <p:spPr>
           <a:xfrm>
             <a:off x="0" y="0"/>
-            <a:ext cx="12188160" cy="6855480"/>
+            <a:ext cx="12187080" cy="6854400"/>
           </a:xfrm>
           <a:prstGeom prst="rect">
             <a:avLst/>
@@ -5034,8 +5010,8 @@
         </p:nvSpPr>
         <p:spPr>
           <a:xfrm>
-            <a:off x="3962520" y="1964160"/>
-            <a:ext cx="7197120" cy="2420640"/>
+            <a:off x="609480" y="273600"/>
+            <a:ext cx="10972440" cy="1144800"/>
           </a:xfrm>
           <a:prstGeom prst="rect">
             <a:avLst/>
@@ -5045,9 +5021,9 @@
           <a:bodyPr lIns="0" rIns="0" tIns="0" bIns="0" anchor="ctr"/>
           <a:p>
             <a:r>
-              <a:rPr b="0" lang="en-GB" sz="1800" spc="-1" strike="noStrike">
-                <a:solidFill>
-                  <a:srgbClr val="ffffff"/>
+              <a:rPr b="0" lang="en-US" sz="1800" spc="-1" strike="noStrike">
+                <a:solidFill>
+                  <a:srgbClr val="000000"/>
                 </a:solidFill>
                 <a:uFill>
                   <a:solidFill>
@@ -5058,9 +5034,9 @@
               </a:rPr>
               <a:t>Click to edit the title text format</a:t>
             </a:r>
-            <a:endParaRPr b="0" lang="en-GB" sz="1800" spc="-1" strike="noStrike">
-              <a:solidFill>
-                <a:srgbClr val="ffffff"/>
+            <a:endParaRPr b="0" lang="en-US" sz="1800" spc="-1" strike="noStrike">
+              <a:solidFill>
+                <a:srgbClr val="000000"/>
               </a:solidFill>
               <a:uFill>
                 <a:solidFill>
@@ -5085,7 +5061,7 @@
         <p:spPr>
           <a:xfrm>
             <a:off x="609480" y="1604520"/>
-            <a:ext cx="10972080" cy="3976920"/>
+            <a:ext cx="10972440" cy="3977280"/>
           </a:xfrm>
           <a:prstGeom prst="rect">
             <a:avLst/>
@@ -5108,9 +5084,9 @@
               <a:buChar char=""/>
             </a:pPr>
             <a:r>
-              <a:rPr b="0" lang="en-GB" sz="1800" spc="-1" strike="noStrike">
-                <a:solidFill>
-                  <a:srgbClr val="ffffff"/>
+              <a:rPr b="0" lang="en-US" sz="2800" spc="-1" strike="noStrike">
+                <a:solidFill>
+                  <a:srgbClr val="000000"/>
                 </a:solidFill>
                 <a:uFill>
                   <a:solidFill>
@@ -5121,9 +5097,9 @@
               </a:rPr>
               <a:t>Click to edit the outline text format</a:t>
             </a:r>
-            <a:endParaRPr b="0" lang="en-GB" sz="1800" spc="-1" strike="noStrike">
-              <a:solidFill>
-                <a:srgbClr val="ffffff"/>
+            <a:endParaRPr b="0" lang="en-US" sz="2800" spc="-1" strike="noStrike">
+              <a:solidFill>
+                <a:srgbClr val="000000"/>
               </a:solidFill>
               <a:uFill>
                 <a:solidFill>
@@ -5146,9 +5122,9 @@
               <a:buChar char=""/>
             </a:pPr>
             <a:r>
-              <a:rPr b="0" lang="en-GB" sz="1800" spc="-1" strike="noStrike">
-                <a:solidFill>
-                  <a:srgbClr val="ffffff"/>
+              <a:rPr b="0" lang="en-US" sz="2000" spc="-1" strike="noStrike">
+                <a:solidFill>
+                  <a:srgbClr val="000000"/>
                 </a:solidFill>
                 <a:uFill>
                   <a:solidFill>
@@ -5159,9 +5135,9 @@
               </a:rPr>
               <a:t>Second Outline Level</a:t>
             </a:r>
-            <a:endParaRPr b="0" lang="en-GB" sz="1800" spc="-1" strike="noStrike">
-              <a:solidFill>
-                <a:srgbClr val="ffffff"/>
+            <a:endParaRPr b="0" lang="en-US" sz="2000" spc="-1" strike="noStrike">
+              <a:solidFill>
+                <a:srgbClr val="000000"/>
               </a:solidFill>
               <a:uFill>
                 <a:solidFill>
@@ -5184,9 +5160,9 @@
               <a:buChar char=""/>
             </a:pPr>
             <a:r>
-              <a:rPr b="0" lang="en-GB" sz="1800" spc="-1" strike="noStrike">
-                <a:solidFill>
-                  <a:srgbClr val="ffffff"/>
+              <a:rPr b="0" lang="en-US" sz="1800" spc="-1" strike="noStrike">
+                <a:solidFill>
+                  <a:srgbClr val="000000"/>
                 </a:solidFill>
                 <a:uFill>
                   <a:solidFill>
@@ -5197,9 +5173,9 @@
               </a:rPr>
               <a:t>Third Outline Level</a:t>
             </a:r>
-            <a:endParaRPr b="0" lang="en-GB" sz="1800" spc="-1" strike="noStrike">
-              <a:solidFill>
-                <a:srgbClr val="ffffff"/>
+            <a:endParaRPr b="0" lang="en-US" sz="1800" spc="-1" strike="noStrike">
+              <a:solidFill>
+                <a:srgbClr val="000000"/>
               </a:solidFill>
               <a:uFill>
                 <a:solidFill>
@@ -5222,9 +5198,9 @@
               <a:buChar char=""/>
             </a:pPr>
             <a:r>
-              <a:rPr b="0" lang="en-GB" sz="1800" spc="-1" strike="noStrike">
-                <a:solidFill>
-                  <a:srgbClr val="ffffff"/>
+              <a:rPr b="0" lang="en-US" sz="1800" spc="-1" strike="noStrike">
+                <a:solidFill>
+                  <a:srgbClr val="000000"/>
                 </a:solidFill>
                 <a:uFill>
                   <a:solidFill>
@@ -5235,9 +5211,9 @@
               </a:rPr>
               <a:t>Fourth Outline Level</a:t>
             </a:r>
-            <a:endParaRPr b="0" lang="en-GB" sz="1800" spc="-1" strike="noStrike">
-              <a:solidFill>
-                <a:srgbClr val="ffffff"/>
+            <a:endParaRPr b="0" lang="en-US" sz="1800" spc="-1" strike="noStrike">
+              <a:solidFill>
+                <a:srgbClr val="000000"/>
               </a:solidFill>
               <a:uFill>
                 <a:solidFill>
@@ -5260,9 +5236,9 @@
               <a:buChar char=""/>
             </a:pPr>
             <a:r>
-              <a:rPr b="0" lang="en-GB" sz="1800" spc="-1" strike="noStrike">
-                <a:solidFill>
-                  <a:srgbClr val="ffffff"/>
+              <a:rPr b="0" lang="en-US" sz="2000" spc="-1" strike="noStrike">
+                <a:solidFill>
+                  <a:srgbClr val="000000"/>
                 </a:solidFill>
                 <a:uFill>
                   <a:solidFill>
@@ -5273,9 +5249,9 @@
               </a:rPr>
               <a:t>Fifth Outline Level</a:t>
             </a:r>
-            <a:endParaRPr b="0" lang="en-GB" sz="1800" spc="-1" strike="noStrike">
-              <a:solidFill>
-                <a:srgbClr val="ffffff"/>
+            <a:endParaRPr b="0" lang="en-US" sz="2000" spc="-1" strike="noStrike">
+              <a:solidFill>
+                <a:srgbClr val="000000"/>
               </a:solidFill>
               <a:uFill>
                 <a:solidFill>
@@ -5298,9 +5274,9 @@
               <a:buChar char=""/>
             </a:pPr>
             <a:r>
-              <a:rPr b="0" lang="en-GB" sz="1800" spc="-1" strike="noStrike">
-                <a:solidFill>
-                  <a:srgbClr val="ffffff"/>
+              <a:rPr b="0" lang="en-US" sz="2000" spc="-1" strike="noStrike">
+                <a:solidFill>
+                  <a:srgbClr val="000000"/>
                 </a:solidFill>
                 <a:uFill>
                   <a:solidFill>
@@ -5311,9 +5287,9 @@
               </a:rPr>
               <a:t>Sixth Outline Level</a:t>
             </a:r>
-            <a:endParaRPr b="0" lang="en-GB" sz="1800" spc="-1" strike="noStrike">
-              <a:solidFill>
-                <a:srgbClr val="ffffff"/>
+            <a:endParaRPr b="0" lang="en-US" sz="2000" spc="-1" strike="noStrike">
+              <a:solidFill>
+                <a:srgbClr val="000000"/>
               </a:solidFill>
               <a:uFill>
                 <a:solidFill>
@@ -5336,9 +5312,9 @@
               <a:buChar char=""/>
             </a:pPr>
             <a:r>
-              <a:rPr b="0" lang="en-GB" sz="1800" spc="-1" strike="noStrike">
-                <a:solidFill>
-                  <a:srgbClr val="ffffff"/>
+              <a:rPr b="0" lang="en-US" sz="2000" spc="-1" strike="noStrike">
+                <a:solidFill>
+                  <a:srgbClr val="000000"/>
                 </a:solidFill>
                 <a:uFill>
                   <a:solidFill>
@@ -5349,9 +5325,9 @@
               </a:rPr>
               <a:t>Seventh Outline Level</a:t>
             </a:r>
-            <a:endParaRPr b="0" lang="en-GB" sz="1800" spc="-1" strike="noStrike">
-              <a:solidFill>
-                <a:srgbClr val="ffffff"/>
+            <a:endParaRPr b="0" lang="en-US" sz="2000" spc="-1" strike="noStrike">
+              <a:solidFill>
+                <a:srgbClr val="000000"/>
               </a:solidFill>
               <a:uFill>
                 <a:solidFill>
@@ -5423,7 +5399,7 @@
         <p:spPr>
           <a:xfrm>
             <a:off x="0" y="0"/>
-            <a:ext cx="12188160" cy="6855480"/>
+            <a:ext cx="12187080" cy="6854400"/>
           </a:xfrm>
           <a:prstGeom prst="rect">
             <a:avLst/>
@@ -5445,8 +5421,8 @@
         </p:nvSpPr>
         <p:spPr>
           <a:xfrm>
-            <a:off x="3962520" y="1964160"/>
-            <a:ext cx="7197120" cy="2420640"/>
+            <a:off x="609480" y="273600"/>
+            <a:ext cx="10972080" cy="1144440"/>
           </a:xfrm>
           <a:prstGeom prst="rect">
             <a:avLst/>
@@ -5456,9 +5432,9 @@
           <a:bodyPr lIns="0" rIns="0" tIns="0" bIns="0" anchor="ctr"/>
           <a:p>
             <a:r>
-              <a:rPr b="0" lang="en-GB" sz="1800" spc="-1" strike="noStrike">
-                <a:solidFill>
-                  <a:srgbClr val="ffffff"/>
+              <a:rPr b="0" lang="en-US" sz="4400" spc="-1" strike="noStrike">
+                <a:solidFill>
+                  <a:srgbClr val="000000"/>
                 </a:solidFill>
                 <a:uFill>
                   <a:solidFill>
@@ -5469,9 +5445,9 @@
               </a:rPr>
               <a:t>Click to edit the title text format</a:t>
             </a:r>
-            <a:endParaRPr b="0" lang="en-GB" sz="1800" spc="-1" strike="noStrike">
-              <a:solidFill>
-                <a:srgbClr val="ffffff"/>
+            <a:endParaRPr b="0" lang="en-US" sz="4400" spc="-1" strike="noStrike">
+              <a:solidFill>
+                <a:srgbClr val="000000"/>
               </a:solidFill>
               <a:uFill>
                 <a:solidFill>
@@ -5496,7 +5472,7 @@
         <p:spPr>
           <a:xfrm>
             <a:off x="609480" y="1604520"/>
-            <a:ext cx="10972080" cy="3976920"/>
+            <a:ext cx="10972440" cy="3977280"/>
           </a:xfrm>
           <a:prstGeom prst="rect">
             <a:avLst/>
@@ -5519,9 +5495,9 @@
               <a:buChar char=""/>
             </a:pPr>
             <a:r>
-              <a:rPr b="0" lang="en-GB" sz="1800" spc="-1" strike="noStrike">
-                <a:solidFill>
-                  <a:srgbClr val="ffffff"/>
+              <a:rPr b="0" lang="en-US" sz="2800" spc="-1" strike="noStrike">
+                <a:solidFill>
+                  <a:srgbClr val="000000"/>
                 </a:solidFill>
                 <a:uFill>
                   <a:solidFill>
@@ -5532,9 +5508,9 @@
               </a:rPr>
               <a:t>Click to edit the outline text format</a:t>
             </a:r>
-            <a:endParaRPr b="0" lang="en-GB" sz="1800" spc="-1" strike="noStrike">
-              <a:solidFill>
-                <a:srgbClr val="ffffff"/>
+            <a:endParaRPr b="0" lang="en-US" sz="2800" spc="-1" strike="noStrike">
+              <a:solidFill>
+                <a:srgbClr val="000000"/>
               </a:solidFill>
               <a:uFill>
                 <a:solidFill>
@@ -5557,9 +5533,9 @@
               <a:buChar char=""/>
             </a:pPr>
             <a:r>
-              <a:rPr b="0" lang="en-GB" sz="1800" spc="-1" strike="noStrike">
-                <a:solidFill>
-                  <a:srgbClr val="ffffff"/>
+              <a:rPr b="0" lang="en-US" sz="2000" spc="-1" strike="noStrike">
+                <a:solidFill>
+                  <a:srgbClr val="000000"/>
                 </a:solidFill>
                 <a:uFill>
                   <a:solidFill>
@@ -5570,9 +5546,9 @@
               </a:rPr>
               <a:t>Second Outline Level</a:t>
             </a:r>
-            <a:endParaRPr b="0" lang="en-GB" sz="1800" spc="-1" strike="noStrike">
-              <a:solidFill>
-                <a:srgbClr val="ffffff"/>
+            <a:endParaRPr b="0" lang="en-US" sz="2000" spc="-1" strike="noStrike">
+              <a:solidFill>
+                <a:srgbClr val="000000"/>
               </a:solidFill>
               <a:uFill>
                 <a:solidFill>
@@ -5595,9 +5571,9 @@
               <a:buChar char=""/>
             </a:pPr>
             <a:r>
-              <a:rPr b="0" lang="en-GB" sz="1800" spc="-1" strike="noStrike">
-                <a:solidFill>
-                  <a:srgbClr val="ffffff"/>
+              <a:rPr b="0" lang="en-US" sz="1800" spc="-1" strike="noStrike">
+                <a:solidFill>
+                  <a:srgbClr val="000000"/>
                 </a:solidFill>
                 <a:uFill>
                   <a:solidFill>
@@ -5608,9 +5584,9 @@
               </a:rPr>
               <a:t>Third Outline Level</a:t>
             </a:r>
-            <a:endParaRPr b="0" lang="en-GB" sz="1800" spc="-1" strike="noStrike">
-              <a:solidFill>
-                <a:srgbClr val="ffffff"/>
+            <a:endParaRPr b="0" lang="en-US" sz="1800" spc="-1" strike="noStrike">
+              <a:solidFill>
+                <a:srgbClr val="000000"/>
               </a:solidFill>
               <a:uFill>
                 <a:solidFill>
@@ -5633,9 +5609,9 @@
               <a:buChar char=""/>
             </a:pPr>
             <a:r>
-              <a:rPr b="0" lang="en-GB" sz="1800" spc="-1" strike="noStrike">
-                <a:solidFill>
-                  <a:srgbClr val="ffffff"/>
+              <a:rPr b="0" lang="en-US" sz="1800" spc="-1" strike="noStrike">
+                <a:solidFill>
+                  <a:srgbClr val="000000"/>
                 </a:solidFill>
                 <a:uFill>
                   <a:solidFill>
@@ -5646,9 +5622,9 @@
               </a:rPr>
               <a:t>Fourth Outline Level</a:t>
             </a:r>
-            <a:endParaRPr b="0" lang="en-GB" sz="1800" spc="-1" strike="noStrike">
-              <a:solidFill>
-                <a:srgbClr val="ffffff"/>
+            <a:endParaRPr b="0" lang="en-US" sz="1800" spc="-1" strike="noStrike">
+              <a:solidFill>
+                <a:srgbClr val="000000"/>
               </a:solidFill>
               <a:uFill>
                 <a:solidFill>
@@ -5671,9 +5647,9 @@
               <a:buChar char=""/>
             </a:pPr>
             <a:r>
-              <a:rPr b="0" lang="en-GB" sz="1800" spc="-1" strike="noStrike">
-                <a:solidFill>
-                  <a:srgbClr val="ffffff"/>
+              <a:rPr b="0" lang="en-US" sz="2000" spc="-1" strike="noStrike">
+                <a:solidFill>
+                  <a:srgbClr val="000000"/>
                 </a:solidFill>
                 <a:uFill>
                   <a:solidFill>
@@ -5684,9 +5660,9 @@
               </a:rPr>
               <a:t>Fifth Outline Level</a:t>
             </a:r>
-            <a:endParaRPr b="0" lang="en-GB" sz="1800" spc="-1" strike="noStrike">
-              <a:solidFill>
-                <a:srgbClr val="ffffff"/>
+            <a:endParaRPr b="0" lang="en-US" sz="2000" spc="-1" strike="noStrike">
+              <a:solidFill>
+                <a:srgbClr val="000000"/>
               </a:solidFill>
               <a:uFill>
                 <a:solidFill>
@@ -5709,9 +5685,9 @@
               <a:buChar char=""/>
             </a:pPr>
             <a:r>
-              <a:rPr b="0" lang="en-GB" sz="1800" spc="-1" strike="noStrike">
-                <a:solidFill>
-                  <a:srgbClr val="ffffff"/>
+              <a:rPr b="0" lang="en-US" sz="2000" spc="-1" strike="noStrike">
+                <a:solidFill>
+                  <a:srgbClr val="000000"/>
                 </a:solidFill>
                 <a:uFill>
                   <a:solidFill>
@@ -5722,9 +5698,9 @@
               </a:rPr>
               <a:t>Sixth Outline Level</a:t>
             </a:r>
-            <a:endParaRPr b="0" lang="en-GB" sz="1800" spc="-1" strike="noStrike">
-              <a:solidFill>
-                <a:srgbClr val="ffffff"/>
+            <a:endParaRPr b="0" lang="en-US" sz="2000" spc="-1" strike="noStrike">
+              <a:solidFill>
+                <a:srgbClr val="000000"/>
               </a:solidFill>
               <a:uFill>
                 <a:solidFill>
@@ -5747,9 +5723,9 @@
               <a:buChar char=""/>
             </a:pPr>
             <a:r>
-              <a:rPr b="0" lang="en-GB" sz="1800" spc="-1" strike="noStrike">
-                <a:solidFill>
-                  <a:srgbClr val="ffffff"/>
+              <a:rPr b="0" lang="en-US" sz="2000" spc="-1" strike="noStrike">
+                <a:solidFill>
+                  <a:srgbClr val="000000"/>
                 </a:solidFill>
                 <a:uFill>
                   <a:solidFill>
@@ -5760,373 +5736,36 @@
               </a:rPr>
               <a:t>Seventh Outline Level</a:t>
             </a:r>
-            <a:endParaRPr b="0" lang="en-GB" sz="1800" spc="-1" strike="noStrike">
-              <a:solidFill>
-                <a:srgbClr val="ffffff"/>
-              </a:solidFill>
-              <a:uFill>
-                <a:solidFill>
-                  <a:srgbClr val="ffffff"/>
-                </a:solidFill>
-              </a:uFill>
-              <a:latin typeface="Arial"/>
-            </a:endParaRPr>
-          </a:p>
-        </p:txBody>
-      </p:sp>
-      <p:sp>
-        <p:nvSpPr>
-          <p:cNvPr id="77" name="PlaceHolder 3"/>
-          <p:cNvSpPr>
-            <a:spLocks noGrp="1"/>
-          </p:cNvSpPr>
-          <p:nvPr>
-            <p:ph type="body"/>
-          </p:nvPr>
-        </p:nvSpPr>
-        <p:spPr>
-          <a:xfrm>
-            <a:off x="609480" y="1604520"/>
-            <a:ext cx="10972080" cy="3976920"/>
-          </a:xfrm>
-          <a:prstGeom prst="rect">
-            <a:avLst/>
-          </a:prstGeom>
-        </p:spPr>
-        <p:txBody>
-          <a:bodyPr lIns="0" rIns="0" tIns="0" bIns="0">
-            <a:normAutofit/>
-          </a:bodyPr>
-          <a:p>
-            <a:pPr marL="432000" indent="-324000">
-              <a:spcBef>
-                <a:spcPts val="1417"/>
-              </a:spcBef>
-              <a:buClr>
-                <a:srgbClr val="ffffff"/>
-              </a:buClr>
-              <a:buSzPct val="45000"/>
-              <a:buFont typeface="Wingdings" charset="2"/>
-              <a:buChar char=""/>
-            </a:pPr>
-            <a:r>
-              <a:rPr b="0" lang="en-GB" sz="1800" spc="-1" strike="noStrike">
-                <a:solidFill>
-                  <a:srgbClr val="ffffff"/>
-                </a:solidFill>
-                <a:uFill>
-                  <a:solidFill>
-                    <a:srgbClr val="ffffff"/>
-                  </a:solidFill>
-                </a:uFill>
-                <a:latin typeface="Arial"/>
-              </a:rPr>
-              <a:t>Click to edit the outline text format</a:t>
-            </a:r>
-            <a:endParaRPr b="0" lang="en-GB" sz="1800" spc="-1" strike="noStrike">
-              <a:solidFill>
-                <a:srgbClr val="ffffff"/>
-              </a:solidFill>
-              <a:uFill>
-                <a:solidFill>
-                  <a:srgbClr val="ffffff"/>
-                </a:solidFill>
-              </a:uFill>
-              <a:latin typeface="Arial"/>
-            </a:endParaRPr>
-          </a:p>
-          <a:p>
-            <a:pPr lvl="1" marL="864000" indent="-324000">
-              <a:spcBef>
-                <a:spcPts val="1134"/>
-              </a:spcBef>
-              <a:buClr>
-                <a:srgbClr val="ffffff"/>
-              </a:buClr>
-              <a:buSzPct val="75000"/>
-              <a:buFont typeface="Symbol" charset="2"/>
-              <a:buChar char=""/>
-            </a:pPr>
-            <a:r>
-              <a:rPr b="0" lang="en-GB" sz="1800" spc="-1" strike="noStrike">
-                <a:solidFill>
-                  <a:srgbClr val="ffffff"/>
-                </a:solidFill>
-                <a:uFill>
-                  <a:solidFill>
-                    <a:srgbClr val="ffffff"/>
-                  </a:solidFill>
-                </a:uFill>
-                <a:latin typeface="Arial"/>
-              </a:rPr>
-              <a:t>Second Outline Level</a:t>
-            </a:r>
-            <a:endParaRPr b="0" lang="en-GB" sz="1800" spc="-1" strike="noStrike">
-              <a:solidFill>
-                <a:srgbClr val="ffffff"/>
-              </a:solidFill>
-              <a:uFill>
-                <a:solidFill>
-                  <a:srgbClr val="ffffff"/>
-                </a:solidFill>
-              </a:uFill>
-              <a:latin typeface="Arial"/>
-            </a:endParaRPr>
-          </a:p>
-          <a:p>
-            <a:pPr lvl="2" marL="1296000" indent="-288000">
-              <a:spcBef>
-                <a:spcPts val="850"/>
-              </a:spcBef>
-              <a:buClr>
-                <a:srgbClr val="ffffff"/>
-              </a:buClr>
-              <a:buSzPct val="45000"/>
-              <a:buFont typeface="Wingdings" charset="2"/>
-              <a:buChar char=""/>
-            </a:pPr>
-            <a:r>
-              <a:rPr b="0" lang="en-GB" sz="1800" spc="-1" strike="noStrike">
-                <a:solidFill>
-                  <a:srgbClr val="ffffff"/>
-                </a:solidFill>
-                <a:uFill>
-                  <a:solidFill>
-                    <a:srgbClr val="ffffff"/>
-                  </a:solidFill>
-                </a:uFill>
-                <a:latin typeface="Arial"/>
-              </a:rPr>
-              <a:t>Third Outline Level</a:t>
-            </a:r>
-            <a:endParaRPr b="0" lang="en-GB" sz="1800" spc="-1" strike="noStrike">
-              <a:solidFill>
-                <a:srgbClr val="ffffff"/>
-              </a:solidFill>
-              <a:uFill>
-                <a:solidFill>
-                  <a:srgbClr val="ffffff"/>
-                </a:solidFill>
-              </a:uFill>
-              <a:latin typeface="Arial"/>
-            </a:endParaRPr>
-          </a:p>
-          <a:p>
-            <a:pPr lvl="3" marL="1728000" indent="-216000">
-              <a:spcBef>
-                <a:spcPts val="567"/>
-              </a:spcBef>
-              <a:buClr>
-                <a:srgbClr val="ffffff"/>
-              </a:buClr>
-              <a:buSzPct val="75000"/>
-              <a:buFont typeface="Symbol" charset="2"/>
-              <a:buChar char=""/>
-            </a:pPr>
-            <a:r>
-              <a:rPr b="0" lang="en-GB" sz="1800" spc="-1" strike="noStrike">
-                <a:solidFill>
-                  <a:srgbClr val="ffffff"/>
-                </a:solidFill>
-                <a:uFill>
-                  <a:solidFill>
-                    <a:srgbClr val="ffffff"/>
-                  </a:solidFill>
-                </a:uFill>
-                <a:latin typeface="Arial"/>
-              </a:rPr>
-              <a:t>Fourth Outline Level</a:t>
-            </a:r>
-            <a:endParaRPr b="0" lang="en-GB" sz="1800" spc="-1" strike="noStrike">
-              <a:solidFill>
-                <a:srgbClr val="ffffff"/>
-              </a:solidFill>
-              <a:uFill>
-                <a:solidFill>
-                  <a:srgbClr val="ffffff"/>
-                </a:solidFill>
-              </a:uFill>
-              <a:latin typeface="Arial"/>
-            </a:endParaRPr>
-          </a:p>
-          <a:p>
-            <a:pPr lvl="4" marL="2160000" indent="-216000">
-              <a:spcBef>
-                <a:spcPts val="283"/>
-              </a:spcBef>
-              <a:buClr>
-                <a:srgbClr val="ffffff"/>
-              </a:buClr>
-              <a:buSzPct val="45000"/>
-              <a:buFont typeface="Wingdings" charset="2"/>
-              <a:buChar char=""/>
-            </a:pPr>
-            <a:r>
-              <a:rPr b="0" lang="en-GB" sz="1800" spc="-1" strike="noStrike">
-                <a:solidFill>
-                  <a:srgbClr val="ffffff"/>
-                </a:solidFill>
-                <a:uFill>
-                  <a:solidFill>
-                    <a:srgbClr val="ffffff"/>
-                  </a:solidFill>
-                </a:uFill>
-                <a:latin typeface="Arial"/>
-              </a:rPr>
-              <a:t>Fifth Outline Level</a:t>
-            </a:r>
-            <a:endParaRPr b="0" lang="en-GB" sz="1800" spc="-1" strike="noStrike">
-              <a:solidFill>
-                <a:srgbClr val="ffffff"/>
-              </a:solidFill>
-              <a:uFill>
-                <a:solidFill>
-                  <a:srgbClr val="ffffff"/>
-                </a:solidFill>
-              </a:uFill>
-              <a:latin typeface="Arial"/>
-            </a:endParaRPr>
-          </a:p>
-          <a:p>
-            <a:pPr lvl="5" marL="2592000" indent="-216000">
-              <a:spcBef>
-                <a:spcPts val="283"/>
-              </a:spcBef>
-              <a:buClr>
-                <a:srgbClr val="ffffff"/>
-              </a:buClr>
-              <a:buSzPct val="45000"/>
-              <a:buFont typeface="Wingdings" charset="2"/>
-              <a:buChar char=""/>
-            </a:pPr>
-            <a:r>
-              <a:rPr b="0" lang="en-GB" sz="1800" spc="-1" strike="noStrike">
-                <a:solidFill>
-                  <a:srgbClr val="ffffff"/>
-                </a:solidFill>
-                <a:uFill>
-                  <a:solidFill>
-                    <a:srgbClr val="ffffff"/>
-                  </a:solidFill>
-                </a:uFill>
-                <a:latin typeface="Arial"/>
-              </a:rPr>
-              <a:t>Sixth Outline Level</a:t>
-            </a:r>
-            <a:endParaRPr b="0" lang="en-GB" sz="1800" spc="-1" strike="noStrike">
-              <a:solidFill>
-                <a:srgbClr val="ffffff"/>
-              </a:solidFill>
-              <a:uFill>
-                <a:solidFill>
-                  <a:srgbClr val="ffffff"/>
-                </a:solidFill>
-              </a:uFill>
-              <a:latin typeface="Arial"/>
-            </a:endParaRPr>
-          </a:p>
-          <a:p>
-            <a:pPr lvl="6" marL="3024000" indent="-216000">
-              <a:spcBef>
-                <a:spcPts val="283"/>
-              </a:spcBef>
-              <a:buClr>
-                <a:srgbClr val="ffffff"/>
-              </a:buClr>
-              <a:buSzPct val="45000"/>
-              <a:buFont typeface="Wingdings" charset="2"/>
-              <a:buChar char=""/>
-            </a:pPr>
-            <a:r>
-              <a:rPr b="0" lang="en-GB" sz="1800" spc="-1" strike="noStrike">
-                <a:solidFill>
-                  <a:srgbClr val="ffffff"/>
-                </a:solidFill>
-                <a:uFill>
-                  <a:solidFill>
-                    <a:srgbClr val="ffffff"/>
-                  </a:solidFill>
-                </a:uFill>
-                <a:latin typeface="Arial"/>
-              </a:rPr>
-              <a:t>Seventh Outline Level</a:t>
-            </a:r>
-            <a:endParaRPr b="0" lang="en-GB" sz="1800" spc="-1" strike="noStrike">
-              <a:solidFill>
-                <a:srgbClr val="ffffff"/>
-              </a:solidFill>
-              <a:uFill>
-                <a:solidFill>
-                  <a:srgbClr val="ffffff"/>
-                </a:solidFill>
-              </a:uFill>
-              <a:latin typeface="Arial"/>
-            </a:endParaRPr>
-          </a:p>
-        </p:txBody>
-      </p:sp>
-      <p:pic>
-        <p:nvPicPr>
-          <p:cNvPr id="78" name="" descr=""/>
-          <p:cNvPicPr/>
-          <p:nvPr/>
-        </p:nvPicPr>
-        <p:blipFill>
-          <a:blip r:embed="rId4"/>
-          <a:stretch/>
-        </p:blipFill>
-        <p:spPr>
-          <a:xfrm>
-            <a:off x="3602880" y="1604520"/>
-            <a:ext cx="4984560" cy="3976920"/>
-          </a:xfrm>
-          <a:prstGeom prst="rect">
-            <a:avLst/>
-          </a:prstGeom>
-          <a:ln>
-            <a:noFill/>
-          </a:ln>
-        </p:spPr>
-      </p:pic>
-      <p:pic>
-        <p:nvPicPr>
-          <p:cNvPr id="79" name="" descr=""/>
-          <p:cNvPicPr/>
-          <p:nvPr/>
-        </p:nvPicPr>
-        <p:blipFill>
-          <a:blip r:embed="rId5"/>
-          <a:stretch/>
-        </p:blipFill>
-        <p:spPr>
-          <a:xfrm>
-            <a:off x="3602880" y="1604520"/>
-            <a:ext cx="4984560" cy="3976920"/>
-          </a:xfrm>
-          <a:prstGeom prst="rect">
-            <a:avLst/>
-          </a:prstGeom>
-          <a:ln>
-            <a:noFill/>
-          </a:ln>
-        </p:spPr>
-      </p:pic>
+            <a:endParaRPr b="0" lang="en-US" sz="2000" spc="-1" strike="noStrike">
+              <a:solidFill>
+                <a:srgbClr val="000000"/>
+              </a:solidFill>
+              <a:uFill>
+                <a:solidFill>
+                  <a:srgbClr val="ffffff"/>
+                </a:solidFill>
+              </a:uFill>
+              <a:latin typeface="Arial"/>
+            </a:endParaRPr>
+          </a:p>
+        </p:txBody>
+      </p:sp>
     </p:spTree>
   </p:cSld>
   <p:clrMap bg1="lt1" bg2="lt2" tx1="dk1" tx2="dk2" accent1="accent1" accent2="accent2" accent3="accent3" accent4="accent4" accent5="accent5" accent6="accent6" hlink="hlink" folHlink="folHlink"/>
   <p:sldLayoutIdLst>
-    <p:sldLayoutId id="2147483675" r:id="rId6"/>
-    <p:sldLayoutId id="2147483676" r:id="rId7"/>
-    <p:sldLayoutId id="2147483677" r:id="rId8"/>
-    <p:sldLayoutId id="2147483678" r:id="rId9"/>
-    <p:sldLayoutId id="2147483679" r:id="rId10"/>
-    <p:sldLayoutId id="2147483680" r:id="rId11"/>
-    <p:sldLayoutId id="2147483681" r:id="rId12"/>
-    <p:sldLayoutId id="2147483682" r:id="rId13"/>
-    <p:sldLayoutId id="2147483683" r:id="rId14"/>
-    <p:sldLayoutId id="2147483684" r:id="rId15"/>
-    <p:sldLayoutId id="2147483685" r:id="rId16"/>
-    <p:sldLayoutId id="2147483686" r:id="rId17"/>
+    <p:sldLayoutId id="2147483675" r:id="rId4"/>
+    <p:sldLayoutId id="2147483676" r:id="rId5"/>
+    <p:sldLayoutId id="2147483677" r:id="rId6"/>
+    <p:sldLayoutId id="2147483678" r:id="rId7"/>
+    <p:sldLayoutId id="2147483679" r:id="rId8"/>
+    <p:sldLayoutId id="2147483680" r:id="rId9"/>
+    <p:sldLayoutId id="2147483681" r:id="rId10"/>
+    <p:sldLayoutId id="2147483682" r:id="rId11"/>
+    <p:sldLayoutId id="2147483683" r:id="rId12"/>
+    <p:sldLayoutId id="2147483684" r:id="rId13"/>
+    <p:sldLayoutId id="2147483685" r:id="rId14"/>
+    <p:sldLayoutId id="2147483686" r:id="rId15"/>
   </p:sldLayoutIdLst>
 </p:sldMaster>
 </file>
@@ -6150,14 +5789,14 @@
       </p:grpSpPr>
       <p:sp>
         <p:nvSpPr>
-          <p:cNvPr id="114" name="CustomShape 1"/>
+          <p:cNvPr id="111" name="CustomShape 1"/>
           <p:cNvSpPr/>
           <p:nvPr/>
         </p:nvSpPr>
         <p:spPr>
           <a:xfrm>
             <a:off x="3962520" y="1964160"/>
-            <a:ext cx="7197120" cy="2420640"/>
+            <a:ext cx="7196040" cy="2419560"/>
           </a:xfrm>
           <a:prstGeom prst="rect">
             <a:avLst/>
@@ -6176,7 +5815,7 @@
         <p:txBody>
           <a:bodyPr lIns="90000" rIns="90000" tIns="45000" bIns="45000" anchor="b"/>
           <a:p>
-            <a:pPr algn="r">
+            <a:pPr>
               <a:lnSpc>
                 <a:spcPct val="100000"/>
               </a:lnSpc>
@@ -6192,8 +5831,9 @@
                   </a:solidFill>
                 </a:uFill>
                 <a:latin typeface="Calibri Light"/>
-              </a:rPr>
-              <a:t>Classifying natural numbers</a:t>
+                <a:ea typeface="DejaVu Sans"/>
+              </a:rPr>
+              <a:t>Properties of natural numbers</a:t>
             </a:r>
             <a:endParaRPr b="0" lang="en-GB" sz="4800" spc="-1" strike="noStrike">
               <a:solidFill>
@@ -6211,14 +5851,14 @@
       </p:sp>
       <p:sp>
         <p:nvSpPr>
-          <p:cNvPr id="115" name="CustomShape 2"/>
+          <p:cNvPr id="112" name="CustomShape 2"/>
           <p:cNvSpPr/>
           <p:nvPr/>
         </p:nvSpPr>
         <p:spPr>
           <a:xfrm>
             <a:off x="3962520" y="4385880"/>
-            <a:ext cx="7197120" cy="1404720"/>
+            <a:ext cx="7196040" cy="1403640"/>
           </a:xfrm>
           <a:prstGeom prst="rect">
             <a:avLst/>
@@ -6256,6 +5896,7 @@
                   </a:solidFill>
                 </a:uFill>
                 <a:latin typeface="Calibri"/>
+                <a:ea typeface="DejaVu Sans"/>
               </a:rPr>
               <a:t>Nathan hall</a:t>
             </a:r>
@@ -6291,6 +5932,7 @@
                   </a:solidFill>
                 </a:uFill>
                 <a:latin typeface="Calibri"/>
+                <a:ea typeface="DejaVu Sans"/>
               </a:rPr>
               <a:t>Rohan Saha</a:t>
             </a:r>
@@ -6317,6 +5959,383 @@
           <p:childTnLst>
             <p:seq>
               <p:cTn id="2" nodeType="mainSeq"/>
+              <p:prevCondLst>
+                <p:cond delay="0" evt="onPrev">
+                  <p:tgtEl>
+                    <p:sldTgt/>
+                  </p:tgtEl>
+                </p:cond>
+              </p:prevCondLst>
+              <p:nextCondLst>
+                <p:cond delay="0" evt="onNext">
+                  <p:tgtEl>
+                    <p:sldTgt/>
+                  </p:tgtEl>
+                </p:cond>
+              </p:nextCondLst>
+            </p:seq>
+          </p:childTnLst>
+        </p:cTn>
+      </p:par>
+    </p:tnLst>
+  </p:timing>
+</p:sld>
+</file>
+
+<file path=ppt/slides/slide10.xml><?xml version="1.0" encoding="utf-8"?>
+<p:sld xmlns:a="http://schemas.openxmlformats.org/drawingml/2006/main" xmlns:p="http://schemas.openxmlformats.org/presentationml/2006/main" xmlns:r="http://schemas.openxmlformats.org/officeDocument/2006/relationships" xmlns:p14="http://schemas.microsoft.com/office/powerpoint/2010/main" xmlns:p15="http://schemas.microsoft.com/office/powerpoint/2012/main" xmlns:mc="http://schemas.openxmlformats.org/markup-compatibility/2006">
+  <p:cSld>
+    <p:spTree>
+      <p:nvGrpSpPr>
+        <p:cNvPr id="1" name=""/>
+        <p:cNvGrpSpPr/>
+        <p:nvPr/>
+      </p:nvGrpSpPr>
+      <p:grpSpPr>
+        <a:xfrm>
+          <a:off x="0" y="0"/>
+          <a:ext cx="0" cy="0"/>
+          <a:chOff x="0" y="0"/>
+          <a:chExt cx="0" cy="0"/>
+        </a:xfrm>
+      </p:grpSpPr>
+      <p:pic>
+        <p:nvPicPr>
+          <p:cNvPr id="131" name="Picture 1" descr=""/>
+          <p:cNvPicPr/>
+          <p:nvPr/>
+        </p:nvPicPr>
+        <p:blipFill>
+          <a:blip r:embed="rId1"/>
+          <a:stretch/>
+        </p:blipFill>
+        <p:spPr>
+          <a:xfrm>
+            <a:off x="6763680" y="3201120"/>
+            <a:ext cx="4750560" cy="3200760"/>
+          </a:xfrm>
+          <a:prstGeom prst="rect">
+            <a:avLst/>
+          </a:prstGeom>
+          <a:ln>
+            <a:noFill/>
+          </a:ln>
+        </p:spPr>
+      </p:pic>
+      <p:pic>
+        <p:nvPicPr>
+          <p:cNvPr id="132" name="Picture 2" descr=""/>
+          <p:cNvPicPr/>
+          <p:nvPr/>
+        </p:nvPicPr>
+        <p:blipFill>
+          <a:blip r:embed="rId2"/>
+          <a:stretch/>
+        </p:blipFill>
+        <p:spPr>
+          <a:xfrm>
+            <a:off x="491400" y="3201120"/>
+            <a:ext cx="4750560" cy="3200760"/>
+          </a:xfrm>
+          <a:prstGeom prst="rect">
+            <a:avLst/>
+          </a:prstGeom>
+          <a:ln>
+            <a:noFill/>
+          </a:ln>
+        </p:spPr>
+      </p:pic>
+      <p:pic>
+        <p:nvPicPr>
+          <p:cNvPr id="133" name="Picture 3" descr=""/>
+          <p:cNvPicPr/>
+          <p:nvPr/>
+        </p:nvPicPr>
+        <p:blipFill>
+          <a:blip r:embed="rId3"/>
+          <a:stretch/>
+        </p:blipFill>
+        <p:spPr>
+          <a:xfrm>
+            <a:off x="3720600" y="82080"/>
+            <a:ext cx="4750560" cy="3200760"/>
+          </a:xfrm>
+          <a:prstGeom prst="rect">
+            <a:avLst/>
+          </a:prstGeom>
+          <a:ln>
+            <a:noFill/>
+          </a:ln>
+        </p:spPr>
+      </p:pic>
+    </p:spTree>
+  </p:cSld>
+  <p:timing>
+    <p:tnLst>
+      <p:par>
+        <p:cTn id="19" dur="indefinite" restart="never" nodeType="tmRoot">
+          <p:childTnLst>
+            <p:seq>
+              <p:cTn id="20" nodeType="mainSeq"/>
+              <p:prevCondLst>
+                <p:cond delay="0" evt="onPrev">
+                  <p:tgtEl>
+                    <p:sldTgt/>
+                  </p:tgtEl>
+                </p:cond>
+              </p:prevCondLst>
+              <p:nextCondLst>
+                <p:cond delay="0" evt="onNext">
+                  <p:tgtEl>
+                    <p:sldTgt/>
+                  </p:tgtEl>
+                </p:cond>
+              </p:nextCondLst>
+            </p:seq>
+          </p:childTnLst>
+        </p:cTn>
+      </p:par>
+    </p:tnLst>
+  </p:timing>
+</p:sld>
+</file>
+
+<file path=ppt/slides/slide11.xml><?xml version="1.0" encoding="utf-8"?>
+<p:sld xmlns:a="http://schemas.openxmlformats.org/drawingml/2006/main" xmlns:p="http://schemas.openxmlformats.org/presentationml/2006/main" xmlns:r="http://schemas.openxmlformats.org/officeDocument/2006/relationships" xmlns:p14="http://schemas.microsoft.com/office/powerpoint/2010/main" xmlns:p15="http://schemas.microsoft.com/office/powerpoint/2012/main" xmlns:mc="http://schemas.openxmlformats.org/markup-compatibility/2006">
+  <p:cSld>
+    <p:spTree>
+      <p:nvGrpSpPr>
+        <p:cNvPr id="1" name=""/>
+        <p:cNvGrpSpPr/>
+        <p:nvPr/>
+      </p:nvGrpSpPr>
+      <p:grpSpPr>
+        <a:xfrm>
+          <a:off x="0" y="0"/>
+          <a:ext cx="0" cy="0"/>
+          <a:chOff x="0" y="0"/>
+          <a:chExt cx="0" cy="0"/>
+        </a:xfrm>
+      </p:grpSpPr>
+      <p:pic>
+        <p:nvPicPr>
+          <p:cNvPr id="134" name="Picture 24" descr=""/>
+          <p:cNvPicPr/>
+          <p:nvPr/>
+        </p:nvPicPr>
+        <p:blipFill>
+          <a:blip r:embed="rId1"/>
+          <a:stretch/>
+        </p:blipFill>
+        <p:spPr>
+          <a:xfrm>
+            <a:off x="1180080" y="227880"/>
+            <a:ext cx="4915800" cy="3200760"/>
+          </a:xfrm>
+          <a:prstGeom prst="rect">
+            <a:avLst/>
+          </a:prstGeom>
+          <a:ln>
+            <a:noFill/>
+          </a:ln>
+        </p:spPr>
+      </p:pic>
+      <p:pic>
+        <p:nvPicPr>
+          <p:cNvPr id="135" name="Picture 26" descr=""/>
+          <p:cNvPicPr/>
+          <p:nvPr/>
+        </p:nvPicPr>
+        <p:blipFill>
+          <a:blip r:embed="rId2"/>
+          <a:stretch/>
+        </p:blipFill>
+        <p:spPr>
+          <a:xfrm>
+            <a:off x="6531120" y="227880"/>
+            <a:ext cx="4915800" cy="3200760"/>
+          </a:xfrm>
+          <a:prstGeom prst="rect">
+            <a:avLst/>
+          </a:prstGeom>
+          <a:ln>
+            <a:noFill/>
+          </a:ln>
+        </p:spPr>
+      </p:pic>
+      <p:pic>
+        <p:nvPicPr>
+          <p:cNvPr id="136" name="Picture 28" descr=""/>
+          <p:cNvPicPr/>
+          <p:nvPr/>
+        </p:nvPicPr>
+        <p:blipFill>
+          <a:blip r:embed="rId3"/>
+          <a:stretch/>
+        </p:blipFill>
+        <p:spPr>
+          <a:xfrm>
+            <a:off x="1180080" y="3548160"/>
+            <a:ext cx="4915800" cy="3200760"/>
+          </a:xfrm>
+          <a:prstGeom prst="rect">
+            <a:avLst/>
+          </a:prstGeom>
+          <a:ln>
+            <a:noFill/>
+          </a:ln>
+        </p:spPr>
+      </p:pic>
+      <p:pic>
+        <p:nvPicPr>
+          <p:cNvPr id="137" name="Picture 30" descr=""/>
+          <p:cNvPicPr/>
+          <p:nvPr/>
+        </p:nvPicPr>
+        <p:blipFill>
+          <a:blip r:embed="rId4"/>
+          <a:stretch/>
+        </p:blipFill>
+        <p:spPr>
+          <a:xfrm>
+            <a:off x="6531120" y="3548160"/>
+            <a:ext cx="4915800" cy="3200760"/>
+          </a:xfrm>
+          <a:prstGeom prst="rect">
+            <a:avLst/>
+          </a:prstGeom>
+          <a:ln>
+            <a:noFill/>
+          </a:ln>
+        </p:spPr>
+      </p:pic>
+    </p:spTree>
+  </p:cSld>
+  <p:timing>
+    <p:tnLst>
+      <p:par>
+        <p:cTn id="21" dur="indefinite" restart="never" nodeType="tmRoot">
+          <p:childTnLst>
+            <p:seq>
+              <p:cTn id="22" nodeType="mainSeq"/>
+              <p:prevCondLst>
+                <p:cond delay="0" evt="onPrev">
+                  <p:tgtEl>
+                    <p:sldTgt/>
+                  </p:tgtEl>
+                </p:cond>
+              </p:prevCondLst>
+              <p:nextCondLst>
+                <p:cond delay="0" evt="onNext">
+                  <p:tgtEl>
+                    <p:sldTgt/>
+                  </p:tgtEl>
+                </p:cond>
+              </p:nextCondLst>
+            </p:seq>
+          </p:childTnLst>
+        </p:cTn>
+      </p:par>
+    </p:tnLst>
+  </p:timing>
+</p:sld>
+</file>
+
+<file path=ppt/slides/slide12.xml><?xml version="1.0" encoding="utf-8"?>
+<p:sld xmlns:a="http://schemas.openxmlformats.org/drawingml/2006/main" xmlns:p="http://schemas.openxmlformats.org/presentationml/2006/main" xmlns:r="http://schemas.openxmlformats.org/officeDocument/2006/relationships" xmlns:p14="http://schemas.microsoft.com/office/powerpoint/2010/main" xmlns:p15="http://schemas.microsoft.com/office/powerpoint/2012/main" xmlns:mc="http://schemas.openxmlformats.org/markup-compatibility/2006">
+  <p:cSld>
+    <p:spTree>
+      <p:nvGrpSpPr>
+        <p:cNvPr id="1" name=""/>
+        <p:cNvGrpSpPr/>
+        <p:nvPr/>
+      </p:nvGrpSpPr>
+      <p:grpSpPr>
+        <a:xfrm>
+          <a:off x="0" y="0"/>
+          <a:ext cx="0" cy="0"/>
+          <a:chOff x="0" y="0"/>
+          <a:chExt cx="0" cy="0"/>
+        </a:xfrm>
+      </p:grpSpPr>
+      <p:pic>
+        <p:nvPicPr>
+          <p:cNvPr id="138" name="Picture 1" descr=""/>
+          <p:cNvPicPr/>
+          <p:nvPr/>
+        </p:nvPicPr>
+        <p:blipFill>
+          <a:blip r:embed="rId1"/>
+          <a:stretch/>
+        </p:blipFill>
+        <p:spPr>
+          <a:xfrm>
+            <a:off x="3556800" y="228240"/>
+            <a:ext cx="4913280" cy="3200400"/>
+          </a:xfrm>
+          <a:prstGeom prst="rect">
+            <a:avLst/>
+          </a:prstGeom>
+          <a:ln>
+            <a:noFill/>
+          </a:ln>
+        </p:spPr>
+      </p:pic>
+      <p:pic>
+        <p:nvPicPr>
+          <p:cNvPr id="139" name="Picture 3" descr=""/>
+          <p:cNvPicPr/>
+          <p:nvPr/>
+        </p:nvPicPr>
+        <p:blipFill>
+          <a:blip r:embed="rId2"/>
+          <a:stretch/>
+        </p:blipFill>
+        <p:spPr>
+          <a:xfrm>
+            <a:off x="6533280" y="3247920"/>
+            <a:ext cx="4915800" cy="3200760"/>
+          </a:xfrm>
+          <a:prstGeom prst="rect">
+            <a:avLst/>
+          </a:prstGeom>
+          <a:ln>
+            <a:noFill/>
+          </a:ln>
+        </p:spPr>
+      </p:pic>
+      <p:pic>
+        <p:nvPicPr>
+          <p:cNvPr id="140" name="Picture 4" descr=""/>
+          <p:cNvPicPr/>
+          <p:nvPr/>
+        </p:nvPicPr>
+        <p:blipFill>
+          <a:blip r:embed="rId3"/>
+          <a:stretch/>
+        </p:blipFill>
+        <p:spPr>
+          <a:xfrm>
+            <a:off x="742680" y="3247920"/>
+            <a:ext cx="4915800" cy="3200760"/>
+          </a:xfrm>
+          <a:prstGeom prst="rect">
+            <a:avLst/>
+          </a:prstGeom>
+          <a:ln>
+            <a:noFill/>
+          </a:ln>
+        </p:spPr>
+      </p:pic>
+    </p:spTree>
+  </p:cSld>
+  <p:timing>
+    <p:tnLst>
+      <p:par>
+        <p:cTn id="23" dur="indefinite" restart="never" nodeType="tmRoot">
+          <p:childTnLst>
+            <p:seq>
+              <p:cTn id="24" nodeType="mainSeq"/>
               <p:prevCondLst>
                 <p:cond delay="0" evt="onPrev">
                   <p:tgtEl>
@@ -6359,14 +6378,14 @@
       </p:grpSpPr>
       <p:sp>
         <p:nvSpPr>
-          <p:cNvPr id="116" name="CustomShape 1"/>
+          <p:cNvPr id="113" name="CustomShape 1"/>
           <p:cNvSpPr/>
           <p:nvPr/>
         </p:nvSpPr>
         <p:spPr>
           <a:xfrm>
             <a:off x="3962520" y="2259720"/>
-            <a:ext cx="7197120" cy="2653200"/>
+            <a:ext cx="7196040" cy="2652120"/>
           </a:xfrm>
           <a:prstGeom prst="rect">
             <a:avLst/>
@@ -6385,6 +6404,11 @@
         <p:txBody>
           <a:bodyPr lIns="0" rIns="0" tIns="0" bIns="0" anchor="ctr"/>
           <a:p>
+            <a:pPr>
+              <a:lnSpc>
+                <a:spcPct val="100000"/>
+              </a:lnSpc>
+            </a:pPr>
             <a:r>
               <a:rPr b="0" lang="en-GB" sz="1800" spc="-1" strike="noStrike">
                 <a:solidFill>
@@ -6396,6 +6420,7 @@
                   </a:solidFill>
                 </a:uFill>
                 <a:latin typeface="Calibri"/>
+                <a:ea typeface="DejaVu Sans"/>
               </a:rPr>
               <a:t>Fibonacci Numbers</a:t>
             </a:r>
@@ -6410,6 +6435,7 @@
                   </a:solidFill>
                 </a:uFill>
                 <a:latin typeface="Calibri"/>
+                <a:ea typeface="DejaVu Sans"/>
               </a:rPr>
               <a:t>	</a:t>
             </a:r>
@@ -6424,6 +6450,7 @@
                   </a:solidFill>
                 </a:uFill>
                 <a:latin typeface="Calibri"/>
+                <a:ea typeface="DejaVu Sans"/>
               </a:rPr>
               <a:t>- Selfridge’s Conjecture</a:t>
             </a:r>
@@ -6439,6 +6466,7 @@
                   </a:solidFill>
                 </a:uFill>
                 <a:latin typeface="Calibri"/>
+                <a:ea typeface="DejaVu Sans"/>
               </a:rPr>
               <a:t>Lucas Numbers</a:t>
             </a:r>
@@ -6453,6 +6481,7 @@
                   </a:solidFill>
                 </a:uFill>
                 <a:latin typeface="Calibri"/>
+                <a:ea typeface="DejaVu Sans"/>
               </a:rPr>
               <a:t>	</a:t>
             </a:r>
@@ -6467,6 +6496,7 @@
                   </a:solidFill>
                 </a:uFill>
                 <a:latin typeface="Calibri"/>
+                <a:ea typeface="DejaVu Sans"/>
               </a:rPr>
               <a:t>	</a:t>
             </a:r>
@@ -6481,6 +6511,7 @@
                   </a:solidFill>
                 </a:uFill>
                 <a:latin typeface="Calibri"/>
+                <a:ea typeface="DejaVu Sans"/>
               </a:rPr>
               <a:t>- Baillie-PSW</a:t>
             </a:r>
@@ -6496,6 +6527,7 @@
                   </a:solidFill>
                 </a:uFill>
                 <a:latin typeface="Calibri"/>
+                <a:ea typeface="DejaVu Sans"/>
               </a:rPr>
               <a:t>Exponentiation</a:t>
             </a:r>
@@ -6510,6 +6542,7 @@
                   </a:solidFill>
                 </a:uFill>
                 <a:latin typeface="Calibri"/>
+                <a:ea typeface="DejaVu Sans"/>
               </a:rPr>
               <a:t>	</a:t>
             </a:r>
@@ -6524,6 +6557,7 @@
                   </a:solidFill>
                 </a:uFill>
                 <a:latin typeface="Calibri"/>
+                <a:ea typeface="DejaVu Sans"/>
               </a:rPr>
               <a:t>	</a:t>
             </a:r>
@@ -6538,6 +6572,7 @@
                   </a:solidFill>
                 </a:uFill>
                 <a:latin typeface="Calibri"/>
+                <a:ea typeface="DejaVu Sans"/>
               </a:rPr>
               <a:t>- Fermat’s Little Theorem (FLT), Selfridge, </a:t>
             </a:r>
@@ -6552,6 +6587,7 @@
                   </a:solidFill>
                 </a:uFill>
                 <a:latin typeface="Calibri"/>
+                <a:ea typeface="DejaVu Sans"/>
               </a:rPr>
               <a:t>	</a:t>
             </a:r>
@@ -6566,6 +6602,7 @@
                   </a:solidFill>
                 </a:uFill>
                 <a:latin typeface="Calibri"/>
+                <a:ea typeface="DejaVu Sans"/>
               </a:rPr>
               <a:t>	</a:t>
             </a:r>
@@ -6580,6 +6617,7 @@
                   </a:solidFill>
                 </a:uFill>
                 <a:latin typeface="Calibri"/>
+                <a:ea typeface="DejaVu Sans"/>
               </a:rPr>
               <a:t>	</a:t>
             </a:r>
@@ -6594,6 +6632,7 @@
                   </a:solidFill>
                 </a:uFill>
                 <a:latin typeface="Calibri"/>
+                <a:ea typeface="DejaVu Sans"/>
               </a:rPr>
               <a:t>	</a:t>
             </a:r>
@@ -6608,6 +6647,7 @@
                   </a:solidFill>
                 </a:uFill>
                 <a:latin typeface="Calibri"/>
+                <a:ea typeface="DejaVu Sans"/>
               </a:rPr>
               <a:t>	</a:t>
             </a:r>
@@ -6622,6 +6662,7 @@
                   </a:solidFill>
                 </a:uFill>
                 <a:latin typeface="Calibri"/>
+                <a:ea typeface="DejaVu Sans"/>
               </a:rPr>
               <a:t>  Baillie-PSW</a:t>
             </a:r>
@@ -6637,6 +6678,7 @@
                   </a:solidFill>
                 </a:uFill>
                 <a:latin typeface="Calibri"/>
+                <a:ea typeface="DejaVu Sans"/>
               </a:rPr>
               <a:t>Factorials</a:t>
             </a:r>
@@ -6651,6 +6693,7 @@
                   </a:solidFill>
                 </a:uFill>
                 <a:latin typeface="Calibri"/>
+                <a:ea typeface="DejaVu Sans"/>
               </a:rPr>
               <a:t>	</a:t>
             </a:r>
@@ -6665,6 +6708,7 @@
                   </a:solidFill>
                 </a:uFill>
                 <a:latin typeface="Calibri"/>
+                <a:ea typeface="DejaVu Sans"/>
               </a:rPr>
               <a:t>	</a:t>
             </a:r>
@@ -6679,6 +6723,7 @@
                   </a:solidFill>
                 </a:uFill>
                 <a:latin typeface="Calibri"/>
+                <a:ea typeface="DejaVu Sans"/>
               </a:rPr>
               <a:t>	</a:t>
             </a:r>
@@ -6693,6 +6738,7 @@
                   </a:solidFill>
                 </a:uFill>
                 <a:latin typeface="Calibri"/>
+                <a:ea typeface="DejaVu Sans"/>
               </a:rPr>
               <a:t>- Wilson’s Theorem</a:t>
             </a:r>
@@ -6709,6 +6755,7 @@
                   </a:solidFill>
                 </a:uFill>
                 <a:latin typeface="Calibri"/>
+                <a:ea typeface="DejaVu Sans"/>
               </a:rPr>
               <a:t>Mod 4</a:t>
             </a:r>
@@ -6723,6 +6770,7 @@
                   </a:solidFill>
                 </a:uFill>
                 <a:latin typeface="Calibri"/>
+                <a:ea typeface="DejaVu Sans"/>
               </a:rPr>
               <a:t>	</a:t>
             </a:r>
@@ -6737,6 +6785,7 @@
                   </a:solidFill>
                 </a:uFill>
                 <a:latin typeface="Calibri"/>
+                <a:ea typeface="DejaVu Sans"/>
               </a:rPr>
               <a:t>	</a:t>
             </a:r>
@@ -6751,6 +6800,7 @@
                   </a:solidFill>
                 </a:uFill>
                 <a:latin typeface="Calibri"/>
+                <a:ea typeface="DejaVu Sans"/>
               </a:rPr>
               <a:t>-</a:t>
             </a:r>
@@ -6765,6 +6815,7 @@
                   </a:solidFill>
                 </a:uFill>
                 <a:latin typeface="Calibri"/>
+                <a:ea typeface="DejaVu Sans"/>
               </a:rPr>
               <a:t>	</a:t>
             </a:r>
@@ -6779,6 +6830,7 @@
                   </a:solidFill>
                 </a:uFill>
                 <a:latin typeface="Calibri"/>
+                <a:ea typeface="DejaVu Sans"/>
               </a:rPr>
               <a:t>Gaussian Factorization</a:t>
             </a:r>
@@ -6794,6 +6846,7 @@
                   </a:solidFill>
                 </a:uFill>
                 <a:latin typeface="Calibri"/>
+                <a:ea typeface="DejaVu Sans"/>
               </a:rPr>
               <a:t>Mod 5</a:t>
             </a:r>
@@ -6808,6 +6861,7 @@
                   </a:solidFill>
                 </a:uFill>
                 <a:latin typeface="Calibri"/>
+                <a:ea typeface="DejaVu Sans"/>
               </a:rPr>
               <a:t>	</a:t>
             </a:r>
@@ -6822,6 +6876,7 @@
                   </a:solidFill>
                 </a:uFill>
                 <a:latin typeface="Calibri"/>
+                <a:ea typeface="DejaVu Sans"/>
               </a:rPr>
               <a:t>	</a:t>
             </a:r>
@@ -6836,6 +6891,7 @@
                   </a:solidFill>
                 </a:uFill>
                 <a:latin typeface="Calibri"/>
+                <a:ea typeface="DejaVu Sans"/>
               </a:rPr>
               <a:t>-</a:t>
             </a:r>
@@ -6850,6 +6906,7 @@
                   </a:solidFill>
                 </a:uFill>
                 <a:latin typeface="Calibri"/>
+                <a:ea typeface="DejaVu Sans"/>
               </a:rPr>
               <a:t>	</a:t>
             </a:r>
@@ -6864,6 +6921,7 @@
                   </a:solidFill>
                 </a:uFill>
                 <a:latin typeface="Calibri"/>
+                <a:ea typeface="DejaVu Sans"/>
               </a:rPr>
               <a:t>Selfridge</a:t>
             </a:r>
@@ -6879,6 +6937,7 @@
                   </a:solidFill>
                 </a:uFill>
                 <a:latin typeface="Calibri"/>
+                <a:ea typeface="DejaVu Sans"/>
               </a:rPr>
               <a:t>Mod 6</a:t>
             </a:r>
@@ -6893,6 +6952,7 @@
                   </a:solidFill>
                 </a:uFill>
                 <a:latin typeface="Calibri"/>
+                <a:ea typeface="DejaVu Sans"/>
               </a:rPr>
               <a:t>	</a:t>
             </a:r>
@@ -6907,6 +6967,7 @@
                   </a:solidFill>
                 </a:uFill>
                 <a:latin typeface="Calibri"/>
+                <a:ea typeface="DejaVu Sans"/>
               </a:rPr>
               <a:t>	</a:t>
             </a:r>
@@ -6921,6 +6982,7 @@
                   </a:solidFill>
                 </a:uFill>
                 <a:latin typeface="Calibri"/>
+                <a:ea typeface="DejaVu Sans"/>
               </a:rPr>
               <a:t>-</a:t>
             </a:r>
@@ -6935,6 +6997,7 @@
                   </a:solidFill>
                 </a:uFill>
                 <a:latin typeface="Calibri"/>
+                <a:ea typeface="DejaVu Sans"/>
               </a:rPr>
               <a:t>	</a:t>
             </a:r>
@@ -6949,6 +7012,7 @@
                   </a:solidFill>
                 </a:uFill>
                 <a:latin typeface="Calibri"/>
+                <a:ea typeface="DejaVu Sans"/>
               </a:rPr>
               <a:t>General Arithmetic </a:t>
             </a:r>
@@ -6963,6 +7027,7 @@
                   </a:solidFill>
                 </a:uFill>
                 <a:latin typeface="Calibri"/>
+                <a:ea typeface="DejaVu Sans"/>
               </a:rPr>
               <a:t>	</a:t>
             </a:r>
@@ -6977,6 +7042,7 @@
                   </a:solidFill>
                 </a:uFill>
                 <a:latin typeface="Calibri"/>
+                <a:ea typeface="DejaVu Sans"/>
               </a:rPr>
               <a:t>Property</a:t>
             </a:r>
@@ -6992,6 +7058,7 @@
                   </a:solidFill>
                 </a:uFill>
                 <a:latin typeface="Calibri"/>
+                <a:ea typeface="DejaVu Sans"/>
               </a:rPr>
               <a:t>Mod p</a:t>
             </a:r>
@@ -7006,6 +7073,7 @@
                   </a:solidFill>
                 </a:uFill>
                 <a:latin typeface="Calibri"/>
+                <a:ea typeface="DejaVu Sans"/>
               </a:rPr>
               <a:t>	</a:t>
             </a:r>
@@ -7020,6 +7088,7 @@
                   </a:solidFill>
                 </a:uFill>
                 <a:latin typeface="Calibri"/>
+                <a:ea typeface="DejaVu Sans"/>
               </a:rPr>
               <a:t>	</a:t>
             </a:r>
@@ -7034,6 +7103,7 @@
                   </a:solidFill>
                 </a:uFill>
                 <a:latin typeface="Calibri"/>
+                <a:ea typeface="DejaVu Sans"/>
               </a:rPr>
               <a:t>-</a:t>
             </a:r>
@@ -7048,6 +7118,7 @@
                   </a:solidFill>
                 </a:uFill>
                 <a:latin typeface="Calibri"/>
+                <a:ea typeface="DejaVu Sans"/>
               </a:rPr>
               <a:t>	</a:t>
             </a:r>
@@ -7062,6 +7133,7 @@
                   </a:solidFill>
                 </a:uFill>
                 <a:latin typeface="Calibri"/>
+                <a:ea typeface="DejaVu Sans"/>
               </a:rPr>
               <a:t>Wilson, Baillie-PSW, FLT</a:t>
             </a:r>
@@ -7081,14 +7153,14 @@
       </p:sp>
       <p:sp>
         <p:nvSpPr>
-          <p:cNvPr id="117" name="CustomShape 2"/>
+          <p:cNvPr id="114" name="CustomShape 2"/>
           <p:cNvSpPr/>
           <p:nvPr/>
         </p:nvSpPr>
         <p:spPr>
           <a:xfrm>
             <a:off x="609480" y="1604520"/>
-            <a:ext cx="10972080" cy="3976920"/>
+            <a:ext cx="10971000" cy="3975840"/>
           </a:xfrm>
           <a:prstGeom prst="rect">
             <a:avLst/>
@@ -7109,7 +7181,7 @@
             <a:normAutofit/>
           </a:bodyPr>
           <a:p>
-            <a:pPr marL="432000" indent="-323640">
+            <a:pPr marL="432000" indent="-322560">
               <a:lnSpc>
                 <a:spcPct val="100000"/>
               </a:lnSpc>
@@ -7134,6 +7206,7 @@
                   </a:solidFill>
                 </a:uFill>
                 <a:latin typeface="Calibri"/>
+                <a:ea typeface="DejaVu Sans"/>
               </a:rPr>
               <a:t>Common Tests to Find Characteristics of Natural Numbers</a:t>
             </a:r>
@@ -7202,14 +7275,14 @@
       </p:grpSpPr>
       <p:sp>
         <p:nvSpPr>
-          <p:cNvPr id="118" name="CustomShape 1"/>
+          <p:cNvPr id="115" name="CustomShape 1"/>
           <p:cNvSpPr/>
           <p:nvPr/>
         </p:nvSpPr>
         <p:spPr>
           <a:xfrm>
             <a:off x="3962520" y="1964160"/>
-            <a:ext cx="7197120" cy="2420640"/>
+            <a:ext cx="7196040" cy="2419560"/>
           </a:xfrm>
           <a:prstGeom prst="rect">
             <a:avLst/>
@@ -7228,6 +7301,11 @@
         <p:txBody>
           <a:bodyPr lIns="0" rIns="0" tIns="0" bIns="0" anchor="ctr"/>
           <a:p>
+            <a:pPr>
+              <a:lnSpc>
+                <a:spcPct val="100000"/>
+              </a:lnSpc>
+            </a:pPr>
             <a:r>
               <a:rPr b="0" lang="en-GB" sz="1800" spc="-1" strike="noStrike">
                 <a:solidFill>
@@ -7239,6 +7317,7 @@
                   </a:solidFill>
                 </a:uFill>
                 <a:latin typeface="Calibri"/>
+                <a:ea typeface="DejaVu Sans"/>
               </a:rPr>
               <a:t>Highly Composite</a:t>
             </a:r>
@@ -7254,6 +7333,7 @@
                   </a:solidFill>
                 </a:uFill>
                 <a:latin typeface="Calibri"/>
+                <a:ea typeface="DejaVu Sans"/>
               </a:rPr>
               <a:t>Prime Factors</a:t>
             </a:r>
@@ -7269,6 +7349,7 @@
                   </a:solidFill>
                 </a:uFill>
                 <a:latin typeface="Calibri"/>
+                <a:ea typeface="DejaVu Sans"/>
               </a:rPr>
               <a:t>Unique Divisors</a:t>
             </a:r>
@@ -7284,6 +7365,7 @@
                   </a:solidFill>
                 </a:uFill>
                 <a:latin typeface="Calibri"/>
+                <a:ea typeface="DejaVu Sans"/>
               </a:rPr>
               <a:t>Powerful</a:t>
             </a:r>
@@ -7299,6 +7381,7 @@
                   </a:solidFill>
                 </a:uFill>
                 <a:latin typeface="Calibri"/>
+                <a:ea typeface="DejaVu Sans"/>
               </a:rPr>
               <a:t>Pronic / “Rectangular”</a:t>
             </a:r>
@@ -7314,6 +7397,7 @@
                   </a:solidFill>
                 </a:uFill>
                 <a:latin typeface="Calibri"/>
+                <a:ea typeface="DejaVu Sans"/>
               </a:rPr>
               <a:t>Squarefree</a:t>
             </a:r>
@@ -7333,14 +7417,14 @@
       </p:sp>
       <p:sp>
         <p:nvSpPr>
-          <p:cNvPr id="119" name="CustomShape 2"/>
+          <p:cNvPr id="116" name="CustomShape 2"/>
           <p:cNvSpPr/>
           <p:nvPr/>
         </p:nvSpPr>
         <p:spPr>
           <a:xfrm>
             <a:off x="609480" y="1604520"/>
-            <a:ext cx="10972080" cy="3976920"/>
+            <a:ext cx="10971000" cy="3975840"/>
           </a:xfrm>
           <a:prstGeom prst="rect">
             <a:avLst/>
@@ -7361,7 +7445,7 @@
             <a:normAutofit/>
           </a:bodyPr>
           <a:p>
-            <a:pPr marL="432000" indent="-323640">
+            <a:pPr marL="432000" indent="-322560">
               <a:lnSpc>
                 <a:spcPct val="100000"/>
               </a:lnSpc>
@@ -7386,6 +7470,7 @@
                   </a:solidFill>
                 </a:uFill>
                 <a:latin typeface="Calibri"/>
+                <a:ea typeface="DejaVu Sans"/>
               </a:rPr>
               <a:t>Other Attributes Used</a:t>
             </a:r>
@@ -7454,14 +7539,14 @@
       </p:grpSpPr>
       <p:sp>
         <p:nvSpPr>
-          <p:cNvPr id="120" name="CustomShape 1"/>
+          <p:cNvPr id="117" name="CustomShape 1"/>
           <p:cNvSpPr/>
           <p:nvPr/>
         </p:nvSpPr>
         <p:spPr>
           <a:xfrm>
             <a:off x="609480" y="1604520"/>
-            <a:ext cx="3532680" cy="1896480"/>
+            <a:ext cx="3531600" cy="1895400"/>
           </a:xfrm>
           <a:prstGeom prst="rect">
             <a:avLst/>
@@ -7482,7 +7567,7 @@
             <a:normAutofit/>
           </a:bodyPr>
           <a:p>
-            <a:pPr marL="432000" indent="-323640">
+            <a:pPr marL="432000" indent="-322560">
               <a:lnSpc>
                 <a:spcPct val="100000"/>
               </a:lnSpc>
@@ -7507,6 +7592,7 @@
                   </a:solidFill>
                 </a:uFill>
                 <a:latin typeface="Calibri"/>
+                <a:ea typeface="DejaVu Sans"/>
               </a:rPr>
               <a:t>General Arithmetic Property:</a:t>
             </a:r>
@@ -7523,7 +7609,7 @@
             </a:endParaRPr>
           </a:p>
           <a:p>
-            <a:pPr marL="432000" indent="-323640">
+            <a:pPr marL="432000" indent="-322560">
               <a:lnSpc>
                 <a:spcPct val="100000"/>
               </a:lnSpc>
@@ -7548,6 +7634,7 @@
                   </a:solidFill>
                 </a:uFill>
                 <a:latin typeface="Calibri"/>
+                <a:ea typeface="DejaVu Sans"/>
               </a:rPr>
               <a:t>For all primes &gt; 3</a:t>
             </a:r>
@@ -7563,6 +7650,7 @@
                   </a:solidFill>
                 </a:uFill>
                 <a:latin typeface="Calibri"/>
+                <a:ea typeface="DejaVu Sans"/>
               </a:rPr>
               <a:t>p congruent +/- 1 mod 6</a:t>
             </a:r>
@@ -7582,14 +7670,14 @@
       </p:sp>
       <p:sp>
         <p:nvSpPr>
-          <p:cNvPr id="121" name="CustomShape 2"/>
+          <p:cNvPr id="118" name="CustomShape 2"/>
           <p:cNvSpPr/>
           <p:nvPr/>
         </p:nvSpPr>
         <p:spPr>
           <a:xfrm>
             <a:off x="4332600" y="1559520"/>
-            <a:ext cx="3532680" cy="1896480"/>
+            <a:ext cx="3531600" cy="1895400"/>
           </a:xfrm>
           <a:prstGeom prst="rect">
             <a:avLst/>
@@ -7610,7 +7698,7 @@
             <a:normAutofit/>
           </a:bodyPr>
           <a:p>
-            <a:pPr marL="432000" indent="-323640">
+            <a:pPr marL="432000" indent="-322560">
               <a:lnSpc>
                 <a:spcPct val="100000"/>
               </a:lnSpc>
@@ -7635,6 +7723,7 @@
                   </a:solidFill>
                 </a:uFill>
                 <a:latin typeface="Calibri"/>
+                <a:ea typeface="DejaVu Sans"/>
               </a:rPr>
               <a:t>Wilson’s Theorem:</a:t>
             </a:r>
@@ -7651,7 +7740,7 @@
             </a:endParaRPr>
           </a:p>
           <a:p>
-            <a:pPr marL="432000" indent="-323640">
+            <a:pPr marL="432000" indent="-322560">
               <a:lnSpc>
                 <a:spcPct val="100000"/>
               </a:lnSpc>
@@ -7676,6 +7765,7 @@
                   </a:solidFill>
                 </a:uFill>
                 <a:latin typeface="Calibri"/>
+                <a:ea typeface="DejaVu Sans"/>
               </a:rPr>
               <a:t>(p – 1)! congruent 1 mod p</a:t>
             </a:r>
@@ -7695,14 +7785,14 @@
       </p:sp>
       <p:sp>
         <p:nvSpPr>
-          <p:cNvPr id="122" name="CustomShape 3"/>
+          <p:cNvPr id="119" name="CustomShape 3"/>
           <p:cNvSpPr/>
           <p:nvPr/>
         </p:nvSpPr>
         <p:spPr>
           <a:xfrm>
             <a:off x="8029800" y="1512000"/>
-            <a:ext cx="3532680" cy="1896480"/>
+            <a:ext cx="3531600" cy="1895400"/>
           </a:xfrm>
           <a:prstGeom prst="rect">
             <a:avLst/>
@@ -7723,7 +7813,7 @@
             <a:normAutofit/>
           </a:bodyPr>
           <a:p>
-            <a:pPr marL="432000" indent="-323640">
+            <a:pPr marL="432000" indent="-322560">
               <a:lnSpc>
                 <a:spcPct val="100000"/>
               </a:lnSpc>
@@ -7748,6 +7838,7 @@
                   </a:solidFill>
                 </a:uFill>
                 <a:latin typeface="Calibri"/>
+                <a:ea typeface="DejaVu Sans"/>
               </a:rPr>
               <a:t>Selfridge’s Conjecture:</a:t>
             </a:r>
@@ -7764,7 +7855,7 @@
             </a:endParaRPr>
           </a:p>
           <a:p>
-            <a:pPr marL="432000" indent="-323640">
+            <a:pPr marL="432000" indent="-322560">
               <a:lnSpc>
                 <a:spcPct val="100000"/>
               </a:lnSpc>
@@ -7789,6 +7880,7 @@
                   </a:solidFill>
                 </a:uFill>
                 <a:latin typeface="Calibri"/>
+                <a:ea typeface="DejaVu Sans"/>
               </a:rPr>
               <a:t>Given p = 2k + 1 and</a:t>
             </a:r>
@@ -7804,6 +7896,7 @@
                   </a:solidFill>
                 </a:uFill>
                 <a:latin typeface="Calibri"/>
+                <a:ea typeface="DejaVu Sans"/>
               </a:rPr>
               <a:t>p congruent +/- 2 mod 5.</a:t>
             </a:r>
@@ -7819,6 +7912,7 @@
                   </a:solidFill>
                 </a:uFill>
                 <a:latin typeface="Calibri"/>
+                <a:ea typeface="DejaVu Sans"/>
               </a:rPr>
               <a:t>If 2^(p-1) congruent 1 mod p and f_(p+1) congruent 0 mod p,then p is prime</a:t>
             </a:r>
@@ -7835,7 +7929,7 @@
             </a:endParaRPr>
           </a:p>
           <a:p>
-            <a:pPr marL="432000" indent="-323640">
+            <a:pPr marL="432000" indent="-322560">
               <a:lnSpc>
                 <a:spcPct val="100000"/>
               </a:lnSpc>
@@ -7860,6 +7954,7 @@
                   </a:solidFill>
                 </a:uFill>
                 <a:latin typeface="Calibri"/>
+                <a:ea typeface="DejaVu Sans"/>
               </a:rPr>
               <a:t>*Open Problem</a:t>
             </a:r>
@@ -7879,14 +7974,14 @@
       </p:sp>
       <p:sp>
         <p:nvSpPr>
-          <p:cNvPr id="123" name="CustomShape 4"/>
+          <p:cNvPr id="120" name="CustomShape 4"/>
           <p:cNvSpPr/>
           <p:nvPr/>
         </p:nvSpPr>
         <p:spPr>
           <a:xfrm>
             <a:off x="8029800" y="3682080"/>
-            <a:ext cx="3532680" cy="1896480"/>
+            <a:ext cx="3531600" cy="1895400"/>
           </a:xfrm>
           <a:prstGeom prst="rect">
             <a:avLst/>
@@ -7905,14 +8000,14 @@
       </p:sp>
       <p:sp>
         <p:nvSpPr>
-          <p:cNvPr id="124" name="CustomShape 5"/>
+          <p:cNvPr id="121" name="CustomShape 5"/>
           <p:cNvSpPr/>
           <p:nvPr/>
         </p:nvSpPr>
         <p:spPr>
           <a:xfrm>
             <a:off x="8029800" y="3699720"/>
-            <a:ext cx="3532680" cy="1896480"/>
+            <a:ext cx="3531600" cy="1895400"/>
           </a:xfrm>
           <a:prstGeom prst="rect">
             <a:avLst/>
@@ -7933,7 +8028,7 @@
             <a:normAutofit/>
           </a:bodyPr>
           <a:p>
-            <a:pPr marL="432000" indent="-323640">
+            <a:pPr marL="432000" indent="-322560">
               <a:lnSpc>
                 <a:spcPct val="100000"/>
               </a:lnSpc>
@@ -7958,6 +8053,7 @@
                   </a:solidFill>
                 </a:uFill>
                 <a:latin typeface="Calibri"/>
+                <a:ea typeface="DejaVu Sans"/>
               </a:rPr>
               <a:t>Fermat’s Little Theorem:</a:t>
             </a:r>
@@ -7974,7 +8070,7 @@
             </a:endParaRPr>
           </a:p>
           <a:p>
-            <a:pPr marL="432000" indent="-323640">
+            <a:pPr marL="432000" indent="-322560">
               <a:lnSpc>
                 <a:spcPct val="100000"/>
               </a:lnSpc>
@@ -7999,6 +8095,7 @@
                   </a:solidFill>
                 </a:uFill>
                 <a:latin typeface="Calibri"/>
+                <a:ea typeface="DejaVu Sans"/>
               </a:rPr>
               <a:t>a^(n-1) congruent 1 mod n</a:t>
             </a:r>
@@ -8018,14 +8115,14 @@
       </p:sp>
       <p:sp>
         <p:nvSpPr>
-          <p:cNvPr id="125" name="CustomShape 6"/>
+          <p:cNvPr id="122" name="CustomShape 6"/>
           <p:cNvSpPr/>
           <p:nvPr/>
         </p:nvSpPr>
         <p:spPr>
           <a:xfrm>
             <a:off x="609480" y="3682080"/>
-            <a:ext cx="3532680" cy="1896480"/>
+            <a:ext cx="3531600" cy="1895400"/>
           </a:xfrm>
           <a:prstGeom prst="rect">
             <a:avLst/>
@@ -8046,7 +8143,7 @@
             <a:normAutofit/>
           </a:bodyPr>
           <a:p>
-            <a:pPr marL="432000" indent="-323640">
+            <a:pPr marL="432000" indent="-322560">
               <a:lnSpc>
                 <a:spcPct val="100000"/>
               </a:lnSpc>
@@ -8071,6 +8168,7 @@
                   </a:solidFill>
                 </a:uFill>
                 <a:latin typeface="Calibri"/>
+                <a:ea typeface="DejaVu Sans"/>
               </a:rPr>
               <a:t>Baillie-PSW:</a:t>
             </a:r>
@@ -8087,7 +8185,7 @@
             </a:endParaRPr>
           </a:p>
           <a:p>
-            <a:pPr marL="432000" indent="-323640">
+            <a:pPr marL="432000" indent="-322560">
               <a:lnSpc>
                 <a:spcPct val="100000"/>
               </a:lnSpc>
@@ -8112,6 +8210,7 @@
                   </a:solidFill>
                 </a:uFill>
                 <a:latin typeface="Calibri"/>
+                <a:ea typeface="DejaVu Sans"/>
               </a:rPr>
               <a:t>Same as Selfridge’s Conjecture, but substitute Lucas numbers for Fibonacci numbers.</a:t>
             </a:r>
@@ -8180,14 +8279,14 @@
       </p:grpSpPr>
       <p:sp>
         <p:nvSpPr>
-          <p:cNvPr id="126" name="CustomShape 1"/>
+          <p:cNvPr id="123" name="CustomShape 1"/>
           <p:cNvSpPr/>
           <p:nvPr/>
         </p:nvSpPr>
         <p:spPr>
           <a:xfrm>
             <a:off x="3962520" y="1964160"/>
-            <a:ext cx="7197120" cy="2420640"/>
+            <a:ext cx="7196040" cy="2419560"/>
           </a:xfrm>
           <a:prstGeom prst="rect">
             <a:avLst/>
@@ -8206,6 +8305,11 @@
         <p:txBody>
           <a:bodyPr lIns="0" rIns="0" tIns="0" bIns="0" anchor="ctr"/>
           <a:p>
+            <a:pPr>
+              <a:lnSpc>
+                <a:spcPct val="100000"/>
+              </a:lnSpc>
+            </a:pPr>
             <a:r>
               <a:rPr b="0" lang="en-GB" sz="1800" spc="-1" strike="noStrike">
                 <a:solidFill>
@@ -8217,6 +8321,7 @@
                   </a:solidFill>
                 </a:uFill>
                 <a:latin typeface="Calibri"/>
+                <a:ea typeface="DejaVu Sans"/>
               </a:rPr>
               <a:t>More bases for Fermat’s Little Theorem</a:t>
             </a:r>
@@ -8232,6 +8337,7 @@
                   </a:solidFill>
                 </a:uFill>
                 <a:latin typeface="Calibri"/>
+                <a:ea typeface="DejaVu Sans"/>
               </a:rPr>
               <a:t>Coprimes</a:t>
             </a:r>
@@ -8247,6 +8353,7 @@
                   </a:solidFill>
                 </a:uFill>
                 <a:latin typeface="Calibri"/>
+                <a:ea typeface="DejaVu Sans"/>
               </a:rPr>
               <a:t>Members of Curves and Intersections of Sack’s Spiral</a:t>
             </a:r>
@@ -8262,6 +8369,7 @@
                   </a:solidFill>
                 </a:uFill>
                 <a:latin typeface="Calibri"/>
+                <a:ea typeface="DejaVu Sans"/>
               </a:rPr>
               <a:t>Diagonals of Ulam’s Spiral</a:t>
             </a:r>
@@ -8277,6 +8385,7 @@
                   </a:solidFill>
                 </a:uFill>
                 <a:latin typeface="Calibri"/>
+                <a:ea typeface="DejaVu Sans"/>
               </a:rPr>
               <a:t>Attributes of Lenstra’s Elliptic Curve Factorization</a:t>
             </a:r>
@@ -8296,14 +8405,14 @@
       </p:sp>
       <p:sp>
         <p:nvSpPr>
-          <p:cNvPr id="127" name="CustomShape 2"/>
+          <p:cNvPr id="124" name="CustomShape 2"/>
           <p:cNvSpPr/>
           <p:nvPr/>
         </p:nvSpPr>
         <p:spPr>
           <a:xfrm>
             <a:off x="609480" y="1604520"/>
-            <a:ext cx="10972080" cy="3976920"/>
+            <a:ext cx="10971000" cy="3975840"/>
           </a:xfrm>
           <a:prstGeom prst="rect">
             <a:avLst/>
@@ -8324,7 +8433,7 @@
             <a:normAutofit/>
           </a:bodyPr>
           <a:p>
-            <a:pPr marL="432000" indent="-323640">
+            <a:pPr marL="432000" indent="-322560">
               <a:lnSpc>
                 <a:spcPct val="100000"/>
               </a:lnSpc>
@@ -8349,6 +8458,7 @@
                   </a:solidFill>
                 </a:uFill>
                 <a:latin typeface="Calibri"/>
+                <a:ea typeface="DejaVu Sans"/>
               </a:rPr>
               <a:t>Future Attributes to Analyze:</a:t>
             </a:r>
@@ -8417,14 +8527,14 @@
       </p:grpSpPr>
       <p:sp>
         <p:nvSpPr>
-          <p:cNvPr id="128" name="CustomShape 1"/>
+          <p:cNvPr id="125" name="CustomShape 1"/>
           <p:cNvSpPr/>
           <p:nvPr/>
         </p:nvSpPr>
         <p:spPr>
           <a:xfrm>
             <a:off x="3962520" y="1715400"/>
-            <a:ext cx="7197120" cy="2918520"/>
+            <a:ext cx="7196040" cy="2917440"/>
           </a:xfrm>
           <a:prstGeom prst="rect">
             <a:avLst/>
@@ -8443,6 +8553,11 @@
         <p:txBody>
           <a:bodyPr lIns="0" rIns="0" tIns="0" bIns="0" anchor="ctr"/>
           <a:p>
+            <a:pPr>
+              <a:lnSpc>
+                <a:spcPct val="100000"/>
+              </a:lnSpc>
+            </a:pPr>
             <a:r>
               <a:rPr b="0" lang="en-GB" sz="1800" spc="-1" strike="noStrike">
                 <a:solidFill>
@@ -8454,8 +8569,77 @@
                   </a:solidFill>
                 </a:uFill>
                 <a:latin typeface="Calibri"/>
+                <a:ea typeface="DejaVu Sans"/>
               </a:rPr>
               <a:t>To see if a set of n attributes can achieve a high accuracy of predicting prime/compositeness of a given number.</a:t>
+            </a:r>
+            <a:br/>
+            <a:endParaRPr b="0" lang="en-GB" sz="1800" spc="-1" strike="noStrike">
+              <a:solidFill>
+                <a:srgbClr val="ffffff"/>
+              </a:solidFill>
+              <a:uFill>
+                <a:solidFill>
+                  <a:srgbClr val="ffffff"/>
+                </a:solidFill>
+              </a:uFill>
+              <a:latin typeface="Arial"/>
+            </a:endParaRPr>
+          </a:p>
+          <a:p>
+            <a:pPr>
+              <a:lnSpc>
+                <a:spcPct val="100000"/>
+              </a:lnSpc>
+            </a:pPr>
+            <a:r>
+              <a:rPr b="0" lang="en-GB" sz="1800" spc="-1" strike="noStrike">
+                <a:solidFill>
+                  <a:srgbClr val="ffffff"/>
+                </a:solidFill>
+                <a:uFill>
+                  <a:solidFill>
+                    <a:srgbClr val="ffffff"/>
+                  </a:solidFill>
+                </a:uFill>
+                <a:latin typeface="Calibri"/>
+                <a:ea typeface="DejaVu Sans"/>
+              </a:rPr>
+              <a:t>Find a novel set of attributes to find primes/pseudoprimes.</a:t>
+            </a:r>
+            <a:br/>
+            <a:endParaRPr b="0" lang="en-GB" sz="1800" spc="-1" strike="noStrike">
+              <a:solidFill>
+                <a:srgbClr val="ffffff"/>
+              </a:solidFill>
+              <a:uFill>
+                <a:solidFill>
+                  <a:srgbClr val="ffffff"/>
+                </a:solidFill>
+              </a:uFill>
+              <a:latin typeface="Arial"/>
+            </a:endParaRPr>
+          </a:p>
+          <a:p>
+            <a:pPr>
+              <a:lnSpc>
+                <a:spcPct val="100000"/>
+              </a:lnSpc>
+            </a:pPr>
+            <a:r>
+              <a:rPr b="0" lang="en-GB" sz="1800" spc="-1" strike="noStrike">
+                <a:solidFill>
+                  <a:srgbClr val="ffffff"/>
+                </a:solidFill>
+                <a:uFill>
+                  <a:solidFill>
+                    <a:srgbClr val="ffffff"/>
+                  </a:solidFill>
+                </a:uFill>
+                <a:latin typeface="Calibri"/>
+                <a:ea typeface="DejaVu Sans"/>
+              </a:rPr>
+              <a:t>Find if a subset of primes can be reliably identified.</a:t>
             </a:r>
             <a:br/>
             <a:br/>
@@ -8470,8 +8654,9 @@
                   </a:solidFill>
                 </a:uFill>
                 <a:latin typeface="Calibri"/>
-              </a:rPr>
-              <a:t>Find if a subset of primes can be reliably identified.</a:t>
+                <a:ea typeface="DejaVu Sans"/>
+              </a:rPr>
+              <a:t>Find a correlation between different spiral, or spiral like, organizations of natural numbers and the probability of being prime. i.e. prime density</a:t>
             </a:r>
             <a:br/>
             <a:br/>
@@ -8486,22 +8671,7 @@
                   </a:solidFill>
                 </a:uFill>
                 <a:latin typeface="Calibri"/>
-              </a:rPr>
-              <a:t>Find a correlation between different spiral, or spiral like, organizations of natural numbers and the probability of being prime. i.e. prime density</a:t>
-            </a:r>
-            <a:br/>
-            <a:br/>
-            <a:r>
-              <a:rPr b="0" lang="en-GB" sz="1800" spc="-1" strike="noStrike">
-                <a:solidFill>
-                  <a:srgbClr val="ffffff"/>
-                </a:solidFill>
-                <a:uFill>
-                  <a:solidFill>
-                    <a:srgbClr val="ffffff"/>
-                  </a:solidFill>
-                </a:uFill>
-                <a:latin typeface="Calibri"/>
+                <a:ea typeface="DejaVu Sans"/>
               </a:rPr>
               <a:t>If so, attempt to use Genetic Programming to see if progress can be made on the Twin Prime Conjecture.</a:t>
             </a:r>
@@ -8521,14 +8691,14 @@
       </p:sp>
       <p:sp>
         <p:nvSpPr>
-          <p:cNvPr id="129" name="CustomShape 2"/>
+          <p:cNvPr id="126" name="CustomShape 2"/>
           <p:cNvSpPr/>
           <p:nvPr/>
         </p:nvSpPr>
         <p:spPr>
           <a:xfrm>
             <a:off x="609480" y="1604520"/>
-            <a:ext cx="10972080" cy="3976920"/>
+            <a:ext cx="10971000" cy="3975840"/>
           </a:xfrm>
           <a:prstGeom prst="rect">
             <a:avLst/>
@@ -8549,7 +8719,7 @@
             <a:normAutofit/>
           </a:bodyPr>
           <a:p>
-            <a:pPr marL="432000" indent="-323640">
+            <a:pPr marL="432000" indent="-322560">
               <a:lnSpc>
                 <a:spcPct val="100000"/>
               </a:lnSpc>
@@ -8574,6 +8744,7 @@
                   </a:solidFill>
                 </a:uFill>
                 <a:latin typeface="Calibri"/>
+                <a:ea typeface="DejaVu Sans"/>
               </a:rPr>
               <a:t>Goals for Future Work</a:t>
             </a:r>
@@ -8600,6 +8771,245 @@
           <p:childTnLst>
             <p:seq>
               <p:cTn id="12" nodeType="mainSeq"/>
+              <p:prevCondLst>
+                <p:cond delay="0" evt="onPrev">
+                  <p:tgtEl>
+                    <p:sldTgt/>
+                  </p:tgtEl>
+                </p:cond>
+              </p:prevCondLst>
+              <p:nextCondLst>
+                <p:cond delay="0" evt="onNext">
+                  <p:tgtEl>
+                    <p:sldTgt/>
+                  </p:tgtEl>
+                </p:cond>
+              </p:nextCondLst>
+            </p:seq>
+          </p:childTnLst>
+        </p:cTn>
+      </p:par>
+    </p:tnLst>
+  </p:timing>
+</p:sld>
+</file>
+
+<file path=ppt/slides/slide7.xml><?xml version="1.0" encoding="utf-8"?>
+<p:sld xmlns:a="http://schemas.openxmlformats.org/drawingml/2006/main" xmlns:p="http://schemas.openxmlformats.org/presentationml/2006/main" xmlns:r="http://schemas.openxmlformats.org/officeDocument/2006/relationships" xmlns:p14="http://schemas.microsoft.com/office/powerpoint/2010/main" xmlns:p15="http://schemas.microsoft.com/office/powerpoint/2012/main" xmlns:mc="http://schemas.openxmlformats.org/markup-compatibility/2006">
+  <p:cSld>
+    <p:spTree>
+      <p:nvGrpSpPr>
+        <p:cNvPr id="1" name=""/>
+        <p:cNvGrpSpPr/>
+        <p:nvPr/>
+      </p:nvGrpSpPr>
+      <p:grpSpPr>
+        <a:xfrm>
+          <a:off x="0" y="0"/>
+          <a:ext cx="0" cy="0"/>
+          <a:chOff x="0" y="0"/>
+          <a:chExt cx="0" cy="0"/>
+        </a:xfrm>
+      </p:grpSpPr>
+      <p:pic>
+        <p:nvPicPr>
+          <p:cNvPr id="127" name="Picture 2" descr=""/>
+          <p:cNvPicPr/>
+          <p:nvPr/>
+        </p:nvPicPr>
+        <p:blipFill>
+          <a:blip r:embed="rId1"/>
+          <a:stretch/>
+        </p:blipFill>
+        <p:spPr>
+          <a:xfrm>
+            <a:off x="3183120" y="676440"/>
+            <a:ext cx="5825160" cy="5504760"/>
+          </a:xfrm>
+          <a:prstGeom prst="rect">
+            <a:avLst/>
+          </a:prstGeom>
+          <a:ln>
+            <a:noFill/>
+          </a:ln>
+        </p:spPr>
+      </p:pic>
+    </p:spTree>
+  </p:cSld>
+  <p:timing>
+    <p:tnLst>
+      <p:par>
+        <p:cTn id="13" dur="indefinite" restart="never" nodeType="tmRoot">
+          <p:childTnLst>
+            <p:seq>
+              <p:cTn id="14" nodeType="mainSeq"/>
+              <p:prevCondLst>
+                <p:cond delay="0" evt="onPrev">
+                  <p:tgtEl>
+                    <p:sldTgt/>
+                  </p:tgtEl>
+                </p:cond>
+              </p:prevCondLst>
+              <p:nextCondLst>
+                <p:cond delay="0" evt="onNext">
+                  <p:tgtEl>
+                    <p:sldTgt/>
+                  </p:tgtEl>
+                </p:cond>
+              </p:nextCondLst>
+            </p:seq>
+          </p:childTnLst>
+        </p:cTn>
+      </p:par>
+    </p:tnLst>
+  </p:timing>
+</p:sld>
+</file>
+
+<file path=ppt/slides/slide8.xml><?xml version="1.0" encoding="utf-8"?>
+<p:sld xmlns:a="http://schemas.openxmlformats.org/drawingml/2006/main" xmlns:p="http://schemas.openxmlformats.org/presentationml/2006/main" xmlns:r="http://schemas.openxmlformats.org/officeDocument/2006/relationships" xmlns:p14="http://schemas.microsoft.com/office/powerpoint/2010/main" xmlns:p15="http://schemas.microsoft.com/office/powerpoint/2012/main" xmlns:mc="http://schemas.openxmlformats.org/markup-compatibility/2006">
+  <p:cSld>
+    <p:spTree>
+      <p:nvGrpSpPr>
+        <p:cNvPr id="1" name=""/>
+        <p:cNvGrpSpPr/>
+        <p:nvPr/>
+      </p:nvGrpSpPr>
+      <p:grpSpPr>
+        <a:xfrm>
+          <a:off x="0" y="0"/>
+          <a:ext cx="0" cy="0"/>
+          <a:chOff x="0" y="0"/>
+          <a:chExt cx="0" cy="0"/>
+        </a:xfrm>
+      </p:grpSpPr>
+      <p:pic>
+        <p:nvPicPr>
+          <p:cNvPr id="128" name="Picture 4" descr=""/>
+          <p:cNvPicPr/>
+          <p:nvPr/>
+        </p:nvPicPr>
+        <p:blipFill>
+          <a:blip r:embed="rId1"/>
+          <a:stretch/>
+        </p:blipFill>
+        <p:spPr>
+          <a:xfrm>
+            <a:off x="6285960" y="615960"/>
+            <a:ext cx="5619600" cy="5607000"/>
+          </a:xfrm>
+          <a:prstGeom prst="rect">
+            <a:avLst/>
+          </a:prstGeom>
+          <a:ln>
+            <a:noFill/>
+          </a:ln>
+        </p:spPr>
+      </p:pic>
+      <p:pic>
+        <p:nvPicPr>
+          <p:cNvPr id="129" name="Picture 6" descr=""/>
+          <p:cNvPicPr/>
+          <p:nvPr/>
+        </p:nvPicPr>
+        <p:blipFill>
+          <a:blip r:embed="rId2"/>
+          <a:stretch/>
+        </p:blipFill>
+        <p:spPr>
+          <a:xfrm>
+            <a:off x="298800" y="634680"/>
+            <a:ext cx="5607000" cy="5587920"/>
+          </a:xfrm>
+          <a:prstGeom prst="rect">
+            <a:avLst/>
+          </a:prstGeom>
+          <a:ln>
+            <a:noFill/>
+          </a:ln>
+        </p:spPr>
+      </p:pic>
+    </p:spTree>
+  </p:cSld>
+  <p:timing>
+    <p:tnLst>
+      <p:par>
+        <p:cTn id="15" dur="indefinite" restart="never" nodeType="tmRoot">
+          <p:childTnLst>
+            <p:seq>
+              <p:cTn id="16" nodeType="mainSeq"/>
+              <p:prevCondLst>
+                <p:cond delay="0" evt="onPrev">
+                  <p:tgtEl>
+                    <p:sldTgt/>
+                  </p:tgtEl>
+                </p:cond>
+              </p:prevCondLst>
+              <p:nextCondLst>
+                <p:cond delay="0" evt="onNext">
+                  <p:tgtEl>
+                    <p:sldTgt/>
+                  </p:tgtEl>
+                </p:cond>
+              </p:nextCondLst>
+            </p:seq>
+          </p:childTnLst>
+        </p:cTn>
+      </p:par>
+    </p:tnLst>
+  </p:timing>
+</p:sld>
+</file>
+
+<file path=ppt/slides/slide9.xml><?xml version="1.0" encoding="utf-8"?>
+<p:sld xmlns:a="http://schemas.openxmlformats.org/drawingml/2006/main" xmlns:p="http://schemas.openxmlformats.org/presentationml/2006/main" xmlns:r="http://schemas.openxmlformats.org/officeDocument/2006/relationships" xmlns:p14="http://schemas.microsoft.com/office/powerpoint/2010/main" xmlns:p15="http://schemas.microsoft.com/office/powerpoint/2012/main" xmlns:mc="http://schemas.openxmlformats.org/markup-compatibility/2006">
+  <p:cSld>
+    <p:spTree>
+      <p:nvGrpSpPr>
+        <p:cNvPr id="1" name=""/>
+        <p:cNvGrpSpPr/>
+        <p:nvPr/>
+      </p:nvGrpSpPr>
+      <p:grpSpPr>
+        <a:xfrm>
+          <a:off x="0" y="0"/>
+          <a:ext cx="0" cy="0"/>
+          <a:chOff x="0" y="0"/>
+          <a:chExt cx="0" cy="0"/>
+        </a:xfrm>
+      </p:grpSpPr>
+      <p:pic>
+        <p:nvPicPr>
+          <p:cNvPr id="130" name="Picture 2" descr=""/>
+          <p:cNvPicPr/>
+          <p:nvPr/>
+        </p:nvPicPr>
+        <p:blipFill>
+          <a:blip r:embed="rId1"/>
+          <a:stretch/>
+        </p:blipFill>
+        <p:spPr>
+          <a:xfrm>
+            <a:off x="3238560" y="571680"/>
+            <a:ext cx="5714640" cy="5714640"/>
+          </a:xfrm>
+          <a:prstGeom prst="rect">
+            <a:avLst/>
+          </a:prstGeom>
+          <a:ln>
+            <a:noFill/>
+          </a:ln>
+        </p:spPr>
+      </p:pic>
+    </p:spTree>
+  </p:cSld>
+  <p:timing>
+    <p:tnLst>
+      <p:par>
+        <p:cTn id="17" dur="indefinite" restart="never" nodeType="tmRoot">
+          <p:childTnLst>
+            <p:seq>
+              <p:cTn id="18" nodeType="mainSeq"/>
               <p:prevCondLst>
                 <p:cond delay="0" evt="onPrev">
                   <p:tgtEl>

--- a/Classifying natural numbers.pptx
+++ b/Classifying natural numbers.pptx
@@ -7,23 +7,26 @@
   </p:sldMasterIdLst>
   <p:sldIdLst>
     <p:sldId id="256" r:id="rId3"/>
-    <p:sldId id="279" r:id="rId4"/>
-    <p:sldId id="262" r:id="rId5"/>
-    <p:sldId id="264" r:id="rId6"/>
-    <p:sldId id="280" r:id="rId7"/>
-    <p:sldId id="265" r:id="rId8"/>
-    <p:sldId id="281" r:id="rId9"/>
-    <p:sldId id="267" r:id="rId10"/>
-    <p:sldId id="282" r:id="rId11"/>
-    <p:sldId id="278" r:id="rId12"/>
-    <p:sldId id="273" r:id="rId13"/>
-    <p:sldId id="274" r:id="rId14"/>
-    <p:sldId id="275" r:id="rId15"/>
-    <p:sldId id="276" r:id="rId16"/>
-    <p:sldId id="277" r:id="rId17"/>
-    <p:sldId id="268" r:id="rId18"/>
-    <p:sldId id="260" r:id="rId19"/>
-    <p:sldId id="261" r:id="rId20"/>
+    <p:sldId id="283" r:id="rId4"/>
+    <p:sldId id="279" r:id="rId5"/>
+    <p:sldId id="262" r:id="rId6"/>
+    <p:sldId id="264" r:id="rId7"/>
+    <p:sldId id="280" r:id="rId8"/>
+    <p:sldId id="265" r:id="rId9"/>
+    <p:sldId id="281" r:id="rId10"/>
+    <p:sldId id="267" r:id="rId11"/>
+    <p:sldId id="282" r:id="rId12"/>
+    <p:sldId id="278" r:id="rId13"/>
+    <p:sldId id="273" r:id="rId14"/>
+    <p:sldId id="274" r:id="rId15"/>
+    <p:sldId id="275" r:id="rId16"/>
+    <p:sldId id="276" r:id="rId17"/>
+    <p:sldId id="277" r:id="rId18"/>
+    <p:sldId id="268" r:id="rId19"/>
+    <p:sldId id="284" r:id="rId20"/>
+    <p:sldId id="260" r:id="rId21"/>
+    <p:sldId id="261" r:id="rId22"/>
+    <p:sldId id="285" r:id="rId23"/>
   </p:sldIdLst>
   <p:sldSz cx="12192000" cy="6858000"/>
   <p:notesSz cx="7559675" cy="10691813"/>
@@ -4774,6 +4777,129 @@
           <p:cNvPr id="2" name="Title 1">
             <a:extLst>
               <a:ext uri="{FF2B5EF4-FFF2-40B4-BE49-F238E27FC236}">
+                <a16:creationId xmlns:a16="http://schemas.microsoft.com/office/drawing/2014/main" id="{819162AC-D6E9-4E58-8569-1F1A1A2B2DCA}"/>
+              </a:ext>
+            </a:extLst>
+          </p:cNvPr>
+          <p:cNvSpPr>
+            <a:spLocks noGrp="1"/>
+          </p:cNvSpPr>
+          <p:nvPr>
+            <p:ph type="title"/>
+          </p:nvPr>
+        </p:nvSpPr>
+        <p:spPr/>
+        <p:txBody>
+          <a:bodyPr/>
+          <a:lstStyle/>
+          <a:p>
+            <a:r>
+              <a:rPr lang="en-US" dirty="0">
+                <a:solidFill>
+                  <a:schemeClr val="bg1"/>
+                </a:solidFill>
+              </a:rPr>
+              <a:t>Big Picture</a:t>
+            </a:r>
+          </a:p>
+        </p:txBody>
+      </p:sp>
+      <p:sp>
+        <p:nvSpPr>
+          <p:cNvPr id="3" name="Text Placeholder 2">
+            <a:extLst>
+              <a:ext uri="{FF2B5EF4-FFF2-40B4-BE49-F238E27FC236}">
+                <a16:creationId xmlns:a16="http://schemas.microsoft.com/office/drawing/2014/main" id="{E94EAEAC-BF30-404E-83DA-48033EC3D8BC}"/>
+              </a:ext>
+            </a:extLst>
+          </p:cNvPr>
+          <p:cNvSpPr>
+            <a:spLocks noGrp="1"/>
+          </p:cNvSpPr>
+          <p:nvPr>
+            <p:ph type="body"/>
+          </p:nvPr>
+        </p:nvSpPr>
+        <p:spPr>
+          <a:xfrm>
+            <a:off x="669992" y="1593477"/>
+            <a:ext cx="10972440" cy="4329952"/>
+          </a:xfrm>
+        </p:spPr>
+        <p:txBody>
+          <a:bodyPr/>
+          <a:lstStyle/>
+          <a:p>
+            <a:r>
+              <a:rPr lang="en-US" sz="3200" dirty="0">
+                <a:solidFill>
+                  <a:schemeClr val="bg1"/>
+                </a:solidFill>
+              </a:rPr>
+              <a:t>Attempt to predict the classification of a number, without knowing the number itself, but by strictly looking at its attributes.</a:t>
+            </a:r>
+          </a:p>
+          <a:p>
+            <a:endParaRPr lang="en-US" sz="3200" dirty="0">
+              <a:solidFill>
+                <a:schemeClr val="bg1"/>
+              </a:solidFill>
+            </a:endParaRPr>
+          </a:p>
+          <a:p>
+            <a:endParaRPr lang="en-US" sz="3200" dirty="0">
+              <a:solidFill>
+                <a:schemeClr val="bg1"/>
+              </a:solidFill>
+            </a:endParaRPr>
+          </a:p>
+          <a:p>
+            <a:r>
+              <a:rPr lang="en-US" sz="3200" dirty="0">
+                <a:solidFill>
+                  <a:schemeClr val="bg1"/>
+                </a:solidFill>
+              </a:rPr>
+              <a:t>The attributes are the ensemble of results to several primality/composite tests.</a:t>
+            </a:r>
+          </a:p>
+        </p:txBody>
+      </p:sp>
+    </p:spTree>
+    <p:extLst>
+      <p:ext uri="{BB962C8B-B14F-4D97-AF65-F5344CB8AC3E}">
+        <p14:creationId xmlns:p14="http://schemas.microsoft.com/office/powerpoint/2010/main" val="4238603475"/>
+      </p:ext>
+    </p:extLst>
+  </p:cSld>
+  <p:clrMapOvr>
+    <a:masterClrMapping/>
+  </p:clrMapOvr>
+</p:sld>
+</file>
+
+<file path=ppt/slides/slide11.xml><?xml version="1.0" encoding="utf-8"?>
+<p:sld xmlns:a="http://schemas.openxmlformats.org/drawingml/2006/main" xmlns:r="http://schemas.openxmlformats.org/officeDocument/2006/relationships" xmlns:p="http://schemas.openxmlformats.org/presentationml/2006/main">
+  <p:cSld>
+    <p:spTree>
+      <p:nvGrpSpPr>
+        <p:cNvPr id="1" name=""/>
+        <p:cNvGrpSpPr/>
+        <p:nvPr/>
+      </p:nvGrpSpPr>
+      <p:grpSpPr>
+        <a:xfrm>
+          <a:off x="0" y="0"/>
+          <a:ext cx="0" cy="0"/>
+          <a:chOff x="0" y="0"/>
+          <a:chExt cx="0" cy="0"/>
+        </a:xfrm>
+      </p:grpSpPr>
+      <p:sp>
+        <p:nvSpPr>
+          <p:cNvPr id="2" name="Title 1">
+            <a:extLst>
+              <a:ext uri="{FF2B5EF4-FFF2-40B4-BE49-F238E27FC236}">
                 <a16:creationId xmlns:a16="http://schemas.microsoft.com/office/drawing/2014/main" id="{12125C51-98F6-489D-AAA8-0A0153B1D1CA}"/>
               </a:ext>
             </a:extLst>
@@ -4995,7 +5121,7 @@
 </p:sld>
 </file>
 
-<file path=ppt/slides/slide11.xml><?xml version="1.0" encoding="utf-8"?>
+<file path=ppt/slides/slide12.xml><?xml version="1.0" encoding="utf-8"?>
 <p:sld xmlns:a="http://schemas.openxmlformats.org/drawingml/2006/main" xmlns:r="http://schemas.openxmlformats.org/officeDocument/2006/relationships" xmlns:p="http://schemas.openxmlformats.org/presentationml/2006/main">
   <p:cSld>
     <p:spTree>
@@ -5045,8 +5171,8 @@
           </a:p>
         </p:txBody>
       </p:sp>
-      <mc:AlternateContent xmlns:mc="http://schemas.openxmlformats.org/markup-compatibility/2006">
-        <mc:Choice xmlns:a14="http://schemas.microsoft.com/office/drawing/2010/main" Requires="a14">
+      <mc:AlternateContent xmlns:mc="http://schemas.openxmlformats.org/markup-compatibility/2006" xmlns:a14="http://schemas.microsoft.com/office/drawing/2010/main">
+        <mc:Choice Requires="a14">
           <p:sp>
             <p:nvSpPr>
               <p:cNvPr id="3" name="Text Placeholder 2">
@@ -5175,7 +5301,7 @@
             </p:txBody>
           </p:sp>
         </mc:Choice>
-        <mc:Fallback>
+        <mc:Fallback xmlns="">
           <p:sp>
             <p:nvSpPr>
               <p:cNvPr id="3" name="Text Placeholder 2">
@@ -5232,7 +5358,7 @@
 </p:sld>
 </file>
 
-<file path=ppt/slides/slide12.xml><?xml version="1.0" encoding="utf-8"?>
+<file path=ppt/slides/slide13.xml><?xml version="1.0" encoding="utf-8"?>
 <p:sld xmlns:a="http://schemas.openxmlformats.org/drawingml/2006/main" xmlns:r="http://schemas.openxmlformats.org/officeDocument/2006/relationships" xmlns:p="http://schemas.openxmlformats.org/presentationml/2006/main">
   <p:cSld>
     <p:spTree>
@@ -5293,8 +5419,8 @@
           </a:p>
         </p:txBody>
       </p:sp>
-      <mc:AlternateContent xmlns:mc="http://schemas.openxmlformats.org/markup-compatibility/2006">
-        <mc:Choice xmlns:a14="http://schemas.microsoft.com/office/drawing/2010/main" Requires="a14">
+      <mc:AlternateContent xmlns:mc="http://schemas.openxmlformats.org/markup-compatibility/2006" xmlns:a14="http://schemas.microsoft.com/office/drawing/2010/main">
+        <mc:Choice Requires="a14">
           <p:sp>
             <p:nvSpPr>
               <p:cNvPr id="3" name="Text Placeholder 2">
@@ -5682,7 +5808,7 @@
             </p:txBody>
           </p:sp>
         </mc:Choice>
-        <mc:Fallback>
+        <mc:Fallback xmlns="">
           <p:sp>
             <p:nvSpPr>
               <p:cNvPr id="3" name="Text Placeholder 2">
@@ -5739,7 +5865,7 @@
 </p:sld>
 </file>
 
-<file path=ppt/slides/slide13.xml><?xml version="1.0" encoding="utf-8"?>
+<file path=ppt/slides/slide14.xml><?xml version="1.0" encoding="utf-8"?>
 <p:sld xmlns:a="http://schemas.openxmlformats.org/drawingml/2006/main" xmlns:r="http://schemas.openxmlformats.org/officeDocument/2006/relationships" xmlns:p="http://schemas.openxmlformats.org/presentationml/2006/main">
   <p:cSld>
     <p:spTree>
@@ -5789,8 +5915,8 @@
           </a:p>
         </p:txBody>
       </p:sp>
-      <mc:AlternateContent xmlns:mc="http://schemas.openxmlformats.org/markup-compatibility/2006">
-        <mc:Choice xmlns:a14="http://schemas.microsoft.com/office/drawing/2010/main" Requires="a14">
+      <mc:AlternateContent xmlns:mc="http://schemas.openxmlformats.org/markup-compatibility/2006" xmlns:a14="http://schemas.microsoft.com/office/drawing/2010/main">
+        <mc:Choice Requires="a14">
           <p:sp>
             <p:nvSpPr>
               <p:cNvPr id="3" name="Text Placeholder 2">
@@ -6738,7 +6864,7 @@
             </p:txBody>
           </p:sp>
         </mc:Choice>
-        <mc:Fallback>
+        <mc:Fallback xmlns="">
           <p:sp>
             <p:nvSpPr>
               <p:cNvPr id="3" name="Text Placeholder 2">
@@ -6795,7 +6921,7 @@
 </p:sld>
 </file>
 
-<file path=ppt/slides/slide14.xml><?xml version="1.0" encoding="utf-8"?>
+<file path=ppt/slides/slide15.xml><?xml version="1.0" encoding="utf-8"?>
 <p:sld xmlns:a="http://schemas.openxmlformats.org/drawingml/2006/main" xmlns:r="http://schemas.openxmlformats.org/officeDocument/2006/relationships" xmlns:p="http://schemas.openxmlformats.org/presentationml/2006/main">
   <p:cSld>
     <p:spTree>
@@ -6956,7 +7082,7 @@
 </p:sld>
 </file>
 
-<file path=ppt/slides/slide15.xml><?xml version="1.0" encoding="utf-8"?>
+<file path=ppt/slides/slide16.xml><?xml version="1.0" encoding="utf-8"?>
 <p:sld xmlns:a="http://schemas.openxmlformats.org/drawingml/2006/main" xmlns:r="http://schemas.openxmlformats.org/officeDocument/2006/relationships" xmlns:p="http://schemas.openxmlformats.org/presentationml/2006/main">
   <p:cSld>
     <p:spTree>
@@ -7005,189 +7131,328 @@
           </a:p>
         </p:txBody>
       </p:sp>
-      <p:sp>
-        <p:nvSpPr>
-          <p:cNvPr id="3" name="Text Placeholder 2">
-            <a:extLst>
-              <a:ext uri="{FF2B5EF4-FFF2-40B4-BE49-F238E27FC236}">
-                <a16:creationId xmlns:a16="http://schemas.microsoft.com/office/drawing/2014/main" id="{8E6C7071-FE63-43F1-84EE-2677293CED8B}"/>
-              </a:ext>
-            </a:extLst>
-          </p:cNvPr>
-          <p:cNvSpPr>
-            <a:spLocks noGrp="1"/>
-          </p:cNvSpPr>
-          <p:nvPr>
-            <p:ph type="body"/>
-          </p:nvPr>
-        </p:nvSpPr>
-        <p:spPr>
-          <a:xfrm>
-            <a:off x="1142999" y="1423059"/>
-            <a:ext cx="10600285" cy="3639494"/>
-          </a:xfrm>
-        </p:spPr>
-        <p:txBody>
-          <a:bodyPr/>
-          <a:lstStyle/>
-          <a:p>
-            <a:pPr marL="432000" indent="-322200">
-              <a:lnSpc>
-                <a:spcPct val="100000"/>
-              </a:lnSpc>
-              <a:spcBef>
-                <a:spcPts val="1417"/>
-              </a:spcBef>
-              <a:buClr>
-                <a:srgbClr val="FFFFFF"/>
-              </a:buClr>
-              <a:buSzPct val="45000"/>
-              <a:buFont typeface="Wingdings" charset="2"/>
-              <a:buChar char=""/>
-            </a:pPr>
-            <a:r>
-              <a:rPr lang="en-GB" sz="2800" spc="-1" dirty="0">
-                <a:solidFill>
-                  <a:srgbClr val="FFFFFF"/>
-                </a:solidFill>
-                <a:uFill>
+      <mc:AlternateContent xmlns:mc="http://schemas.openxmlformats.org/markup-compatibility/2006">
+        <mc:Choice xmlns:a14="http://schemas.microsoft.com/office/drawing/2010/main" Requires="a14">
+          <p:sp>
+            <p:nvSpPr>
+              <p:cNvPr id="3" name="Text Placeholder 2">
+                <a:extLst>
+                  <a:ext uri="{FF2B5EF4-FFF2-40B4-BE49-F238E27FC236}">
+                    <a16:creationId xmlns:a16="http://schemas.microsoft.com/office/drawing/2014/main" id="{8E6C7071-FE63-43F1-84EE-2677293CED8B}"/>
+                  </a:ext>
+                </a:extLst>
+              </p:cNvPr>
+              <p:cNvSpPr>
+                <a:spLocks noGrp="1"/>
+              </p:cNvSpPr>
+              <p:nvPr>
+                <p:ph type="body"/>
+              </p:nvPr>
+            </p:nvSpPr>
+            <p:spPr>
+              <a:xfrm>
+                <a:off x="1142999" y="1423059"/>
+                <a:ext cx="10600285" cy="3639494"/>
+              </a:xfrm>
+            </p:spPr>
+            <p:txBody>
+              <a:bodyPr/>
+              <a:lstStyle/>
+              <a:p>
+                <a:pPr marL="109800">
+                  <a:lnSpc>
+                    <a:spcPct val="100000"/>
+                  </a:lnSpc>
+                  <a:spcBef>
+                    <a:spcPts val="1417"/>
+                  </a:spcBef>
+                  <a:buClr>
+                    <a:srgbClr val="FFFFFF"/>
+                  </a:buClr>
+                  <a:buSzPct val="45000"/>
+                </a:pPr>
+                <a14:m>
+                  <m:oMathPara xmlns:m="http://schemas.openxmlformats.org/officeDocument/2006/math">
+                    <m:oMathParaPr>
+                      <m:jc m:val="centerGroup"/>
+                    </m:oMathParaPr>
+                    <m:oMath xmlns:m="http://schemas.openxmlformats.org/officeDocument/2006/math">
+                      <m:sSup>
+                        <m:sSupPr>
+                          <m:ctrlPr>
+                            <a:rPr lang="en-US" sz="2800" b="0" i="1" spc="-1" smtClean="0">
+                              <a:solidFill>
+                                <a:srgbClr val="FFFFFF"/>
+                              </a:solidFill>
+                              <a:uFill>
+                                <a:solidFill>
+                                  <a:srgbClr val="FFFFFF"/>
+                                </a:solidFill>
+                              </a:uFill>
+                              <a:latin typeface="Cambria Math" panose="02040503050406030204" pitchFamily="18" charset="0"/>
+                            </a:rPr>
+                          </m:ctrlPr>
+                        </m:sSupPr>
+                        <m:e>
+                          <m:r>
+                            <a:rPr lang="en-US" sz="2800" b="0" i="1" spc="-1" smtClean="0">
+                              <a:solidFill>
+                                <a:srgbClr val="FFFFFF"/>
+                              </a:solidFill>
+                              <a:uFill>
+                                <a:solidFill>
+                                  <a:srgbClr val="FFFFFF"/>
+                                </a:solidFill>
+                              </a:uFill>
+                              <a:latin typeface="Cambria Math" panose="02040503050406030204" pitchFamily="18" charset="0"/>
+                            </a:rPr>
+                            <m:t>𝑎</m:t>
+                          </m:r>
+                        </m:e>
+                        <m:sup>
+                          <m:r>
+                            <a:rPr lang="en-US" sz="2800" b="0" i="1" spc="-1" smtClean="0">
+                              <a:solidFill>
+                                <a:srgbClr val="FFFFFF"/>
+                              </a:solidFill>
+                              <a:uFill>
+                                <a:solidFill>
+                                  <a:srgbClr val="FFFFFF"/>
+                                </a:solidFill>
+                              </a:uFill>
+                              <a:latin typeface="Cambria Math" panose="02040503050406030204" pitchFamily="18" charset="0"/>
+                            </a:rPr>
+                            <m:t>𝑛</m:t>
+                          </m:r>
+                          <m:r>
+                            <a:rPr lang="en-US" sz="2800" b="0" i="1" spc="-1" smtClean="0">
+                              <a:solidFill>
+                                <a:srgbClr val="FFFFFF"/>
+                              </a:solidFill>
+                              <a:uFill>
+                                <a:solidFill>
+                                  <a:srgbClr val="FFFFFF"/>
+                                </a:solidFill>
+                              </a:uFill>
+                              <a:latin typeface="Cambria Math" panose="02040503050406030204" pitchFamily="18" charset="0"/>
+                            </a:rPr>
+                            <m:t>−1</m:t>
+                          </m:r>
+                        </m:sup>
+                      </m:sSup>
+                      <m:r>
+                        <a:rPr lang="en-US" sz="2800" b="0" i="1" spc="-1" smtClean="0">
+                          <a:solidFill>
+                            <a:srgbClr val="FFFFFF"/>
+                          </a:solidFill>
+                          <a:uFill>
+                            <a:solidFill>
+                              <a:srgbClr val="FFFFFF"/>
+                            </a:solidFill>
+                          </a:uFill>
+                          <a:latin typeface="Cambria Math" panose="02040503050406030204" pitchFamily="18" charset="0"/>
+                          <a:ea typeface="Cambria Math" panose="02040503050406030204" pitchFamily="18" charset="0"/>
+                        </a:rPr>
+                        <m:t>≡1 (</m:t>
+                      </m:r>
+                      <m:r>
+                        <a:rPr lang="en-US" sz="2800" b="0" i="1" spc="-1" smtClean="0">
+                          <a:solidFill>
+                            <a:srgbClr val="FFFFFF"/>
+                          </a:solidFill>
+                          <a:uFill>
+                            <a:solidFill>
+                              <a:srgbClr val="FFFFFF"/>
+                            </a:solidFill>
+                          </a:uFill>
+                          <a:latin typeface="Cambria Math" panose="02040503050406030204" pitchFamily="18" charset="0"/>
+                          <a:ea typeface="Cambria Math" panose="02040503050406030204" pitchFamily="18" charset="0"/>
+                        </a:rPr>
+                        <m:t>𝑚𝑜𝑑</m:t>
+                      </m:r>
+                      <m:r>
+                        <a:rPr lang="en-US" sz="2800" b="0" i="1" spc="-1" smtClean="0">
+                          <a:solidFill>
+                            <a:srgbClr val="FFFFFF"/>
+                          </a:solidFill>
+                          <a:uFill>
+                            <a:solidFill>
+                              <a:srgbClr val="FFFFFF"/>
+                            </a:solidFill>
+                          </a:uFill>
+                          <a:latin typeface="Cambria Math" panose="02040503050406030204" pitchFamily="18" charset="0"/>
+                          <a:ea typeface="Cambria Math" panose="02040503050406030204" pitchFamily="18" charset="0"/>
+                        </a:rPr>
+                        <m:t> </m:t>
+                      </m:r>
+                      <m:r>
+                        <a:rPr lang="en-US" sz="2800" b="0" i="1" spc="-1" smtClean="0">
+                          <a:solidFill>
+                            <a:srgbClr val="FFFFFF"/>
+                          </a:solidFill>
+                          <a:uFill>
+                            <a:solidFill>
+                              <a:srgbClr val="FFFFFF"/>
+                            </a:solidFill>
+                          </a:uFill>
+                          <a:latin typeface="Cambria Math" panose="02040503050406030204" pitchFamily="18" charset="0"/>
+                          <a:ea typeface="Cambria Math" panose="02040503050406030204" pitchFamily="18" charset="0"/>
+                        </a:rPr>
+                        <m:t>𝑛</m:t>
+                      </m:r>
+                      <m:r>
+                        <a:rPr lang="en-US" sz="2800" b="0" i="1" spc="-1" smtClean="0">
+                          <a:solidFill>
+                            <a:srgbClr val="FFFFFF"/>
+                          </a:solidFill>
+                          <a:uFill>
+                            <a:solidFill>
+                              <a:srgbClr val="FFFFFF"/>
+                            </a:solidFill>
+                          </a:uFill>
+                          <a:latin typeface="Cambria Math" panose="02040503050406030204" pitchFamily="18" charset="0"/>
+                          <a:ea typeface="Cambria Math" panose="02040503050406030204" pitchFamily="18" charset="0"/>
+                        </a:rPr>
+                        <m:t>)</m:t>
+                      </m:r>
+                    </m:oMath>
+                  </m:oMathPara>
+                </a14:m>
+                <a:endParaRPr lang="en-GB" sz="2800" spc="-1" dirty="0">
                   <a:solidFill>
                     <a:srgbClr val="FFFFFF"/>
                   </a:solidFill>
-                </a:uFill>
-                <a:latin typeface="Calibri"/>
-              </a:rPr>
-              <a:t>Fermat’s Little Theorem:</a:t>
-            </a:r>
-            <a:endParaRPr lang="en-GB" sz="2800" spc="-1" dirty="0">
-              <a:solidFill>
-                <a:srgbClr val="FFFFFF"/>
-              </a:solidFill>
-              <a:uFill>
-                <a:solidFill>
-                  <a:srgbClr val="FFFFFF"/>
-                </a:solidFill>
-              </a:uFill>
-            </a:endParaRPr>
-          </a:p>
-          <a:p>
-            <a:pPr marL="432000" indent="-322200">
-              <a:lnSpc>
-                <a:spcPct val="100000"/>
-              </a:lnSpc>
-              <a:spcBef>
-                <a:spcPts val="1417"/>
-              </a:spcBef>
-              <a:buClr>
-                <a:srgbClr val="FFFFFF"/>
-              </a:buClr>
-              <a:buSzPct val="45000"/>
-              <a:buFont typeface="Wingdings" charset="2"/>
-              <a:buChar char=""/>
-            </a:pPr>
-            <a:r>
-              <a:rPr lang="en-GB" sz="2800" spc="-1" dirty="0">
-                <a:solidFill>
-                  <a:srgbClr val="FFFFFF"/>
-                </a:solidFill>
-                <a:uFill>
+                  <a:uFill>
+                    <a:solidFill>
+                      <a:srgbClr val="FFFFFF"/>
+                    </a:solidFill>
+                  </a:uFill>
+                  <a:latin typeface="Calibri"/>
+                </a:endParaRPr>
+              </a:p>
+              <a:p>
+                <a:pPr marL="109800">
+                  <a:lnSpc>
+                    <a:spcPct val="100000"/>
+                  </a:lnSpc>
+                  <a:spcBef>
+                    <a:spcPts val="1417"/>
+                  </a:spcBef>
+                  <a:buClr>
+                    <a:srgbClr val="FFFFFF"/>
+                  </a:buClr>
+                  <a:buSzPct val="45000"/>
+                </a:pPr>
+                <a:r>
+                  <a:rPr lang="en-GB" sz="2800" spc="-1" dirty="0">
+                    <a:solidFill>
+                      <a:srgbClr val="FFFFFF"/>
+                    </a:solidFill>
+                    <a:uFill>
+                      <a:solidFill>
+                        <a:srgbClr val="FFFFFF"/>
+                      </a:solidFill>
+                    </a:uFill>
+                    <a:latin typeface="Calibri"/>
+                  </a:rPr>
+                  <a:t>Using a = 2, this is already included in the </a:t>
+                </a:r>
+                <a:r>
+                  <a:rPr lang="en-GB" sz="2800" spc="-1" dirty="0" err="1">
+                    <a:solidFill>
+                      <a:srgbClr val="FFFFFF"/>
+                    </a:solidFill>
+                    <a:uFill>
+                      <a:solidFill>
+                        <a:srgbClr val="FFFFFF"/>
+                      </a:solidFill>
+                    </a:uFill>
+                    <a:latin typeface="Calibri"/>
+                  </a:rPr>
+                  <a:t>Sulfridge</a:t>
+                </a:r>
+                <a:r>
+                  <a:rPr lang="en-GB" sz="2800" spc="-1" dirty="0">
+                    <a:solidFill>
+                      <a:srgbClr val="FFFFFF"/>
+                    </a:solidFill>
+                    <a:uFill>
+                      <a:solidFill>
+                        <a:srgbClr val="FFFFFF"/>
+                      </a:solidFill>
+                    </a:uFill>
+                    <a:latin typeface="Calibri"/>
+                  </a:rPr>
+                  <a:t>/Baillie-PSW.</a:t>
+                </a:r>
+                <a:endParaRPr lang="en-GB" sz="2800" spc="-1" dirty="0">
                   <a:solidFill>
                     <a:srgbClr val="FFFFFF"/>
                   </a:solidFill>
-                </a:uFill>
-                <a:latin typeface="Calibri"/>
-              </a:rPr>
-              <a:t>a^(n-1) congruent 1 mod n</a:t>
-            </a:r>
-            <a:endParaRPr lang="en-GB" sz="2800" spc="-1" dirty="0">
-              <a:solidFill>
-                <a:srgbClr val="FFFFFF"/>
-              </a:solidFill>
-              <a:uFill>
-                <a:solidFill>
-                  <a:srgbClr val="FFFFFF"/>
-                </a:solidFill>
-              </a:uFill>
-            </a:endParaRPr>
-          </a:p>
-          <a:p>
-            <a:pPr marL="0" indent="0">
-              <a:buNone/>
-            </a:pPr>
-            <a:endParaRPr lang="en-US" sz="2800" dirty="0"/>
-          </a:p>
-        </p:txBody>
-      </p:sp>
+                  <a:uFill>
+                    <a:solidFill>
+                      <a:srgbClr val="FFFFFF"/>
+                    </a:solidFill>
+                  </a:uFill>
+                </a:endParaRPr>
+              </a:p>
+              <a:p>
+                <a:pPr marL="0" indent="0">
+                  <a:buNone/>
+                </a:pPr>
+                <a:endParaRPr lang="en-US" sz="2800" dirty="0"/>
+              </a:p>
+            </p:txBody>
+          </p:sp>
+        </mc:Choice>
+        <mc:Fallback>
+          <p:sp>
+            <p:nvSpPr>
+              <p:cNvPr id="3" name="Text Placeholder 2">
+                <a:extLst>
+                  <a:ext uri="{FF2B5EF4-FFF2-40B4-BE49-F238E27FC236}">
+                    <a16:creationId xmlns:a16="http://schemas.microsoft.com/office/drawing/2014/main" id="{8E6C7071-FE63-43F1-84EE-2677293CED8B}"/>
+                  </a:ext>
+                </a:extLst>
+              </p:cNvPr>
+              <p:cNvSpPr>
+                <a:spLocks noGrp="1" noRot="1" noChangeAspect="1" noMove="1" noResize="1" noEditPoints="1" noAdjustHandles="1" noChangeArrowheads="1" noChangeShapeType="1" noTextEdit="1"/>
+              </p:cNvSpPr>
+              <p:nvPr>
+                <p:ph type="body"/>
+              </p:nvPr>
+            </p:nvSpPr>
+            <p:spPr>
+              <a:xfrm>
+                <a:off x="1142999" y="1423059"/>
+                <a:ext cx="10600285" cy="3639494"/>
+              </a:xfrm>
+              <a:blipFill>
+                <a:blip r:embed="rId2"/>
+                <a:stretch>
+                  <a:fillRect l="-978"/>
+                </a:stretch>
+              </a:blipFill>
+            </p:spPr>
+            <p:txBody>
+              <a:bodyPr/>
+              <a:lstStyle/>
+              <a:p>
+                <a:r>
+                  <a:rPr lang="en-US">
+                    <a:noFill/>
+                  </a:rPr>
+                  <a:t> </a:t>
+                </a:r>
+              </a:p>
+            </p:txBody>
+          </p:sp>
+        </mc:Fallback>
+      </mc:AlternateContent>
     </p:spTree>
     <p:extLst>
       <p:ext uri="{BB962C8B-B14F-4D97-AF65-F5344CB8AC3E}">
         <p14:creationId xmlns:p14="http://schemas.microsoft.com/office/powerpoint/2010/main" val="77157737"/>
-      </p:ext>
-    </p:extLst>
-  </p:cSld>
-  <p:clrMapOvr>
-    <a:masterClrMapping/>
-  </p:clrMapOvr>
-</p:sld>
-</file>
-
-<file path=ppt/slides/slide16.xml><?xml version="1.0" encoding="utf-8"?>
-<p:sld xmlns:a="http://schemas.openxmlformats.org/drawingml/2006/main" xmlns:r="http://schemas.openxmlformats.org/officeDocument/2006/relationships" xmlns:p="http://schemas.openxmlformats.org/presentationml/2006/main">
-  <p:cSld>
-    <p:spTree>
-      <p:nvGrpSpPr>
-        <p:cNvPr id="1" name=""/>
-        <p:cNvGrpSpPr/>
-        <p:nvPr/>
-      </p:nvGrpSpPr>
-      <p:grpSpPr>
-        <a:xfrm>
-          <a:off x="0" y="0"/>
-          <a:ext cx="0" cy="0"/>
-          <a:chOff x="0" y="0"/>
-          <a:chExt cx="0" cy="0"/>
-        </a:xfrm>
-      </p:grpSpPr>
-      <p:pic>
-        <p:nvPicPr>
-          <p:cNvPr id="5" name="Picture 4">
-            <a:extLst>
-              <a:ext uri="{FF2B5EF4-FFF2-40B4-BE49-F238E27FC236}">
-                <a16:creationId xmlns:a16="http://schemas.microsoft.com/office/drawing/2014/main" id="{CE2D53F2-E4DA-46E1-AEEF-A045A053D9D7}"/>
-              </a:ext>
-            </a:extLst>
-          </p:cNvPr>
-          <p:cNvPicPr>
-            <a:picLocks noChangeAspect="1"/>
-          </p:cNvPicPr>
-          <p:nvPr/>
-        </p:nvPicPr>
-        <p:blipFill>
-          <a:blip r:embed="rId2">
-            <a:extLst>
-              <a:ext uri="{28A0092B-C50C-407E-A947-70E740481C1C}">
-                <a14:useLocalDpi xmlns:a14="http://schemas.microsoft.com/office/drawing/2010/main" val="0"/>
-              </a:ext>
-            </a:extLst>
-          </a:blip>
-          <a:stretch>
-            <a:fillRect/>
-          </a:stretch>
-        </p:blipFill>
-        <p:spPr>
-          <a:xfrm>
-            <a:off x="988275" y="1888518"/>
-            <a:ext cx="10215450" cy="3080963"/>
-          </a:xfrm>
-          <a:prstGeom prst="rect">
-            <a:avLst/>
-          </a:prstGeom>
-        </p:spPr>
-      </p:pic>
-    </p:spTree>
-    <p:extLst>
-      <p:ext uri="{BB962C8B-B14F-4D97-AF65-F5344CB8AC3E}">
-        <p14:creationId xmlns:p14="http://schemas.microsoft.com/office/powerpoint/2010/main" val="2388655080"/>
       </p:ext>
     </p:extLst>
   </p:cSld>
@@ -7216,305 +7481,10 @@
       </p:grpSpPr>
       <p:sp>
         <p:nvSpPr>
-          <p:cNvPr id="123" name="CustomShape 1"/>
-          <p:cNvSpPr/>
-          <p:nvPr/>
-        </p:nvSpPr>
-        <p:spPr>
-          <a:xfrm>
-            <a:off x="2011685" y="1485900"/>
-            <a:ext cx="8166230" cy="4995582"/>
-          </a:xfrm>
-          <a:prstGeom prst="rect">
-            <a:avLst/>
-          </a:prstGeom>
-          <a:noFill/>
-          <a:ln>
-            <a:noFill/>
-          </a:ln>
-        </p:spPr>
-        <p:style>
-          <a:lnRef idx="0">
-            <a:scrgbClr r="0" g="0" b="0"/>
-          </a:lnRef>
-          <a:fillRef idx="0">
-            <a:scrgbClr r="0" g="0" b="0"/>
-          </a:fillRef>
-          <a:effectRef idx="0">
-            <a:scrgbClr r="0" g="0" b="0"/>
-          </a:effectRef>
-          <a:fontRef idx="minor"/>
-        </p:style>
-        <p:txBody>
-          <a:bodyPr lIns="0" tIns="0" rIns="0" bIns="0" anchor="ctr"/>
-          <a:lstStyle/>
-          <a:p>
-            <a:pPr>
-              <a:lnSpc>
-                <a:spcPct val="100000"/>
-              </a:lnSpc>
-            </a:pPr>
-            <a:r>
-              <a:rPr lang="en-GB" sz="2800" b="0" strike="noStrike" spc="-1" dirty="0">
-                <a:solidFill>
-                  <a:srgbClr val="FFFFFF"/>
-                </a:solidFill>
-                <a:uFill>
-                  <a:solidFill>
-                    <a:srgbClr val="FFFFFF"/>
-                  </a:solidFill>
-                </a:uFill>
-                <a:latin typeface="Calibri"/>
-                <a:ea typeface="DejaVu Sans"/>
-              </a:rPr>
-              <a:t>More bases for Fermat’s Little Theorem</a:t>
-            </a:r>
-            <a:br>
-              <a:rPr lang="en-GB" sz="2800" b="0" strike="noStrike" spc="-1" dirty="0">
-                <a:solidFill>
-                  <a:srgbClr val="FFFFFF"/>
-                </a:solidFill>
-                <a:uFill>
-                  <a:solidFill>
-                    <a:srgbClr val="FFFFFF"/>
-                  </a:solidFill>
-                </a:uFill>
-                <a:latin typeface="Calibri"/>
-                <a:ea typeface="DejaVu Sans"/>
-              </a:rPr>
-            </a:br>
-            <a:br>
-              <a:rPr sz="2800" dirty="0"/>
-            </a:br>
-            <a:r>
-              <a:rPr lang="en-US" sz="2800" dirty="0">
-                <a:solidFill>
-                  <a:schemeClr val="bg1"/>
-                </a:solidFill>
-              </a:rPr>
-              <a:t>Set of </a:t>
-            </a:r>
-            <a:r>
-              <a:rPr lang="en-GB" sz="2800" b="0" strike="noStrike" spc="-1" dirty="0" err="1">
-                <a:solidFill>
-                  <a:srgbClr val="FFFFFF"/>
-                </a:solidFill>
-                <a:uFill>
-                  <a:solidFill>
-                    <a:srgbClr val="FFFFFF"/>
-                  </a:solidFill>
-                </a:uFill>
-                <a:latin typeface="Calibri"/>
-                <a:ea typeface="DejaVu Sans"/>
-              </a:rPr>
-              <a:t>Coprimes</a:t>
-            </a:r>
-            <a:br>
-              <a:rPr sz="2800" dirty="0"/>
-            </a:br>
-            <a:br>
-              <a:rPr lang="en-US" sz="2800" dirty="0"/>
-            </a:br>
-            <a:r>
-              <a:rPr lang="en-GB" sz="2800" b="0" strike="noStrike" spc="-1" dirty="0">
-                <a:solidFill>
-                  <a:srgbClr val="FFFFFF"/>
-                </a:solidFill>
-                <a:uFill>
-                  <a:solidFill>
-                    <a:srgbClr val="FFFFFF"/>
-                  </a:solidFill>
-                </a:uFill>
-                <a:latin typeface="Calibri"/>
-                <a:ea typeface="DejaVu Sans"/>
-              </a:rPr>
-              <a:t>Members of Curves and Intersections of Sack’s Spiral</a:t>
-            </a:r>
-            <a:br>
-              <a:rPr sz="2800" dirty="0"/>
-            </a:br>
-            <a:br>
-              <a:rPr lang="en-US" sz="2800" dirty="0"/>
-            </a:br>
-            <a:r>
-              <a:rPr lang="en-GB" sz="2800" b="0" strike="noStrike" spc="-1" dirty="0">
-                <a:solidFill>
-                  <a:srgbClr val="FFFFFF"/>
-                </a:solidFill>
-                <a:uFill>
-                  <a:solidFill>
-                    <a:srgbClr val="FFFFFF"/>
-                  </a:solidFill>
-                </a:uFill>
-                <a:latin typeface="Calibri"/>
-                <a:ea typeface="DejaVu Sans"/>
-              </a:rPr>
-              <a:t>Diagonals of </a:t>
-            </a:r>
-            <a:r>
-              <a:rPr lang="en-GB" sz="2800" b="0" strike="noStrike" spc="-1" dirty="0" err="1">
-                <a:solidFill>
-                  <a:srgbClr val="FFFFFF"/>
-                </a:solidFill>
-                <a:uFill>
-                  <a:solidFill>
-                    <a:srgbClr val="FFFFFF"/>
-                  </a:solidFill>
-                </a:uFill>
-                <a:latin typeface="Calibri"/>
-                <a:ea typeface="DejaVu Sans"/>
-              </a:rPr>
-              <a:t>Ulam’s</a:t>
-            </a:r>
-            <a:r>
-              <a:rPr lang="en-GB" sz="2800" b="0" strike="noStrike" spc="-1" dirty="0">
-                <a:solidFill>
-                  <a:srgbClr val="FFFFFF"/>
-                </a:solidFill>
-                <a:uFill>
-                  <a:solidFill>
-                    <a:srgbClr val="FFFFFF"/>
-                  </a:solidFill>
-                </a:uFill>
-                <a:latin typeface="Calibri"/>
-                <a:ea typeface="DejaVu Sans"/>
-              </a:rPr>
-              <a:t> Spiral</a:t>
-            </a:r>
-            <a:br>
-              <a:rPr sz="2800" dirty="0"/>
-            </a:br>
-            <a:br>
-              <a:rPr lang="en-US" sz="2800" dirty="0"/>
-            </a:br>
-            <a:r>
-              <a:rPr lang="en-GB" sz="2800" b="0" strike="noStrike" spc="-1" dirty="0">
-                <a:solidFill>
-                  <a:srgbClr val="FFFFFF"/>
-                </a:solidFill>
-                <a:uFill>
-                  <a:solidFill>
-                    <a:srgbClr val="FFFFFF"/>
-                  </a:solidFill>
-                </a:uFill>
-                <a:latin typeface="Calibri"/>
-                <a:ea typeface="DejaVu Sans"/>
-              </a:rPr>
-              <a:t>Attributes of </a:t>
-            </a:r>
-            <a:r>
-              <a:rPr lang="en-GB" sz="2800" b="0" strike="noStrike" spc="-1" dirty="0" err="1">
-                <a:solidFill>
-                  <a:srgbClr val="FFFFFF"/>
-                </a:solidFill>
-                <a:uFill>
-                  <a:solidFill>
-                    <a:srgbClr val="FFFFFF"/>
-                  </a:solidFill>
-                </a:uFill>
-                <a:latin typeface="Calibri"/>
-                <a:ea typeface="DejaVu Sans"/>
-              </a:rPr>
-              <a:t>Lenstra’s</a:t>
-            </a:r>
-            <a:r>
-              <a:rPr lang="en-GB" sz="2800" b="0" strike="noStrike" spc="-1" dirty="0">
-                <a:solidFill>
-                  <a:srgbClr val="FFFFFF"/>
-                </a:solidFill>
-                <a:uFill>
-                  <a:solidFill>
-                    <a:srgbClr val="FFFFFF"/>
-                  </a:solidFill>
-                </a:uFill>
-                <a:latin typeface="Calibri"/>
-                <a:ea typeface="DejaVu Sans"/>
-              </a:rPr>
-              <a:t> Elliptic Curve Factorization</a:t>
-            </a:r>
-            <a:endParaRPr lang="en-GB" sz="2800" b="0" strike="noStrike" spc="-1" dirty="0">
-              <a:solidFill>
-                <a:srgbClr val="FFFFFF"/>
-              </a:solidFill>
-              <a:uFill>
-                <a:solidFill>
-                  <a:srgbClr val="FFFFFF"/>
-                </a:solidFill>
-              </a:uFill>
-              <a:latin typeface="Arial"/>
-            </a:endParaRPr>
-          </a:p>
-        </p:txBody>
-      </p:sp>
-      <p:sp>
-        <p:nvSpPr>
-          <p:cNvPr id="124" name="CustomShape 2"/>
-          <p:cNvSpPr/>
-          <p:nvPr/>
-        </p:nvSpPr>
-        <p:spPr>
-          <a:xfrm>
-            <a:off x="609480" y="1604520"/>
-            <a:ext cx="10970640" cy="3975480"/>
-          </a:xfrm>
-          <a:prstGeom prst="rect">
-            <a:avLst/>
-          </a:prstGeom>
-          <a:noFill/>
-          <a:ln>
-            <a:noFill/>
-          </a:ln>
-        </p:spPr>
-        <p:style>
-          <a:lnRef idx="0">
-            <a:scrgbClr r="0" g="0" b="0"/>
-          </a:lnRef>
-          <a:fillRef idx="0">
-            <a:scrgbClr r="0" g="0" b="0"/>
-          </a:fillRef>
-          <a:effectRef idx="0">
-            <a:scrgbClr r="0" g="0" b="0"/>
-          </a:effectRef>
-          <a:fontRef idx="minor"/>
-        </p:style>
-        <p:txBody>
-          <a:bodyPr lIns="0" tIns="0" rIns="0" bIns="0">
-            <a:normAutofit/>
-          </a:bodyPr>
-          <a:lstStyle/>
-          <a:p>
-            <a:pPr marL="109800">
-              <a:lnSpc>
-                <a:spcPct val="100000"/>
-              </a:lnSpc>
-              <a:spcBef>
-                <a:spcPts val="1417"/>
-              </a:spcBef>
-              <a:buClr>
-                <a:srgbClr val="FFFFFF"/>
-              </a:buClr>
-              <a:buSzPct val="45000"/>
-            </a:pPr>
-            <a:endParaRPr lang="en-GB" sz="1800" b="0" strike="noStrike" spc="-1" dirty="0">
-              <a:solidFill>
-                <a:srgbClr val="FFFFFF"/>
-              </a:solidFill>
-              <a:uFill>
-                <a:solidFill>
-                  <a:srgbClr val="FFFFFF"/>
-                </a:solidFill>
-              </a:uFill>
-              <a:latin typeface="Arial"/>
-            </a:endParaRPr>
-          </a:p>
-        </p:txBody>
-      </p:sp>
-      <p:sp>
-        <p:nvSpPr>
-          <p:cNvPr id="4" name="Title 1">
+          <p:cNvPr id="3" name="Title 1">
             <a:extLst>
               <a:ext uri="{FF2B5EF4-FFF2-40B4-BE49-F238E27FC236}">
-                <a16:creationId xmlns:a16="http://schemas.microsoft.com/office/drawing/2014/main" id="{7A24AFF7-CBA4-4FE0-9078-11846F76E02C}"/>
+                <a16:creationId xmlns:a16="http://schemas.microsoft.com/office/drawing/2014/main" id="{2043D0F2-DF30-4D8E-A627-3C8DFF92C098}"/>
               </a:ext>
             </a:extLst>
           </p:cNvPr>
@@ -7560,43 +7530,165 @@
                   <a:schemeClr val="bg1"/>
                 </a:solidFill>
               </a:rPr>
-              <a:t>Future Attributes to Analyze</a:t>
+              <a:t>Data Results</a:t>
             </a:r>
           </a:p>
         </p:txBody>
       </p:sp>
+      <p:pic>
+        <p:nvPicPr>
+          <p:cNvPr id="4" name="Picture 3">
+            <a:extLst>
+              <a:ext uri="{FF2B5EF4-FFF2-40B4-BE49-F238E27FC236}">
+                <a16:creationId xmlns:a16="http://schemas.microsoft.com/office/drawing/2014/main" id="{DFEEB7AC-FA06-48BA-A2A4-A5D6A546B1F1}"/>
+              </a:ext>
+            </a:extLst>
+          </p:cNvPr>
+          <p:cNvPicPr>
+            <a:picLocks noChangeAspect="1"/>
+          </p:cNvPicPr>
+          <p:nvPr/>
+        </p:nvPicPr>
+        <p:blipFill>
+          <a:blip r:embed="rId2">
+            <a:extLst>
+              <a:ext uri="{28A0092B-C50C-407E-A947-70E740481C1C}">
+                <a14:useLocalDpi xmlns:a14="http://schemas.microsoft.com/office/drawing/2010/main" val="0"/>
+              </a:ext>
+            </a:extLst>
+          </a:blip>
+          <a:stretch>
+            <a:fillRect/>
+          </a:stretch>
+        </p:blipFill>
+        <p:spPr>
+          <a:xfrm>
+            <a:off x="1066473" y="1133028"/>
+            <a:ext cx="4572235" cy="2749691"/>
+          </a:xfrm>
+          <a:prstGeom prst="rect">
+            <a:avLst/>
+          </a:prstGeom>
+        </p:spPr>
+      </p:pic>
+      <p:pic>
+        <p:nvPicPr>
+          <p:cNvPr id="7" name="Picture 6">
+            <a:extLst>
+              <a:ext uri="{FF2B5EF4-FFF2-40B4-BE49-F238E27FC236}">
+                <a16:creationId xmlns:a16="http://schemas.microsoft.com/office/drawing/2014/main" id="{22943596-2966-40C4-9375-B388E195D40C}"/>
+              </a:ext>
+            </a:extLst>
+          </p:cNvPr>
+          <p:cNvPicPr>
+            <a:picLocks noChangeAspect="1"/>
+          </p:cNvPicPr>
+          <p:nvPr/>
+        </p:nvPicPr>
+        <p:blipFill>
+          <a:blip r:embed="rId3">
+            <a:extLst>
+              <a:ext uri="{28A0092B-C50C-407E-A947-70E740481C1C}">
+                <a14:useLocalDpi xmlns:a14="http://schemas.microsoft.com/office/drawing/2010/main" val="0"/>
+              </a:ext>
+            </a:extLst>
+          </a:blip>
+          <a:stretch>
+            <a:fillRect/>
+          </a:stretch>
+        </p:blipFill>
+        <p:spPr>
+          <a:xfrm>
+            <a:off x="6095700" y="1133029"/>
+            <a:ext cx="4565885" cy="2749691"/>
+          </a:xfrm>
+          <a:prstGeom prst="rect">
+            <a:avLst/>
+          </a:prstGeom>
+        </p:spPr>
+      </p:pic>
+      <p:pic>
+        <p:nvPicPr>
+          <p:cNvPr id="9" name="Picture 8">
+            <a:extLst>
+              <a:ext uri="{FF2B5EF4-FFF2-40B4-BE49-F238E27FC236}">
+                <a16:creationId xmlns:a16="http://schemas.microsoft.com/office/drawing/2014/main" id="{585FA2A6-DF9E-47D5-894B-B5C3C61CAAF1}"/>
+              </a:ext>
+            </a:extLst>
+          </p:cNvPr>
+          <p:cNvPicPr>
+            <a:picLocks noChangeAspect="1"/>
+          </p:cNvPicPr>
+          <p:nvPr/>
+        </p:nvPicPr>
+        <p:blipFill>
+          <a:blip r:embed="rId4">
+            <a:extLst>
+              <a:ext uri="{28A0092B-C50C-407E-A947-70E740481C1C}">
+                <a14:useLocalDpi xmlns:a14="http://schemas.microsoft.com/office/drawing/2010/main" val="0"/>
+              </a:ext>
+            </a:extLst>
+          </a:blip>
+          <a:stretch>
+            <a:fillRect/>
+          </a:stretch>
+        </p:blipFill>
+        <p:spPr>
+          <a:xfrm>
+            <a:off x="1072823" y="3996952"/>
+            <a:ext cx="4565885" cy="2749691"/>
+          </a:xfrm>
+          <a:prstGeom prst="rect">
+            <a:avLst/>
+          </a:prstGeom>
+        </p:spPr>
+      </p:pic>
+      <p:pic>
+        <p:nvPicPr>
+          <p:cNvPr id="11" name="Picture 10">
+            <a:extLst>
+              <a:ext uri="{FF2B5EF4-FFF2-40B4-BE49-F238E27FC236}">
+                <a16:creationId xmlns:a16="http://schemas.microsoft.com/office/drawing/2014/main" id="{0A0CF5A7-4A02-4B01-A428-8A0B964CA0DB}"/>
+              </a:ext>
+            </a:extLst>
+          </p:cNvPr>
+          <p:cNvPicPr>
+            <a:picLocks noChangeAspect="1"/>
+          </p:cNvPicPr>
+          <p:nvPr/>
+        </p:nvPicPr>
+        <p:blipFill>
+          <a:blip r:embed="rId5">
+            <a:extLst>
+              <a:ext uri="{28A0092B-C50C-407E-A947-70E740481C1C}">
+                <a14:useLocalDpi xmlns:a14="http://schemas.microsoft.com/office/drawing/2010/main" val="0"/>
+              </a:ext>
+            </a:extLst>
+          </a:blip>
+          <a:stretch>
+            <a:fillRect/>
+          </a:stretch>
+        </p:blipFill>
+        <p:spPr>
+          <a:xfrm>
+            <a:off x="6095700" y="3996952"/>
+            <a:ext cx="4572235" cy="2743341"/>
+          </a:xfrm>
+          <a:prstGeom prst="rect">
+            <a:avLst/>
+          </a:prstGeom>
+        </p:spPr>
+      </p:pic>
     </p:spTree>
+    <p:extLst>
+      <p:ext uri="{BB962C8B-B14F-4D97-AF65-F5344CB8AC3E}">
+        <p14:creationId xmlns:p14="http://schemas.microsoft.com/office/powerpoint/2010/main" val="2388655080"/>
+      </p:ext>
+    </p:extLst>
   </p:cSld>
   <p:clrMapOvr>
     <a:masterClrMapping/>
   </p:clrMapOvr>
-  <p:timing>
-    <p:tnLst>
-      <p:par>
-        <p:cTn id="1" dur="indefinite" restart="never" nodeType="tmRoot">
-          <p:childTnLst>
-            <p:seq>
-              <p:cTn id="2" nodeType="mainSeq"/>
-              <p:prevCondLst>
-                <p:cond evt="onPrev" delay="0">
-                  <p:tgtEl>
-                    <p:sldTgt/>
-                  </p:tgtEl>
-                </p:cond>
-              </p:prevCondLst>
-              <p:nextCondLst>
-                <p:cond evt="onNext" delay="0">
-                  <p:tgtEl>
-                    <p:sldTgt/>
-                  </p:tgtEl>
-                </p:cond>
-              </p:nextCondLst>
-            </p:seq>
-          </p:childTnLst>
-        </p:cTn>
-      </p:par>
-    </p:tnLst>
-  </p:timing>
 </p:sld>
 </file>
 
@@ -7619,14 +7711,379 @@
       </p:grpSpPr>
       <p:sp>
         <p:nvSpPr>
-          <p:cNvPr id="126" name="CustomShape 2"/>
+          <p:cNvPr id="2" name="Title 1">
+            <a:extLst>
+              <a:ext uri="{FF2B5EF4-FFF2-40B4-BE49-F238E27FC236}">
+                <a16:creationId xmlns:a16="http://schemas.microsoft.com/office/drawing/2014/main" id="{A8BB17CA-2721-437E-B4E7-74C1A7D8C3BB}"/>
+              </a:ext>
+            </a:extLst>
+          </p:cNvPr>
+          <p:cNvSpPr>
+            <a:spLocks noGrp="1"/>
+          </p:cNvSpPr>
+          <p:nvPr>
+            <p:ph type="title"/>
+          </p:nvPr>
+        </p:nvSpPr>
+        <p:spPr/>
+        <p:txBody>
+          <a:bodyPr/>
+          <a:lstStyle/>
+          <a:p>
+            <a:r>
+              <a:rPr lang="en-US" dirty="0">
+                <a:solidFill>
+                  <a:schemeClr val="bg1"/>
+                </a:solidFill>
+              </a:rPr>
+              <a:t>Next Steps</a:t>
+            </a:r>
+          </a:p>
+        </p:txBody>
+      </p:sp>
+      <p:sp>
+        <p:nvSpPr>
+          <p:cNvPr id="3" name="Text Placeholder 2">
+            <a:extLst>
+              <a:ext uri="{FF2B5EF4-FFF2-40B4-BE49-F238E27FC236}">
+                <a16:creationId xmlns:a16="http://schemas.microsoft.com/office/drawing/2014/main" id="{BF39EC43-EFCB-4B02-9FE0-59F4C30C3DB1}"/>
+              </a:ext>
+            </a:extLst>
+          </p:cNvPr>
+          <p:cNvSpPr>
+            <a:spLocks noGrp="1"/>
+          </p:cNvSpPr>
+          <p:nvPr>
+            <p:ph type="body"/>
+          </p:nvPr>
+        </p:nvSpPr>
+        <p:spPr>
+          <a:xfrm>
+            <a:off x="609480" y="1532965"/>
+            <a:ext cx="10972440" cy="4403911"/>
+          </a:xfrm>
+        </p:spPr>
+        <p:txBody>
+          <a:bodyPr/>
+          <a:lstStyle/>
+          <a:p>
+            <a:r>
+              <a:rPr lang="en-US" sz="2800" dirty="0">
+                <a:solidFill>
+                  <a:schemeClr val="bg1"/>
+                </a:solidFill>
+              </a:rPr>
+              <a:t>Investigate different MLP and NN layer and node structures, using NEAT algorithm or Ant Colony Optimization.</a:t>
+            </a:r>
+          </a:p>
+          <a:p>
+            <a:endParaRPr lang="en-US" sz="2800" dirty="0">
+              <a:solidFill>
+                <a:schemeClr val="bg1"/>
+              </a:solidFill>
+            </a:endParaRPr>
+          </a:p>
+          <a:p>
+            <a:r>
+              <a:rPr lang="en-US" sz="2800" dirty="0">
+                <a:solidFill>
+                  <a:schemeClr val="bg1"/>
+                </a:solidFill>
+              </a:rPr>
+              <a:t>Perform a Decision Tree on the attributes, and try to identify the attributes with the most/least impact on accuracy.</a:t>
+            </a:r>
+          </a:p>
+          <a:p>
+            <a:endParaRPr lang="en-US" sz="2800" dirty="0">
+              <a:solidFill>
+                <a:schemeClr val="bg1"/>
+              </a:solidFill>
+            </a:endParaRPr>
+          </a:p>
+          <a:p>
+            <a:r>
+              <a:rPr lang="en-US" sz="2800" dirty="0">
+                <a:solidFill>
+                  <a:schemeClr val="bg1"/>
+                </a:solidFill>
+              </a:rPr>
+              <a:t>Collect data on run times and analyze the cost (run time) to benefit (accuracy), and see if accuracy can be maintained with less costly tests.</a:t>
+            </a:r>
+          </a:p>
+        </p:txBody>
+      </p:sp>
+    </p:spTree>
+    <p:extLst>
+      <p:ext uri="{BB962C8B-B14F-4D97-AF65-F5344CB8AC3E}">
+        <p14:creationId xmlns:p14="http://schemas.microsoft.com/office/powerpoint/2010/main" val="2290885254"/>
+      </p:ext>
+    </p:extLst>
+  </p:cSld>
+  <p:clrMapOvr>
+    <a:masterClrMapping/>
+  </p:clrMapOvr>
+</p:sld>
+</file>
+
+<file path=ppt/slides/slide19.xml><?xml version="1.0" encoding="utf-8"?>
+<p:sld xmlns:a="http://schemas.openxmlformats.org/drawingml/2006/main" xmlns:r="http://schemas.openxmlformats.org/officeDocument/2006/relationships" xmlns:p="http://schemas.openxmlformats.org/presentationml/2006/main">
+  <p:cSld>
+    <p:spTree>
+      <p:nvGrpSpPr>
+        <p:cNvPr id="1" name=""/>
+        <p:cNvGrpSpPr/>
+        <p:nvPr/>
+      </p:nvGrpSpPr>
+      <p:grpSpPr>
+        <a:xfrm>
+          <a:off x="0" y="0"/>
+          <a:ext cx="0" cy="0"/>
+          <a:chOff x="0" y="0"/>
+          <a:chExt cx="0" cy="0"/>
+        </a:xfrm>
+      </p:grpSpPr>
+      <p:sp>
+        <p:nvSpPr>
+          <p:cNvPr id="123" name="CustomShape 1"/>
           <p:cNvSpPr/>
           <p:nvPr/>
         </p:nvSpPr>
         <p:spPr>
           <a:xfrm>
-            <a:off x="1001244" y="1214555"/>
-            <a:ext cx="10374967" cy="4749215"/>
+            <a:off x="2011685" y="1485900"/>
+            <a:ext cx="8166230" cy="4995582"/>
+          </a:xfrm>
+          <a:prstGeom prst="rect">
+            <a:avLst/>
+          </a:prstGeom>
+          <a:noFill/>
+          <a:ln>
+            <a:noFill/>
+          </a:ln>
+        </p:spPr>
+        <p:style>
+          <a:lnRef idx="0">
+            <a:scrgbClr r="0" g="0" b="0"/>
+          </a:lnRef>
+          <a:fillRef idx="0">
+            <a:scrgbClr r="0" g="0" b="0"/>
+          </a:fillRef>
+          <a:effectRef idx="0">
+            <a:scrgbClr r="0" g="0" b="0"/>
+          </a:effectRef>
+          <a:fontRef idx="minor"/>
+        </p:style>
+        <p:txBody>
+          <a:bodyPr lIns="0" tIns="0" rIns="0" bIns="0" anchor="ctr"/>
+          <a:lstStyle/>
+          <a:p>
+            <a:pPr>
+              <a:lnSpc>
+                <a:spcPct val="100000"/>
+              </a:lnSpc>
+            </a:pPr>
+            <a:r>
+              <a:rPr lang="en-GB" sz="2800" b="0" strike="noStrike" spc="-1" dirty="0">
+                <a:solidFill>
+                  <a:srgbClr val="FFFFFF"/>
+                </a:solidFill>
+                <a:uFill>
+                  <a:solidFill>
+                    <a:srgbClr val="FFFFFF"/>
+                  </a:solidFill>
+                </a:uFill>
+                <a:latin typeface="Calibri"/>
+                <a:ea typeface="DejaVu Sans"/>
+              </a:rPr>
+              <a:t>More bases for Fermat’s Little Theorem</a:t>
+            </a:r>
+            <a:br>
+              <a:rPr lang="en-GB" sz="2800" b="0" strike="noStrike" spc="-1" dirty="0">
+                <a:solidFill>
+                  <a:srgbClr val="FFFFFF"/>
+                </a:solidFill>
+                <a:uFill>
+                  <a:solidFill>
+                    <a:srgbClr val="FFFFFF"/>
+                  </a:solidFill>
+                </a:uFill>
+                <a:latin typeface="Calibri"/>
+                <a:ea typeface="DejaVu Sans"/>
+              </a:rPr>
+            </a:br>
+            <a:br>
+              <a:rPr sz="2800" dirty="0"/>
+            </a:br>
+            <a:r>
+              <a:rPr lang="en-US" sz="2800" dirty="0">
+                <a:solidFill>
+                  <a:schemeClr val="bg1"/>
+                </a:solidFill>
+              </a:rPr>
+              <a:t>Set of </a:t>
+            </a:r>
+            <a:r>
+              <a:rPr lang="en-GB" sz="2800" b="0" strike="noStrike" spc="-1" dirty="0" err="1">
+                <a:solidFill>
+                  <a:srgbClr val="FFFFFF"/>
+                </a:solidFill>
+                <a:uFill>
+                  <a:solidFill>
+                    <a:srgbClr val="FFFFFF"/>
+                  </a:solidFill>
+                </a:uFill>
+                <a:latin typeface="Calibri"/>
+                <a:ea typeface="DejaVu Sans"/>
+              </a:rPr>
+              <a:t>Coprimes</a:t>
+            </a:r>
+            <a:br>
+              <a:rPr sz="2800" dirty="0"/>
+            </a:br>
+            <a:br>
+              <a:rPr lang="en-US" sz="2800" dirty="0"/>
+            </a:br>
+            <a:r>
+              <a:rPr lang="en-GB" sz="2800" b="0" strike="noStrike" spc="-1" dirty="0">
+                <a:solidFill>
+                  <a:srgbClr val="FFFFFF"/>
+                </a:solidFill>
+                <a:uFill>
+                  <a:solidFill>
+                    <a:srgbClr val="FFFFFF"/>
+                  </a:solidFill>
+                </a:uFill>
+                <a:latin typeface="Calibri"/>
+                <a:ea typeface="DejaVu Sans"/>
+              </a:rPr>
+              <a:t>Members of Curves and Intersections of Sack’s Spiral</a:t>
+            </a:r>
+            <a:br>
+              <a:rPr sz="2800" dirty="0"/>
+            </a:br>
+            <a:br>
+              <a:rPr lang="en-US" sz="2800" dirty="0"/>
+            </a:br>
+            <a:r>
+              <a:rPr lang="en-GB" sz="2800" b="0" strike="noStrike" spc="-1" dirty="0">
+                <a:solidFill>
+                  <a:srgbClr val="FFFFFF"/>
+                </a:solidFill>
+                <a:uFill>
+                  <a:solidFill>
+                    <a:srgbClr val="FFFFFF"/>
+                  </a:solidFill>
+                </a:uFill>
+                <a:latin typeface="Calibri"/>
+                <a:ea typeface="DejaVu Sans"/>
+              </a:rPr>
+              <a:t>Diagonals of </a:t>
+            </a:r>
+            <a:r>
+              <a:rPr lang="en-GB" sz="2800" b="0" strike="noStrike" spc="-1" dirty="0" err="1">
+                <a:solidFill>
+                  <a:srgbClr val="FFFFFF"/>
+                </a:solidFill>
+                <a:uFill>
+                  <a:solidFill>
+                    <a:srgbClr val="FFFFFF"/>
+                  </a:solidFill>
+                </a:uFill>
+                <a:latin typeface="Calibri"/>
+                <a:ea typeface="DejaVu Sans"/>
+              </a:rPr>
+              <a:t>Ulam’s</a:t>
+            </a:r>
+            <a:r>
+              <a:rPr lang="en-GB" sz="2800" b="0" strike="noStrike" spc="-1" dirty="0">
+                <a:solidFill>
+                  <a:srgbClr val="FFFFFF"/>
+                </a:solidFill>
+                <a:uFill>
+                  <a:solidFill>
+                    <a:srgbClr val="FFFFFF"/>
+                  </a:solidFill>
+                </a:uFill>
+                <a:latin typeface="Calibri"/>
+                <a:ea typeface="DejaVu Sans"/>
+              </a:rPr>
+              <a:t> Spiral</a:t>
+            </a:r>
+            <a:br>
+              <a:rPr sz="2800" dirty="0"/>
+            </a:br>
+            <a:br>
+              <a:rPr lang="en-US" sz="2800" dirty="0"/>
+            </a:br>
+            <a:r>
+              <a:rPr lang="en-GB" sz="2800" b="0" strike="noStrike" spc="-1" dirty="0">
+                <a:solidFill>
+                  <a:srgbClr val="FFFFFF"/>
+                </a:solidFill>
+                <a:uFill>
+                  <a:solidFill>
+                    <a:srgbClr val="FFFFFF"/>
+                  </a:solidFill>
+                </a:uFill>
+                <a:latin typeface="Calibri"/>
+                <a:ea typeface="DejaVu Sans"/>
+              </a:rPr>
+              <a:t>Attributes of </a:t>
+            </a:r>
+            <a:r>
+              <a:rPr lang="en-GB" sz="2800" b="0" strike="noStrike" spc="-1" dirty="0" err="1">
+                <a:solidFill>
+                  <a:srgbClr val="FFFFFF"/>
+                </a:solidFill>
+                <a:uFill>
+                  <a:solidFill>
+                    <a:srgbClr val="FFFFFF"/>
+                  </a:solidFill>
+                </a:uFill>
+                <a:latin typeface="Calibri"/>
+                <a:ea typeface="DejaVu Sans"/>
+              </a:rPr>
+              <a:t>Lenstra’s</a:t>
+            </a:r>
+            <a:r>
+              <a:rPr lang="en-GB" sz="2800" b="0" strike="noStrike" spc="-1" dirty="0">
+                <a:solidFill>
+                  <a:srgbClr val="FFFFFF"/>
+                </a:solidFill>
+                <a:uFill>
+                  <a:solidFill>
+                    <a:srgbClr val="FFFFFF"/>
+                  </a:solidFill>
+                </a:uFill>
+                <a:latin typeface="Calibri"/>
+                <a:ea typeface="DejaVu Sans"/>
+              </a:rPr>
+              <a:t> Elliptic Curve Factorization</a:t>
+            </a:r>
+            <a:endParaRPr lang="en-GB" sz="2800" b="0" strike="noStrike" spc="-1" dirty="0">
+              <a:solidFill>
+                <a:srgbClr val="FFFFFF"/>
+              </a:solidFill>
+              <a:uFill>
+                <a:solidFill>
+                  <a:srgbClr val="FFFFFF"/>
+                </a:solidFill>
+              </a:uFill>
+              <a:latin typeface="Arial"/>
+            </a:endParaRPr>
+          </a:p>
+        </p:txBody>
+      </p:sp>
+      <p:sp>
+        <p:nvSpPr>
+          <p:cNvPr id="124" name="CustomShape 2"/>
+          <p:cNvSpPr/>
+          <p:nvPr/>
+        </p:nvSpPr>
+        <p:spPr>
+          <a:xfrm>
+            <a:off x="609480" y="1604520"/>
+            <a:ext cx="10970640" cy="3975480"/>
           </a:xfrm>
           <a:prstGeom prst="rect">
             <a:avLst/>
@@ -7650,30 +8107,23 @@
         </p:style>
         <p:txBody>
           <a:bodyPr lIns="0" tIns="0" rIns="0" bIns="0">
-            <a:noAutofit/>
+            <a:normAutofit/>
           </a:bodyPr>
           <a:lstStyle/>
           <a:p>
-            <a:pPr>
+            <a:pPr marL="109800">
               <a:lnSpc>
                 <a:spcPct val="100000"/>
               </a:lnSpc>
+              <a:spcBef>
+                <a:spcPts val="1417"/>
+              </a:spcBef>
+              <a:buClr>
+                <a:srgbClr val="FFFFFF"/>
+              </a:buClr>
+              <a:buSzPct val="45000"/>
             </a:pPr>
-            <a:r>
-              <a:rPr lang="en-US" sz="2400" spc="-1" dirty="0">
-                <a:solidFill>
-                  <a:srgbClr val="FFFFFF"/>
-                </a:solidFill>
-                <a:uFill>
-                  <a:solidFill>
-                    <a:srgbClr val="FFFFFF"/>
-                  </a:solidFill>
-                </a:uFill>
-                <a:latin typeface="Calibri"/>
-              </a:rPr>
-              <a:t>To see if a set of n attributes can achieve a high accuracy of predicting prime/compositeness of a given number.</a:t>
-            </a:r>
-            <a:endParaRPr lang="en-US" sz="2400" spc="-1" dirty="0">
+            <a:endParaRPr lang="en-GB" sz="1800" b="0" strike="noStrike" spc="-1" dirty="0">
               <a:solidFill>
                 <a:srgbClr val="FFFFFF"/>
               </a:solidFill>
@@ -7682,176 +8132,7 @@
                   <a:srgbClr val="FFFFFF"/>
                 </a:solidFill>
               </a:uFill>
-            </a:endParaRPr>
-          </a:p>
-          <a:p>
-            <a:pPr>
-              <a:lnSpc>
-                <a:spcPct val="100000"/>
-              </a:lnSpc>
-            </a:pPr>
-            <a:endParaRPr lang="en-US" sz="2400" spc="-1" dirty="0">
-              <a:solidFill>
-                <a:srgbClr val="FFFFFF"/>
-              </a:solidFill>
-              <a:uFill>
-                <a:solidFill>
-                  <a:srgbClr val="FFFFFF"/>
-                </a:solidFill>
-              </a:uFill>
-            </a:endParaRPr>
-          </a:p>
-          <a:p>
-            <a:pPr>
-              <a:lnSpc>
-                <a:spcPct val="100000"/>
-              </a:lnSpc>
-            </a:pPr>
-            <a:r>
-              <a:rPr lang="en-US" sz="2400" spc="-1" dirty="0">
-                <a:solidFill>
-                  <a:srgbClr val="FFFFFF"/>
-                </a:solidFill>
-                <a:uFill>
-                  <a:solidFill>
-                    <a:srgbClr val="FFFFFF"/>
-                  </a:solidFill>
-                </a:uFill>
-                <a:latin typeface="Calibri"/>
-              </a:rPr>
-              <a:t>Find a novel set of attributes to create a new sieve algorithm.</a:t>
-            </a:r>
-            <a:endParaRPr lang="en-US" sz="2400" spc="-1" dirty="0">
-              <a:solidFill>
-                <a:srgbClr val="FFFFFF"/>
-              </a:solidFill>
-              <a:uFill>
-                <a:solidFill>
-                  <a:srgbClr val="FFFFFF"/>
-                </a:solidFill>
-              </a:uFill>
-            </a:endParaRPr>
-          </a:p>
-          <a:p>
-            <a:pPr>
-              <a:lnSpc>
-                <a:spcPct val="100000"/>
-              </a:lnSpc>
-            </a:pPr>
-            <a:endParaRPr lang="en-US" sz="2400" spc="-1" dirty="0">
-              <a:solidFill>
-                <a:srgbClr val="FFFFFF"/>
-              </a:solidFill>
-              <a:uFill>
-                <a:solidFill>
-                  <a:srgbClr val="FFFFFF"/>
-                </a:solidFill>
-              </a:uFill>
-            </a:endParaRPr>
-          </a:p>
-          <a:p>
-            <a:pPr>
-              <a:lnSpc>
-                <a:spcPct val="100000"/>
-              </a:lnSpc>
-            </a:pPr>
-            <a:r>
-              <a:rPr lang="en-US" sz="2400" spc="-1" dirty="0">
-                <a:solidFill>
-                  <a:srgbClr val="FFFFFF"/>
-                </a:solidFill>
-                <a:uFill>
-                  <a:solidFill>
-                    <a:srgbClr val="FFFFFF"/>
-                  </a:solidFill>
-                </a:uFill>
-                <a:latin typeface="Calibri"/>
-              </a:rPr>
-              <a:t>Find a novel set of attributes to find primes/pseudoprimes.</a:t>
-            </a:r>
-            <a:br>
-              <a:rPr lang="en-US" sz="2400" dirty="0"/>
-            </a:br>
-            <a:endParaRPr lang="en-US" sz="2400" spc="-1" dirty="0">
-              <a:solidFill>
-                <a:srgbClr val="FFFFFF"/>
-              </a:solidFill>
-              <a:uFill>
-                <a:solidFill>
-                  <a:srgbClr val="FFFFFF"/>
-                </a:solidFill>
-              </a:uFill>
-            </a:endParaRPr>
-          </a:p>
-          <a:p>
-            <a:pPr>
-              <a:lnSpc>
-                <a:spcPct val="100000"/>
-              </a:lnSpc>
-            </a:pPr>
-            <a:r>
-              <a:rPr lang="en-US" sz="2400" spc="-1" dirty="0">
-                <a:solidFill>
-                  <a:srgbClr val="FFFFFF"/>
-                </a:solidFill>
-                <a:uFill>
-                  <a:solidFill>
-                    <a:srgbClr val="FFFFFF"/>
-                  </a:solidFill>
-                </a:uFill>
-                <a:latin typeface="Calibri"/>
-              </a:rPr>
-              <a:t>Find if a subset of primes can be reliably identified.</a:t>
-            </a:r>
-            <a:br>
-              <a:rPr lang="en-US" sz="2400" dirty="0"/>
-            </a:br>
-            <a:br>
-              <a:rPr lang="en-US" sz="2400" dirty="0"/>
-            </a:br>
-            <a:r>
-              <a:rPr lang="en-US" sz="2400" spc="-1" dirty="0">
-                <a:solidFill>
-                  <a:srgbClr val="FFFFFF"/>
-                </a:solidFill>
-                <a:uFill>
-                  <a:solidFill>
-                    <a:srgbClr val="FFFFFF"/>
-                  </a:solidFill>
-                </a:uFill>
-                <a:latin typeface="Calibri"/>
-              </a:rPr>
-              <a:t>Find a correlation between different spiral, or spiral like, organizations of natural numbers and the probability of being prime. i.e. prime density</a:t>
-            </a:r>
-            <a:br>
-              <a:rPr lang="en-US" sz="2400" dirty="0"/>
-            </a:br>
-            <a:br>
-              <a:rPr lang="en-US" sz="2400" dirty="0"/>
-            </a:br>
-            <a:r>
-              <a:rPr lang="en-US" sz="2400" spc="-1" dirty="0">
-                <a:solidFill>
-                  <a:srgbClr val="FFFFFF"/>
-                </a:solidFill>
-                <a:uFill>
-                  <a:solidFill>
-                    <a:srgbClr val="FFFFFF"/>
-                  </a:solidFill>
-                </a:uFill>
-                <a:latin typeface="Calibri"/>
-              </a:rPr>
-              <a:t>If so, attempt to use Genetic Programming to see if progress can be made on the Twin Prime Conjecture.</a:t>
-            </a:r>
-            <a:endParaRPr lang="en-US" sz="2400" spc="-1" dirty="0">
-              <a:solidFill>
-                <a:srgbClr val="FFFFFF"/>
-              </a:solidFill>
-              <a:uFill>
-                <a:solidFill>
-                  <a:srgbClr val="FFFFFF"/>
-                </a:solidFill>
-              </a:uFill>
+              <a:latin typeface="Arial"/>
             </a:endParaRPr>
           </a:p>
         </p:txBody>
@@ -7861,7 +8142,7 @@
           <p:cNvPr id="4" name="Title 1">
             <a:extLst>
               <a:ext uri="{FF2B5EF4-FFF2-40B4-BE49-F238E27FC236}">
-                <a16:creationId xmlns:a16="http://schemas.microsoft.com/office/drawing/2014/main" id="{4C13EFC0-071E-40B2-8619-80401624DFEE}"/>
+                <a16:creationId xmlns:a16="http://schemas.microsoft.com/office/drawing/2014/main" id="{7A24AFF7-CBA4-4FE0-9078-11846F76E02C}"/>
               </a:ext>
             </a:extLst>
           </p:cNvPr>
@@ -7907,7 +8188,7 @@
                   <a:schemeClr val="bg1"/>
                 </a:solidFill>
               </a:rPr>
-              <a:t>Goals of Future Work</a:t>
+              <a:t>Future Attributes to Analyze</a:t>
             </a:r>
           </a:p>
         </p:txBody>
@@ -7969,7 +8250,7 @@
           <p:cNvPr id="2" name="Title 1">
             <a:extLst>
               <a:ext uri="{FF2B5EF4-FFF2-40B4-BE49-F238E27FC236}">
-                <a16:creationId xmlns:a16="http://schemas.microsoft.com/office/drawing/2014/main" id="{56A56A02-DA8B-4C49-82ED-E10561DB9C6C}"/>
+                <a16:creationId xmlns:a16="http://schemas.microsoft.com/office/drawing/2014/main" id="{27C649FB-C823-492E-AA4E-9BAD1E8DCE70}"/>
               </a:ext>
             </a:extLst>
           </p:cNvPr>
@@ -7991,7 +8272,7 @@
                   <a:schemeClr val="bg1"/>
                 </a:solidFill>
               </a:rPr>
-              <a:t>Background</a:t>
+              <a:t>Objective</a:t>
             </a:r>
           </a:p>
         </p:txBody>
@@ -8001,7 +8282,7 @@
           <p:cNvPr id="3" name="Text Placeholder 2">
             <a:extLst>
               <a:ext uri="{FF2B5EF4-FFF2-40B4-BE49-F238E27FC236}">
-                <a16:creationId xmlns:a16="http://schemas.microsoft.com/office/drawing/2014/main" id="{F8B9523F-8A09-4BF7-8184-8F103C5FD1E8}"/>
+                <a16:creationId xmlns:a16="http://schemas.microsoft.com/office/drawing/2014/main" id="{E3DEDE3F-A616-4938-A960-89E01E4765E0}"/>
               </a:ext>
             </a:extLst>
           </p:cNvPr>
@@ -8014,12 +8295,14 @@
         </p:nvSpPr>
         <p:spPr>
           <a:xfrm>
-            <a:off x="609480" y="1344706"/>
-            <a:ext cx="10972440" cy="4800600"/>
+            <a:off x="609480" y="2043954"/>
+            <a:ext cx="10972440" cy="1909481"/>
           </a:xfrm>
         </p:spPr>
         <p:txBody>
-          <a:bodyPr/>
+          <a:bodyPr>
+            <a:noAutofit/>
+          </a:bodyPr>
           <a:lstStyle/>
           <a:p>
             <a:r>
@@ -8028,24 +8311,7 @@
                   <a:schemeClr val="bg1"/>
                 </a:solidFill>
               </a:rPr>
-              <a:t>Ensemble algorithms tend to outperform single, well crafted, algorithms.</a:t>
-            </a:r>
-          </a:p>
-          <a:p>
-            <a:endParaRPr lang="en-US" sz="3200" dirty="0">
-              <a:solidFill>
-                <a:schemeClr val="bg1"/>
-              </a:solidFill>
-            </a:endParaRPr>
-          </a:p>
-          <a:p>
-            <a:r>
-              <a:rPr lang="en-US" sz="3200" dirty="0">
-                <a:solidFill>
-                  <a:schemeClr val="bg1"/>
-                </a:solidFill>
-              </a:rPr>
-              <a:t>Geometric representations of Natural numbers can influence/dictate the algebraic description of subsets of Natural numbers.</a:t>
+              <a:t>Take a preliminary step into seeing if using an ensemble of primality/composite tests can lead to a “good” prediction of prime numbers.</a:t>
             </a:r>
           </a:p>
         </p:txBody>
@@ -8053,7 +8319,7 @@
     </p:spTree>
     <p:extLst>
       <p:ext uri="{BB962C8B-B14F-4D97-AF65-F5344CB8AC3E}">
-        <p14:creationId xmlns:p14="http://schemas.microsoft.com/office/powerpoint/2010/main" val="2143996995"/>
+        <p14:creationId xmlns:p14="http://schemas.microsoft.com/office/powerpoint/2010/main" val="2507510244"/>
       </p:ext>
     </p:extLst>
   </p:cSld>
@@ -8063,7 +8329,7 @@
 </p:sld>
 </file>
 
-<file path=ppt/slides/slide3.xml><?xml version="1.0" encoding="utf-8"?>
+<file path=ppt/slides/slide20.xml><?xml version="1.0" encoding="utf-8"?>
 <p:sld xmlns:a="http://schemas.openxmlformats.org/drawingml/2006/main" xmlns:r="http://schemas.openxmlformats.org/officeDocument/2006/relationships" xmlns:p="http://schemas.openxmlformats.org/presentationml/2006/main">
   <p:cSld>
     <p:spTree>
@@ -8080,35 +8346,169 @@
           <a:chExt cx="0" cy="0"/>
         </a:xfrm>
       </p:grpSpPr>
-      <p:pic>
-        <p:nvPicPr>
-          <p:cNvPr id="127" name="Picture 2"/>
-          <p:cNvPicPr/>
+      <p:sp>
+        <p:nvSpPr>
+          <p:cNvPr id="126" name="CustomShape 2"/>
+          <p:cNvSpPr/>
           <p:nvPr/>
-        </p:nvPicPr>
-        <p:blipFill>
-          <a:blip r:embed="rId2"/>
-          <a:stretch/>
-        </p:blipFill>
-        <p:spPr>
-          <a:xfrm>
-            <a:off x="3356966" y="1385046"/>
-            <a:ext cx="5478067" cy="4963881"/>
+        </p:nvSpPr>
+        <p:spPr>
+          <a:xfrm>
+            <a:off x="1001244" y="1418400"/>
+            <a:ext cx="10374967" cy="4545370"/>
           </a:xfrm>
           <a:prstGeom prst="rect">
             <a:avLst/>
           </a:prstGeom>
+          <a:noFill/>
           <a:ln>
             <a:noFill/>
           </a:ln>
         </p:spPr>
-      </p:pic>
+        <p:style>
+          <a:lnRef idx="0">
+            <a:scrgbClr r="0" g="0" b="0"/>
+          </a:lnRef>
+          <a:fillRef idx="0">
+            <a:scrgbClr r="0" g="0" b="0"/>
+          </a:fillRef>
+          <a:effectRef idx="0">
+            <a:scrgbClr r="0" g="0" b="0"/>
+          </a:effectRef>
+          <a:fontRef idx="minor"/>
+        </p:style>
+        <p:txBody>
+          <a:bodyPr lIns="0" tIns="0" rIns="0" bIns="0">
+            <a:noAutofit/>
+          </a:bodyPr>
+          <a:lstStyle/>
+          <a:p>
+            <a:pPr>
+              <a:lnSpc>
+                <a:spcPct val="100000"/>
+              </a:lnSpc>
+            </a:pPr>
+            <a:r>
+              <a:rPr lang="en-US" sz="2400" spc="-1" dirty="0">
+                <a:solidFill>
+                  <a:srgbClr val="FFFFFF"/>
+                </a:solidFill>
+                <a:uFill>
+                  <a:solidFill>
+                    <a:srgbClr val="FFFFFF"/>
+                  </a:solidFill>
+                </a:uFill>
+                <a:latin typeface="Calibri"/>
+              </a:rPr>
+              <a:t>Find a novel set of attributes to create a new prime/pseudoprime/composite test.</a:t>
+            </a:r>
+            <a:endParaRPr lang="en-US" sz="2400" spc="-1" dirty="0">
+              <a:solidFill>
+                <a:srgbClr val="FFFFFF"/>
+              </a:solidFill>
+              <a:uFill>
+                <a:solidFill>
+                  <a:srgbClr val="FFFFFF"/>
+                </a:solidFill>
+              </a:uFill>
+            </a:endParaRPr>
+          </a:p>
+          <a:p>
+            <a:pPr>
+              <a:lnSpc>
+                <a:spcPct val="100000"/>
+              </a:lnSpc>
+            </a:pPr>
+            <a:endParaRPr lang="en-US" sz="2400" spc="-1" dirty="0">
+              <a:solidFill>
+                <a:srgbClr val="FFFFFF"/>
+              </a:solidFill>
+              <a:uFill>
+                <a:solidFill>
+                  <a:srgbClr val="FFFFFF"/>
+                </a:solidFill>
+              </a:uFill>
+            </a:endParaRPr>
+          </a:p>
+          <a:p>
+            <a:pPr>
+              <a:lnSpc>
+                <a:spcPct val="100000"/>
+              </a:lnSpc>
+            </a:pPr>
+            <a:r>
+              <a:rPr lang="en-US" sz="2400" spc="-1" dirty="0">
+                <a:solidFill>
+                  <a:srgbClr val="FFFFFF"/>
+                </a:solidFill>
+                <a:uFill>
+                  <a:solidFill>
+                    <a:srgbClr val="FFFFFF"/>
+                  </a:solidFill>
+                </a:uFill>
+                <a:latin typeface="Calibri"/>
+              </a:rPr>
+              <a:t>Find if a subset of primes can be reliably identified.</a:t>
+            </a:r>
+            <a:br>
+              <a:rPr lang="en-US" sz="2400" dirty="0"/>
+            </a:br>
+            <a:br>
+              <a:rPr lang="en-US" sz="2400" dirty="0"/>
+            </a:br>
+            <a:r>
+              <a:rPr lang="en-US" sz="2400" spc="-1" dirty="0">
+                <a:solidFill>
+                  <a:srgbClr val="FFFFFF"/>
+                </a:solidFill>
+                <a:uFill>
+                  <a:solidFill>
+                    <a:srgbClr val="FFFFFF"/>
+                  </a:solidFill>
+                </a:uFill>
+                <a:latin typeface="Calibri"/>
+              </a:rPr>
+              <a:t>Find a correlation between different spiral, or spiral like, organizations of natural numbers and the probability of being prime. i.e. prime density</a:t>
+            </a:r>
+            <a:br>
+              <a:rPr lang="en-US" sz="2400" dirty="0"/>
+            </a:br>
+            <a:br>
+              <a:rPr lang="en-US" sz="2400" dirty="0"/>
+            </a:br>
+            <a:r>
+              <a:rPr lang="en-US" sz="2400" spc="-1" dirty="0">
+                <a:solidFill>
+                  <a:srgbClr val="FFFFFF"/>
+                </a:solidFill>
+                <a:uFill>
+                  <a:solidFill>
+                    <a:srgbClr val="FFFFFF"/>
+                  </a:solidFill>
+                </a:uFill>
+                <a:latin typeface="Calibri"/>
+              </a:rPr>
+              <a:t>If so, attempt to use Genetic Programming to see if progress can be made on the Twin Prime Conjecture.</a:t>
+            </a:r>
+            <a:endParaRPr lang="en-US" sz="2400" spc="-1" dirty="0">
+              <a:solidFill>
+                <a:srgbClr val="FFFFFF"/>
+              </a:solidFill>
+              <a:uFill>
+                <a:solidFill>
+                  <a:srgbClr val="FFFFFF"/>
+                </a:solidFill>
+              </a:uFill>
+            </a:endParaRPr>
+          </a:p>
+        </p:txBody>
+      </p:sp>
       <p:sp>
         <p:nvSpPr>
           <p:cNvPr id="4" name="Title 1">
             <a:extLst>
               <a:ext uri="{FF2B5EF4-FFF2-40B4-BE49-F238E27FC236}">
-                <a16:creationId xmlns:a16="http://schemas.microsoft.com/office/drawing/2014/main" id="{7933599C-34B8-4431-8EC0-DF977F41F752}"/>
+                <a16:creationId xmlns:a16="http://schemas.microsoft.com/office/drawing/2014/main" id="{4C13EFC0-071E-40B2-8619-80401624DFEE}"/>
               </a:ext>
             </a:extLst>
           </p:cNvPr>
@@ -8149,20 +8549,12 @@
           </a:lstStyle>
           <a:p>
             <a:r>
-              <a:rPr lang="en-US" dirty="0" err="1">
+              <a:rPr lang="en-US" dirty="0">
                 <a:solidFill>
                   <a:schemeClr val="bg1"/>
                 </a:solidFill>
               </a:rPr>
-              <a:t>Ulam</a:t>
-            </a:r>
-            <a:r>
-              <a:rPr lang="en-US" dirty="0">
-                <a:solidFill>
-                  <a:schemeClr val="bg1"/>
-                </a:solidFill>
-              </a:rPr>
-              <a:t> Spiral</a:t>
+              <a:t>Goals of Future Work</a:t>
             </a:r>
           </a:p>
         </p:txBody>
@@ -8202,6 +8594,378 @@
 </p:sld>
 </file>
 
+<file path=ppt/slides/slide21.xml><?xml version="1.0" encoding="utf-8"?>
+<p:sld xmlns:a="http://schemas.openxmlformats.org/drawingml/2006/main" xmlns:r="http://schemas.openxmlformats.org/officeDocument/2006/relationships" xmlns:p="http://schemas.openxmlformats.org/presentationml/2006/main">
+  <p:cSld>
+    <p:spTree>
+      <p:nvGrpSpPr>
+        <p:cNvPr id="1" name=""/>
+        <p:cNvGrpSpPr/>
+        <p:nvPr/>
+      </p:nvGrpSpPr>
+      <p:grpSpPr>
+        <a:xfrm>
+          <a:off x="0" y="0"/>
+          <a:ext cx="0" cy="0"/>
+          <a:chOff x="0" y="0"/>
+          <a:chExt cx="0" cy="0"/>
+        </a:xfrm>
+      </p:grpSpPr>
+      <p:sp>
+        <p:nvSpPr>
+          <p:cNvPr id="2" name="Title 1">
+            <a:extLst>
+              <a:ext uri="{FF2B5EF4-FFF2-40B4-BE49-F238E27FC236}">
+                <a16:creationId xmlns:a16="http://schemas.microsoft.com/office/drawing/2014/main" id="{F1CAEEBF-498B-4E5D-BBA8-04486FF5834A}"/>
+              </a:ext>
+            </a:extLst>
+          </p:cNvPr>
+          <p:cNvSpPr>
+            <a:spLocks noGrp="1"/>
+          </p:cNvSpPr>
+          <p:nvPr>
+            <p:ph type="title"/>
+          </p:nvPr>
+        </p:nvSpPr>
+        <p:spPr/>
+        <p:txBody>
+          <a:bodyPr/>
+          <a:lstStyle/>
+          <a:p>
+            <a:r>
+              <a:rPr lang="en-US" dirty="0">
+                <a:solidFill>
+                  <a:schemeClr val="bg1"/>
+                </a:solidFill>
+              </a:rPr>
+              <a:t>Sources</a:t>
+            </a:r>
+          </a:p>
+        </p:txBody>
+      </p:sp>
+      <p:sp>
+        <p:nvSpPr>
+          <p:cNvPr id="3" name="Text Placeholder 2">
+            <a:extLst>
+              <a:ext uri="{FF2B5EF4-FFF2-40B4-BE49-F238E27FC236}">
+                <a16:creationId xmlns:a16="http://schemas.microsoft.com/office/drawing/2014/main" id="{2BE9DF28-8EE2-42EA-BF00-9CA570E91337}"/>
+              </a:ext>
+            </a:extLst>
+          </p:cNvPr>
+          <p:cNvSpPr>
+            <a:spLocks noGrp="1"/>
+          </p:cNvSpPr>
+          <p:nvPr>
+            <p:ph type="body"/>
+          </p:nvPr>
+        </p:nvSpPr>
+        <p:spPr>
+          <a:xfrm>
+            <a:off x="609480" y="1264024"/>
+            <a:ext cx="10972440" cy="4968688"/>
+          </a:xfrm>
+        </p:spPr>
+        <p:txBody>
+          <a:bodyPr/>
+          <a:lstStyle/>
+          <a:p>
+            <a:r>
+              <a:rPr lang="en-US" sz="2800" dirty="0">
+                <a:solidFill>
+                  <a:schemeClr val="bg1"/>
+                </a:solidFill>
+              </a:rPr>
+              <a:t>Wikipedia:</a:t>
+            </a:r>
+          </a:p>
+          <a:p>
+            <a:r>
+              <a:rPr lang="en-US" sz="2800" dirty="0">
+                <a:solidFill>
+                  <a:schemeClr val="bg1"/>
+                </a:solidFill>
+              </a:rPr>
+              <a:t>		</a:t>
+            </a:r>
+            <a:r>
+              <a:rPr lang="en-US" sz="2400" dirty="0">
+                <a:solidFill>
+                  <a:schemeClr val="bg1"/>
+                </a:solidFill>
+                <a:hlinkClick r:id="rId2"/>
+              </a:rPr>
+              <a:t>https://en.wikipedia.org/wiki/Primality_test</a:t>
+            </a:r>
+            <a:endParaRPr lang="en-US" sz="2400" dirty="0">
+              <a:solidFill>
+                <a:schemeClr val="bg1"/>
+              </a:solidFill>
+            </a:endParaRPr>
+          </a:p>
+          <a:p>
+            <a:r>
+              <a:rPr lang="en-US" sz="2800" dirty="0">
+                <a:solidFill>
+                  <a:schemeClr val="bg1"/>
+                </a:solidFill>
+              </a:rPr>
+              <a:t>		</a:t>
+            </a:r>
+          </a:p>
+          <a:p>
+            <a:r>
+              <a:rPr lang="en-US" sz="2800" dirty="0">
+                <a:solidFill>
+                  <a:schemeClr val="bg1"/>
+                </a:solidFill>
+              </a:rPr>
+              <a:t>Wolfram/Mathematica:</a:t>
+            </a:r>
+          </a:p>
+          <a:p>
+            <a:r>
+              <a:rPr lang="en-US" sz="2800" dirty="0">
+                <a:solidFill>
+                  <a:schemeClr val="bg1"/>
+                </a:solidFill>
+              </a:rPr>
+              <a:t>		</a:t>
+            </a:r>
+            <a:r>
+              <a:rPr lang="en-US" sz="2400" dirty="0">
+                <a:solidFill>
+                  <a:schemeClr val="bg1"/>
+                </a:solidFill>
+                <a:hlinkClick r:id="rId3"/>
+              </a:rPr>
+              <a:t>http://mathworld.wolfram.com/Baillie-PSWPrimalityTest.html</a:t>
+            </a:r>
+            <a:endParaRPr lang="en-US" sz="2400" dirty="0">
+              <a:solidFill>
+                <a:schemeClr val="bg1"/>
+              </a:solidFill>
+            </a:endParaRPr>
+          </a:p>
+          <a:p>
+            <a:r>
+              <a:rPr lang="en-US" sz="2400" dirty="0">
+                <a:solidFill>
+                  <a:schemeClr val="bg1"/>
+                </a:solidFill>
+              </a:rPr>
+              <a:t>		</a:t>
+            </a:r>
+            <a:r>
+              <a:rPr lang="en-US" sz="2400" dirty="0">
+                <a:solidFill>
+                  <a:schemeClr val="bg1"/>
+                </a:solidFill>
+                <a:hlinkClick r:id="rId4"/>
+              </a:rPr>
+              <a:t>http://mathworld.wolfram.com/LucasNumber.html</a:t>
+            </a:r>
+            <a:endParaRPr lang="en-US" sz="2400" dirty="0">
+              <a:solidFill>
+                <a:schemeClr val="bg1"/>
+              </a:solidFill>
+            </a:endParaRPr>
+          </a:p>
+          <a:p>
+            <a:r>
+              <a:rPr lang="en-US" sz="2400" dirty="0">
+                <a:solidFill>
+                  <a:schemeClr val="bg1"/>
+                </a:solidFill>
+              </a:rPr>
+              <a:t>		</a:t>
+            </a:r>
+            <a:r>
+              <a:rPr lang="en-US" sz="2400" dirty="0">
+                <a:solidFill>
+                  <a:schemeClr val="bg1"/>
+                </a:solidFill>
+                <a:hlinkClick r:id="rId5"/>
+              </a:rPr>
+              <a:t>http://mathworld.wolfram.com/FermatsLittleTheorem.html</a:t>
+            </a:r>
+            <a:endParaRPr lang="en-US" sz="2400" dirty="0">
+              <a:solidFill>
+                <a:schemeClr val="bg1"/>
+              </a:solidFill>
+            </a:endParaRPr>
+          </a:p>
+          <a:p>
+            <a:endParaRPr lang="en-US" sz="2400" dirty="0">
+              <a:solidFill>
+                <a:schemeClr val="bg1"/>
+              </a:solidFill>
+            </a:endParaRPr>
+          </a:p>
+          <a:p>
+            <a:r>
+              <a:rPr lang="en-US" sz="2800" dirty="0">
+                <a:solidFill>
+                  <a:schemeClr val="bg1"/>
+                </a:solidFill>
+              </a:rPr>
+              <a:t>Sci Kit Learn:</a:t>
+            </a:r>
+          </a:p>
+          <a:p>
+            <a:r>
+              <a:rPr lang="en-US" sz="2400" dirty="0">
+                <a:solidFill>
+                  <a:schemeClr val="bg1"/>
+                </a:solidFill>
+              </a:rPr>
+              <a:t>		</a:t>
+            </a:r>
+            <a:r>
+              <a:rPr lang="en-US" sz="2400" dirty="0">
+                <a:solidFill>
+                  <a:schemeClr val="bg1"/>
+                </a:solidFill>
+                <a:hlinkClick r:id="rId6"/>
+              </a:rPr>
+              <a:t>http://scikit-learn.org/stable/</a:t>
+            </a:r>
+            <a:endParaRPr lang="en-US" sz="2400" dirty="0">
+              <a:solidFill>
+                <a:schemeClr val="bg1"/>
+              </a:solidFill>
+            </a:endParaRPr>
+          </a:p>
+        </p:txBody>
+      </p:sp>
+    </p:spTree>
+    <p:extLst>
+      <p:ext uri="{BB962C8B-B14F-4D97-AF65-F5344CB8AC3E}">
+        <p14:creationId xmlns:p14="http://schemas.microsoft.com/office/powerpoint/2010/main" val="944578570"/>
+      </p:ext>
+    </p:extLst>
+  </p:cSld>
+  <p:clrMapOvr>
+    <a:masterClrMapping/>
+  </p:clrMapOvr>
+</p:sld>
+</file>
+
+<file path=ppt/slides/slide3.xml><?xml version="1.0" encoding="utf-8"?>
+<p:sld xmlns:a="http://schemas.openxmlformats.org/drawingml/2006/main" xmlns:r="http://schemas.openxmlformats.org/officeDocument/2006/relationships" xmlns:p="http://schemas.openxmlformats.org/presentationml/2006/main">
+  <p:cSld>
+    <p:spTree>
+      <p:nvGrpSpPr>
+        <p:cNvPr id="1" name=""/>
+        <p:cNvGrpSpPr/>
+        <p:nvPr/>
+      </p:nvGrpSpPr>
+      <p:grpSpPr>
+        <a:xfrm>
+          <a:off x="0" y="0"/>
+          <a:ext cx="0" cy="0"/>
+          <a:chOff x="0" y="0"/>
+          <a:chExt cx="0" cy="0"/>
+        </a:xfrm>
+      </p:grpSpPr>
+      <p:sp>
+        <p:nvSpPr>
+          <p:cNvPr id="2" name="Title 1">
+            <a:extLst>
+              <a:ext uri="{FF2B5EF4-FFF2-40B4-BE49-F238E27FC236}">
+                <a16:creationId xmlns:a16="http://schemas.microsoft.com/office/drawing/2014/main" id="{56A56A02-DA8B-4C49-82ED-E10561DB9C6C}"/>
+              </a:ext>
+            </a:extLst>
+          </p:cNvPr>
+          <p:cNvSpPr>
+            <a:spLocks noGrp="1"/>
+          </p:cNvSpPr>
+          <p:nvPr>
+            <p:ph type="title"/>
+          </p:nvPr>
+        </p:nvSpPr>
+        <p:spPr/>
+        <p:txBody>
+          <a:bodyPr/>
+          <a:lstStyle/>
+          <a:p>
+            <a:r>
+              <a:rPr lang="en-US" dirty="0">
+                <a:solidFill>
+                  <a:schemeClr val="bg1"/>
+                </a:solidFill>
+              </a:rPr>
+              <a:t>Background</a:t>
+            </a:r>
+          </a:p>
+        </p:txBody>
+      </p:sp>
+      <p:sp>
+        <p:nvSpPr>
+          <p:cNvPr id="3" name="Text Placeholder 2">
+            <a:extLst>
+              <a:ext uri="{FF2B5EF4-FFF2-40B4-BE49-F238E27FC236}">
+                <a16:creationId xmlns:a16="http://schemas.microsoft.com/office/drawing/2014/main" id="{F8B9523F-8A09-4BF7-8184-8F103C5FD1E8}"/>
+              </a:ext>
+            </a:extLst>
+          </p:cNvPr>
+          <p:cNvSpPr>
+            <a:spLocks noGrp="1"/>
+          </p:cNvSpPr>
+          <p:nvPr>
+            <p:ph type="body"/>
+          </p:nvPr>
+        </p:nvSpPr>
+        <p:spPr>
+          <a:xfrm>
+            <a:off x="609480" y="1344706"/>
+            <a:ext cx="10972440" cy="4800600"/>
+          </a:xfrm>
+        </p:spPr>
+        <p:txBody>
+          <a:bodyPr/>
+          <a:lstStyle/>
+          <a:p>
+            <a:r>
+              <a:rPr lang="en-US" sz="3200" dirty="0">
+                <a:solidFill>
+                  <a:schemeClr val="bg1"/>
+                </a:solidFill>
+              </a:rPr>
+              <a:t>Ensemble algorithms tend to outperform single, well crafted, algorithms.</a:t>
+            </a:r>
+          </a:p>
+          <a:p>
+            <a:endParaRPr lang="en-US" sz="3200" dirty="0">
+              <a:solidFill>
+                <a:schemeClr val="bg1"/>
+              </a:solidFill>
+            </a:endParaRPr>
+          </a:p>
+          <a:p>
+            <a:r>
+              <a:rPr lang="en-US" sz="3200" dirty="0">
+                <a:solidFill>
+                  <a:schemeClr val="bg1"/>
+                </a:solidFill>
+              </a:rPr>
+              <a:t>Geometric representations of Natural numbers can influence/dictate the algebraic description of subsets of Natural numbers.</a:t>
+            </a:r>
+          </a:p>
+        </p:txBody>
+      </p:sp>
+    </p:spTree>
+    <p:extLst>
+      <p:ext uri="{BB962C8B-B14F-4D97-AF65-F5344CB8AC3E}">
+        <p14:creationId xmlns:p14="http://schemas.microsoft.com/office/powerpoint/2010/main" val="2143996995"/>
+      </p:ext>
+    </p:extLst>
+  </p:cSld>
+  <p:clrMapOvr>
+    <a:masterClrMapping/>
+  </p:clrMapOvr>
+</p:sld>
+</file>
+
 <file path=ppt/slides/slide4.xml><?xml version="1.0" encoding="utf-8"?>
 <p:sld xmlns:a="http://schemas.openxmlformats.org/drawingml/2006/main" xmlns:r="http://schemas.openxmlformats.org/officeDocument/2006/relationships" xmlns:p="http://schemas.openxmlformats.org/presentationml/2006/main">
   <p:cSld>
@@ -8221,7 +8985,7 @@
       </p:grpSpPr>
       <p:pic>
         <p:nvPicPr>
-          <p:cNvPr id="130" name="Picture 2"/>
+          <p:cNvPr id="127" name="Picture 2"/>
           <p:cNvPicPr/>
           <p:nvPr/>
         </p:nvPicPr>
@@ -8231,8 +8995,8 @@
         </p:blipFill>
         <p:spPr>
           <a:xfrm>
-            <a:off x="6452395" y="1425484"/>
-            <a:ext cx="5194387" cy="4617720"/>
+            <a:off x="3356966" y="1385046"/>
+            <a:ext cx="5478067" cy="4963881"/>
           </a:xfrm>
           <a:prstGeom prst="rect">
             <a:avLst/>
@@ -8242,41 +9006,12 @@
           </a:ln>
         </p:spPr>
       </p:pic>
-      <p:pic>
-        <p:nvPicPr>
-          <p:cNvPr id="3" name="Picture 6">
-            <a:extLst>
-              <a:ext uri="{FF2B5EF4-FFF2-40B4-BE49-F238E27FC236}">
-                <a16:creationId xmlns:a16="http://schemas.microsoft.com/office/drawing/2014/main" id="{4DDAD142-F61F-4FCA-AE11-3F06A6D26696}"/>
-              </a:ext>
-            </a:extLst>
-          </p:cNvPr>
-          <p:cNvPicPr/>
-          <p:nvPr/>
-        </p:nvPicPr>
-        <p:blipFill>
-          <a:blip r:embed="rId3"/>
-          <a:stretch/>
-        </p:blipFill>
-        <p:spPr>
-          <a:xfrm>
-            <a:off x="545218" y="1425484"/>
-            <a:ext cx="5017934" cy="4617720"/>
-          </a:xfrm>
-          <a:prstGeom prst="rect">
-            <a:avLst/>
-          </a:prstGeom>
-          <a:ln>
-            <a:noFill/>
-          </a:ln>
-        </p:spPr>
-      </p:pic>
       <p:sp>
         <p:nvSpPr>
           <p:cNvPr id="4" name="Title 1">
             <a:extLst>
               <a:ext uri="{FF2B5EF4-FFF2-40B4-BE49-F238E27FC236}">
-                <a16:creationId xmlns:a16="http://schemas.microsoft.com/office/drawing/2014/main" id="{A5799927-00E5-4E48-89BE-6BE9E4628BBF}"/>
+                <a16:creationId xmlns:a16="http://schemas.microsoft.com/office/drawing/2014/main" id="{7933599C-34B8-4431-8EC0-DF977F41F752}"/>
               </a:ext>
             </a:extLst>
           </p:cNvPr>
@@ -8330,7 +9065,7 @@
                   <a:schemeClr val="bg1"/>
                 </a:solidFill>
               </a:rPr>
-              <a:t> Primes</a:t>
+              <a:t> Spiral</a:t>
             </a:r>
           </a:p>
         </p:txBody>
@@ -8387,6 +9122,181 @@
           <a:chExt cx="0" cy="0"/>
         </a:xfrm>
       </p:grpSpPr>
+      <p:pic>
+        <p:nvPicPr>
+          <p:cNvPr id="130" name="Picture 2"/>
+          <p:cNvPicPr/>
+          <p:nvPr/>
+        </p:nvPicPr>
+        <p:blipFill>
+          <a:blip r:embed="rId2"/>
+          <a:stretch/>
+        </p:blipFill>
+        <p:spPr>
+          <a:xfrm>
+            <a:off x="6452395" y="1425484"/>
+            <a:ext cx="5194387" cy="4617720"/>
+          </a:xfrm>
+          <a:prstGeom prst="rect">
+            <a:avLst/>
+          </a:prstGeom>
+          <a:ln>
+            <a:noFill/>
+          </a:ln>
+        </p:spPr>
+      </p:pic>
+      <p:sp>
+        <p:nvSpPr>
+          <p:cNvPr id="4" name="Title 1">
+            <a:extLst>
+              <a:ext uri="{FF2B5EF4-FFF2-40B4-BE49-F238E27FC236}">
+                <a16:creationId xmlns:a16="http://schemas.microsoft.com/office/drawing/2014/main" id="{A5799927-00E5-4E48-89BE-6BE9E4628BBF}"/>
+              </a:ext>
+            </a:extLst>
+          </p:cNvPr>
+          <p:cNvSpPr txBox="1">
+            <a:spLocks/>
+          </p:cNvSpPr>
+          <p:nvPr/>
+        </p:nvSpPr>
+        <p:spPr>
+          <a:xfrm>
+            <a:off x="609480" y="273600"/>
+            <a:ext cx="10972440" cy="1144800"/>
+          </a:xfrm>
+          <a:prstGeom prst="rect">
+            <a:avLst/>
+          </a:prstGeom>
+        </p:spPr>
+        <p:txBody>
+          <a:bodyPr/>
+          <a:lstStyle>
+            <a:lvl1pPr algn="l" defTabSz="914400" rtl="0" eaLnBrk="1" latinLnBrk="0" hangingPunct="1">
+              <a:lnSpc>
+                <a:spcPct val="90000"/>
+              </a:lnSpc>
+              <a:spcBef>
+                <a:spcPct val="0"/>
+              </a:spcBef>
+              <a:buNone/>
+              <a:defRPr sz="4400" kern="1200">
+                <a:solidFill>
+                  <a:schemeClr val="tx1"/>
+                </a:solidFill>
+                <a:latin typeface="+mj-lt"/>
+                <a:ea typeface="+mj-ea"/>
+                <a:cs typeface="+mj-cs"/>
+              </a:defRPr>
+            </a:lvl1pPr>
+          </a:lstStyle>
+          <a:p>
+            <a:r>
+              <a:rPr lang="en-US" dirty="0" err="1">
+                <a:solidFill>
+                  <a:schemeClr val="bg1"/>
+                </a:solidFill>
+              </a:rPr>
+              <a:t>Ulam</a:t>
+            </a:r>
+            <a:r>
+              <a:rPr lang="en-US" dirty="0">
+                <a:solidFill>
+                  <a:schemeClr val="bg1"/>
+                </a:solidFill>
+              </a:rPr>
+              <a:t> Primes</a:t>
+            </a:r>
+          </a:p>
+        </p:txBody>
+      </p:sp>
+      <p:pic>
+        <p:nvPicPr>
+          <p:cNvPr id="5" name="Picture 4">
+            <a:extLst>
+              <a:ext uri="{FF2B5EF4-FFF2-40B4-BE49-F238E27FC236}">
+                <a16:creationId xmlns:a16="http://schemas.microsoft.com/office/drawing/2014/main" id="{B4F918AE-5637-4839-9BF8-6EBCB66DB5BD}"/>
+              </a:ext>
+            </a:extLst>
+          </p:cNvPr>
+          <p:cNvPicPr>
+            <a:picLocks noChangeAspect="1"/>
+          </p:cNvPicPr>
+          <p:nvPr/>
+        </p:nvPicPr>
+        <p:blipFill>
+          <a:blip r:embed="rId3">
+            <a:extLst>
+              <a:ext uri="{28A0092B-C50C-407E-A947-70E740481C1C}">
+                <a14:useLocalDpi xmlns:a14="http://schemas.microsoft.com/office/drawing/2010/main" val="0"/>
+              </a:ext>
+            </a:extLst>
+          </a:blip>
+          <a:stretch>
+            <a:fillRect/>
+          </a:stretch>
+        </p:blipFill>
+        <p:spPr>
+          <a:xfrm>
+            <a:off x="609480" y="1425484"/>
+            <a:ext cx="4622961" cy="4617720"/>
+          </a:xfrm>
+          <a:prstGeom prst="rect">
+            <a:avLst/>
+          </a:prstGeom>
+        </p:spPr>
+      </p:pic>
+    </p:spTree>
+  </p:cSld>
+  <p:clrMapOvr>
+    <a:masterClrMapping/>
+  </p:clrMapOvr>
+  <p:timing>
+    <p:tnLst>
+      <p:par>
+        <p:cTn id="1" dur="indefinite" restart="never" nodeType="tmRoot">
+          <p:childTnLst>
+            <p:seq>
+              <p:cTn id="2" nodeType="mainSeq"/>
+              <p:prevCondLst>
+                <p:cond evt="onPrev" delay="0">
+                  <p:tgtEl>
+                    <p:sldTgt/>
+                  </p:tgtEl>
+                </p:cond>
+              </p:prevCondLst>
+              <p:nextCondLst>
+                <p:cond evt="onNext" delay="0">
+                  <p:tgtEl>
+                    <p:sldTgt/>
+                  </p:tgtEl>
+                </p:cond>
+              </p:nextCondLst>
+            </p:seq>
+          </p:childTnLst>
+        </p:cTn>
+      </p:par>
+    </p:tnLst>
+  </p:timing>
+</p:sld>
+</file>
+
+<file path=ppt/slides/slide6.xml><?xml version="1.0" encoding="utf-8"?>
+<p:sld xmlns:a="http://schemas.openxmlformats.org/drawingml/2006/main" xmlns:r="http://schemas.openxmlformats.org/officeDocument/2006/relationships" xmlns:p="http://schemas.openxmlformats.org/presentationml/2006/main">
+  <p:cSld>
+    <p:spTree>
+      <p:nvGrpSpPr>
+        <p:cNvPr id="1" name=""/>
+        <p:cNvGrpSpPr/>
+        <p:nvPr/>
+      </p:nvGrpSpPr>
+      <p:grpSpPr>
+        <a:xfrm>
+          <a:off x="0" y="0"/>
+          <a:ext cx="0" cy="0"/>
+          <a:chOff x="0" y="0"/>
+          <a:chExt cx="0" cy="0"/>
+        </a:xfrm>
+      </p:grpSpPr>
       <p:sp>
         <p:nvSpPr>
           <p:cNvPr id="2" name="Title 1">
@@ -8469,7 +9379,7 @@
 </p:sld>
 </file>
 
-<file path=ppt/slides/slide6.xml><?xml version="1.0" encoding="utf-8"?>
+<file path=ppt/slides/slide7.xml><?xml version="1.0" encoding="utf-8"?>
 <p:sld xmlns:a="http://schemas.openxmlformats.org/drawingml/2006/main" xmlns:r="http://schemas.openxmlformats.org/officeDocument/2006/relationships" xmlns:p="http://schemas.openxmlformats.org/presentationml/2006/main">
   <p:cSld>
     <p:spTree>
@@ -8664,7 +9574,7 @@
 </p:sld>
 </file>
 
-<file path=ppt/slides/slide7.xml><?xml version="1.0" encoding="utf-8"?>
+<file path=ppt/slides/slide8.xml><?xml version="1.0" encoding="utf-8"?>
 <p:sld xmlns:a="http://schemas.openxmlformats.org/drawingml/2006/main" xmlns:r="http://schemas.openxmlformats.org/officeDocument/2006/relationships" xmlns:p="http://schemas.openxmlformats.org/presentationml/2006/main">
   <p:cSld>
     <p:spTree>
@@ -8780,7 +9690,7 @@
 </p:sld>
 </file>
 
-<file path=ppt/slides/slide8.xml><?xml version="1.0" encoding="utf-8"?>
+<file path=ppt/slides/slide9.xml><?xml version="1.0" encoding="utf-8"?>
 <p:sld xmlns:a="http://schemas.openxmlformats.org/drawingml/2006/main" xmlns:r="http://schemas.openxmlformats.org/officeDocument/2006/relationships" xmlns:p="http://schemas.openxmlformats.org/presentationml/2006/main">
   <p:cSld>
     <p:spTree>
@@ -8898,129 +9808,6 @@
       </p:par>
     </p:tnLst>
   </p:timing>
-</p:sld>
-</file>
-
-<file path=ppt/slides/slide9.xml><?xml version="1.0" encoding="utf-8"?>
-<p:sld xmlns:a="http://schemas.openxmlformats.org/drawingml/2006/main" xmlns:r="http://schemas.openxmlformats.org/officeDocument/2006/relationships" xmlns:p="http://schemas.openxmlformats.org/presentationml/2006/main">
-  <p:cSld>
-    <p:spTree>
-      <p:nvGrpSpPr>
-        <p:cNvPr id="1" name=""/>
-        <p:cNvGrpSpPr/>
-        <p:nvPr/>
-      </p:nvGrpSpPr>
-      <p:grpSpPr>
-        <a:xfrm>
-          <a:off x="0" y="0"/>
-          <a:ext cx="0" cy="0"/>
-          <a:chOff x="0" y="0"/>
-          <a:chExt cx="0" cy="0"/>
-        </a:xfrm>
-      </p:grpSpPr>
-      <p:sp>
-        <p:nvSpPr>
-          <p:cNvPr id="2" name="Title 1">
-            <a:extLst>
-              <a:ext uri="{FF2B5EF4-FFF2-40B4-BE49-F238E27FC236}">
-                <a16:creationId xmlns:a16="http://schemas.microsoft.com/office/drawing/2014/main" id="{819162AC-D6E9-4E58-8569-1F1A1A2B2DCA}"/>
-              </a:ext>
-            </a:extLst>
-          </p:cNvPr>
-          <p:cNvSpPr>
-            <a:spLocks noGrp="1"/>
-          </p:cNvSpPr>
-          <p:nvPr>
-            <p:ph type="title"/>
-          </p:nvPr>
-        </p:nvSpPr>
-        <p:spPr/>
-        <p:txBody>
-          <a:bodyPr/>
-          <a:lstStyle/>
-          <a:p>
-            <a:r>
-              <a:rPr lang="en-US" dirty="0">
-                <a:solidFill>
-                  <a:schemeClr val="bg1"/>
-                </a:solidFill>
-              </a:rPr>
-              <a:t>Big Picture</a:t>
-            </a:r>
-          </a:p>
-        </p:txBody>
-      </p:sp>
-      <p:sp>
-        <p:nvSpPr>
-          <p:cNvPr id="3" name="Text Placeholder 2">
-            <a:extLst>
-              <a:ext uri="{FF2B5EF4-FFF2-40B4-BE49-F238E27FC236}">
-                <a16:creationId xmlns:a16="http://schemas.microsoft.com/office/drawing/2014/main" id="{E94EAEAC-BF30-404E-83DA-48033EC3D8BC}"/>
-              </a:ext>
-            </a:extLst>
-          </p:cNvPr>
-          <p:cNvSpPr>
-            <a:spLocks noGrp="1"/>
-          </p:cNvSpPr>
-          <p:nvPr>
-            <p:ph type="body"/>
-          </p:nvPr>
-        </p:nvSpPr>
-        <p:spPr>
-          <a:xfrm>
-            <a:off x="669992" y="1593477"/>
-            <a:ext cx="10972440" cy="4329952"/>
-          </a:xfrm>
-        </p:spPr>
-        <p:txBody>
-          <a:bodyPr/>
-          <a:lstStyle/>
-          <a:p>
-            <a:r>
-              <a:rPr lang="en-US" sz="3200" dirty="0">
-                <a:solidFill>
-                  <a:schemeClr val="bg1"/>
-                </a:solidFill>
-              </a:rPr>
-              <a:t>Attempt to predict the classification of a number, without knowing the number itself, by strictly looking at its attributes.</a:t>
-            </a:r>
-          </a:p>
-          <a:p>
-            <a:endParaRPr lang="en-US" sz="3200" dirty="0">
-              <a:solidFill>
-                <a:schemeClr val="bg1"/>
-              </a:solidFill>
-            </a:endParaRPr>
-          </a:p>
-          <a:p>
-            <a:endParaRPr lang="en-US" sz="3200" dirty="0">
-              <a:solidFill>
-                <a:schemeClr val="bg1"/>
-              </a:solidFill>
-            </a:endParaRPr>
-          </a:p>
-          <a:p>
-            <a:r>
-              <a:rPr lang="en-US" sz="3200" dirty="0">
-                <a:solidFill>
-                  <a:schemeClr val="bg1"/>
-                </a:solidFill>
-              </a:rPr>
-              <a:t>The attributes are the ensemble of results to several primality/composite tests.</a:t>
-            </a:r>
-          </a:p>
-        </p:txBody>
-      </p:sp>
-    </p:spTree>
-    <p:extLst>
-      <p:ext uri="{BB962C8B-B14F-4D97-AF65-F5344CB8AC3E}">
-        <p14:creationId xmlns:p14="http://schemas.microsoft.com/office/powerpoint/2010/main" val="4238603475"/>
-      </p:ext>
-    </p:extLst>
-  </p:cSld>
-  <p:clrMapOvr>
-    <a:masterClrMapping/>
-  </p:clrMapOvr>
 </p:sld>
 </file>
 

--- a/Classifying natural numbers.pptx
+++ b/Classifying natural numbers.pptx
@@ -22,11 +22,16 @@
     <p:sldId id="275" r:id="rId16"/>
     <p:sldId id="276" r:id="rId17"/>
     <p:sldId id="277" r:id="rId18"/>
-    <p:sldId id="268" r:id="rId19"/>
-    <p:sldId id="284" r:id="rId20"/>
-    <p:sldId id="260" r:id="rId21"/>
-    <p:sldId id="261" r:id="rId22"/>
-    <p:sldId id="285" r:id="rId23"/>
+    <p:sldId id="287" r:id="rId19"/>
+    <p:sldId id="288" r:id="rId20"/>
+    <p:sldId id="289" r:id="rId21"/>
+    <p:sldId id="291" r:id="rId22"/>
+    <p:sldId id="290" r:id="rId23"/>
+    <p:sldId id="268" r:id="rId24"/>
+    <p:sldId id="284" r:id="rId25"/>
+    <p:sldId id="260" r:id="rId26"/>
+    <p:sldId id="261" r:id="rId27"/>
+    <p:sldId id="285" r:id="rId28"/>
   </p:sldIdLst>
   <p:sldSz cx="12192000" cy="6858000"/>
   <p:notesSz cx="7559675" cy="10691813"/>
@@ -4990,6 +4995,10 @@
               </a:rPr>
               <a:t>Fibonacci Numbers		- Selfridge’s Conjecture</a:t>
             </a:r>
+            <a:r>
+              <a:rPr lang="en-GB" sz="2800" dirty="0"/>
+              <a:t/>
+            </a:r>
             <a:br>
               <a:rPr lang="en-GB" sz="2800" dirty="0"/>
             </a:br>
@@ -5007,6 +5016,10 @@
               </a:rPr>
               <a:t>Lucas Numbers			- Baillie-PSW</a:t>
             </a:r>
+            <a:r>
+              <a:rPr lang="en-GB" sz="2800" dirty="0"/>
+              <a:t/>
+            </a:r>
             <a:br>
               <a:rPr lang="en-GB" sz="2800" dirty="0"/>
             </a:br>
@@ -5024,6 +5037,10 @@
               </a:rPr>
               <a:t>Exponentiation			- Fermat’s Little Theorem (FLT), 						  Selfridge, Baillie-PSW</a:t>
             </a:r>
+            <a:r>
+              <a:rPr lang="en-GB" sz="2800" dirty="0"/>
+              <a:t/>
+            </a:r>
             <a:br>
               <a:rPr lang="en-GB" sz="2800" dirty="0"/>
             </a:br>
@@ -5041,6 +5058,10 @@
               </a:rPr>
               <a:t>Mod 4				- Gaussian Factorization</a:t>
             </a:r>
+            <a:r>
+              <a:rPr lang="en-GB" sz="2800" dirty="0"/>
+              <a:t/>
+            </a:r>
             <a:br>
               <a:rPr lang="en-GB" sz="2800" dirty="0"/>
             </a:br>
@@ -5058,6 +5079,10 @@
               </a:rPr>
               <a:t>Mod 5				- Selfridge</a:t>
             </a:r>
+            <a:r>
+              <a:rPr lang="en-GB" sz="2800" dirty="0"/>
+              <a:t/>
+            </a:r>
             <a:br>
               <a:rPr lang="en-GB" sz="2800" dirty="0"/>
             </a:br>
@@ -5074,6 +5099,10 @@
                 <a:latin typeface="Calibri"/>
               </a:rPr>
               <a:t>Mod 6				- General Arithmetic Property</a:t>
+            </a:r>
+            <a:r>
+              <a:rPr lang="en-GB" sz="2800" dirty="0"/>
+              <a:t/>
             </a:r>
             <a:br>
               <a:rPr lang="en-GB" sz="2800" dirty="0"/>
@@ -6032,6 +6061,10 @@
                     <a:latin typeface="Calibri"/>
                   </a:rPr>
                   <a:t> 2 (mod 5),</a:t>
+                </a:r>
+                <a:r>
+                  <a:rPr lang="en-US" sz="2400" dirty="0"/>
+                  <a:t/>
                 </a:r>
                 <a:br>
                   <a:rPr lang="en-US" sz="2400" dirty="0"/>
@@ -7131,8 +7164,8 @@
           </a:p>
         </p:txBody>
       </p:sp>
-      <mc:AlternateContent xmlns:mc="http://schemas.openxmlformats.org/markup-compatibility/2006">
-        <mc:Choice xmlns:a14="http://schemas.microsoft.com/office/drawing/2010/main" Requires="a14">
+      <mc:AlternateContent xmlns:mc="http://schemas.openxmlformats.org/markup-compatibility/2006" xmlns:a14="http://schemas.microsoft.com/office/drawing/2010/main">
+        <mc:Choice Requires="a14">
           <p:sp>
             <p:nvSpPr>
               <p:cNvPr id="3" name="Text Placeholder 2">
@@ -7405,7 +7438,7 @@
             </p:txBody>
           </p:sp>
         </mc:Choice>
-        <mc:Fallback>
+        <mc:Fallback xmlns="">
           <p:sp>
             <p:nvSpPr>
               <p:cNvPr id="3" name="Text Placeholder 2">
@@ -7463,6 +7496,2187 @@
 </file>
 
 <file path=ppt/slides/slide17.xml><?xml version="1.0" encoding="utf-8"?>
+<p:sld xmlns:a="http://schemas.openxmlformats.org/drawingml/2006/main" xmlns:r="http://schemas.openxmlformats.org/officeDocument/2006/relationships" xmlns:p="http://schemas.openxmlformats.org/presentationml/2006/main">
+  <p:cSld>
+    <p:spTree>
+      <p:nvGrpSpPr>
+        <p:cNvPr id="1" name=""/>
+        <p:cNvGrpSpPr/>
+        <p:nvPr/>
+      </p:nvGrpSpPr>
+      <p:grpSpPr>
+        <a:xfrm>
+          <a:off x="0" y="0"/>
+          <a:ext cx="0" cy="0"/>
+          <a:chOff x="0" y="0"/>
+          <a:chExt cx="0" cy="0"/>
+        </a:xfrm>
+      </p:grpSpPr>
+      <p:sp>
+        <p:nvSpPr>
+          <p:cNvPr id="2" name="Title 1"/>
+          <p:cNvSpPr>
+            <a:spLocks noGrp="1"/>
+          </p:cNvSpPr>
+          <p:nvPr>
+            <p:ph type="title"/>
+          </p:nvPr>
+        </p:nvSpPr>
+        <p:spPr/>
+        <p:txBody>
+          <a:bodyPr/>
+          <a:lstStyle/>
+          <a:p>
+            <a:r>
+              <a:rPr lang="en-US" dirty="0" smtClean="0">
+                <a:solidFill>
+                  <a:schemeClr val="bg1"/>
+                </a:solidFill>
+              </a:rPr>
+              <a:t>Multilayer Perceptron</a:t>
+            </a:r>
+            <a:endParaRPr lang="en-US" dirty="0">
+              <a:solidFill>
+                <a:schemeClr val="bg1"/>
+              </a:solidFill>
+            </a:endParaRPr>
+          </a:p>
+        </p:txBody>
+      </p:sp>
+      <p:pic>
+        <p:nvPicPr>
+          <p:cNvPr id="4" name="Picture 3"/>
+          <p:cNvPicPr>
+            <a:picLocks noChangeAspect="1"/>
+          </p:cNvPicPr>
+          <p:nvPr/>
+        </p:nvPicPr>
+        <p:blipFill>
+          <a:blip r:embed="rId2"/>
+          <a:stretch>
+            <a:fillRect/>
+          </a:stretch>
+        </p:blipFill>
+        <p:spPr>
+          <a:xfrm>
+            <a:off x="7542335" y="668584"/>
+            <a:ext cx="4483220" cy="4993662"/>
+          </a:xfrm>
+          <a:prstGeom prst="rect">
+            <a:avLst/>
+          </a:prstGeom>
+        </p:spPr>
+      </p:pic>
+      <p:pic>
+        <p:nvPicPr>
+          <p:cNvPr id="6" name="Picture 5"/>
+          <p:cNvPicPr>
+            <a:picLocks noChangeAspect="1"/>
+          </p:cNvPicPr>
+          <p:nvPr/>
+        </p:nvPicPr>
+        <p:blipFill>
+          <a:blip r:embed="rId3"/>
+          <a:stretch>
+            <a:fillRect/>
+          </a:stretch>
+        </p:blipFill>
+        <p:spPr>
+          <a:xfrm>
+            <a:off x="251618" y="1244980"/>
+            <a:ext cx="7169517" cy="4590686"/>
+          </a:xfrm>
+          <a:prstGeom prst="rect">
+            <a:avLst/>
+          </a:prstGeom>
+        </p:spPr>
+      </p:pic>
+    </p:spTree>
+    <p:extLst>
+      <p:ext uri="{BB962C8B-B14F-4D97-AF65-F5344CB8AC3E}">
+        <p14:creationId xmlns:p14="http://schemas.microsoft.com/office/powerpoint/2010/main" val="2724280339"/>
+      </p:ext>
+    </p:extLst>
+  </p:cSld>
+  <p:clrMapOvr>
+    <a:masterClrMapping/>
+  </p:clrMapOvr>
+</p:sld>
+</file>
+
+<file path=ppt/slides/slide18.xml><?xml version="1.0" encoding="utf-8"?>
+<p:sld xmlns:a="http://schemas.openxmlformats.org/drawingml/2006/main" xmlns:r="http://schemas.openxmlformats.org/officeDocument/2006/relationships" xmlns:p="http://schemas.openxmlformats.org/presentationml/2006/main">
+  <p:cSld>
+    <p:spTree>
+      <p:nvGrpSpPr>
+        <p:cNvPr id="1" name=""/>
+        <p:cNvGrpSpPr/>
+        <p:nvPr/>
+      </p:nvGrpSpPr>
+      <p:grpSpPr>
+        <a:xfrm>
+          <a:off x="0" y="0"/>
+          <a:ext cx="0" cy="0"/>
+          <a:chOff x="0" y="0"/>
+          <a:chExt cx="0" cy="0"/>
+        </a:xfrm>
+      </p:grpSpPr>
+      <p:sp>
+        <p:nvSpPr>
+          <p:cNvPr id="2" name="Title 1"/>
+          <p:cNvSpPr>
+            <a:spLocks noGrp="1"/>
+          </p:cNvSpPr>
+          <p:nvPr>
+            <p:ph type="title"/>
+          </p:nvPr>
+        </p:nvSpPr>
+        <p:spPr/>
+        <p:txBody>
+          <a:bodyPr/>
+          <a:lstStyle/>
+          <a:p>
+            <a:r>
+              <a:rPr lang="en-US" dirty="0">
+                <a:solidFill>
+                  <a:schemeClr val="bg1"/>
+                </a:solidFill>
+              </a:rPr>
+              <a:t>Why MLP?</a:t>
+            </a:r>
+            <a:endParaRPr lang="en-US" dirty="0"/>
+          </a:p>
+        </p:txBody>
+      </p:sp>
+      <p:sp>
+        <p:nvSpPr>
+          <p:cNvPr id="3" name="Text Placeholder 2"/>
+          <p:cNvSpPr>
+            <a:spLocks noGrp="1"/>
+          </p:cNvSpPr>
+          <p:nvPr>
+            <p:ph type="body"/>
+          </p:nvPr>
+        </p:nvSpPr>
+        <p:spPr>
+          <a:xfrm>
+            <a:off x="679819" y="1741914"/>
+            <a:ext cx="10972440" cy="4263231"/>
+          </a:xfrm>
+        </p:spPr>
+        <p:txBody>
+          <a:bodyPr/>
+          <a:lstStyle/>
+          <a:p>
+            <a:r>
+              <a:rPr lang="en-US" sz="2800" dirty="0">
+                <a:solidFill>
+                  <a:schemeClr val="bg1"/>
+                </a:solidFill>
+              </a:rPr>
+              <a:t>A perceptron can be used to separate any two sets of linearly separable numbers</a:t>
+            </a:r>
+          </a:p>
+          <a:p>
+            <a:endParaRPr lang="en-US" sz="2800" dirty="0">
+              <a:solidFill>
+                <a:schemeClr val="bg1"/>
+              </a:solidFill>
+            </a:endParaRPr>
+          </a:p>
+          <a:p>
+            <a:r>
+              <a:rPr lang="en-US" sz="2800" dirty="0">
+                <a:solidFill>
+                  <a:schemeClr val="bg1"/>
+                </a:solidFill>
+              </a:rPr>
+              <a:t>A single perceptron can represent Boolean functions such as AND, OR, NAND and NOR</a:t>
+            </a:r>
+          </a:p>
+          <a:p>
+            <a:endParaRPr lang="en-US" sz="2800" dirty="0">
+              <a:solidFill>
+                <a:schemeClr val="bg1"/>
+              </a:solidFill>
+            </a:endParaRPr>
+          </a:p>
+          <a:p>
+            <a:r>
+              <a:rPr lang="en-US" sz="2800" dirty="0">
+                <a:solidFill>
+                  <a:schemeClr val="bg1"/>
+                </a:solidFill>
+              </a:rPr>
+              <a:t>The perceptron outputs 1 for instances lying on one side of the hyperplane and output 0 for instances lying on the other side.</a:t>
+            </a:r>
+          </a:p>
+          <a:p>
+            <a:endParaRPr lang="en-US" dirty="0"/>
+          </a:p>
+        </p:txBody>
+      </p:sp>
+    </p:spTree>
+    <p:extLst>
+      <p:ext uri="{BB962C8B-B14F-4D97-AF65-F5344CB8AC3E}">
+        <p14:creationId xmlns:p14="http://schemas.microsoft.com/office/powerpoint/2010/main" val="606307227"/>
+      </p:ext>
+    </p:extLst>
+  </p:cSld>
+  <p:clrMapOvr>
+    <a:masterClrMapping/>
+  </p:clrMapOvr>
+</p:sld>
+</file>
+
+<file path=ppt/slides/slide19.xml><?xml version="1.0" encoding="utf-8"?>
+<p:sld xmlns:a="http://schemas.openxmlformats.org/drawingml/2006/main" xmlns:r="http://schemas.openxmlformats.org/officeDocument/2006/relationships" xmlns:p="http://schemas.openxmlformats.org/presentationml/2006/main">
+  <p:cSld>
+    <p:spTree>
+      <p:nvGrpSpPr>
+        <p:cNvPr id="1" name=""/>
+        <p:cNvGrpSpPr/>
+        <p:nvPr/>
+      </p:nvGrpSpPr>
+      <p:grpSpPr>
+        <a:xfrm>
+          <a:off x="0" y="0"/>
+          <a:ext cx="0" cy="0"/>
+          <a:chOff x="0" y="0"/>
+          <a:chExt cx="0" cy="0"/>
+        </a:xfrm>
+      </p:grpSpPr>
+      <p:sp>
+        <p:nvSpPr>
+          <p:cNvPr id="2" name="Title 1"/>
+          <p:cNvSpPr>
+            <a:spLocks noGrp="1"/>
+          </p:cNvSpPr>
+          <p:nvPr>
+            <p:ph type="title"/>
+          </p:nvPr>
+        </p:nvSpPr>
+        <p:spPr/>
+        <p:txBody>
+          <a:bodyPr/>
+          <a:lstStyle/>
+          <a:p>
+            <a:r>
+              <a:rPr lang="en-US" dirty="0">
+                <a:solidFill>
+                  <a:schemeClr val="bg1"/>
+                </a:solidFill>
+              </a:rPr>
+              <a:t>Multilayer Perceptron (</a:t>
+            </a:r>
+            <a:r>
+              <a:rPr lang="en-US" dirty="0" err="1">
+                <a:solidFill>
+                  <a:schemeClr val="bg1"/>
+                </a:solidFill>
+              </a:rPr>
+              <a:t>Scikit</a:t>
+            </a:r>
+            <a:r>
+              <a:rPr lang="en-US" dirty="0">
+                <a:solidFill>
+                  <a:schemeClr val="bg1"/>
+                </a:solidFill>
+              </a:rPr>
+              <a:t> Learn)</a:t>
+            </a:r>
+            <a:endParaRPr lang="en-US" dirty="0"/>
+          </a:p>
+        </p:txBody>
+      </p:sp>
+      <p:sp>
+        <p:nvSpPr>
+          <p:cNvPr id="3" name="Text Placeholder 2"/>
+          <p:cNvSpPr>
+            <a:spLocks noGrp="1"/>
+          </p:cNvSpPr>
+          <p:nvPr>
+            <p:ph type="body"/>
+          </p:nvPr>
+        </p:nvSpPr>
+        <p:spPr>
+          <a:xfrm>
+            <a:off x="609480" y="1608992"/>
+            <a:ext cx="10972440" cy="4923692"/>
+          </a:xfrm>
+        </p:spPr>
+        <p:txBody>
+          <a:bodyPr>
+            <a:noAutofit/>
+          </a:bodyPr>
+          <a:lstStyle/>
+          <a:p>
+            <a:r>
+              <a:rPr lang="en-US" sz="2400" dirty="0" err="1">
+                <a:solidFill>
+                  <a:schemeClr val="bg1"/>
+                </a:solidFill>
+              </a:rPr>
+              <a:t>MLPClassifier</a:t>
+            </a:r>
+            <a:r>
+              <a:rPr lang="en-US" sz="2400" dirty="0">
+                <a:solidFill>
+                  <a:schemeClr val="bg1"/>
+                </a:solidFill>
+              </a:rPr>
+              <a:t> implements a multi-layer perceptron (MLP) algorithm that trains using </a:t>
+            </a:r>
+            <a:r>
+              <a:rPr lang="en-US" sz="2400" dirty="0" smtClean="0">
+                <a:solidFill>
+                  <a:schemeClr val="bg1"/>
+                </a:solidFill>
+              </a:rPr>
+              <a:t>Backpropagation</a:t>
+            </a:r>
+          </a:p>
+          <a:p>
+            <a:endParaRPr lang="en-US" sz="2400" dirty="0" smtClean="0">
+              <a:solidFill>
+                <a:schemeClr val="bg1"/>
+              </a:solidFill>
+            </a:endParaRPr>
+          </a:p>
+          <a:p>
+            <a:pPr marL="342900" indent="-342900">
+              <a:buFont typeface="Arial" panose="020B0604020202020204" pitchFamily="34" charset="0"/>
+              <a:buChar char="•"/>
+            </a:pPr>
+            <a:r>
+              <a:rPr lang="en-US" sz="2400" dirty="0" err="1" smtClean="0">
+                <a:solidFill>
+                  <a:schemeClr val="bg1"/>
+                </a:solidFill>
+              </a:rPr>
+              <a:t>hidden_layer_sizes</a:t>
+            </a:r>
+            <a:r>
+              <a:rPr lang="en-US" sz="2400" dirty="0" smtClean="0">
+                <a:solidFill>
+                  <a:schemeClr val="bg1"/>
+                </a:solidFill>
+              </a:rPr>
+              <a:t> </a:t>
+            </a:r>
+            <a:r>
+              <a:rPr lang="en-US" sz="2400" dirty="0">
+                <a:solidFill>
+                  <a:schemeClr val="bg1"/>
+                </a:solidFill>
+              </a:rPr>
+              <a:t>: Represents the number of neurons in the hidden layer </a:t>
+            </a:r>
+            <a:endParaRPr lang="en-US" sz="2400" dirty="0" smtClean="0">
+              <a:solidFill>
+                <a:schemeClr val="bg1"/>
+              </a:solidFill>
+            </a:endParaRPr>
+          </a:p>
+          <a:p>
+            <a:pPr marL="342900" indent="-342900">
+              <a:buFont typeface="Arial" panose="020B0604020202020204" pitchFamily="34" charset="0"/>
+              <a:buChar char="•"/>
+            </a:pPr>
+            <a:r>
+              <a:rPr lang="en-US" sz="2400" dirty="0" smtClean="0">
+                <a:solidFill>
+                  <a:schemeClr val="bg1"/>
+                </a:solidFill>
+              </a:rPr>
+              <a:t>activation</a:t>
+            </a:r>
+            <a:r>
+              <a:rPr lang="en-US" sz="2400" dirty="0">
+                <a:solidFill>
+                  <a:schemeClr val="bg1"/>
+                </a:solidFill>
+              </a:rPr>
+              <a:t> : Activation function for the hidden layer </a:t>
+            </a:r>
+            <a:endParaRPr lang="en-US" sz="2400" dirty="0" smtClean="0">
+              <a:solidFill>
+                <a:schemeClr val="bg1"/>
+              </a:solidFill>
+            </a:endParaRPr>
+          </a:p>
+          <a:p>
+            <a:pPr lvl="1"/>
+            <a:r>
+              <a:rPr lang="en-US" sz="2400" dirty="0" smtClean="0">
+                <a:solidFill>
+                  <a:schemeClr val="bg1"/>
+                </a:solidFill>
+              </a:rPr>
+              <a:t>	</a:t>
+            </a:r>
+            <a:r>
+              <a:rPr lang="en-US" sz="2400" dirty="0" smtClean="0">
+                <a:solidFill>
+                  <a:schemeClr val="accent2">
+                    <a:lumMod val="40000"/>
+                    <a:lumOff val="60000"/>
+                  </a:schemeClr>
+                </a:solidFill>
+              </a:rPr>
+              <a:t>Identity :  Implement linear bottleneck, returns f(x) = x</a:t>
+            </a:r>
+          </a:p>
+          <a:p>
+            <a:pPr lvl="1"/>
+            <a:r>
+              <a:rPr lang="en-US" sz="2400" dirty="0">
+                <a:solidFill>
+                  <a:schemeClr val="accent2">
+                    <a:lumMod val="40000"/>
+                    <a:lumOff val="60000"/>
+                  </a:schemeClr>
+                </a:solidFill>
+              </a:rPr>
+              <a:t>	</a:t>
+            </a:r>
+            <a:r>
+              <a:rPr lang="en-US" sz="2400" dirty="0" smtClean="0">
+                <a:solidFill>
+                  <a:schemeClr val="accent2">
+                    <a:lumMod val="40000"/>
+                    <a:lumOff val="60000"/>
+                  </a:schemeClr>
+                </a:solidFill>
+              </a:rPr>
+              <a:t>Logistic </a:t>
+            </a:r>
+            <a:r>
+              <a:rPr lang="en-US" sz="2400" dirty="0">
+                <a:solidFill>
+                  <a:schemeClr val="accent2">
+                    <a:lumMod val="40000"/>
+                    <a:lumOff val="60000"/>
+                  </a:schemeClr>
+                </a:solidFill>
+              </a:rPr>
+              <a:t>: Sigmoid function, returns f(x) = 1 / (1 + </a:t>
+            </a:r>
+            <a:r>
+              <a:rPr lang="en-US" sz="2400" dirty="0" err="1">
+                <a:solidFill>
+                  <a:schemeClr val="accent2">
+                    <a:lumMod val="40000"/>
+                    <a:lumOff val="60000"/>
+                  </a:schemeClr>
+                </a:solidFill>
+              </a:rPr>
+              <a:t>exp</a:t>
+            </a:r>
+            <a:r>
+              <a:rPr lang="en-US" sz="2400" dirty="0">
+                <a:solidFill>
+                  <a:schemeClr val="accent2">
+                    <a:lumMod val="40000"/>
+                    <a:lumOff val="60000"/>
+                  </a:schemeClr>
+                </a:solidFill>
+              </a:rPr>
+              <a:t>(-x</a:t>
+            </a:r>
+            <a:r>
+              <a:rPr lang="en-US" sz="2400" dirty="0" smtClean="0">
+                <a:solidFill>
+                  <a:schemeClr val="accent2">
+                    <a:lumMod val="40000"/>
+                    <a:lumOff val="60000"/>
+                  </a:schemeClr>
+                </a:solidFill>
+              </a:rPr>
+              <a:t>))</a:t>
+            </a:r>
+          </a:p>
+          <a:p>
+            <a:pPr lvl="1"/>
+            <a:r>
+              <a:rPr lang="en-US" sz="2400" dirty="0">
+                <a:solidFill>
+                  <a:schemeClr val="accent2">
+                    <a:lumMod val="40000"/>
+                    <a:lumOff val="60000"/>
+                  </a:schemeClr>
+                </a:solidFill>
+              </a:rPr>
+              <a:t>	</a:t>
+            </a:r>
+            <a:r>
+              <a:rPr lang="en-US" sz="2400" dirty="0" err="1" smtClean="0">
+                <a:solidFill>
+                  <a:schemeClr val="accent2">
+                    <a:lumMod val="40000"/>
+                    <a:lumOff val="60000"/>
+                  </a:schemeClr>
+                </a:solidFill>
+              </a:rPr>
+              <a:t>Tanh</a:t>
+            </a:r>
+            <a:r>
+              <a:rPr lang="en-US" sz="2400" dirty="0" smtClean="0">
+                <a:solidFill>
+                  <a:schemeClr val="accent2">
+                    <a:lumMod val="40000"/>
+                    <a:lumOff val="60000"/>
+                  </a:schemeClr>
+                </a:solidFill>
+              </a:rPr>
+              <a:t> </a:t>
+            </a:r>
+            <a:r>
+              <a:rPr lang="en-US" sz="2400" dirty="0">
+                <a:solidFill>
+                  <a:schemeClr val="accent2">
+                    <a:lumMod val="40000"/>
+                    <a:lumOff val="60000"/>
+                  </a:schemeClr>
+                </a:solidFill>
+              </a:rPr>
+              <a:t>: Hyperbolic tan function, returns f(x) = </a:t>
+            </a:r>
+            <a:r>
+              <a:rPr lang="en-US" sz="2400" dirty="0" err="1">
+                <a:solidFill>
+                  <a:schemeClr val="accent2">
+                    <a:lumMod val="40000"/>
+                    <a:lumOff val="60000"/>
+                  </a:schemeClr>
+                </a:solidFill>
+              </a:rPr>
+              <a:t>tanh</a:t>
+            </a:r>
+            <a:r>
+              <a:rPr lang="en-US" sz="2400" dirty="0">
+                <a:solidFill>
+                  <a:schemeClr val="accent2">
+                    <a:lumMod val="40000"/>
+                    <a:lumOff val="60000"/>
+                  </a:schemeClr>
+                </a:solidFill>
+              </a:rPr>
+              <a:t>(x)</a:t>
+            </a:r>
+          </a:p>
+          <a:p>
+            <a:pPr lvl="2"/>
+            <a:r>
+              <a:rPr lang="en-US" sz="2400" dirty="0">
+                <a:solidFill>
+                  <a:schemeClr val="accent2">
+                    <a:lumMod val="40000"/>
+                    <a:lumOff val="60000"/>
+                  </a:schemeClr>
+                </a:solidFill>
+              </a:rPr>
+              <a:t>	</a:t>
+            </a:r>
+            <a:r>
+              <a:rPr lang="en-US" sz="2400" dirty="0" err="1" smtClean="0">
+                <a:solidFill>
+                  <a:schemeClr val="accent2">
+                    <a:lumMod val="40000"/>
+                    <a:lumOff val="60000"/>
+                  </a:schemeClr>
+                </a:solidFill>
+              </a:rPr>
+              <a:t>Relu</a:t>
+            </a:r>
+            <a:r>
+              <a:rPr lang="en-US" sz="2400" dirty="0" smtClean="0">
+                <a:solidFill>
+                  <a:schemeClr val="accent2">
+                    <a:lumMod val="40000"/>
+                    <a:lumOff val="60000"/>
+                  </a:schemeClr>
+                </a:solidFill>
+              </a:rPr>
+              <a:t> </a:t>
+            </a:r>
+            <a:r>
+              <a:rPr lang="en-US" sz="2400" dirty="0">
+                <a:solidFill>
+                  <a:schemeClr val="accent2">
+                    <a:lumMod val="40000"/>
+                    <a:lumOff val="60000"/>
+                  </a:schemeClr>
+                </a:solidFill>
+              </a:rPr>
+              <a:t>: Rectified linear unit function, returns f(x) = max(0, x)</a:t>
+            </a:r>
+          </a:p>
+          <a:p>
+            <a:pPr marL="342900" indent="-342900">
+              <a:buFont typeface="Arial" panose="020B0604020202020204" pitchFamily="34" charset="0"/>
+              <a:buChar char="•"/>
+            </a:pPr>
+            <a:r>
+              <a:rPr lang="en-US" sz="2400" dirty="0" smtClean="0">
+                <a:solidFill>
+                  <a:schemeClr val="bg1"/>
+                </a:solidFill>
+              </a:rPr>
+              <a:t>solver</a:t>
+            </a:r>
+            <a:r>
+              <a:rPr lang="en-US" sz="2400" dirty="0">
+                <a:solidFill>
+                  <a:schemeClr val="bg1"/>
+                </a:solidFill>
+              </a:rPr>
+              <a:t> : Weight optimization</a:t>
+            </a:r>
+          </a:p>
+          <a:p>
+            <a:pPr lvl="2"/>
+            <a:r>
+              <a:rPr lang="en-US" sz="2400" dirty="0">
+                <a:solidFill>
+                  <a:schemeClr val="bg1"/>
+                </a:solidFill>
+              </a:rPr>
+              <a:t>	</a:t>
+            </a:r>
+            <a:r>
+              <a:rPr lang="en-US" sz="2400" dirty="0" err="1" smtClean="0">
+                <a:solidFill>
+                  <a:schemeClr val="accent2">
+                    <a:lumMod val="40000"/>
+                    <a:lumOff val="60000"/>
+                  </a:schemeClr>
+                </a:solidFill>
+              </a:rPr>
+              <a:t>Sgd</a:t>
+            </a:r>
+            <a:r>
+              <a:rPr lang="en-US" sz="2400" dirty="0">
+                <a:solidFill>
+                  <a:schemeClr val="accent2">
+                    <a:lumMod val="40000"/>
+                    <a:lumOff val="60000"/>
+                  </a:schemeClr>
+                </a:solidFill>
+              </a:rPr>
+              <a:t>: refers to stochastic gradient </a:t>
+            </a:r>
+            <a:r>
+              <a:rPr lang="en-US" sz="2400" dirty="0" smtClean="0">
+                <a:solidFill>
+                  <a:schemeClr val="accent2">
+                    <a:lumMod val="40000"/>
+                    <a:lumOff val="60000"/>
+                  </a:schemeClr>
+                </a:solidFill>
+              </a:rPr>
+              <a:t>descent</a:t>
+            </a:r>
+            <a:endParaRPr lang="en-US" sz="2400" dirty="0">
+              <a:solidFill>
+                <a:schemeClr val="accent2">
+                  <a:lumMod val="40000"/>
+                  <a:lumOff val="60000"/>
+                </a:schemeClr>
+              </a:solidFill>
+            </a:endParaRPr>
+          </a:p>
+          <a:p>
+            <a:pPr marL="342900" indent="-342900">
+              <a:buFont typeface="Arial" panose="020B0604020202020204" pitchFamily="34" charset="0"/>
+              <a:buChar char="•"/>
+            </a:pPr>
+            <a:r>
+              <a:rPr lang="en-US" sz="2400" dirty="0" err="1">
+                <a:solidFill>
+                  <a:schemeClr val="bg1"/>
+                </a:solidFill>
+              </a:rPr>
+              <a:t>max_iter</a:t>
+            </a:r>
+            <a:r>
+              <a:rPr lang="en-US" sz="2400" dirty="0">
+                <a:solidFill>
+                  <a:schemeClr val="bg1"/>
+                </a:solidFill>
+              </a:rPr>
+              <a:t> : </a:t>
+            </a:r>
+            <a:r>
+              <a:rPr lang="en-US" sz="2400" dirty="0" smtClean="0">
+                <a:solidFill>
+                  <a:schemeClr val="bg1"/>
+                </a:solidFill>
+              </a:rPr>
+              <a:t>100</a:t>
+            </a:r>
+            <a:endParaRPr lang="en-US" sz="2400" dirty="0">
+              <a:solidFill>
+                <a:schemeClr val="bg1"/>
+              </a:solidFill>
+            </a:endParaRPr>
+          </a:p>
+          <a:p>
+            <a:pPr marL="342900" indent="-342900">
+              <a:buFont typeface="Arial" panose="020B0604020202020204" pitchFamily="34" charset="0"/>
+              <a:buChar char="•"/>
+            </a:pPr>
+            <a:r>
+              <a:rPr lang="en-US" sz="2400" dirty="0">
+                <a:solidFill>
+                  <a:schemeClr val="bg1"/>
+                </a:solidFill>
+              </a:rPr>
+              <a:t>Verbose: Whether to print progress messages to </a:t>
+            </a:r>
+            <a:r>
+              <a:rPr lang="en-US" sz="2400" dirty="0" err="1">
+                <a:solidFill>
+                  <a:schemeClr val="bg1"/>
+                </a:solidFill>
+              </a:rPr>
+              <a:t>stdout</a:t>
+            </a:r>
+            <a:endParaRPr lang="en-US" sz="2400" dirty="0">
+              <a:solidFill>
+                <a:schemeClr val="bg1"/>
+              </a:solidFill>
+            </a:endParaRPr>
+          </a:p>
+          <a:p>
+            <a:endParaRPr lang="en-US" sz="2400" dirty="0"/>
+          </a:p>
+        </p:txBody>
+      </p:sp>
+    </p:spTree>
+    <p:extLst>
+      <p:ext uri="{BB962C8B-B14F-4D97-AF65-F5344CB8AC3E}">
+        <p14:creationId xmlns:p14="http://schemas.microsoft.com/office/powerpoint/2010/main" val="1336773872"/>
+      </p:ext>
+    </p:extLst>
+  </p:cSld>
+  <p:clrMapOvr>
+    <a:masterClrMapping/>
+  </p:clrMapOvr>
+</p:sld>
+</file>
+
+<file path=ppt/slides/slide2.xml><?xml version="1.0" encoding="utf-8"?>
+<p:sld xmlns:a="http://schemas.openxmlformats.org/drawingml/2006/main" xmlns:r="http://schemas.openxmlformats.org/officeDocument/2006/relationships" xmlns:p="http://schemas.openxmlformats.org/presentationml/2006/main">
+  <p:cSld>
+    <p:spTree>
+      <p:nvGrpSpPr>
+        <p:cNvPr id="1" name=""/>
+        <p:cNvGrpSpPr/>
+        <p:nvPr/>
+      </p:nvGrpSpPr>
+      <p:grpSpPr>
+        <a:xfrm>
+          <a:off x="0" y="0"/>
+          <a:ext cx="0" cy="0"/>
+          <a:chOff x="0" y="0"/>
+          <a:chExt cx="0" cy="0"/>
+        </a:xfrm>
+      </p:grpSpPr>
+      <p:sp>
+        <p:nvSpPr>
+          <p:cNvPr id="2" name="Title 1">
+            <a:extLst>
+              <a:ext uri="{FF2B5EF4-FFF2-40B4-BE49-F238E27FC236}">
+                <a16:creationId xmlns:a16="http://schemas.microsoft.com/office/drawing/2014/main" id="{27C649FB-C823-492E-AA4E-9BAD1E8DCE70}"/>
+              </a:ext>
+            </a:extLst>
+          </p:cNvPr>
+          <p:cNvSpPr>
+            <a:spLocks noGrp="1"/>
+          </p:cNvSpPr>
+          <p:nvPr>
+            <p:ph type="title"/>
+          </p:nvPr>
+        </p:nvSpPr>
+        <p:spPr/>
+        <p:txBody>
+          <a:bodyPr/>
+          <a:lstStyle/>
+          <a:p>
+            <a:r>
+              <a:rPr lang="en-US" dirty="0">
+                <a:solidFill>
+                  <a:schemeClr val="bg1"/>
+                </a:solidFill>
+              </a:rPr>
+              <a:t>Objective</a:t>
+            </a:r>
+          </a:p>
+        </p:txBody>
+      </p:sp>
+      <p:sp>
+        <p:nvSpPr>
+          <p:cNvPr id="3" name="Text Placeholder 2">
+            <a:extLst>
+              <a:ext uri="{FF2B5EF4-FFF2-40B4-BE49-F238E27FC236}">
+                <a16:creationId xmlns:a16="http://schemas.microsoft.com/office/drawing/2014/main" id="{E3DEDE3F-A616-4938-A960-89E01E4765E0}"/>
+              </a:ext>
+            </a:extLst>
+          </p:cNvPr>
+          <p:cNvSpPr>
+            <a:spLocks noGrp="1"/>
+          </p:cNvSpPr>
+          <p:nvPr>
+            <p:ph type="body"/>
+          </p:nvPr>
+        </p:nvSpPr>
+        <p:spPr>
+          <a:xfrm>
+            <a:off x="609480" y="2043954"/>
+            <a:ext cx="10972440" cy="1909481"/>
+          </a:xfrm>
+        </p:spPr>
+        <p:txBody>
+          <a:bodyPr>
+            <a:noAutofit/>
+          </a:bodyPr>
+          <a:lstStyle/>
+          <a:p>
+            <a:r>
+              <a:rPr lang="en-US" sz="3200" dirty="0">
+                <a:solidFill>
+                  <a:schemeClr val="bg1"/>
+                </a:solidFill>
+              </a:rPr>
+              <a:t>Take a preliminary step into seeing if using an ensemble of primality/composite tests can lead to a “good” prediction of prime numbers.</a:t>
+            </a:r>
+          </a:p>
+        </p:txBody>
+      </p:sp>
+    </p:spTree>
+    <p:extLst>
+      <p:ext uri="{BB962C8B-B14F-4D97-AF65-F5344CB8AC3E}">
+        <p14:creationId xmlns:p14="http://schemas.microsoft.com/office/powerpoint/2010/main" val="2507510244"/>
+      </p:ext>
+    </p:extLst>
+  </p:cSld>
+  <p:clrMapOvr>
+    <a:masterClrMapping/>
+  </p:clrMapOvr>
+</p:sld>
+</file>
+
+<file path=ppt/slides/slide20.xml><?xml version="1.0" encoding="utf-8"?>
+<p:sld xmlns:a="http://schemas.openxmlformats.org/drawingml/2006/main" xmlns:r="http://schemas.openxmlformats.org/officeDocument/2006/relationships" xmlns:p="http://schemas.openxmlformats.org/presentationml/2006/main">
+  <p:cSld>
+    <p:spTree>
+      <p:nvGrpSpPr>
+        <p:cNvPr id="1" name=""/>
+        <p:cNvGrpSpPr/>
+        <p:nvPr/>
+      </p:nvGrpSpPr>
+      <p:grpSpPr>
+        <a:xfrm>
+          <a:off x="0" y="0"/>
+          <a:ext cx="0" cy="0"/>
+          <a:chOff x="0" y="0"/>
+          <a:chExt cx="0" cy="0"/>
+        </a:xfrm>
+      </p:grpSpPr>
+      <p:sp>
+        <p:nvSpPr>
+          <p:cNvPr id="2" name="Title 1"/>
+          <p:cNvSpPr>
+            <a:spLocks noGrp="1"/>
+          </p:cNvSpPr>
+          <p:nvPr>
+            <p:ph type="title"/>
+          </p:nvPr>
+        </p:nvSpPr>
+        <p:spPr/>
+        <p:txBody>
+          <a:bodyPr/>
+          <a:lstStyle/>
+          <a:p>
+            <a:r>
+              <a:rPr lang="en-US" dirty="0" smtClean="0">
+                <a:solidFill>
+                  <a:schemeClr val="bg1"/>
+                </a:solidFill>
+              </a:rPr>
+              <a:t>Dataset Validation</a:t>
+            </a:r>
+            <a:endParaRPr lang="en-US" dirty="0">
+              <a:solidFill>
+                <a:schemeClr val="bg1"/>
+              </a:solidFill>
+            </a:endParaRPr>
+          </a:p>
+        </p:txBody>
+      </p:sp>
+      <p:sp>
+        <p:nvSpPr>
+          <p:cNvPr id="3" name="Text Placeholder 2"/>
+          <p:cNvSpPr>
+            <a:spLocks noGrp="1"/>
+          </p:cNvSpPr>
+          <p:nvPr>
+            <p:ph type="body"/>
+          </p:nvPr>
+        </p:nvSpPr>
+        <p:spPr>
+          <a:xfrm>
+            <a:off x="609480" y="1336431"/>
+            <a:ext cx="10972440" cy="4712678"/>
+          </a:xfrm>
+        </p:spPr>
+        <p:txBody>
+          <a:bodyPr/>
+          <a:lstStyle/>
+          <a:p>
+            <a:pPr marL="0" indent="0">
+              <a:buNone/>
+            </a:pPr>
+            <a:r>
+              <a:rPr lang="en-US" sz="2800" dirty="0" err="1">
+                <a:solidFill>
+                  <a:schemeClr val="bg1"/>
+                </a:solidFill>
+              </a:rPr>
+              <a:t>train_test_split</a:t>
+            </a:r>
+            <a:r>
+              <a:rPr lang="en-US" sz="2800" dirty="0">
+                <a:solidFill>
+                  <a:schemeClr val="bg1"/>
+                </a:solidFill>
+              </a:rPr>
+              <a:t>: Split arrays or matrices into random train and test </a:t>
+            </a:r>
+            <a:r>
+              <a:rPr lang="en-US" sz="2800" dirty="0">
+                <a:solidFill>
+                  <a:schemeClr val="bg1"/>
+                </a:solidFill>
+              </a:rPr>
+              <a:t>subsets</a:t>
+            </a:r>
+          </a:p>
+          <a:p>
+            <a:pPr marL="0" indent="0">
+              <a:buNone/>
+            </a:pPr>
+            <a:endParaRPr lang="en-US" sz="2800" dirty="0">
+              <a:solidFill>
+                <a:schemeClr val="bg1"/>
+              </a:solidFill>
+            </a:endParaRPr>
+          </a:p>
+          <a:p>
+            <a:pPr marL="342900" indent="-342900">
+              <a:buFont typeface="Arial" panose="020B0604020202020204" pitchFamily="34" charset="0"/>
+              <a:buChar char="•"/>
+            </a:pPr>
+            <a:r>
+              <a:rPr lang="en-US" sz="2800" dirty="0">
+                <a:solidFill>
+                  <a:schemeClr val="bg1"/>
+                </a:solidFill>
+              </a:rPr>
+              <a:t>Input</a:t>
+            </a:r>
+            <a:r>
+              <a:rPr lang="en-US" sz="2400" dirty="0">
+                <a:solidFill>
+                  <a:schemeClr val="bg1"/>
+                </a:solidFill>
+              </a:rPr>
+              <a:t> :</a:t>
+            </a:r>
+          </a:p>
+          <a:p>
+            <a:pPr lvl="1"/>
+            <a:r>
+              <a:rPr lang="en-US" dirty="0" smtClean="0">
+                <a:solidFill>
+                  <a:schemeClr val="bg1"/>
+                </a:solidFill>
+              </a:rPr>
+              <a:t>	</a:t>
+            </a:r>
+            <a:r>
+              <a:rPr lang="en-US" sz="2400" dirty="0">
+                <a:solidFill>
+                  <a:schemeClr val="accent2">
+                    <a:lumMod val="40000"/>
+                    <a:lumOff val="60000"/>
+                  </a:schemeClr>
+                </a:solidFill>
+              </a:rPr>
+              <a:t>X : List of attributes</a:t>
+            </a:r>
+          </a:p>
+          <a:p>
+            <a:pPr lvl="1"/>
+            <a:r>
+              <a:rPr lang="en-US" sz="2400" dirty="0">
+                <a:solidFill>
+                  <a:schemeClr val="accent2">
+                    <a:lumMod val="40000"/>
+                    <a:lumOff val="60000"/>
+                  </a:schemeClr>
+                </a:solidFill>
+              </a:rPr>
+              <a:t>	Y : List of class label</a:t>
+            </a:r>
+          </a:p>
+          <a:p>
+            <a:pPr lvl="1"/>
+            <a:r>
+              <a:rPr lang="en-US" sz="2400" dirty="0">
+                <a:solidFill>
+                  <a:schemeClr val="accent2">
+                    <a:lumMod val="40000"/>
+                    <a:lumOff val="60000"/>
+                  </a:schemeClr>
+                </a:solidFill>
+              </a:rPr>
+              <a:t>	</a:t>
+            </a:r>
+            <a:r>
+              <a:rPr lang="en-US" sz="2400" dirty="0" err="1">
+                <a:solidFill>
+                  <a:schemeClr val="accent2">
+                    <a:lumMod val="40000"/>
+                    <a:lumOff val="60000"/>
+                  </a:schemeClr>
+                </a:solidFill>
+              </a:rPr>
+              <a:t>test_size</a:t>
+            </a:r>
+            <a:r>
+              <a:rPr lang="en-US" sz="2400" dirty="0">
+                <a:solidFill>
+                  <a:schemeClr val="accent2">
+                    <a:lumMod val="40000"/>
+                    <a:lumOff val="60000"/>
+                  </a:schemeClr>
+                </a:solidFill>
+              </a:rPr>
+              <a:t> : </a:t>
+            </a:r>
+            <a:r>
+              <a:rPr lang="en-US" sz="2400" dirty="0">
+                <a:solidFill>
+                  <a:schemeClr val="accent2">
+                    <a:lumMod val="40000"/>
+                    <a:lumOff val="60000"/>
+                  </a:schemeClr>
+                </a:solidFill>
+              </a:rPr>
+              <a:t>R</a:t>
+            </a:r>
+            <a:r>
+              <a:rPr lang="en-US" sz="2400" dirty="0">
+                <a:solidFill>
+                  <a:schemeClr val="accent2">
+                    <a:lumMod val="40000"/>
+                    <a:lumOff val="60000"/>
+                  </a:schemeClr>
+                </a:solidFill>
+              </a:rPr>
+              <a:t>epresent </a:t>
+            </a:r>
+            <a:r>
+              <a:rPr lang="en-US" sz="2400" dirty="0">
+                <a:solidFill>
+                  <a:schemeClr val="accent2">
+                    <a:lumMod val="40000"/>
+                    <a:lumOff val="60000"/>
+                  </a:schemeClr>
+                </a:solidFill>
+              </a:rPr>
+              <a:t>the proportion of the dataset to include in the test </a:t>
+            </a:r>
+            <a:r>
+              <a:rPr lang="en-US" sz="2400" dirty="0" smtClean="0">
+                <a:solidFill>
+                  <a:schemeClr val="accent2">
+                    <a:lumMod val="40000"/>
+                    <a:lumOff val="60000"/>
+                  </a:schemeClr>
+                </a:solidFill>
+              </a:rPr>
+              <a:t>		       split</a:t>
+            </a:r>
+            <a:endParaRPr lang="en-US" sz="2400" dirty="0">
+              <a:solidFill>
+                <a:schemeClr val="accent2">
+                  <a:lumMod val="40000"/>
+                  <a:lumOff val="60000"/>
+                </a:schemeClr>
+              </a:solidFill>
+            </a:endParaRPr>
+          </a:p>
+          <a:p>
+            <a:pPr lvl="1"/>
+            <a:r>
+              <a:rPr lang="en-US" sz="2400" dirty="0">
+                <a:solidFill>
+                  <a:schemeClr val="accent2">
+                    <a:lumMod val="40000"/>
+                    <a:lumOff val="60000"/>
+                  </a:schemeClr>
+                </a:solidFill>
+              </a:rPr>
+              <a:t>	</a:t>
+            </a:r>
+            <a:r>
+              <a:rPr lang="en-US" sz="2400" dirty="0" err="1">
+                <a:solidFill>
+                  <a:schemeClr val="accent2">
+                    <a:lumMod val="40000"/>
+                    <a:lumOff val="60000"/>
+                  </a:schemeClr>
+                </a:solidFill>
+              </a:rPr>
+              <a:t>random_state</a:t>
+            </a:r>
+            <a:r>
+              <a:rPr lang="en-US" sz="2400" dirty="0">
+                <a:solidFill>
+                  <a:schemeClr val="accent2">
+                    <a:lumMod val="40000"/>
+                    <a:lumOff val="60000"/>
+                  </a:schemeClr>
+                </a:solidFill>
+              </a:rPr>
+              <a:t> : </a:t>
+            </a:r>
+            <a:r>
+              <a:rPr lang="en-US" sz="2400" dirty="0">
+                <a:solidFill>
+                  <a:schemeClr val="accent2">
+                    <a:lumMod val="40000"/>
+                    <a:lumOff val="60000"/>
+                  </a:schemeClr>
+                </a:solidFill>
+              </a:rPr>
+              <a:t>T</a:t>
+            </a:r>
+            <a:r>
+              <a:rPr lang="en-US" sz="2400" dirty="0">
+                <a:solidFill>
+                  <a:schemeClr val="accent2">
+                    <a:lumMod val="40000"/>
+                    <a:lumOff val="60000"/>
+                  </a:schemeClr>
+                </a:solidFill>
+              </a:rPr>
+              <a:t>he </a:t>
+            </a:r>
+            <a:r>
+              <a:rPr lang="en-US" sz="2400" dirty="0">
+                <a:solidFill>
+                  <a:schemeClr val="accent2">
+                    <a:lumMod val="40000"/>
+                    <a:lumOff val="60000"/>
+                  </a:schemeClr>
+                </a:solidFill>
+              </a:rPr>
+              <a:t>seed used by the random number generator</a:t>
+            </a:r>
+            <a:r>
+              <a:rPr lang="en-US" dirty="0">
+                <a:solidFill>
+                  <a:schemeClr val="bg1"/>
+                </a:solidFill>
+              </a:rPr>
+              <a:t> </a:t>
+            </a:r>
+            <a:endParaRPr lang="en-US" dirty="0" smtClean="0">
+              <a:solidFill>
+                <a:schemeClr val="bg1"/>
+              </a:solidFill>
+            </a:endParaRPr>
+          </a:p>
+          <a:p>
+            <a:pPr marL="457200" lvl="1" indent="0">
+              <a:buNone/>
+            </a:pPr>
+            <a:endParaRPr lang="en-US" dirty="0" smtClean="0">
+              <a:solidFill>
+                <a:schemeClr val="bg1"/>
+              </a:solidFill>
+            </a:endParaRPr>
+          </a:p>
+          <a:p>
+            <a:pPr marL="457200" indent="-457200">
+              <a:buFont typeface="Arial" panose="020B0604020202020204" pitchFamily="34" charset="0"/>
+              <a:buChar char="•"/>
+            </a:pPr>
+            <a:r>
+              <a:rPr lang="en-US" sz="2800" dirty="0" smtClean="0">
+                <a:solidFill>
+                  <a:schemeClr val="bg1"/>
+                </a:solidFill>
+              </a:rPr>
+              <a:t>Output : </a:t>
+            </a:r>
+            <a:r>
+              <a:rPr lang="en-US" sz="2800" dirty="0">
+                <a:solidFill>
+                  <a:schemeClr val="bg1"/>
+                </a:solidFill>
+              </a:rPr>
+              <a:t>List containing train-test split of inputs</a:t>
+            </a:r>
+            <a:endParaRPr lang="en-US" sz="2800" dirty="0" smtClean="0">
+              <a:solidFill>
+                <a:schemeClr val="bg1"/>
+              </a:solidFill>
+            </a:endParaRPr>
+          </a:p>
+          <a:p>
+            <a:endParaRPr lang="en-US" dirty="0">
+              <a:solidFill>
+                <a:schemeClr val="bg1"/>
+              </a:solidFill>
+            </a:endParaRPr>
+          </a:p>
+        </p:txBody>
+      </p:sp>
+    </p:spTree>
+    <p:extLst>
+      <p:ext uri="{BB962C8B-B14F-4D97-AF65-F5344CB8AC3E}">
+        <p14:creationId xmlns:p14="http://schemas.microsoft.com/office/powerpoint/2010/main" val="233388198"/>
+      </p:ext>
+    </p:extLst>
+  </p:cSld>
+  <p:clrMapOvr>
+    <a:masterClrMapping/>
+  </p:clrMapOvr>
+</p:sld>
+</file>
+
+<file path=ppt/slides/slide21.xml><?xml version="1.0" encoding="utf-8"?>
+<p:sld xmlns:a="http://schemas.openxmlformats.org/drawingml/2006/main" xmlns:r="http://schemas.openxmlformats.org/officeDocument/2006/relationships" xmlns:p="http://schemas.openxmlformats.org/presentationml/2006/main">
+  <p:cSld>
+    <p:spTree>
+      <p:nvGrpSpPr>
+        <p:cNvPr id="1" name=""/>
+        <p:cNvGrpSpPr/>
+        <p:nvPr/>
+      </p:nvGrpSpPr>
+      <p:grpSpPr>
+        <a:xfrm>
+          <a:off x="0" y="0"/>
+          <a:ext cx="0" cy="0"/>
+          <a:chOff x="0" y="0"/>
+          <a:chExt cx="0" cy="0"/>
+        </a:xfrm>
+      </p:grpSpPr>
+      <p:sp>
+        <p:nvSpPr>
+          <p:cNvPr id="2" name="Title 1"/>
+          <p:cNvSpPr>
+            <a:spLocks noGrp="1"/>
+          </p:cNvSpPr>
+          <p:nvPr>
+            <p:ph type="title"/>
+          </p:nvPr>
+        </p:nvSpPr>
+        <p:spPr/>
+        <p:txBody>
+          <a:bodyPr/>
+          <a:lstStyle/>
+          <a:p>
+            <a:r>
+              <a:rPr lang="en-US" dirty="0">
+                <a:solidFill>
+                  <a:schemeClr val="bg1"/>
+                </a:solidFill>
+              </a:rPr>
+              <a:t>Experiment and Results</a:t>
+            </a:r>
+            <a:endParaRPr lang="en-US" dirty="0"/>
+          </a:p>
+        </p:txBody>
+      </p:sp>
+      <p:pic>
+        <p:nvPicPr>
+          <p:cNvPr id="4" name="Picture 3"/>
+          <p:cNvPicPr>
+            <a:picLocks noChangeAspect="1"/>
+          </p:cNvPicPr>
+          <p:nvPr/>
+        </p:nvPicPr>
+        <p:blipFill>
+          <a:blip r:embed="rId2"/>
+          <a:stretch>
+            <a:fillRect/>
+          </a:stretch>
+        </p:blipFill>
+        <p:spPr>
+          <a:xfrm>
+            <a:off x="609480" y="1705707"/>
+            <a:ext cx="4566300" cy="2444708"/>
+          </a:xfrm>
+          <a:prstGeom prst="rect">
+            <a:avLst/>
+          </a:prstGeom>
+        </p:spPr>
+      </p:pic>
+      <p:pic>
+        <p:nvPicPr>
+          <p:cNvPr id="5" name="Picture 4"/>
+          <p:cNvPicPr>
+            <a:picLocks noChangeAspect="1"/>
+          </p:cNvPicPr>
+          <p:nvPr/>
+        </p:nvPicPr>
+        <p:blipFill>
+          <a:blip r:embed="rId3"/>
+          <a:stretch>
+            <a:fillRect/>
+          </a:stretch>
+        </p:blipFill>
+        <p:spPr>
+          <a:xfrm>
+            <a:off x="5835081" y="1705707"/>
+            <a:ext cx="4566300" cy="2591025"/>
+          </a:xfrm>
+          <a:prstGeom prst="rect">
+            <a:avLst/>
+          </a:prstGeom>
+        </p:spPr>
+      </p:pic>
+      <p:graphicFrame>
+        <p:nvGraphicFramePr>
+          <p:cNvPr id="6" name="Table 5"/>
+          <p:cNvGraphicFramePr>
+            <a:graphicFrameLocks noGrp="1"/>
+          </p:cNvGraphicFramePr>
+          <p:nvPr>
+            <p:extLst>
+              <p:ext uri="{D42A27DB-BD31-4B8C-83A1-F6EECF244321}">
+                <p14:modId xmlns:p14="http://schemas.microsoft.com/office/powerpoint/2010/main" val="2836660767"/>
+              </p:ext>
+            </p:extLst>
+          </p:nvPr>
+        </p:nvGraphicFramePr>
+        <p:xfrm>
+          <a:off x="3816050" y="4584039"/>
+          <a:ext cx="4559300" cy="952500"/>
+        </p:xfrm>
+        <a:graphic>
+          <a:graphicData uri="http://schemas.openxmlformats.org/drawingml/2006/table">
+            <a:tbl>
+              <a:tblPr/>
+              <a:tblGrid>
+                <a:gridCol w="1651000">
+                  <a:extLst>
+                    <a:ext uri="{9D8B030D-6E8A-4147-A177-3AD203B41FA5}">
+                      <a16:colId xmlns:a16="http://schemas.microsoft.com/office/drawing/2014/main" val="1194185401"/>
+                    </a:ext>
+                  </a:extLst>
+                </a:gridCol>
+                <a:gridCol w="812800">
+                  <a:extLst>
+                    <a:ext uri="{9D8B030D-6E8A-4147-A177-3AD203B41FA5}">
+                      <a16:colId xmlns:a16="http://schemas.microsoft.com/office/drawing/2014/main" val="2446688801"/>
+                    </a:ext>
+                  </a:extLst>
+                </a:gridCol>
+                <a:gridCol w="1016000">
+                  <a:extLst>
+                    <a:ext uri="{9D8B030D-6E8A-4147-A177-3AD203B41FA5}">
+                      <a16:colId xmlns:a16="http://schemas.microsoft.com/office/drawing/2014/main" val="1245962403"/>
+                    </a:ext>
+                  </a:extLst>
+                </a:gridCol>
+                <a:gridCol w="1079500">
+                  <a:extLst>
+                    <a:ext uri="{9D8B030D-6E8A-4147-A177-3AD203B41FA5}">
+                      <a16:colId xmlns:a16="http://schemas.microsoft.com/office/drawing/2014/main" val="4013262341"/>
+                    </a:ext>
+                  </a:extLst>
+                </a:gridCol>
+              </a:tblGrid>
+              <a:tr h="190500">
+                <a:tc>
+                  <a:txBody>
+                    <a:bodyPr/>
+                    <a:lstStyle/>
+                    <a:p>
+                      <a:pPr algn="l" fontAlgn="b"/>
+                      <a:r>
+                        <a:rPr lang="en-US" sz="1100" b="0" i="0" u="none" strike="noStrike">
+                          <a:solidFill>
+                            <a:srgbClr val="FFFFFF"/>
+                          </a:solidFill>
+                          <a:effectLst/>
+                          <a:latin typeface="Calibri" panose="020F0502020204030204" pitchFamily="34" charset="0"/>
+                        </a:rPr>
+                        <a:t>Number of Hidden Layer</a:t>
+                      </a:r>
+                    </a:p>
+                  </a:txBody>
+                  <a:tcPr marL="9525" marR="9525" marT="9525" marB="0" anchor="b">
+                    <a:lnL>
+                      <a:noFill/>
+                    </a:lnL>
+                    <a:lnR>
+                      <a:noFill/>
+                    </a:lnR>
+                    <a:lnT>
+                      <a:noFill/>
+                    </a:lnT>
+                    <a:lnB>
+                      <a:noFill/>
+                    </a:lnB>
+                    <a:solidFill>
+                      <a:srgbClr val="70AD47"/>
+                    </a:solidFill>
+                  </a:tcPr>
+                </a:tc>
+                <a:tc>
+                  <a:txBody>
+                    <a:bodyPr/>
+                    <a:lstStyle/>
+                    <a:p>
+                      <a:pPr algn="l" fontAlgn="b"/>
+                      <a:r>
+                        <a:rPr lang="en-US" sz="1100" b="0" i="0" u="none" strike="noStrike" dirty="0">
+                          <a:solidFill>
+                            <a:srgbClr val="FFFFFF"/>
+                          </a:solidFill>
+                          <a:effectLst/>
+                          <a:latin typeface="Calibri" panose="020F0502020204030204" pitchFamily="34" charset="0"/>
+                        </a:rPr>
+                        <a:t>Activation</a:t>
+                      </a:r>
+                    </a:p>
+                  </a:txBody>
+                  <a:tcPr marL="9525" marR="9525" marT="9525" marB="0" anchor="b">
+                    <a:lnL>
+                      <a:noFill/>
+                    </a:lnL>
+                    <a:lnR>
+                      <a:noFill/>
+                    </a:lnR>
+                    <a:lnT>
+                      <a:noFill/>
+                    </a:lnT>
+                    <a:lnB>
+                      <a:noFill/>
+                    </a:lnB>
+                    <a:solidFill>
+                      <a:srgbClr val="70AD47"/>
+                    </a:solidFill>
+                  </a:tcPr>
+                </a:tc>
+                <a:tc>
+                  <a:txBody>
+                    <a:bodyPr/>
+                    <a:lstStyle/>
+                    <a:p>
+                      <a:pPr algn="l" fontAlgn="b"/>
+                      <a:r>
+                        <a:rPr lang="en-US" sz="1100" b="0" i="0" u="none" strike="noStrike">
+                          <a:solidFill>
+                            <a:srgbClr val="FFFFFF"/>
+                          </a:solidFill>
+                          <a:effectLst/>
+                          <a:latin typeface="Calibri" panose="020F0502020204030204" pitchFamily="34" charset="0"/>
+                        </a:rPr>
+                        <a:t>Max Iteration</a:t>
+                      </a:r>
+                    </a:p>
+                  </a:txBody>
+                  <a:tcPr marL="9525" marR="9525" marT="9525" marB="0" anchor="b">
+                    <a:lnL>
+                      <a:noFill/>
+                    </a:lnL>
+                    <a:lnR>
+                      <a:noFill/>
+                    </a:lnR>
+                    <a:lnT>
+                      <a:noFill/>
+                    </a:lnT>
+                    <a:lnB>
+                      <a:noFill/>
+                    </a:lnB>
+                    <a:solidFill>
+                      <a:srgbClr val="70AD47"/>
+                    </a:solidFill>
+                  </a:tcPr>
+                </a:tc>
+                <a:tc>
+                  <a:txBody>
+                    <a:bodyPr/>
+                    <a:lstStyle/>
+                    <a:p>
+                      <a:pPr algn="l" fontAlgn="b"/>
+                      <a:r>
+                        <a:rPr lang="en-US" sz="1100" b="0" i="0" u="none" strike="noStrike">
+                          <a:solidFill>
+                            <a:srgbClr val="FFFFFF"/>
+                          </a:solidFill>
+                          <a:effectLst/>
+                          <a:latin typeface="Calibri" panose="020F0502020204030204" pitchFamily="34" charset="0"/>
+                        </a:rPr>
+                        <a:t>Accuracy Score</a:t>
+                      </a:r>
+                    </a:p>
+                  </a:txBody>
+                  <a:tcPr marL="9525" marR="9525" marT="9525" marB="0" anchor="b">
+                    <a:lnL>
+                      <a:noFill/>
+                    </a:lnL>
+                    <a:lnR>
+                      <a:noFill/>
+                    </a:lnR>
+                    <a:lnT>
+                      <a:noFill/>
+                    </a:lnT>
+                    <a:lnB>
+                      <a:noFill/>
+                    </a:lnB>
+                    <a:solidFill>
+                      <a:srgbClr val="70AD47"/>
+                    </a:solidFill>
+                  </a:tcPr>
+                </a:tc>
+                <a:extLst>
+                  <a:ext uri="{0D108BD9-81ED-4DB2-BD59-A6C34878D82A}">
+                    <a16:rowId xmlns:a16="http://schemas.microsoft.com/office/drawing/2014/main" val="2481503344"/>
+                  </a:ext>
+                </a:extLst>
+              </a:tr>
+              <a:tr h="190500">
+                <a:tc>
+                  <a:txBody>
+                    <a:bodyPr/>
+                    <a:lstStyle/>
+                    <a:p>
+                      <a:pPr algn="ctr" fontAlgn="b"/>
+                      <a:r>
+                        <a:rPr lang="en-US" sz="1100" b="0" i="0" u="none" strike="noStrike">
+                          <a:solidFill>
+                            <a:srgbClr val="000000"/>
+                          </a:solidFill>
+                          <a:effectLst/>
+                          <a:latin typeface="Calibri" panose="020F0502020204030204" pitchFamily="34" charset="0"/>
+                        </a:rPr>
+                        <a:t>5</a:t>
+                      </a:r>
+                    </a:p>
+                  </a:txBody>
+                  <a:tcPr marL="9525" marR="9525" marT="9525" marB="0" anchor="b">
+                    <a:lnL>
+                      <a:noFill/>
+                    </a:lnL>
+                    <a:lnR>
+                      <a:noFill/>
+                    </a:lnR>
+                    <a:lnT>
+                      <a:noFill/>
+                    </a:lnT>
+                    <a:lnB>
+                      <a:noFill/>
+                    </a:lnB>
+                    <a:solidFill>
+                      <a:srgbClr val="B4C6E7"/>
+                    </a:solidFill>
+                  </a:tcPr>
+                </a:tc>
+                <a:tc>
+                  <a:txBody>
+                    <a:bodyPr/>
+                    <a:lstStyle/>
+                    <a:p>
+                      <a:pPr algn="l" fontAlgn="b"/>
+                      <a:r>
+                        <a:rPr lang="en-US" sz="1100" b="0" i="0" u="none" strike="noStrike">
+                          <a:solidFill>
+                            <a:srgbClr val="000000"/>
+                          </a:solidFill>
+                          <a:effectLst/>
+                          <a:latin typeface="Calibri" panose="020F0502020204030204" pitchFamily="34" charset="0"/>
+                        </a:rPr>
+                        <a:t>relu</a:t>
+                      </a:r>
+                    </a:p>
+                  </a:txBody>
+                  <a:tcPr marL="9525" marR="9525" marT="9525" marB="0" anchor="b">
+                    <a:lnL>
+                      <a:noFill/>
+                    </a:lnL>
+                    <a:lnR>
+                      <a:noFill/>
+                    </a:lnR>
+                    <a:lnT>
+                      <a:noFill/>
+                    </a:lnT>
+                    <a:lnB>
+                      <a:noFill/>
+                    </a:lnB>
+                    <a:solidFill>
+                      <a:srgbClr val="B4C6E7"/>
+                    </a:solidFill>
+                  </a:tcPr>
+                </a:tc>
+                <a:tc>
+                  <a:txBody>
+                    <a:bodyPr/>
+                    <a:lstStyle/>
+                    <a:p>
+                      <a:pPr algn="r" fontAlgn="b"/>
+                      <a:r>
+                        <a:rPr lang="en-US" sz="1100" b="0" i="0" u="none" strike="noStrike">
+                          <a:solidFill>
+                            <a:srgbClr val="000000"/>
+                          </a:solidFill>
+                          <a:effectLst/>
+                          <a:latin typeface="Calibri" panose="020F0502020204030204" pitchFamily="34" charset="0"/>
+                        </a:rPr>
+                        <a:t>100</a:t>
+                      </a:r>
+                    </a:p>
+                  </a:txBody>
+                  <a:tcPr marL="9525" marR="9525" marT="9525" marB="0" anchor="b">
+                    <a:lnL>
+                      <a:noFill/>
+                    </a:lnL>
+                    <a:lnR>
+                      <a:noFill/>
+                    </a:lnR>
+                    <a:lnT>
+                      <a:noFill/>
+                    </a:lnT>
+                    <a:lnB>
+                      <a:noFill/>
+                    </a:lnB>
+                    <a:solidFill>
+                      <a:srgbClr val="B4C6E7"/>
+                    </a:solidFill>
+                  </a:tcPr>
+                </a:tc>
+                <a:tc>
+                  <a:txBody>
+                    <a:bodyPr/>
+                    <a:lstStyle/>
+                    <a:p>
+                      <a:pPr algn="r" fontAlgn="b"/>
+                      <a:r>
+                        <a:rPr lang="en-US" sz="1100" b="0" i="0" u="none" strike="noStrike">
+                          <a:solidFill>
+                            <a:srgbClr val="000000"/>
+                          </a:solidFill>
+                          <a:effectLst/>
+                          <a:latin typeface="Calibri" panose="020F0502020204030204" pitchFamily="34" charset="0"/>
+                        </a:rPr>
+                        <a:t>1.00</a:t>
+                      </a:r>
+                    </a:p>
+                  </a:txBody>
+                  <a:tcPr marL="9525" marR="9525" marT="9525" marB="0" anchor="b">
+                    <a:lnL>
+                      <a:noFill/>
+                    </a:lnL>
+                    <a:lnR>
+                      <a:noFill/>
+                    </a:lnR>
+                    <a:lnT>
+                      <a:noFill/>
+                    </a:lnT>
+                    <a:lnB>
+                      <a:noFill/>
+                    </a:lnB>
+                    <a:solidFill>
+                      <a:srgbClr val="B4C6E7"/>
+                    </a:solidFill>
+                  </a:tcPr>
+                </a:tc>
+                <a:extLst>
+                  <a:ext uri="{0D108BD9-81ED-4DB2-BD59-A6C34878D82A}">
+                    <a16:rowId xmlns:a16="http://schemas.microsoft.com/office/drawing/2014/main" val="852707706"/>
+                  </a:ext>
+                </a:extLst>
+              </a:tr>
+              <a:tr h="190500">
+                <a:tc>
+                  <a:txBody>
+                    <a:bodyPr/>
+                    <a:lstStyle/>
+                    <a:p>
+                      <a:pPr algn="ctr" fontAlgn="b"/>
+                      <a:r>
+                        <a:rPr lang="en-US" sz="1100" b="0" i="0" u="none" strike="noStrike">
+                          <a:solidFill>
+                            <a:srgbClr val="000000"/>
+                          </a:solidFill>
+                          <a:effectLst/>
+                          <a:latin typeface="Calibri" panose="020F0502020204030204" pitchFamily="34" charset="0"/>
+                        </a:rPr>
+                        <a:t>5</a:t>
+                      </a:r>
+                    </a:p>
+                  </a:txBody>
+                  <a:tcPr marL="9525" marR="9525" marT="9525" marB="0" anchor="b">
+                    <a:lnL>
+                      <a:noFill/>
+                    </a:lnL>
+                    <a:lnR>
+                      <a:noFill/>
+                    </a:lnR>
+                    <a:lnT>
+                      <a:noFill/>
+                    </a:lnT>
+                    <a:lnB>
+                      <a:noFill/>
+                    </a:lnB>
+                    <a:solidFill>
+                      <a:srgbClr val="D9E1F2"/>
+                    </a:solidFill>
+                  </a:tcPr>
+                </a:tc>
+                <a:tc>
+                  <a:txBody>
+                    <a:bodyPr/>
+                    <a:lstStyle/>
+                    <a:p>
+                      <a:pPr algn="l" fontAlgn="b"/>
+                      <a:r>
+                        <a:rPr lang="en-US" sz="1100" b="0" i="0" u="none" strike="noStrike">
+                          <a:solidFill>
+                            <a:srgbClr val="000000"/>
+                          </a:solidFill>
+                          <a:effectLst/>
+                          <a:latin typeface="Calibri" panose="020F0502020204030204" pitchFamily="34" charset="0"/>
+                        </a:rPr>
+                        <a:t>tanh </a:t>
+                      </a:r>
+                    </a:p>
+                  </a:txBody>
+                  <a:tcPr marL="9525" marR="9525" marT="9525" marB="0" anchor="b">
+                    <a:lnL>
+                      <a:noFill/>
+                    </a:lnL>
+                    <a:lnR>
+                      <a:noFill/>
+                    </a:lnR>
+                    <a:lnT>
+                      <a:noFill/>
+                    </a:lnT>
+                    <a:lnB>
+                      <a:noFill/>
+                    </a:lnB>
+                    <a:solidFill>
+                      <a:srgbClr val="D9E1F2"/>
+                    </a:solidFill>
+                  </a:tcPr>
+                </a:tc>
+                <a:tc>
+                  <a:txBody>
+                    <a:bodyPr/>
+                    <a:lstStyle/>
+                    <a:p>
+                      <a:pPr algn="r" fontAlgn="b"/>
+                      <a:r>
+                        <a:rPr lang="en-US" sz="1100" b="0" i="0" u="none" strike="noStrike">
+                          <a:solidFill>
+                            <a:srgbClr val="000000"/>
+                          </a:solidFill>
+                          <a:effectLst/>
+                          <a:latin typeface="Calibri" panose="020F0502020204030204" pitchFamily="34" charset="0"/>
+                        </a:rPr>
+                        <a:t>100</a:t>
+                      </a:r>
+                    </a:p>
+                  </a:txBody>
+                  <a:tcPr marL="9525" marR="9525" marT="9525" marB="0" anchor="b">
+                    <a:lnL>
+                      <a:noFill/>
+                    </a:lnL>
+                    <a:lnR>
+                      <a:noFill/>
+                    </a:lnR>
+                    <a:lnT>
+                      <a:noFill/>
+                    </a:lnT>
+                    <a:lnB>
+                      <a:noFill/>
+                    </a:lnB>
+                    <a:solidFill>
+                      <a:srgbClr val="D9E1F2"/>
+                    </a:solidFill>
+                  </a:tcPr>
+                </a:tc>
+                <a:tc>
+                  <a:txBody>
+                    <a:bodyPr/>
+                    <a:lstStyle/>
+                    <a:p>
+                      <a:pPr algn="r" fontAlgn="b"/>
+                      <a:r>
+                        <a:rPr lang="en-US" sz="1100" b="0" i="0" u="none" strike="noStrike">
+                          <a:solidFill>
+                            <a:srgbClr val="000000"/>
+                          </a:solidFill>
+                          <a:effectLst/>
+                          <a:latin typeface="Calibri" panose="020F0502020204030204" pitchFamily="34" charset="0"/>
+                        </a:rPr>
+                        <a:t>0.991847826</a:t>
+                      </a:r>
+                    </a:p>
+                  </a:txBody>
+                  <a:tcPr marL="9525" marR="9525" marT="9525" marB="0" anchor="b">
+                    <a:lnL>
+                      <a:noFill/>
+                    </a:lnL>
+                    <a:lnR>
+                      <a:noFill/>
+                    </a:lnR>
+                    <a:lnT>
+                      <a:noFill/>
+                    </a:lnT>
+                    <a:lnB>
+                      <a:noFill/>
+                    </a:lnB>
+                    <a:solidFill>
+                      <a:srgbClr val="D9E1F2"/>
+                    </a:solidFill>
+                  </a:tcPr>
+                </a:tc>
+                <a:extLst>
+                  <a:ext uri="{0D108BD9-81ED-4DB2-BD59-A6C34878D82A}">
+                    <a16:rowId xmlns:a16="http://schemas.microsoft.com/office/drawing/2014/main" val="1526240953"/>
+                  </a:ext>
+                </a:extLst>
+              </a:tr>
+              <a:tr h="190500">
+                <a:tc>
+                  <a:txBody>
+                    <a:bodyPr/>
+                    <a:lstStyle/>
+                    <a:p>
+                      <a:pPr algn="ctr" fontAlgn="b"/>
+                      <a:r>
+                        <a:rPr lang="en-US" sz="1100" b="0" i="0" u="none" strike="noStrike">
+                          <a:solidFill>
+                            <a:srgbClr val="000000"/>
+                          </a:solidFill>
+                          <a:effectLst/>
+                          <a:latin typeface="Calibri" panose="020F0502020204030204" pitchFamily="34" charset="0"/>
+                        </a:rPr>
+                        <a:t>5</a:t>
+                      </a:r>
+                    </a:p>
+                  </a:txBody>
+                  <a:tcPr marL="9525" marR="9525" marT="9525" marB="0" anchor="b">
+                    <a:lnL>
+                      <a:noFill/>
+                    </a:lnL>
+                    <a:lnR>
+                      <a:noFill/>
+                    </a:lnR>
+                    <a:lnT>
+                      <a:noFill/>
+                    </a:lnT>
+                    <a:lnB>
+                      <a:noFill/>
+                    </a:lnB>
+                    <a:solidFill>
+                      <a:srgbClr val="B4C6E7"/>
+                    </a:solidFill>
+                  </a:tcPr>
+                </a:tc>
+                <a:tc>
+                  <a:txBody>
+                    <a:bodyPr/>
+                    <a:lstStyle/>
+                    <a:p>
+                      <a:pPr algn="l" fontAlgn="b"/>
+                      <a:r>
+                        <a:rPr lang="en-US" sz="1100" b="0" i="0" u="none" strike="noStrike">
+                          <a:solidFill>
+                            <a:srgbClr val="000000"/>
+                          </a:solidFill>
+                          <a:effectLst/>
+                          <a:latin typeface="Calibri" panose="020F0502020204030204" pitchFamily="34" charset="0"/>
+                        </a:rPr>
+                        <a:t>logistic </a:t>
+                      </a:r>
+                    </a:p>
+                  </a:txBody>
+                  <a:tcPr marL="9525" marR="9525" marT="9525" marB="0" anchor="b">
+                    <a:lnL>
+                      <a:noFill/>
+                    </a:lnL>
+                    <a:lnR>
+                      <a:noFill/>
+                    </a:lnR>
+                    <a:lnT>
+                      <a:noFill/>
+                    </a:lnT>
+                    <a:lnB>
+                      <a:noFill/>
+                    </a:lnB>
+                    <a:solidFill>
+                      <a:srgbClr val="B4C6E7"/>
+                    </a:solidFill>
+                  </a:tcPr>
+                </a:tc>
+                <a:tc>
+                  <a:txBody>
+                    <a:bodyPr/>
+                    <a:lstStyle/>
+                    <a:p>
+                      <a:pPr algn="r" fontAlgn="b"/>
+                      <a:r>
+                        <a:rPr lang="en-US" sz="1100" b="0" i="0" u="none" strike="noStrike">
+                          <a:solidFill>
+                            <a:srgbClr val="000000"/>
+                          </a:solidFill>
+                          <a:effectLst/>
+                          <a:latin typeface="Calibri" panose="020F0502020204030204" pitchFamily="34" charset="0"/>
+                        </a:rPr>
+                        <a:t>100</a:t>
+                      </a:r>
+                    </a:p>
+                  </a:txBody>
+                  <a:tcPr marL="9525" marR="9525" marT="9525" marB="0" anchor="b">
+                    <a:lnL>
+                      <a:noFill/>
+                    </a:lnL>
+                    <a:lnR>
+                      <a:noFill/>
+                    </a:lnR>
+                    <a:lnT>
+                      <a:noFill/>
+                    </a:lnT>
+                    <a:lnB>
+                      <a:noFill/>
+                    </a:lnB>
+                    <a:solidFill>
+                      <a:srgbClr val="B4C6E7"/>
+                    </a:solidFill>
+                  </a:tcPr>
+                </a:tc>
+                <a:tc>
+                  <a:txBody>
+                    <a:bodyPr/>
+                    <a:lstStyle/>
+                    <a:p>
+                      <a:pPr algn="r" fontAlgn="b"/>
+                      <a:r>
+                        <a:rPr lang="en-US" sz="1100" b="0" i="0" u="none" strike="noStrike">
+                          <a:solidFill>
+                            <a:srgbClr val="000000"/>
+                          </a:solidFill>
+                          <a:effectLst/>
+                          <a:latin typeface="Calibri" panose="020F0502020204030204" pitchFamily="34" charset="0"/>
+                        </a:rPr>
+                        <a:t>0.828804348</a:t>
+                      </a:r>
+                    </a:p>
+                  </a:txBody>
+                  <a:tcPr marL="9525" marR="9525" marT="9525" marB="0" anchor="b">
+                    <a:lnL>
+                      <a:noFill/>
+                    </a:lnL>
+                    <a:lnR>
+                      <a:noFill/>
+                    </a:lnR>
+                    <a:lnT>
+                      <a:noFill/>
+                    </a:lnT>
+                    <a:lnB>
+                      <a:noFill/>
+                    </a:lnB>
+                    <a:solidFill>
+                      <a:srgbClr val="B4C6E7"/>
+                    </a:solidFill>
+                  </a:tcPr>
+                </a:tc>
+                <a:extLst>
+                  <a:ext uri="{0D108BD9-81ED-4DB2-BD59-A6C34878D82A}">
+                    <a16:rowId xmlns:a16="http://schemas.microsoft.com/office/drawing/2014/main" val="864202731"/>
+                  </a:ext>
+                </a:extLst>
+              </a:tr>
+              <a:tr h="190500">
+                <a:tc>
+                  <a:txBody>
+                    <a:bodyPr/>
+                    <a:lstStyle/>
+                    <a:p>
+                      <a:pPr algn="ctr" fontAlgn="b"/>
+                      <a:r>
+                        <a:rPr lang="en-US" sz="1100" b="0" i="0" u="none" strike="noStrike">
+                          <a:solidFill>
+                            <a:srgbClr val="000000"/>
+                          </a:solidFill>
+                          <a:effectLst/>
+                          <a:latin typeface="Calibri" panose="020F0502020204030204" pitchFamily="34" charset="0"/>
+                        </a:rPr>
+                        <a:t>5</a:t>
+                      </a:r>
+                    </a:p>
+                  </a:txBody>
+                  <a:tcPr marL="9525" marR="9525" marT="9525" marB="0" anchor="b">
+                    <a:lnL>
+                      <a:noFill/>
+                    </a:lnL>
+                    <a:lnR>
+                      <a:noFill/>
+                    </a:lnR>
+                    <a:lnT>
+                      <a:noFill/>
+                    </a:lnT>
+                    <a:lnB>
+                      <a:noFill/>
+                    </a:lnB>
+                    <a:solidFill>
+                      <a:srgbClr val="D9E1F2"/>
+                    </a:solidFill>
+                  </a:tcPr>
+                </a:tc>
+                <a:tc>
+                  <a:txBody>
+                    <a:bodyPr/>
+                    <a:lstStyle/>
+                    <a:p>
+                      <a:pPr algn="l" fontAlgn="b"/>
+                      <a:r>
+                        <a:rPr lang="en-US" sz="1100" b="0" i="0" u="none" strike="noStrike">
+                          <a:solidFill>
+                            <a:srgbClr val="000000"/>
+                          </a:solidFill>
+                          <a:effectLst/>
+                          <a:latin typeface="Calibri" panose="020F0502020204030204" pitchFamily="34" charset="0"/>
+                        </a:rPr>
+                        <a:t>identity </a:t>
+                      </a:r>
+                    </a:p>
+                  </a:txBody>
+                  <a:tcPr marL="9525" marR="9525" marT="9525" marB="0" anchor="b">
+                    <a:lnL>
+                      <a:noFill/>
+                    </a:lnL>
+                    <a:lnR>
+                      <a:noFill/>
+                    </a:lnR>
+                    <a:lnT>
+                      <a:noFill/>
+                    </a:lnT>
+                    <a:lnB>
+                      <a:noFill/>
+                    </a:lnB>
+                    <a:solidFill>
+                      <a:srgbClr val="D9E1F2"/>
+                    </a:solidFill>
+                  </a:tcPr>
+                </a:tc>
+                <a:tc>
+                  <a:txBody>
+                    <a:bodyPr/>
+                    <a:lstStyle/>
+                    <a:p>
+                      <a:pPr algn="r" fontAlgn="b"/>
+                      <a:r>
+                        <a:rPr lang="en-US" sz="1100" b="0" i="0" u="none" strike="noStrike">
+                          <a:solidFill>
+                            <a:srgbClr val="000000"/>
+                          </a:solidFill>
+                          <a:effectLst/>
+                          <a:latin typeface="Calibri" panose="020F0502020204030204" pitchFamily="34" charset="0"/>
+                        </a:rPr>
+                        <a:t>100</a:t>
+                      </a:r>
+                    </a:p>
+                  </a:txBody>
+                  <a:tcPr marL="9525" marR="9525" marT="9525" marB="0" anchor="b">
+                    <a:lnL>
+                      <a:noFill/>
+                    </a:lnL>
+                    <a:lnR>
+                      <a:noFill/>
+                    </a:lnR>
+                    <a:lnT>
+                      <a:noFill/>
+                    </a:lnT>
+                    <a:lnB>
+                      <a:noFill/>
+                    </a:lnB>
+                    <a:solidFill>
+                      <a:srgbClr val="D9E1F2"/>
+                    </a:solidFill>
+                  </a:tcPr>
+                </a:tc>
+                <a:tc>
+                  <a:txBody>
+                    <a:bodyPr/>
+                    <a:lstStyle/>
+                    <a:p>
+                      <a:pPr algn="r" fontAlgn="b"/>
+                      <a:r>
+                        <a:rPr lang="en-US" sz="1100" b="0" i="0" u="none" strike="noStrike" dirty="0">
+                          <a:solidFill>
+                            <a:srgbClr val="000000"/>
+                          </a:solidFill>
+                          <a:effectLst/>
+                          <a:latin typeface="Calibri" panose="020F0502020204030204" pitchFamily="34" charset="0"/>
+                        </a:rPr>
+                        <a:t>0.997282609</a:t>
+                      </a:r>
+                    </a:p>
+                  </a:txBody>
+                  <a:tcPr marL="9525" marR="9525" marT="9525" marB="0" anchor="b">
+                    <a:lnL>
+                      <a:noFill/>
+                    </a:lnL>
+                    <a:lnR>
+                      <a:noFill/>
+                    </a:lnR>
+                    <a:lnT>
+                      <a:noFill/>
+                    </a:lnT>
+                    <a:lnB>
+                      <a:noFill/>
+                    </a:lnB>
+                    <a:solidFill>
+                      <a:srgbClr val="D9E1F2"/>
+                    </a:solidFill>
+                  </a:tcPr>
+                </a:tc>
+                <a:extLst>
+                  <a:ext uri="{0D108BD9-81ED-4DB2-BD59-A6C34878D82A}">
+                    <a16:rowId xmlns:a16="http://schemas.microsoft.com/office/drawing/2014/main" val="2570557747"/>
+                  </a:ext>
+                </a:extLst>
+              </a:tr>
+            </a:tbl>
+          </a:graphicData>
+        </a:graphic>
+      </p:graphicFrame>
+    </p:spTree>
+    <p:extLst>
+      <p:ext uri="{BB962C8B-B14F-4D97-AF65-F5344CB8AC3E}">
+        <p14:creationId xmlns:p14="http://schemas.microsoft.com/office/powerpoint/2010/main" val="196103955"/>
+      </p:ext>
+    </p:extLst>
+  </p:cSld>
+  <p:clrMapOvr>
+    <a:masterClrMapping/>
+  </p:clrMapOvr>
+</p:sld>
+</file>
+
+<file path=ppt/slides/slide22.xml><?xml version="1.0" encoding="utf-8"?>
 <p:sld xmlns:a="http://schemas.openxmlformats.org/drawingml/2006/main" xmlns:r="http://schemas.openxmlformats.org/officeDocument/2006/relationships" xmlns:p="http://schemas.openxmlformats.org/presentationml/2006/main">
   <p:cSld>
     <p:spTree>
@@ -7692,7 +9906,7 @@
 </p:sld>
 </file>
 
-<file path=ppt/slides/slide18.xml><?xml version="1.0" encoding="utf-8"?>
+<file path=ppt/slides/slide23.xml><?xml version="1.0" encoding="utf-8"?>
 <p:sld xmlns:a="http://schemas.openxmlformats.org/drawingml/2006/main" xmlns:r="http://schemas.openxmlformats.org/officeDocument/2006/relationships" xmlns:p="http://schemas.openxmlformats.org/presentationml/2006/main">
   <p:cSld>
     <p:spTree>
@@ -7825,7 +10039,7 @@
 </p:sld>
 </file>
 
-<file path=ppt/slides/slide19.xml><?xml version="1.0" encoding="utf-8"?>
+<file path=ppt/slides/slide24.xml><?xml version="1.0" encoding="utf-8"?>
 <p:sld xmlns:a="http://schemas.openxmlformats.org/drawingml/2006/main" xmlns:r="http://schemas.openxmlformats.org/officeDocument/2006/relationships" xmlns:p="http://schemas.openxmlformats.org/presentationml/2006/main">
   <p:cSld>
     <p:spTree>
@@ -7911,6 +10125,10 @@
                 <a:ea typeface="DejaVu Sans"/>
               </a:rPr>
             </a:br>
+            <a:r>
+              <a:rPr sz="2800" dirty="0"/>
+              <a:t/>
+            </a:r>
             <a:br>
               <a:rPr sz="2800" dirty="0"/>
             </a:br>
@@ -7937,9 +10155,17 @@
               </a:rPr>
               <a:t>Coprimes</a:t>
             </a:r>
+            <a:r>
+              <a:rPr sz="2800" dirty="0"/>
+              <a:t/>
+            </a:r>
             <a:br>
               <a:rPr sz="2800" dirty="0"/>
             </a:br>
+            <a:r>
+              <a:rPr lang="en-US" sz="2800" dirty="0"/>
+              <a:t/>
+            </a:r>
             <a:br>
               <a:rPr lang="en-US" sz="2800" dirty="0"/>
             </a:br>
@@ -7958,9 +10184,17 @@
               </a:rPr>
               <a:t>Members of Curves and Intersections of Sack’s Spiral</a:t>
             </a:r>
+            <a:r>
+              <a:rPr sz="2800" dirty="0"/>
+              <a:t/>
+            </a:r>
             <a:br>
               <a:rPr sz="2800" dirty="0"/>
             </a:br>
+            <a:r>
+              <a:rPr lang="en-US" sz="2800" dirty="0"/>
+              <a:t/>
+            </a:r>
             <a:br>
               <a:rPr lang="en-US" sz="2800" dirty="0"/>
             </a:br>
@@ -8009,9 +10243,17 @@
               </a:rPr>
               <a:t> Spiral</a:t>
             </a:r>
+            <a:r>
+              <a:rPr sz="2800" dirty="0"/>
+              <a:t/>
+            </a:r>
             <a:br>
               <a:rPr sz="2800" dirty="0"/>
             </a:br>
+            <a:r>
+              <a:rPr lang="en-US" sz="2800" dirty="0"/>
+              <a:t/>
+            </a:r>
             <a:br>
               <a:rPr lang="en-US" sz="2800" dirty="0"/>
             </a:br>
@@ -8228,108 +10470,7 @@
 </p:sld>
 </file>
 
-<file path=ppt/slides/slide2.xml><?xml version="1.0" encoding="utf-8"?>
-<p:sld xmlns:a="http://schemas.openxmlformats.org/drawingml/2006/main" xmlns:r="http://schemas.openxmlformats.org/officeDocument/2006/relationships" xmlns:p="http://schemas.openxmlformats.org/presentationml/2006/main">
-  <p:cSld>
-    <p:spTree>
-      <p:nvGrpSpPr>
-        <p:cNvPr id="1" name=""/>
-        <p:cNvGrpSpPr/>
-        <p:nvPr/>
-      </p:nvGrpSpPr>
-      <p:grpSpPr>
-        <a:xfrm>
-          <a:off x="0" y="0"/>
-          <a:ext cx="0" cy="0"/>
-          <a:chOff x="0" y="0"/>
-          <a:chExt cx="0" cy="0"/>
-        </a:xfrm>
-      </p:grpSpPr>
-      <p:sp>
-        <p:nvSpPr>
-          <p:cNvPr id="2" name="Title 1">
-            <a:extLst>
-              <a:ext uri="{FF2B5EF4-FFF2-40B4-BE49-F238E27FC236}">
-                <a16:creationId xmlns:a16="http://schemas.microsoft.com/office/drawing/2014/main" id="{27C649FB-C823-492E-AA4E-9BAD1E8DCE70}"/>
-              </a:ext>
-            </a:extLst>
-          </p:cNvPr>
-          <p:cNvSpPr>
-            <a:spLocks noGrp="1"/>
-          </p:cNvSpPr>
-          <p:nvPr>
-            <p:ph type="title"/>
-          </p:nvPr>
-        </p:nvSpPr>
-        <p:spPr/>
-        <p:txBody>
-          <a:bodyPr/>
-          <a:lstStyle/>
-          <a:p>
-            <a:r>
-              <a:rPr lang="en-US" dirty="0">
-                <a:solidFill>
-                  <a:schemeClr val="bg1"/>
-                </a:solidFill>
-              </a:rPr>
-              <a:t>Objective</a:t>
-            </a:r>
-          </a:p>
-        </p:txBody>
-      </p:sp>
-      <p:sp>
-        <p:nvSpPr>
-          <p:cNvPr id="3" name="Text Placeholder 2">
-            <a:extLst>
-              <a:ext uri="{FF2B5EF4-FFF2-40B4-BE49-F238E27FC236}">
-                <a16:creationId xmlns:a16="http://schemas.microsoft.com/office/drawing/2014/main" id="{E3DEDE3F-A616-4938-A960-89E01E4765E0}"/>
-              </a:ext>
-            </a:extLst>
-          </p:cNvPr>
-          <p:cNvSpPr>
-            <a:spLocks noGrp="1"/>
-          </p:cNvSpPr>
-          <p:nvPr>
-            <p:ph type="body"/>
-          </p:nvPr>
-        </p:nvSpPr>
-        <p:spPr>
-          <a:xfrm>
-            <a:off x="609480" y="2043954"/>
-            <a:ext cx="10972440" cy="1909481"/>
-          </a:xfrm>
-        </p:spPr>
-        <p:txBody>
-          <a:bodyPr>
-            <a:noAutofit/>
-          </a:bodyPr>
-          <a:lstStyle/>
-          <a:p>
-            <a:r>
-              <a:rPr lang="en-US" sz="3200" dirty="0">
-                <a:solidFill>
-                  <a:schemeClr val="bg1"/>
-                </a:solidFill>
-              </a:rPr>
-              <a:t>Take a preliminary step into seeing if using an ensemble of primality/composite tests can lead to a “good” prediction of prime numbers.</a:t>
-            </a:r>
-          </a:p>
-        </p:txBody>
-      </p:sp>
-    </p:spTree>
-    <p:extLst>
-      <p:ext uri="{BB962C8B-B14F-4D97-AF65-F5344CB8AC3E}">
-        <p14:creationId xmlns:p14="http://schemas.microsoft.com/office/powerpoint/2010/main" val="2507510244"/>
-      </p:ext>
-    </p:extLst>
-  </p:cSld>
-  <p:clrMapOvr>
-    <a:masterClrMapping/>
-  </p:clrMapOvr>
-</p:sld>
-</file>
-
-<file path=ppt/slides/slide20.xml><?xml version="1.0" encoding="utf-8"?>
+<file path=ppt/slides/slide25.xml><?xml version="1.0" encoding="utf-8"?>
 <p:sld xmlns:a="http://schemas.openxmlformats.org/drawingml/2006/main" xmlns:r="http://schemas.openxmlformats.org/officeDocument/2006/relationships" xmlns:p="http://schemas.openxmlformats.org/presentationml/2006/main">
   <p:cSld>
     <p:spTree>
@@ -8450,9 +10591,17 @@
               </a:rPr>
               <a:t>Find if a subset of primes can be reliably identified.</a:t>
             </a:r>
+            <a:r>
+              <a:rPr lang="en-US" sz="2400" dirty="0"/>
+              <a:t/>
+            </a:r>
             <a:br>
               <a:rPr lang="en-US" sz="2400" dirty="0"/>
             </a:br>
+            <a:r>
+              <a:rPr lang="en-US" sz="2400" dirty="0"/>
+              <a:t/>
+            </a:r>
             <a:br>
               <a:rPr lang="en-US" sz="2400" dirty="0"/>
             </a:br>
@@ -8470,9 +10619,17 @@
               </a:rPr>
               <a:t>Find a correlation between different spiral, or spiral like, organizations of natural numbers and the probability of being prime. i.e. prime density</a:t>
             </a:r>
+            <a:r>
+              <a:rPr lang="en-US" sz="2400" dirty="0"/>
+              <a:t/>
+            </a:r>
             <a:br>
               <a:rPr lang="en-US" sz="2400" dirty="0"/>
             </a:br>
+            <a:r>
+              <a:rPr lang="en-US" sz="2400" dirty="0"/>
+              <a:t/>
+            </a:r>
             <a:br>
               <a:rPr lang="en-US" sz="2400" dirty="0"/>
             </a:br>
@@ -8594,7 +10751,7 @@
 </p:sld>
 </file>
 
-<file path=ppt/slides/slide21.xml><?xml version="1.0" encoding="utf-8"?>
+<file path=ppt/slides/slide26.xml><?xml version="1.0" encoding="utf-8"?>
 <p:sld xmlns:a="http://schemas.openxmlformats.org/drawingml/2006/main" xmlns:r="http://schemas.openxmlformats.org/officeDocument/2006/relationships" xmlns:p="http://schemas.openxmlformats.org/presentationml/2006/main">
   <p:cSld>
     <p:spTree>
@@ -9001,9 +11158,35 @@
           <a:prstGeom prst="rect">
             <a:avLst/>
           </a:prstGeom>
-          <a:ln>
-            <a:noFill/>
+          <a:solidFill>
+            <a:srgbClr val="FFFFFF">
+              <a:shade val="85000"/>
+            </a:srgbClr>
+          </a:solidFill>
+          <a:ln w="190500" cap="rnd">
+            <a:solidFill>
+              <a:srgbClr val="FFFFFF"/>
+            </a:solidFill>
           </a:ln>
+          <a:effectLst>
+            <a:outerShdw blurRad="50000" algn="tl" rotWithShape="0">
+              <a:srgbClr val="000000">
+                <a:alpha val="41000"/>
+              </a:srgbClr>
+            </a:outerShdw>
+          </a:effectLst>
+          <a:scene3d>
+            <a:camera prst="orthographicFront"/>
+            <a:lightRig rig="twoPt" dir="t">
+              <a:rot lat="0" lon="0" rev="7800000"/>
+            </a:lightRig>
+          </a:scene3d>
+          <a:sp3d contourW="6350">
+            <a:bevelT w="50800" h="16510"/>
+            <a:contourClr>
+              <a:srgbClr val="C0C0C0"/>
+            </a:contourClr>
+          </a:sp3d>
         </p:spPr>
       </p:pic>
       <p:sp>
